--- a/Cypress.pptx
+++ b/Cypress.pptx
@@ -6,7 +6,14 @@
   </p:sldMasterIdLst>
   <p:sldIdLst>
     <p:sldId id="256" r:id="rId2"/>
-    <p:sldId id="257" r:id="rId3"/>
+    <p:sldId id="258" r:id="rId3"/>
+    <p:sldId id="263" r:id="rId4"/>
+    <p:sldId id="260" r:id="rId5"/>
+    <p:sldId id="257" r:id="rId6"/>
+    <p:sldId id="261" r:id="rId7"/>
+    <p:sldId id="262" r:id="rId8"/>
+    <p:sldId id="259" r:id="rId9"/>
+    <p:sldId id="264" r:id="rId10"/>
   </p:sldIdLst>
   <p:sldSz cx="12192000" cy="6858000"/>
   <p:notesSz cx="6858000" cy="9144000"/>
@@ -105,13 +112,18 @@
       </a:defRPr>
     </a:lvl9pPr>
   </p:defaultTextStyle>
+  <p:extLst>
+    <p:ext uri="{EFAFB233-063F-42B5-8137-9DF3F51BA10A}">
+      <p15:sldGuideLst xmlns:p15="http://schemas.microsoft.com/office/powerpoint/2012/main"/>
+    </p:ext>
+  </p:extLst>
 </p:presentation>
 </file>
 
 <file path=ppt/revisionInfo.xml><?xml version="1.0" encoding="utf-8"?>
 <p1510:revInfo xmlns:a="http://schemas.openxmlformats.org/drawingml/2006/main" xmlns:r="http://schemas.openxmlformats.org/officeDocument/2006/relationships" xmlns:p1510="http://schemas.microsoft.com/office/powerpoint/2015/10/main">
   <p1510:revLst>
-    <p1510:client id="{F9570483-8DF6-416D-A6DC-4C709DB57201}" v="2" dt="2020-06-12T13:55:07.991"/>
+    <p1510:client id="{F9570483-8DF6-416D-A6DC-4C709DB57201}" v="32" dt="2020-07-01T13:59:11.415"/>
   </p1510:revLst>
 </p1510:revInfo>
 </file>
@@ -121,23 +133,177 @@
   <pc:docChgLst>
     <pc:chgData name="Sebastien Martin" userId="e16bbc64-aab8-4ce9-b0e4-dda008fb8cef" providerId="ADAL" clId="{F9570483-8DF6-416D-A6DC-4C709DB57201}"/>
     <pc:docChg chg="addSld modSld">
-      <pc:chgData name="Sebastien Martin" userId="e16bbc64-aab8-4ce9-b0e4-dda008fb8cef" providerId="ADAL" clId="{F9570483-8DF6-416D-A6DC-4C709DB57201}" dt="2020-06-12T13:55:07.985" v="1"/>
+      <pc:chgData name="Sebastien Martin" userId="e16bbc64-aab8-4ce9-b0e4-dda008fb8cef" providerId="ADAL" clId="{F9570483-8DF6-416D-A6DC-4C709DB57201}" dt="2020-07-01T13:59:11.415" v="31" actId="207"/>
       <pc:docMkLst>
         <pc:docMk/>
       </pc:docMkLst>
-      <pc:sldChg chg="add">
-        <pc:chgData name="Sebastien Martin" userId="e16bbc64-aab8-4ce9-b0e4-dda008fb8cef" providerId="ADAL" clId="{F9570483-8DF6-416D-A6DC-4C709DB57201}" dt="2020-06-12T13:55:05.223" v="0"/>
+      <pc:sldChg chg="modSp add">
+        <pc:chgData name="Sebastien Martin" userId="e16bbc64-aab8-4ce9-b0e4-dda008fb8cef" providerId="ADAL" clId="{F9570483-8DF6-416D-A6DC-4C709DB57201}" dt="2020-07-01T12:29:42.260" v="2"/>
         <pc:sldMkLst>
           <pc:docMk/>
           <pc:sldMk cId="3927031908" sldId="256"/>
         </pc:sldMkLst>
+        <pc:spChg chg="mod">
+          <ac:chgData name="Sebastien Martin" userId="e16bbc64-aab8-4ce9-b0e4-dda008fb8cef" providerId="ADAL" clId="{F9570483-8DF6-416D-A6DC-4C709DB57201}" dt="2020-07-01T12:29:42.260" v="2"/>
+          <ac:spMkLst>
+            <pc:docMk/>
+            <pc:sldMk cId="3927031908" sldId="256"/>
+            <ac:spMk id="3" creationId="{B23FF208-A4B2-4E76-8023-77BF40662411}"/>
+          </ac:spMkLst>
+        </pc:spChg>
       </pc:sldChg>
-      <pc:sldChg chg="add">
-        <pc:chgData name="Sebastien Martin" userId="e16bbc64-aab8-4ce9-b0e4-dda008fb8cef" providerId="ADAL" clId="{F9570483-8DF6-416D-A6DC-4C709DB57201}" dt="2020-06-12T13:55:07.985" v="1"/>
+      <pc:sldChg chg="modSp add">
+        <pc:chgData name="Sebastien Martin" userId="e16bbc64-aab8-4ce9-b0e4-dda008fb8cef" providerId="ADAL" clId="{F9570483-8DF6-416D-A6DC-4C709DB57201}" dt="2020-07-01T12:44:00.323" v="6"/>
         <pc:sldMkLst>
           <pc:docMk/>
           <pc:sldMk cId="785267768" sldId="257"/>
         </pc:sldMkLst>
+        <pc:spChg chg="mod">
+          <ac:chgData name="Sebastien Martin" userId="e16bbc64-aab8-4ce9-b0e4-dda008fb8cef" providerId="ADAL" clId="{F9570483-8DF6-416D-A6DC-4C709DB57201}" dt="2020-07-01T12:44:00.323" v="6"/>
+          <ac:spMkLst>
+            <pc:docMk/>
+            <pc:sldMk cId="785267768" sldId="257"/>
+            <ac:spMk id="3" creationId="{9E8CC6F3-FAAD-4A66-922B-134DA6B5F500}"/>
+          </ac:spMkLst>
+        </pc:spChg>
+      </pc:sldChg>
+      <pc:sldChg chg="addSp modSp">
+        <pc:chgData name="Sebastien Martin" userId="e16bbc64-aab8-4ce9-b0e4-dda008fb8cef" providerId="ADAL" clId="{F9570483-8DF6-416D-A6DC-4C709DB57201}" dt="2020-07-01T13:05:43.808" v="22"/>
+        <pc:sldMkLst>
+          <pc:docMk/>
+          <pc:sldMk cId="98759267" sldId="258"/>
+        </pc:sldMkLst>
+        <pc:spChg chg="mod">
+          <ac:chgData name="Sebastien Martin" userId="e16bbc64-aab8-4ce9-b0e4-dda008fb8cef" providerId="ADAL" clId="{F9570483-8DF6-416D-A6DC-4C709DB57201}" dt="2020-07-01T13:05:43.808" v="22"/>
+          <ac:spMkLst>
+            <pc:docMk/>
+            <pc:sldMk cId="98759267" sldId="258"/>
+            <ac:spMk id="3" creationId="{1BD76F33-0CD5-48CC-BBB4-DDB18F39E19F}"/>
+          </ac:spMkLst>
+        </pc:spChg>
+        <pc:picChg chg="add">
+          <ac:chgData name="Sebastien Martin" userId="e16bbc64-aab8-4ce9-b0e4-dda008fb8cef" providerId="ADAL" clId="{F9570483-8DF6-416D-A6DC-4C709DB57201}" dt="2020-07-01T12:32:19.459" v="3"/>
+          <ac:picMkLst>
+            <pc:docMk/>
+            <pc:sldMk cId="98759267" sldId="258"/>
+            <ac:picMk id="4" creationId="{2629F5A7-0CB9-43A5-AEBA-57FEDB4FE7D8}"/>
+          </ac:picMkLst>
+        </pc:picChg>
+      </pc:sldChg>
+      <pc:sldChg chg="modSp">
+        <pc:chgData name="Sebastien Martin" userId="e16bbc64-aab8-4ce9-b0e4-dda008fb8cef" providerId="ADAL" clId="{F9570483-8DF6-416D-A6DC-4C709DB57201}" dt="2020-07-01T13:59:11.415" v="31" actId="207"/>
+        <pc:sldMkLst>
+          <pc:docMk/>
+          <pc:sldMk cId="1547575731" sldId="259"/>
+        </pc:sldMkLst>
+        <pc:spChg chg="mod">
+          <ac:chgData name="Sebastien Martin" userId="e16bbc64-aab8-4ce9-b0e4-dda008fb8cef" providerId="ADAL" clId="{F9570483-8DF6-416D-A6DC-4C709DB57201}" dt="2020-07-01T13:59:11.415" v="31" actId="207"/>
+          <ac:spMkLst>
+            <pc:docMk/>
+            <pc:sldMk cId="1547575731" sldId="259"/>
+            <ac:spMk id="3" creationId="{CC88863A-5999-4B92-B196-6053018EE4AA}"/>
+          </ac:spMkLst>
+        </pc:spChg>
+      </pc:sldChg>
+      <pc:sldChg chg="addSp delSp modSp">
+        <pc:chgData name="Sebastien Martin" userId="e16bbc64-aab8-4ce9-b0e4-dda008fb8cef" providerId="ADAL" clId="{F9570483-8DF6-416D-A6DC-4C709DB57201}" dt="2020-07-01T12:41:24.171" v="4"/>
+        <pc:sldMkLst>
+          <pc:docMk/>
+          <pc:sldMk cId="1264359161" sldId="260"/>
+        </pc:sldMkLst>
+        <pc:spChg chg="del">
+          <ac:chgData name="Sebastien Martin" userId="e16bbc64-aab8-4ce9-b0e4-dda008fb8cef" providerId="ADAL" clId="{F9570483-8DF6-416D-A6DC-4C709DB57201}" dt="2020-07-01T12:41:24.171" v="4"/>
+          <ac:spMkLst>
+            <pc:docMk/>
+            <pc:sldMk cId="1264359161" sldId="260"/>
+            <ac:spMk id="3" creationId="{953BA0F4-B1E8-4B9C-B04A-8A3AA0D5FE61}"/>
+          </ac:spMkLst>
+        </pc:spChg>
+        <pc:picChg chg="add mod">
+          <ac:chgData name="Sebastien Martin" userId="e16bbc64-aab8-4ce9-b0e4-dda008fb8cef" providerId="ADAL" clId="{F9570483-8DF6-416D-A6DC-4C709DB57201}" dt="2020-07-01T12:41:24.171" v="4"/>
+          <ac:picMkLst>
+            <pc:docMk/>
+            <pc:sldMk cId="1264359161" sldId="260"/>
+            <ac:picMk id="4" creationId="{5C660AD4-36CA-436C-BE66-5C7AF582869E}"/>
+          </ac:picMkLst>
+        </pc:picChg>
+      </pc:sldChg>
+      <pc:sldChg chg="addSp">
+        <pc:chgData name="Sebastien Martin" userId="e16bbc64-aab8-4ce9-b0e4-dda008fb8cef" providerId="ADAL" clId="{F9570483-8DF6-416D-A6DC-4C709DB57201}" dt="2020-07-01T13:18:43.434" v="27"/>
+        <pc:sldMkLst>
+          <pc:docMk/>
+          <pc:sldMk cId="139270608" sldId="261"/>
+        </pc:sldMkLst>
+        <pc:picChg chg="add">
+          <ac:chgData name="Sebastien Martin" userId="e16bbc64-aab8-4ce9-b0e4-dda008fb8cef" providerId="ADAL" clId="{F9570483-8DF6-416D-A6DC-4C709DB57201}" dt="2020-07-01T13:18:43.434" v="27"/>
+          <ac:picMkLst>
+            <pc:docMk/>
+            <pc:sldMk cId="139270608" sldId="261"/>
+            <ac:picMk id="4" creationId="{D7B2A3DC-9DAE-42C4-8655-A0ED41BE2F22}"/>
+          </ac:picMkLst>
+        </pc:picChg>
+      </pc:sldChg>
+      <pc:sldChg chg="addSp delSp modSp">
+        <pc:chgData name="Sebastien Martin" userId="e16bbc64-aab8-4ce9-b0e4-dda008fb8cef" providerId="ADAL" clId="{F9570483-8DF6-416D-A6DC-4C709DB57201}" dt="2020-07-01T13:15:58" v="26" actId="767"/>
+        <pc:sldMkLst>
+          <pc:docMk/>
+          <pc:sldMk cId="3663127601" sldId="263"/>
+        </pc:sldMkLst>
+        <pc:spChg chg="del">
+          <ac:chgData name="Sebastien Martin" userId="e16bbc64-aab8-4ce9-b0e4-dda008fb8cef" providerId="ADAL" clId="{F9570483-8DF6-416D-A6DC-4C709DB57201}" dt="2020-07-01T13:12:15.445" v="23"/>
+          <ac:spMkLst>
+            <pc:docMk/>
+            <pc:sldMk cId="3663127601" sldId="263"/>
+            <ac:spMk id="3" creationId="{70A3A2D5-F301-4135-B871-26131897C8E5}"/>
+          </ac:spMkLst>
+        </pc:spChg>
+        <pc:spChg chg="add mod">
+          <ac:chgData name="Sebastien Martin" userId="e16bbc64-aab8-4ce9-b0e4-dda008fb8cef" providerId="ADAL" clId="{F9570483-8DF6-416D-A6DC-4C709DB57201}" dt="2020-07-01T13:14:26.560" v="24" actId="767"/>
+          <ac:spMkLst>
+            <pc:docMk/>
+            <pc:sldMk cId="3663127601" sldId="263"/>
+            <ac:spMk id="5" creationId="{94B5CDDC-F1F1-4B59-8A0A-3C909A3EA8A5}"/>
+          </ac:spMkLst>
+        </pc:spChg>
+        <pc:spChg chg="add mod">
+          <ac:chgData name="Sebastien Martin" userId="e16bbc64-aab8-4ce9-b0e4-dda008fb8cef" providerId="ADAL" clId="{F9570483-8DF6-416D-A6DC-4C709DB57201}" dt="2020-07-01T13:14:43.245" v="25"/>
+          <ac:spMkLst>
+            <pc:docMk/>
+            <pc:sldMk cId="3663127601" sldId="263"/>
+            <ac:spMk id="6" creationId="{724F6A45-7917-46B9-9EA2-BF03C39BBD24}"/>
+          </ac:spMkLst>
+        </pc:spChg>
+        <pc:spChg chg="add mod">
+          <ac:chgData name="Sebastien Martin" userId="e16bbc64-aab8-4ce9-b0e4-dda008fb8cef" providerId="ADAL" clId="{F9570483-8DF6-416D-A6DC-4C709DB57201}" dt="2020-07-01T13:15:58" v="26" actId="767"/>
+          <ac:spMkLst>
+            <pc:docMk/>
+            <pc:sldMk cId="3663127601" sldId="263"/>
+            <ac:spMk id="7" creationId="{AF9C2C5B-3C17-47E7-9930-51596DA90927}"/>
+          </ac:spMkLst>
+        </pc:spChg>
+        <pc:picChg chg="add mod">
+          <ac:chgData name="Sebastien Martin" userId="e16bbc64-aab8-4ce9-b0e4-dda008fb8cef" providerId="ADAL" clId="{F9570483-8DF6-416D-A6DC-4C709DB57201}" dt="2020-07-01T13:12:15.445" v="23"/>
+          <ac:picMkLst>
+            <pc:docMk/>
+            <pc:sldMk cId="3663127601" sldId="263"/>
+            <ac:picMk id="4" creationId="{C96FEC96-868B-45BF-85DA-1CA417F3D840}"/>
+          </ac:picMkLst>
+        </pc:picChg>
+      </pc:sldChg>
+      <pc:sldChg chg="modSp">
+        <pc:chgData name="Sebastien Martin" userId="e16bbc64-aab8-4ce9-b0e4-dda008fb8cef" providerId="ADAL" clId="{F9570483-8DF6-416D-A6DC-4C709DB57201}" dt="2020-07-01T13:57:48.533" v="29"/>
+        <pc:sldMkLst>
+          <pc:docMk/>
+          <pc:sldMk cId="2493817114" sldId="264"/>
+        </pc:sldMkLst>
+        <pc:spChg chg="mod">
+          <ac:chgData name="Sebastien Martin" userId="e16bbc64-aab8-4ce9-b0e4-dda008fb8cef" providerId="ADAL" clId="{F9570483-8DF6-416D-A6DC-4C709DB57201}" dt="2020-07-01T13:57:48.533" v="29"/>
+          <ac:spMkLst>
+            <pc:docMk/>
+            <pc:sldMk cId="2493817114" sldId="264"/>
+            <ac:spMk id="3" creationId="{19A28E86-8B70-4BCE-AD79-C2E438A8EDE9}"/>
+          </ac:spMkLst>
+        </pc:spChg>
       </pc:sldChg>
     </pc:docChg>
   </pc:docChgLst>
@@ -293,7 +459,7 @@
           <a:p>
             <a:fld id="{ECAC8B8A-DD2B-4203-8016-EC01F0EFD829}" type="datetimeFigureOut">
               <a:rPr lang="fr-FR" smtClean="0"/>
-              <a:t>12/06/2020</a:t>
+              <a:t>01/07/2020</a:t>
             </a:fld>
             <a:endParaRPr lang="fr-FR"/>
           </a:p>
@@ -493,7 +659,7 @@
           <a:p>
             <a:fld id="{ECAC8B8A-DD2B-4203-8016-EC01F0EFD829}" type="datetimeFigureOut">
               <a:rPr lang="fr-FR" smtClean="0"/>
-              <a:t>12/06/2020</a:t>
+              <a:t>01/07/2020</a:t>
             </a:fld>
             <a:endParaRPr lang="fr-FR"/>
           </a:p>
@@ -703,7 +869,7 @@
           <a:p>
             <a:fld id="{ECAC8B8A-DD2B-4203-8016-EC01F0EFD829}" type="datetimeFigureOut">
               <a:rPr lang="fr-FR" smtClean="0"/>
-              <a:t>12/06/2020</a:t>
+              <a:t>01/07/2020</a:t>
             </a:fld>
             <a:endParaRPr lang="fr-FR"/>
           </a:p>
@@ -903,7 +1069,7 @@
           <a:p>
             <a:fld id="{ECAC8B8A-DD2B-4203-8016-EC01F0EFD829}" type="datetimeFigureOut">
               <a:rPr lang="fr-FR" smtClean="0"/>
-              <a:t>12/06/2020</a:t>
+              <a:t>01/07/2020</a:t>
             </a:fld>
             <a:endParaRPr lang="fr-FR"/>
           </a:p>
@@ -1179,7 +1345,7 @@
           <a:p>
             <a:fld id="{ECAC8B8A-DD2B-4203-8016-EC01F0EFD829}" type="datetimeFigureOut">
               <a:rPr lang="fr-FR" smtClean="0"/>
-              <a:t>12/06/2020</a:t>
+              <a:t>01/07/2020</a:t>
             </a:fld>
             <a:endParaRPr lang="fr-FR"/>
           </a:p>
@@ -1447,7 +1613,7 @@
           <a:p>
             <a:fld id="{ECAC8B8A-DD2B-4203-8016-EC01F0EFD829}" type="datetimeFigureOut">
               <a:rPr lang="fr-FR" smtClean="0"/>
-              <a:t>12/06/2020</a:t>
+              <a:t>01/07/2020</a:t>
             </a:fld>
             <a:endParaRPr lang="fr-FR"/>
           </a:p>
@@ -1862,7 +2028,7 @@
           <a:p>
             <a:fld id="{ECAC8B8A-DD2B-4203-8016-EC01F0EFD829}" type="datetimeFigureOut">
               <a:rPr lang="fr-FR" smtClean="0"/>
-              <a:t>12/06/2020</a:t>
+              <a:t>01/07/2020</a:t>
             </a:fld>
             <a:endParaRPr lang="fr-FR"/>
           </a:p>
@@ -2004,7 +2170,7 @@
           <a:p>
             <a:fld id="{ECAC8B8A-DD2B-4203-8016-EC01F0EFD829}" type="datetimeFigureOut">
               <a:rPr lang="fr-FR" smtClean="0"/>
-              <a:t>12/06/2020</a:t>
+              <a:t>01/07/2020</a:t>
             </a:fld>
             <a:endParaRPr lang="fr-FR"/>
           </a:p>
@@ -2117,7 +2283,7 @@
           <a:p>
             <a:fld id="{ECAC8B8A-DD2B-4203-8016-EC01F0EFD829}" type="datetimeFigureOut">
               <a:rPr lang="fr-FR" smtClean="0"/>
-              <a:t>12/06/2020</a:t>
+              <a:t>01/07/2020</a:t>
             </a:fld>
             <a:endParaRPr lang="fr-FR"/>
           </a:p>
@@ -2430,7 +2596,7 @@
           <a:p>
             <a:fld id="{ECAC8B8A-DD2B-4203-8016-EC01F0EFD829}" type="datetimeFigureOut">
               <a:rPr lang="fr-FR" smtClean="0"/>
-              <a:t>12/06/2020</a:t>
+              <a:t>01/07/2020</a:t>
             </a:fld>
             <a:endParaRPr lang="fr-FR"/>
           </a:p>
@@ -2719,7 +2885,7 @@
           <a:p>
             <a:fld id="{ECAC8B8A-DD2B-4203-8016-EC01F0EFD829}" type="datetimeFigureOut">
               <a:rPr lang="fr-FR" smtClean="0"/>
-              <a:t>12/06/2020</a:t>
+              <a:t>01/07/2020</a:t>
             </a:fld>
             <a:endParaRPr lang="fr-FR"/>
           </a:p>
@@ -2962,7 +3128,7 @@
           <a:p>
             <a:fld id="{ECAC8B8A-DD2B-4203-8016-EC01F0EFD829}" type="datetimeFigureOut">
               <a:rPr lang="fr-FR" smtClean="0"/>
-              <a:t>12/06/2020</a:t>
+              <a:t>01/07/2020</a:t>
             </a:fld>
             <a:endParaRPr lang="fr-FR"/>
           </a:p>
@@ -3428,10 +3594,12 @@
           <a:bodyPr/>
           <a:lstStyle/>
           <a:p>
-            <a:r>
-              <a:rPr lang="fr-FR" dirty="0"/>
-              <a:t>Test end-to-end</a:t>
-            </a:r>
+            <a:pPr algn="l"/>
+            <a:r>
+              <a:rPr lang="en-US" i="1" dirty="0"/>
+              <a:t>	“The web has evolved. Finally, testing has too.”</a:t>
+            </a:r>
+            <a:endParaRPr lang="fr-FR" i="1" dirty="0"/>
           </a:p>
         </p:txBody>
       </p:sp>
@@ -3470,6 +3638,496 @@
           <p:cNvPr id="2" name="Title 1">
             <a:extLst>
               <a:ext uri="{FF2B5EF4-FFF2-40B4-BE49-F238E27FC236}">
+                <a16:creationId xmlns:a16="http://schemas.microsoft.com/office/drawing/2014/main" id="{A426BFF0-147F-40CA-BD70-16098B2062BA}"/>
+              </a:ext>
+            </a:extLst>
+          </p:cNvPr>
+          <p:cNvSpPr>
+            <a:spLocks noGrp="1"/>
+          </p:cNvSpPr>
+          <p:nvPr>
+            <p:ph type="title"/>
+          </p:nvPr>
+        </p:nvSpPr>
+        <p:spPr/>
+        <p:txBody>
+          <a:bodyPr/>
+          <a:lstStyle/>
+          <a:p>
+            <a:r>
+              <a:rPr lang="fr-FR" dirty="0"/>
+              <a:t>1)  </a:t>
+            </a:r>
+            <a:r>
+              <a:rPr lang="fr-FR" dirty="0" err="1"/>
+              <a:t>What</a:t>
+            </a:r>
+            <a:r>
+              <a:rPr lang="fr-FR" dirty="0"/>
+              <a:t> </a:t>
+            </a:r>
+            <a:r>
+              <a:rPr lang="fr-FR" dirty="0" err="1"/>
+              <a:t>is</a:t>
+            </a:r>
+            <a:r>
+              <a:rPr lang="fr-FR" dirty="0"/>
+              <a:t> </a:t>
+            </a:r>
+            <a:r>
+              <a:rPr lang="fr-FR" dirty="0" err="1"/>
+              <a:t>cypress</a:t>
+            </a:r>
+            <a:r>
+              <a:rPr lang="fr-FR" dirty="0"/>
+              <a:t> ?</a:t>
+            </a:r>
+          </a:p>
+        </p:txBody>
+      </p:sp>
+      <p:sp>
+        <p:nvSpPr>
+          <p:cNvPr id="3" name="Content Placeholder 2">
+            <a:extLst>
+              <a:ext uri="{FF2B5EF4-FFF2-40B4-BE49-F238E27FC236}">
+                <a16:creationId xmlns:a16="http://schemas.microsoft.com/office/drawing/2014/main" id="{1BD76F33-0CD5-48CC-BBB4-DDB18F39E19F}"/>
+              </a:ext>
+            </a:extLst>
+          </p:cNvPr>
+          <p:cNvSpPr>
+            <a:spLocks noGrp="1"/>
+          </p:cNvSpPr>
+          <p:nvPr>
+            <p:ph idx="1"/>
+          </p:nvPr>
+        </p:nvSpPr>
+        <p:spPr/>
+        <p:txBody>
+          <a:bodyPr>
+            <a:normAutofit fontScale="92500"/>
+          </a:bodyPr>
+          <a:lstStyle/>
+          <a:p>
+            <a:r>
+              <a:rPr lang="fr-FR" dirty="0"/>
+              <a:t> Projet initié par Brian Mann en 2014 (après sondage aux développeurs)</a:t>
+            </a:r>
+          </a:p>
+          <a:p>
+            <a:r>
+              <a:rPr lang="fr-FR" dirty="0"/>
+              <a:t>1</a:t>
+            </a:r>
+            <a:r>
+              <a:rPr lang="fr-FR" baseline="30000" dirty="0"/>
+              <a:t>er</a:t>
+            </a:r>
+            <a:r>
+              <a:rPr lang="fr-FR" dirty="0"/>
+              <a:t> release en 2018</a:t>
+            </a:r>
+          </a:p>
+          <a:p>
+            <a:endParaRPr lang="fr-FR" dirty="0"/>
+          </a:p>
+          <a:p>
+            <a:r>
+              <a:rPr lang="fr-FR" dirty="0" err="1"/>
+              <a:t>Based</a:t>
+            </a:r>
+            <a:r>
+              <a:rPr lang="fr-FR" dirty="0"/>
+              <a:t> on </a:t>
+            </a:r>
+            <a:r>
+              <a:rPr lang="fr-FR" dirty="0" err="1"/>
+              <a:t>many</a:t>
+            </a:r>
+            <a:r>
+              <a:rPr lang="fr-FR" dirty="0"/>
+              <a:t> open-source </a:t>
+            </a:r>
+            <a:r>
+              <a:rPr lang="fr-FR" dirty="0" err="1"/>
+              <a:t>testing</a:t>
+            </a:r>
+            <a:r>
+              <a:rPr lang="fr-FR" dirty="0"/>
+              <a:t> </a:t>
+            </a:r>
+            <a:r>
+              <a:rPr lang="fr-FR" dirty="0" err="1"/>
+              <a:t>library</a:t>
+            </a:r>
+            <a:r>
+              <a:rPr lang="fr-FR" dirty="0"/>
+              <a:t> (</a:t>
+            </a:r>
+            <a:r>
+              <a:rPr lang="fr-FR" sz="2600" dirty="0"/>
+              <a:t>Mocha, Chai, Chai-jQuery, </a:t>
+            </a:r>
+            <a:r>
+              <a:rPr lang="fr-FR" sz="2600" dirty="0" err="1"/>
+              <a:t>SinonJS</a:t>
+            </a:r>
+            <a:r>
+              <a:rPr lang="fr-FR" sz="2600" dirty="0"/>
+              <a:t> …</a:t>
+            </a:r>
+            <a:r>
+              <a:rPr lang="fr-FR" dirty="0"/>
+              <a:t>)</a:t>
+            </a:r>
+          </a:p>
+          <a:p>
+            <a:endParaRPr lang="fr-FR" dirty="0"/>
+          </a:p>
+          <a:p>
+            <a:r>
+              <a:rPr lang="fr-FR" dirty="0"/>
+              <a:t>Javascript end-to-end </a:t>
+            </a:r>
+            <a:r>
+              <a:rPr lang="fr-FR" dirty="0" err="1"/>
+              <a:t>testing</a:t>
+            </a:r>
+            <a:r>
+              <a:rPr lang="fr-FR" dirty="0"/>
+              <a:t> </a:t>
+            </a:r>
+            <a:r>
+              <a:rPr lang="fr-FR" dirty="0" err="1"/>
+              <a:t>framework</a:t>
+            </a:r>
+            <a:r>
+              <a:rPr lang="fr-FR" dirty="0"/>
+              <a:t> (</a:t>
+            </a:r>
+            <a:r>
+              <a:rPr lang="fr-FR" dirty="0" err="1"/>
+              <a:t>angular</a:t>
+            </a:r>
+            <a:r>
+              <a:rPr lang="fr-FR" dirty="0"/>
+              <a:t>, </a:t>
+            </a:r>
+            <a:r>
+              <a:rPr lang="fr-FR" dirty="0" err="1"/>
+              <a:t>react</a:t>
+            </a:r>
+            <a:r>
+              <a:rPr lang="fr-FR" dirty="0"/>
+              <a:t> et vue)</a:t>
+            </a:r>
+          </a:p>
+          <a:p>
+            <a:endParaRPr lang="fr-FR" dirty="0"/>
+          </a:p>
+          <a:p>
+            <a:r>
+              <a:rPr lang="fr-FR" dirty="0"/>
+              <a:t> Free (sauf </a:t>
+            </a:r>
+            <a:r>
+              <a:rPr lang="fr-FR" dirty="0" err="1"/>
+              <a:t>dashboard</a:t>
+            </a:r>
+            <a:r>
+              <a:rPr lang="fr-FR" dirty="0"/>
+              <a:t> service) &amp; open-source</a:t>
+            </a:r>
+          </a:p>
+          <a:p>
+            <a:endParaRPr lang="fr-FR" dirty="0"/>
+          </a:p>
+        </p:txBody>
+      </p:sp>
+    </p:spTree>
+    <p:extLst>
+      <p:ext uri="{BB962C8B-B14F-4D97-AF65-F5344CB8AC3E}">
+        <p14:creationId xmlns:p14="http://schemas.microsoft.com/office/powerpoint/2010/main" val="98759267"/>
+      </p:ext>
+    </p:extLst>
+  </p:cSld>
+  <p:clrMapOvr>
+    <a:masterClrMapping/>
+  </p:clrMapOvr>
+</p:sld>
+</file>
+
+<file path=ppt/slides/slide3.xml><?xml version="1.0" encoding="utf-8"?>
+<p:sld xmlns:a="http://schemas.openxmlformats.org/drawingml/2006/main" xmlns:r="http://schemas.openxmlformats.org/officeDocument/2006/relationships" xmlns:p="http://schemas.openxmlformats.org/presentationml/2006/main">
+  <p:cSld>
+    <p:spTree>
+      <p:nvGrpSpPr>
+        <p:cNvPr id="1" name=""/>
+        <p:cNvGrpSpPr/>
+        <p:nvPr/>
+      </p:nvGrpSpPr>
+      <p:grpSpPr>
+        <a:xfrm>
+          <a:off x="0" y="0"/>
+          <a:ext cx="0" cy="0"/>
+          <a:chOff x="0" y="0"/>
+          <a:chExt cx="0" cy="0"/>
+        </a:xfrm>
+      </p:grpSpPr>
+      <p:pic>
+        <p:nvPicPr>
+          <p:cNvPr id="4" name="Content Placeholder 3">
+            <a:extLst>
+              <a:ext uri="{FF2B5EF4-FFF2-40B4-BE49-F238E27FC236}">
+                <a16:creationId xmlns:a16="http://schemas.microsoft.com/office/drawing/2014/main" id="{C96FEC96-868B-45BF-85DA-1CA417F3D840}"/>
+              </a:ext>
+            </a:extLst>
+          </p:cNvPr>
+          <p:cNvPicPr>
+            <a:picLocks noGrp="1" noChangeAspect="1"/>
+          </p:cNvPicPr>
+          <p:nvPr>
+            <p:ph idx="1"/>
+          </p:nvPr>
+        </p:nvPicPr>
+        <p:blipFill>
+          <a:blip r:embed="rId2"/>
+          <a:stretch>
+            <a:fillRect/>
+          </a:stretch>
+        </p:blipFill>
+        <p:spPr>
+          <a:xfrm>
+            <a:off x="1280593" y="1880710"/>
+            <a:ext cx="5694263" cy="2504003"/>
+          </a:xfrm>
+          <a:prstGeom prst="rect">
+            <a:avLst/>
+          </a:prstGeom>
+        </p:spPr>
+      </p:pic>
+      <p:sp>
+        <p:nvSpPr>
+          <p:cNvPr id="6" name="Title 1">
+            <a:extLst>
+              <a:ext uri="{FF2B5EF4-FFF2-40B4-BE49-F238E27FC236}">
+                <a16:creationId xmlns:a16="http://schemas.microsoft.com/office/drawing/2014/main" id="{724F6A45-7917-46B9-9EA2-BF03C39BBD24}"/>
+              </a:ext>
+            </a:extLst>
+          </p:cNvPr>
+          <p:cNvSpPr>
+            <a:spLocks noGrp="1"/>
+          </p:cNvSpPr>
+          <p:nvPr>
+            <p:ph type="title"/>
+          </p:nvPr>
+        </p:nvSpPr>
+        <p:spPr>
+          <a:xfrm>
+            <a:off x="1113621" y="442244"/>
+            <a:ext cx="10515600" cy="1325563"/>
+          </a:xfrm>
+        </p:spPr>
+        <p:txBody>
+          <a:bodyPr/>
+          <a:lstStyle/>
+          <a:p>
+            <a:r>
+              <a:rPr lang="fr-FR" dirty="0"/>
+              <a:t>2) Grandi en popularité</a:t>
+            </a:r>
+          </a:p>
+        </p:txBody>
+      </p:sp>
+      <p:sp>
+        <p:nvSpPr>
+          <p:cNvPr id="7" name="TextBox 6">
+            <a:extLst>
+              <a:ext uri="{FF2B5EF4-FFF2-40B4-BE49-F238E27FC236}">
+                <a16:creationId xmlns:a16="http://schemas.microsoft.com/office/drawing/2014/main" id="{AF9C2C5B-3C17-47E7-9930-51596DA90927}"/>
+              </a:ext>
+            </a:extLst>
+          </p:cNvPr>
+          <p:cNvSpPr txBox="1"/>
+          <p:nvPr/>
+        </p:nvSpPr>
+        <p:spPr>
+          <a:xfrm>
+            <a:off x="1707614" y="5045725"/>
+            <a:ext cx="5267242" cy="369332"/>
+          </a:xfrm>
+          <a:prstGeom prst="rect">
+            <a:avLst/>
+          </a:prstGeom>
+          <a:noFill/>
+        </p:spPr>
+        <p:txBody>
+          <a:bodyPr wrap="square" rtlCol="0">
+            <a:spAutoFit/>
+          </a:bodyPr>
+          <a:lstStyle/>
+          <a:p>
+            <a:r>
+              <a:rPr lang="fr-FR" dirty="0" err="1"/>
+              <a:t>Demand</a:t>
+            </a:r>
+            <a:r>
+              <a:rPr lang="fr-FR" dirty="0"/>
+              <a:t> of </a:t>
+            </a:r>
+            <a:r>
+              <a:rPr lang="fr-FR" dirty="0" err="1"/>
+              <a:t>Skill</a:t>
+            </a:r>
+            <a:r>
+              <a:rPr lang="fr-FR" dirty="0"/>
+              <a:t> in </a:t>
+            </a:r>
+            <a:r>
+              <a:rPr lang="fr-FR" dirty="0" err="1"/>
+              <a:t>testing</a:t>
+            </a:r>
+            <a:r>
+              <a:rPr lang="fr-FR" dirty="0"/>
+              <a:t> </a:t>
+            </a:r>
+            <a:r>
+              <a:rPr lang="fr-FR" dirty="0" err="1"/>
+              <a:t>tool</a:t>
+            </a:r>
+            <a:r>
+              <a:rPr lang="fr-FR" dirty="0"/>
+              <a:t> </a:t>
+            </a:r>
+            <a:r>
+              <a:rPr lang="fr-FR" dirty="0" err="1"/>
+              <a:t>increased</a:t>
+            </a:r>
+            <a:endParaRPr lang="fr-FR" dirty="0"/>
+          </a:p>
+        </p:txBody>
+      </p:sp>
+    </p:spTree>
+    <p:extLst>
+      <p:ext uri="{BB962C8B-B14F-4D97-AF65-F5344CB8AC3E}">
+        <p14:creationId xmlns:p14="http://schemas.microsoft.com/office/powerpoint/2010/main" val="3663127601"/>
+      </p:ext>
+    </p:extLst>
+  </p:cSld>
+  <p:clrMapOvr>
+    <a:masterClrMapping/>
+  </p:clrMapOvr>
+</p:sld>
+</file>
+
+<file path=ppt/slides/slide4.xml><?xml version="1.0" encoding="utf-8"?>
+<p:sld xmlns:a="http://schemas.openxmlformats.org/drawingml/2006/main" xmlns:r="http://schemas.openxmlformats.org/officeDocument/2006/relationships" xmlns:p="http://schemas.openxmlformats.org/presentationml/2006/main">
+  <p:cSld>
+    <p:spTree>
+      <p:nvGrpSpPr>
+        <p:cNvPr id="1" name=""/>
+        <p:cNvGrpSpPr/>
+        <p:nvPr/>
+      </p:nvGrpSpPr>
+      <p:grpSpPr>
+        <a:xfrm>
+          <a:off x="0" y="0"/>
+          <a:ext cx="0" cy="0"/>
+          <a:chOff x="0" y="0"/>
+          <a:chExt cx="0" cy="0"/>
+        </a:xfrm>
+      </p:grpSpPr>
+      <p:sp>
+        <p:nvSpPr>
+          <p:cNvPr id="2" name="Title 1">
+            <a:extLst>
+              <a:ext uri="{FF2B5EF4-FFF2-40B4-BE49-F238E27FC236}">
+                <a16:creationId xmlns:a16="http://schemas.microsoft.com/office/drawing/2014/main" id="{307E1B39-AA25-414B-8112-F7CEDD428B97}"/>
+              </a:ext>
+            </a:extLst>
+          </p:cNvPr>
+          <p:cNvSpPr>
+            <a:spLocks noGrp="1"/>
+          </p:cNvSpPr>
+          <p:nvPr>
+            <p:ph type="title"/>
+          </p:nvPr>
+        </p:nvSpPr>
+        <p:spPr/>
+        <p:txBody>
+          <a:bodyPr/>
+          <a:lstStyle/>
+          <a:p>
+            <a:endParaRPr lang="fr-FR"/>
+          </a:p>
+        </p:txBody>
+      </p:sp>
+      <p:pic>
+        <p:nvPicPr>
+          <p:cNvPr id="4" name="Content Placeholder 3">
+            <a:extLst>
+              <a:ext uri="{FF2B5EF4-FFF2-40B4-BE49-F238E27FC236}">
+                <a16:creationId xmlns:a16="http://schemas.microsoft.com/office/drawing/2014/main" id="{5C660AD4-36CA-436C-BE66-5C7AF582869E}"/>
+              </a:ext>
+            </a:extLst>
+          </p:cNvPr>
+          <p:cNvPicPr>
+            <a:picLocks noGrp="1" noChangeAspect="1"/>
+          </p:cNvPicPr>
+          <p:nvPr>
+            <p:ph idx="1"/>
+          </p:nvPr>
+        </p:nvPicPr>
+        <p:blipFill>
+          <a:blip r:embed="rId2"/>
+          <a:stretch>
+            <a:fillRect/>
+          </a:stretch>
+        </p:blipFill>
+        <p:spPr>
+          <a:xfrm>
+            <a:off x="838200" y="2229435"/>
+            <a:ext cx="10515600" cy="3543718"/>
+          </a:xfrm>
+          <a:prstGeom prst="rect">
+            <a:avLst/>
+          </a:prstGeom>
+        </p:spPr>
+      </p:pic>
+    </p:spTree>
+    <p:extLst>
+      <p:ext uri="{BB962C8B-B14F-4D97-AF65-F5344CB8AC3E}">
+        <p14:creationId xmlns:p14="http://schemas.microsoft.com/office/powerpoint/2010/main" val="1264359161"/>
+      </p:ext>
+    </p:extLst>
+  </p:cSld>
+  <p:clrMapOvr>
+    <a:masterClrMapping/>
+  </p:clrMapOvr>
+</p:sld>
+</file>
+
+<file path=ppt/slides/slide5.xml><?xml version="1.0" encoding="utf-8"?>
+<p:sld xmlns:a="http://schemas.openxmlformats.org/drawingml/2006/main" xmlns:r="http://schemas.openxmlformats.org/officeDocument/2006/relationships" xmlns:p="http://schemas.openxmlformats.org/presentationml/2006/main">
+  <p:cSld>
+    <p:spTree>
+      <p:nvGrpSpPr>
+        <p:cNvPr id="1" name=""/>
+        <p:cNvGrpSpPr/>
+        <p:nvPr/>
+      </p:nvGrpSpPr>
+      <p:grpSpPr>
+        <a:xfrm>
+          <a:off x="0" y="0"/>
+          <a:ext cx="0" cy="0"/>
+          <a:chOff x="0" y="0"/>
+          <a:chExt cx="0" cy="0"/>
+        </a:xfrm>
+      </p:grpSpPr>
+      <p:sp>
+        <p:nvSpPr>
+          <p:cNvPr id="2" name="Title 1">
+            <a:extLst>
+              <a:ext uri="{FF2B5EF4-FFF2-40B4-BE49-F238E27FC236}">
                 <a16:creationId xmlns:a16="http://schemas.microsoft.com/office/drawing/2014/main" id="{406A6C07-262C-4BBE-940F-1975E421ED64}"/>
               </a:ext>
             </a:extLst>
@@ -3512,6 +4170,62 @@
             </a:r>
             <a:r>
               <a:rPr lang="fr-FR" dirty="0"/>
+              <a:t> tools on the </a:t>
+            </a:r>
+            <a:r>
+              <a:rPr lang="fr-FR" dirty="0" err="1"/>
+              <a:t>market</a:t>
+            </a:r>
+            <a:endParaRPr lang="fr-FR" dirty="0"/>
+          </a:p>
+        </p:txBody>
+      </p:sp>
+      <p:sp>
+        <p:nvSpPr>
+          <p:cNvPr id="3" name="Content Placeholder 2">
+            <a:extLst>
+              <a:ext uri="{FF2B5EF4-FFF2-40B4-BE49-F238E27FC236}">
+                <a16:creationId xmlns:a16="http://schemas.microsoft.com/office/drawing/2014/main" id="{9E8CC6F3-FAAD-4A66-922B-134DA6B5F500}"/>
+              </a:ext>
+            </a:extLst>
+          </p:cNvPr>
+          <p:cNvSpPr>
+            <a:spLocks noGrp="1"/>
+          </p:cNvSpPr>
+          <p:nvPr>
+            <p:ph idx="1"/>
+          </p:nvPr>
+        </p:nvSpPr>
+        <p:spPr/>
+        <p:txBody>
+          <a:bodyPr/>
+          <a:lstStyle/>
+          <a:p>
+            <a:pPr marL="514350" indent="-514350">
+              <a:buAutoNum type="arabicParenR"/>
+            </a:pPr>
+            <a:r>
+              <a:rPr lang="fr-FR" dirty="0"/>
+              <a:t>Architecture optimisé</a:t>
+            </a:r>
+          </a:p>
+          <a:p>
+            <a:pPr marL="0" indent="0">
+              <a:buNone/>
+            </a:pPr>
+            <a:endParaRPr lang="fr-FR" dirty="0"/>
+          </a:p>
+          <a:p>
+            <a:r>
+              <a:rPr lang="fr-FR" dirty="0"/>
+              <a:t> </a:t>
+            </a:r>
+            <a:r>
+              <a:rPr lang="fr-FR" dirty="0" err="1"/>
+              <a:t>Others</a:t>
+            </a:r>
+            <a:r>
+              <a:rPr lang="fr-FR" dirty="0"/>
               <a:t> </a:t>
             </a:r>
             <a:r>
@@ -3520,33 +4234,68 @@
             </a:r>
             <a:r>
               <a:rPr lang="fr-FR" dirty="0"/>
-              <a:t> tools</a:t>
-            </a:r>
-          </a:p>
-        </p:txBody>
-      </p:sp>
-      <p:sp>
-        <p:nvSpPr>
-          <p:cNvPr id="3" name="Content Placeholder 2">
-            <a:extLst>
-              <a:ext uri="{FF2B5EF4-FFF2-40B4-BE49-F238E27FC236}">
-                <a16:creationId xmlns:a16="http://schemas.microsoft.com/office/drawing/2014/main" id="{9E8CC6F3-FAAD-4A66-922B-134DA6B5F500}"/>
-              </a:ext>
-            </a:extLst>
-          </p:cNvPr>
-          <p:cNvSpPr>
-            <a:spLocks noGrp="1"/>
-          </p:cNvSpPr>
-          <p:nvPr>
-            <p:ph idx="1"/>
-          </p:nvPr>
-        </p:nvSpPr>
-        <p:spPr/>
-        <p:txBody>
-          <a:bodyPr/>
-          <a:lstStyle/>
-          <a:p>
-            <a:endParaRPr lang="fr-FR"/>
+              <a:t> </a:t>
+            </a:r>
+            <a:r>
+              <a:rPr lang="fr-FR" dirty="0" err="1"/>
+              <a:t>tool</a:t>
+            </a:r>
+            <a:r>
+              <a:rPr lang="fr-FR" dirty="0"/>
+              <a:t> (ex :</a:t>
+            </a:r>
+            <a:r>
+              <a:rPr lang="fr-FR" dirty="0" err="1"/>
+              <a:t>selenium</a:t>
+            </a:r>
+            <a:r>
+              <a:rPr lang="fr-FR" dirty="0"/>
+              <a:t>) use </a:t>
+            </a:r>
+            <a:r>
+              <a:rPr lang="en-US" dirty="0"/>
+              <a:t>a web driver that remotely executes commands</a:t>
+            </a:r>
+          </a:p>
+          <a:p>
+            <a:r>
+              <a:rPr lang="fr-FR" dirty="0"/>
+              <a:t> </a:t>
+            </a:r>
+            <a:r>
+              <a:rPr lang="en-US" dirty="0"/>
+              <a:t>Cypress runs in the same run-loop as your parent application (dans le </a:t>
+            </a:r>
+            <a:r>
+              <a:rPr lang="en-US" dirty="0" err="1"/>
+              <a:t>navigateur</a:t>
+            </a:r>
+            <a:r>
+              <a:rPr lang="en-US" dirty="0"/>
+              <a:t>)</a:t>
+            </a:r>
+          </a:p>
+          <a:p>
+            <a:endParaRPr lang="en-US" dirty="0"/>
+          </a:p>
+          <a:p>
+            <a:r>
+              <a:rPr lang="en-US" dirty="0" err="1"/>
+              <a:t>Asynchrone</a:t>
+            </a:r>
+            <a:r>
+              <a:rPr lang="en-US" dirty="0"/>
+              <a:t> (+ facile pour tester les app web async = </a:t>
+            </a:r>
+            <a:r>
+              <a:rPr lang="en-US" dirty="0" err="1"/>
+              <a:t>angularjs</a:t>
+            </a:r>
+            <a:r>
+              <a:rPr lang="en-US" dirty="0"/>
+              <a:t>)</a:t>
+            </a:r>
+            <a:endParaRPr lang="fr-FR" dirty="0"/>
           </a:p>
         </p:txBody>
       </p:sp>
@@ -3554,6 +4303,596 @@
     <p:extLst>
       <p:ext uri="{BB962C8B-B14F-4D97-AF65-F5344CB8AC3E}">
         <p14:creationId xmlns:p14="http://schemas.microsoft.com/office/powerpoint/2010/main" val="785267768"/>
+      </p:ext>
+    </p:extLst>
+  </p:cSld>
+  <p:clrMapOvr>
+    <a:masterClrMapping/>
+  </p:clrMapOvr>
+</p:sld>
+</file>
+
+<file path=ppt/slides/slide6.xml><?xml version="1.0" encoding="utf-8"?>
+<p:sld xmlns:a="http://schemas.openxmlformats.org/drawingml/2006/main" xmlns:r="http://schemas.openxmlformats.org/officeDocument/2006/relationships" xmlns:p="http://schemas.openxmlformats.org/presentationml/2006/main">
+  <p:cSld>
+    <p:spTree>
+      <p:nvGrpSpPr>
+        <p:cNvPr id="1" name=""/>
+        <p:cNvGrpSpPr/>
+        <p:nvPr/>
+      </p:nvGrpSpPr>
+      <p:grpSpPr>
+        <a:xfrm>
+          <a:off x="0" y="0"/>
+          <a:ext cx="0" cy="0"/>
+          <a:chOff x="0" y="0"/>
+          <a:chExt cx="0" cy="0"/>
+        </a:xfrm>
+      </p:grpSpPr>
+      <p:sp>
+        <p:nvSpPr>
+          <p:cNvPr id="2" name="Title 1">
+            <a:extLst>
+              <a:ext uri="{FF2B5EF4-FFF2-40B4-BE49-F238E27FC236}">
+                <a16:creationId xmlns:a16="http://schemas.microsoft.com/office/drawing/2014/main" id="{29240F83-CC6F-4FBC-97E5-BDACBD348FD6}"/>
+              </a:ext>
+            </a:extLst>
+          </p:cNvPr>
+          <p:cNvSpPr>
+            <a:spLocks noGrp="1"/>
+          </p:cNvSpPr>
+          <p:nvPr>
+            <p:ph type="title"/>
+          </p:nvPr>
+        </p:nvSpPr>
+        <p:spPr/>
+        <p:txBody>
+          <a:bodyPr/>
+          <a:lstStyle/>
+          <a:p>
+            <a:endParaRPr lang="fr-FR" dirty="0"/>
+          </a:p>
+        </p:txBody>
+      </p:sp>
+      <p:sp>
+        <p:nvSpPr>
+          <p:cNvPr id="3" name="Content Placeholder 2">
+            <a:extLst>
+              <a:ext uri="{FF2B5EF4-FFF2-40B4-BE49-F238E27FC236}">
+                <a16:creationId xmlns:a16="http://schemas.microsoft.com/office/drawing/2014/main" id="{CA5CAC26-0B32-451B-A99A-51241C92040C}"/>
+              </a:ext>
+            </a:extLst>
+          </p:cNvPr>
+          <p:cNvSpPr>
+            <a:spLocks noGrp="1"/>
+          </p:cNvSpPr>
+          <p:nvPr>
+            <p:ph idx="1"/>
+          </p:nvPr>
+        </p:nvSpPr>
+        <p:spPr/>
+        <p:txBody>
+          <a:bodyPr/>
+          <a:lstStyle/>
+          <a:p>
+            <a:pPr marL="0" indent="0">
+              <a:buNone/>
+            </a:pPr>
+            <a:r>
+              <a:rPr lang="fr-FR" dirty="0"/>
+              <a:t>2) Simple à utiliser</a:t>
+            </a:r>
+          </a:p>
+          <a:p>
+            <a:pPr marL="0" indent="0">
+              <a:buNone/>
+            </a:pPr>
+            <a:endParaRPr lang="fr-FR" dirty="0"/>
+          </a:p>
+          <a:p>
+            <a:pPr marL="0" indent="0">
+              <a:buNone/>
+            </a:pPr>
+            <a:r>
+              <a:rPr lang="fr-FR" dirty="0"/>
+              <a:t>Simple à installer</a:t>
+            </a:r>
+          </a:p>
+          <a:p>
+            <a:pPr marL="0" indent="0">
+              <a:buNone/>
+            </a:pPr>
+            <a:endParaRPr lang="fr-FR" dirty="0"/>
+          </a:p>
+          <a:p>
+            <a:pPr marL="0" indent="0">
+              <a:buNone/>
+            </a:pPr>
+            <a:endParaRPr lang="fr-FR" dirty="0"/>
+          </a:p>
+          <a:p>
+            <a:pPr marL="0" indent="0">
+              <a:buNone/>
+            </a:pPr>
+            <a:r>
+              <a:rPr lang="fr-FR" dirty="0"/>
+              <a:t>Il n’y a pas de </a:t>
+            </a:r>
+            <a:r>
+              <a:rPr lang="fr-FR" dirty="0" err="1"/>
+              <a:t>retry</a:t>
+            </a:r>
+            <a:r>
+              <a:rPr lang="fr-FR" dirty="0"/>
+              <a:t>/timeout de requête à implémenter, ni de « </a:t>
+            </a:r>
+            <a:r>
+              <a:rPr lang="fr-FR" dirty="0" err="1"/>
+              <a:t>wrapper</a:t>
+            </a:r>
+            <a:r>
+              <a:rPr lang="fr-FR" dirty="0"/>
+              <a:t> » pour les tests end to end.</a:t>
+            </a:r>
+          </a:p>
+        </p:txBody>
+      </p:sp>
+      <p:pic>
+        <p:nvPicPr>
+          <p:cNvPr id="4" name="Picture 3">
+            <a:extLst>
+              <a:ext uri="{FF2B5EF4-FFF2-40B4-BE49-F238E27FC236}">
+                <a16:creationId xmlns:a16="http://schemas.microsoft.com/office/drawing/2014/main" id="{D7B2A3DC-9DAE-42C4-8655-A0ED41BE2F22}"/>
+              </a:ext>
+            </a:extLst>
+          </p:cNvPr>
+          <p:cNvPicPr>
+            <a:picLocks noChangeAspect="1"/>
+          </p:cNvPicPr>
+          <p:nvPr/>
+        </p:nvPicPr>
+        <p:blipFill>
+          <a:blip r:embed="rId2"/>
+          <a:stretch>
+            <a:fillRect/>
+          </a:stretch>
+        </p:blipFill>
+        <p:spPr>
+          <a:xfrm>
+            <a:off x="3701667" y="2943225"/>
+            <a:ext cx="6475795" cy="770748"/>
+          </a:xfrm>
+          <a:prstGeom prst="rect">
+            <a:avLst/>
+          </a:prstGeom>
+        </p:spPr>
+      </p:pic>
+    </p:spTree>
+    <p:extLst>
+      <p:ext uri="{BB962C8B-B14F-4D97-AF65-F5344CB8AC3E}">
+        <p14:creationId xmlns:p14="http://schemas.microsoft.com/office/powerpoint/2010/main" val="139270608"/>
+      </p:ext>
+    </p:extLst>
+  </p:cSld>
+  <p:clrMapOvr>
+    <a:masterClrMapping/>
+  </p:clrMapOvr>
+</p:sld>
+</file>
+
+<file path=ppt/slides/slide7.xml><?xml version="1.0" encoding="utf-8"?>
+<p:sld xmlns:a="http://schemas.openxmlformats.org/drawingml/2006/main" xmlns:r="http://schemas.openxmlformats.org/officeDocument/2006/relationships" xmlns:p="http://schemas.openxmlformats.org/presentationml/2006/main">
+  <p:cSld>
+    <p:spTree>
+      <p:nvGrpSpPr>
+        <p:cNvPr id="1" name=""/>
+        <p:cNvGrpSpPr/>
+        <p:nvPr/>
+      </p:nvGrpSpPr>
+      <p:grpSpPr>
+        <a:xfrm>
+          <a:off x="0" y="0"/>
+          <a:ext cx="0" cy="0"/>
+          <a:chOff x="0" y="0"/>
+          <a:chExt cx="0" cy="0"/>
+        </a:xfrm>
+      </p:grpSpPr>
+      <p:sp>
+        <p:nvSpPr>
+          <p:cNvPr id="2" name="Title 1">
+            <a:extLst>
+              <a:ext uri="{FF2B5EF4-FFF2-40B4-BE49-F238E27FC236}">
+                <a16:creationId xmlns:a16="http://schemas.microsoft.com/office/drawing/2014/main" id="{2DBD8BCF-4A34-44F1-9A3D-4AE153A0E01E}"/>
+              </a:ext>
+            </a:extLst>
+          </p:cNvPr>
+          <p:cNvSpPr>
+            <a:spLocks noGrp="1"/>
+          </p:cNvSpPr>
+          <p:nvPr>
+            <p:ph type="title"/>
+          </p:nvPr>
+        </p:nvSpPr>
+        <p:spPr/>
+        <p:txBody>
+          <a:bodyPr/>
+          <a:lstStyle/>
+          <a:p>
+            <a:endParaRPr lang="fr-FR"/>
+          </a:p>
+        </p:txBody>
+      </p:sp>
+      <p:sp>
+        <p:nvSpPr>
+          <p:cNvPr id="3" name="Content Placeholder 2">
+            <a:extLst>
+              <a:ext uri="{FF2B5EF4-FFF2-40B4-BE49-F238E27FC236}">
+                <a16:creationId xmlns:a16="http://schemas.microsoft.com/office/drawing/2014/main" id="{AFC05945-2534-4A83-BBA8-86F0A538BADF}"/>
+              </a:ext>
+            </a:extLst>
+          </p:cNvPr>
+          <p:cNvSpPr>
+            <a:spLocks noGrp="1"/>
+          </p:cNvSpPr>
+          <p:nvPr>
+            <p:ph idx="1"/>
+          </p:nvPr>
+        </p:nvSpPr>
+        <p:spPr/>
+        <p:txBody>
+          <a:bodyPr/>
+          <a:lstStyle/>
+          <a:p>
+            <a:pPr marL="0" indent="0">
+              <a:buNone/>
+            </a:pPr>
+            <a:r>
+              <a:rPr lang="fr-FR" dirty="0"/>
+              <a:t>3) Diagnostique facile d’une erreur</a:t>
+            </a:r>
+          </a:p>
+          <a:p>
+            <a:pPr marL="0" indent="0">
+              <a:buNone/>
+            </a:pPr>
+            <a:r>
+              <a:rPr lang="fr-FR" dirty="0" err="1"/>
+              <a:t>Selenium</a:t>
+            </a:r>
+            <a:r>
+              <a:rPr lang="fr-FR" dirty="0"/>
+              <a:t> : problème de code du test?, de production ? Coté server?</a:t>
+            </a:r>
+          </a:p>
+          <a:p>
+            <a:pPr marL="0" indent="0">
+              <a:buNone/>
+            </a:pPr>
+            <a:r>
+              <a:rPr lang="fr-FR" dirty="0"/>
+              <a:t>Impression de </a:t>
+            </a:r>
+            <a:r>
+              <a:rPr lang="fr-FR" dirty="0" err="1"/>
+              <a:t>flackeness</a:t>
+            </a:r>
+            <a:endParaRPr lang="fr-FR" dirty="0"/>
+          </a:p>
+        </p:txBody>
+      </p:sp>
+    </p:spTree>
+    <p:extLst>
+      <p:ext uri="{BB962C8B-B14F-4D97-AF65-F5344CB8AC3E}">
+        <p14:creationId xmlns:p14="http://schemas.microsoft.com/office/powerpoint/2010/main" val="2493029583"/>
+      </p:ext>
+    </p:extLst>
+  </p:cSld>
+  <p:clrMapOvr>
+    <a:masterClrMapping/>
+  </p:clrMapOvr>
+</p:sld>
+</file>
+
+<file path=ppt/slides/slide8.xml><?xml version="1.0" encoding="utf-8"?>
+<p:sld xmlns:a="http://schemas.openxmlformats.org/drawingml/2006/main" xmlns:r="http://schemas.openxmlformats.org/officeDocument/2006/relationships" xmlns:p="http://schemas.openxmlformats.org/presentationml/2006/main">
+  <p:cSld>
+    <p:spTree>
+      <p:nvGrpSpPr>
+        <p:cNvPr id="1" name=""/>
+        <p:cNvGrpSpPr/>
+        <p:nvPr/>
+      </p:nvGrpSpPr>
+      <p:grpSpPr>
+        <a:xfrm>
+          <a:off x="0" y="0"/>
+          <a:ext cx="0" cy="0"/>
+          <a:chOff x="0" y="0"/>
+          <a:chExt cx="0" cy="0"/>
+        </a:xfrm>
+      </p:grpSpPr>
+      <p:sp>
+        <p:nvSpPr>
+          <p:cNvPr id="2" name="Title 1">
+            <a:extLst>
+              <a:ext uri="{FF2B5EF4-FFF2-40B4-BE49-F238E27FC236}">
+                <a16:creationId xmlns:a16="http://schemas.microsoft.com/office/drawing/2014/main" id="{05FA4F93-FB0D-4845-AD78-CD0A0F436332}"/>
+              </a:ext>
+            </a:extLst>
+          </p:cNvPr>
+          <p:cNvSpPr>
+            <a:spLocks noGrp="1"/>
+          </p:cNvSpPr>
+          <p:nvPr>
+            <p:ph type="title"/>
+          </p:nvPr>
+        </p:nvSpPr>
+        <p:spPr/>
+        <p:txBody>
+          <a:bodyPr/>
+          <a:lstStyle/>
+          <a:p>
+            <a:r>
+              <a:rPr lang="fr-FR" dirty="0" err="1"/>
+              <a:t>Features</a:t>
+            </a:r>
+            <a:r>
+              <a:rPr lang="fr-FR" dirty="0"/>
+              <a:t> de </a:t>
+            </a:r>
+            <a:r>
+              <a:rPr lang="fr-FR" dirty="0" err="1"/>
+              <a:t>cypress</a:t>
+            </a:r>
+            <a:endParaRPr lang="fr-FR" dirty="0"/>
+          </a:p>
+        </p:txBody>
+      </p:sp>
+      <p:sp>
+        <p:nvSpPr>
+          <p:cNvPr id="3" name="Content Placeholder 2">
+            <a:extLst>
+              <a:ext uri="{FF2B5EF4-FFF2-40B4-BE49-F238E27FC236}">
+                <a16:creationId xmlns:a16="http://schemas.microsoft.com/office/drawing/2014/main" id="{CC88863A-5999-4B92-B196-6053018EE4AA}"/>
+              </a:ext>
+            </a:extLst>
+          </p:cNvPr>
+          <p:cNvSpPr>
+            <a:spLocks noGrp="1"/>
+          </p:cNvSpPr>
+          <p:nvPr>
+            <p:ph idx="1"/>
+          </p:nvPr>
+        </p:nvSpPr>
+        <p:spPr/>
+        <p:txBody>
+          <a:bodyPr/>
+          <a:lstStyle/>
+          <a:p>
+            <a:pPr marL="0" indent="0">
+              <a:buNone/>
+            </a:pPr>
+            <a:endParaRPr lang="fr-FR" dirty="0">
+              <a:solidFill>
+                <a:srgbClr val="0563C1"/>
+              </a:solidFill>
+              <a:hlinkClick r:id="rId2">
+                <a:extLst>
+                  <a:ext uri="{A12FA001-AC4F-418D-AE19-62706E023703}">
+                    <ahyp:hlinkClr xmlns:ahyp="http://schemas.microsoft.com/office/drawing/2018/hyperlinkcolor" val="tx"/>
+                  </a:ext>
+                </a:extLst>
+              </a:hlinkClick>
+            </a:endParaRPr>
+          </a:p>
+          <a:p>
+            <a:pPr marL="0" indent="0">
+              <a:buNone/>
+            </a:pPr>
+            <a:r>
+              <a:rPr lang="fr-FR" dirty="0">
+                <a:hlinkClick r:id="rId2">
+                  <a:extLst>
+                    <a:ext uri="{A12FA001-AC4F-418D-AE19-62706E023703}">
+                      <ahyp:hlinkClr xmlns:ahyp="http://schemas.microsoft.com/office/drawing/2018/hyperlinkcolor" val="tx"/>
+                    </a:ext>
+                  </a:extLst>
+                </a:hlinkClick>
+              </a:rPr>
+              <a:t>Library des plugins</a:t>
+            </a:r>
+          </a:p>
+          <a:p>
+            <a:pPr marL="0" indent="0">
+              <a:buNone/>
+            </a:pPr>
+            <a:r>
+              <a:rPr lang="fr-FR" dirty="0">
+                <a:solidFill>
+                  <a:srgbClr val="0563C1"/>
+                </a:solidFill>
+                <a:hlinkClick r:id="rId2">
+                  <a:extLst>
+                    <a:ext uri="{A12FA001-AC4F-418D-AE19-62706E023703}">
+                      <ahyp:hlinkClr xmlns:ahyp="http://schemas.microsoft.com/office/drawing/2018/hyperlinkcolor" val="tx"/>
+                    </a:ext>
+                  </a:extLst>
+                </a:hlinkClick>
+              </a:rPr>
+              <a:t>https://docs.cypress.io/plugins/</a:t>
+            </a:r>
+            <a:endParaRPr lang="fr-FR" dirty="0"/>
+          </a:p>
+          <a:p>
+            <a:pPr marL="0" indent="0">
+              <a:buNone/>
+            </a:pPr>
+            <a:endParaRPr lang="fr-FR" dirty="0"/>
+          </a:p>
+        </p:txBody>
+      </p:sp>
+    </p:spTree>
+    <p:extLst>
+      <p:ext uri="{BB962C8B-B14F-4D97-AF65-F5344CB8AC3E}">
+        <p14:creationId xmlns:p14="http://schemas.microsoft.com/office/powerpoint/2010/main" val="1547575731"/>
+      </p:ext>
+    </p:extLst>
+  </p:cSld>
+  <p:clrMapOvr>
+    <a:masterClrMapping/>
+  </p:clrMapOvr>
+</p:sld>
+</file>
+
+<file path=ppt/slides/slide9.xml><?xml version="1.0" encoding="utf-8"?>
+<p:sld xmlns:a="http://schemas.openxmlformats.org/drawingml/2006/main" xmlns:r="http://schemas.openxmlformats.org/officeDocument/2006/relationships" xmlns:p="http://schemas.openxmlformats.org/presentationml/2006/main">
+  <p:cSld>
+    <p:spTree>
+      <p:nvGrpSpPr>
+        <p:cNvPr id="1" name=""/>
+        <p:cNvGrpSpPr/>
+        <p:nvPr/>
+      </p:nvGrpSpPr>
+      <p:grpSpPr>
+        <a:xfrm>
+          <a:off x="0" y="0"/>
+          <a:ext cx="0" cy="0"/>
+          <a:chOff x="0" y="0"/>
+          <a:chExt cx="0" cy="0"/>
+        </a:xfrm>
+      </p:grpSpPr>
+      <p:sp>
+        <p:nvSpPr>
+          <p:cNvPr id="2" name="Title 1">
+            <a:extLst>
+              <a:ext uri="{FF2B5EF4-FFF2-40B4-BE49-F238E27FC236}">
+                <a16:creationId xmlns:a16="http://schemas.microsoft.com/office/drawing/2014/main" id="{ACE923D7-F829-423F-84DD-9C78662AC85E}"/>
+              </a:ext>
+            </a:extLst>
+          </p:cNvPr>
+          <p:cNvSpPr>
+            <a:spLocks noGrp="1"/>
+          </p:cNvSpPr>
+          <p:nvPr>
+            <p:ph type="title"/>
+          </p:nvPr>
+        </p:nvSpPr>
+        <p:spPr/>
+        <p:txBody>
+          <a:bodyPr/>
+          <a:lstStyle/>
+          <a:p>
+            <a:endParaRPr lang="fr-FR"/>
+          </a:p>
+        </p:txBody>
+      </p:sp>
+      <p:sp>
+        <p:nvSpPr>
+          <p:cNvPr id="3" name="Content Placeholder 2">
+            <a:extLst>
+              <a:ext uri="{FF2B5EF4-FFF2-40B4-BE49-F238E27FC236}">
+                <a16:creationId xmlns:a16="http://schemas.microsoft.com/office/drawing/2014/main" id="{19A28E86-8B70-4BCE-AD79-C2E438A8EDE9}"/>
+              </a:ext>
+            </a:extLst>
+          </p:cNvPr>
+          <p:cNvSpPr>
+            <a:spLocks noGrp="1"/>
+          </p:cNvSpPr>
+          <p:nvPr>
+            <p:ph idx="1"/>
+          </p:nvPr>
+        </p:nvSpPr>
+        <p:spPr/>
+        <p:txBody>
+          <a:bodyPr>
+            <a:normAutofit/>
+          </a:bodyPr>
+          <a:lstStyle/>
+          <a:p>
+            <a:pPr marL="0" indent="0">
+              <a:buNone/>
+            </a:pPr>
+            <a:r>
+              <a:rPr lang="fr-FR" dirty="0"/>
+              <a:t>1) Record tests </a:t>
+            </a:r>
+          </a:p>
+          <a:p>
+            <a:pPr marL="0" indent="0">
+              <a:buNone/>
+            </a:pPr>
+            <a:endParaRPr lang="fr-FR" dirty="0"/>
+          </a:p>
+          <a:p>
+            <a:pPr>
+              <a:buFontTx/>
+              <a:buChar char="-"/>
+            </a:pPr>
+            <a:r>
+              <a:rPr lang="fr-FR" dirty="0" err="1"/>
+              <a:t>Videos</a:t>
+            </a:r>
+            <a:endParaRPr lang="fr-FR" dirty="0"/>
+          </a:p>
+          <a:p>
+            <a:pPr>
+              <a:buFontTx/>
+              <a:buChar char="-"/>
+            </a:pPr>
+            <a:r>
+              <a:rPr lang="fr-FR" dirty="0" err="1"/>
+              <a:t>Cypress</a:t>
+            </a:r>
+            <a:r>
+              <a:rPr lang="fr-FR" dirty="0"/>
+              <a:t>-image-snapshot</a:t>
+            </a:r>
+          </a:p>
+          <a:p>
+            <a:endParaRPr lang="fr-FR" dirty="0"/>
+          </a:p>
+          <a:p>
+            <a:r>
+              <a:rPr lang="fr-FR" dirty="0"/>
+              <a:t>Utiliser </a:t>
+            </a:r>
+            <a:r>
+              <a:rPr lang="fr-FR" dirty="0" err="1"/>
+              <a:t>cy.ntlm</a:t>
+            </a:r>
+            <a:r>
+              <a:rPr lang="fr-FR" dirty="0"/>
+              <a:t> pour se loguer via l’authentification </a:t>
+            </a:r>
+            <a:r>
+              <a:rPr lang="fr-FR" dirty="0" err="1"/>
+              <a:t>windows</a:t>
+            </a:r>
+            <a:r>
+              <a:rPr lang="fr-FR" dirty="0"/>
+              <a:t> NTLM</a:t>
+            </a:r>
+          </a:p>
+          <a:p>
+            <a:endParaRPr lang="fr-FR" dirty="0"/>
+          </a:p>
+          <a:p>
+            <a:r>
+              <a:rPr lang="fr-FR" dirty="0"/>
+              <a:t>Vérifier un fichier à télécharger</a:t>
+            </a:r>
+          </a:p>
+          <a:p>
+            <a:pPr marL="0" indent="0">
+              <a:buNone/>
+            </a:pPr>
+            <a:endParaRPr lang="fr-FR" dirty="0"/>
+          </a:p>
+        </p:txBody>
+      </p:sp>
+    </p:spTree>
+    <p:extLst>
+      <p:ext uri="{BB962C8B-B14F-4D97-AF65-F5344CB8AC3E}">
+        <p14:creationId xmlns:p14="http://schemas.microsoft.com/office/powerpoint/2010/main" val="2493817114"/>
       </p:ext>
     </p:extLst>
   </p:cSld>

--- a/Cypress.pptx
+++ b/Cypress.pptx
@@ -6,14 +6,17 @@
   </p:sldMasterIdLst>
   <p:sldIdLst>
     <p:sldId id="256" r:id="rId2"/>
-    <p:sldId id="258" r:id="rId3"/>
-    <p:sldId id="263" r:id="rId4"/>
-    <p:sldId id="260" r:id="rId5"/>
-    <p:sldId id="257" r:id="rId6"/>
-    <p:sldId id="261" r:id="rId7"/>
-    <p:sldId id="262" r:id="rId8"/>
-    <p:sldId id="259" r:id="rId9"/>
-    <p:sldId id="264" r:id="rId10"/>
+    <p:sldId id="267" r:id="rId3"/>
+    <p:sldId id="258" r:id="rId4"/>
+    <p:sldId id="263" r:id="rId5"/>
+    <p:sldId id="260" r:id="rId6"/>
+    <p:sldId id="257" r:id="rId7"/>
+    <p:sldId id="265" r:id="rId8"/>
+    <p:sldId id="266" r:id="rId9"/>
+    <p:sldId id="261" r:id="rId10"/>
+    <p:sldId id="262" r:id="rId11"/>
+    <p:sldId id="259" r:id="rId12"/>
+    <p:sldId id="264" r:id="rId13"/>
   </p:sldIdLst>
   <p:sldSz cx="12192000" cy="6858000"/>
   <p:notesSz cx="6858000" cy="9144000"/>
@@ -3616,6 +3619,443 @@
 </p:sld>
 </file>
 
+<file path=ppt/slides/slide10.xml><?xml version="1.0" encoding="utf-8"?>
+<p:sld xmlns:a="http://schemas.openxmlformats.org/drawingml/2006/main" xmlns:r="http://schemas.openxmlformats.org/officeDocument/2006/relationships" xmlns:p="http://schemas.openxmlformats.org/presentationml/2006/main">
+  <p:cSld>
+    <p:spTree>
+      <p:nvGrpSpPr>
+        <p:cNvPr id="1" name=""/>
+        <p:cNvGrpSpPr/>
+        <p:nvPr/>
+      </p:nvGrpSpPr>
+      <p:grpSpPr>
+        <a:xfrm>
+          <a:off x="0" y="0"/>
+          <a:ext cx="0" cy="0"/>
+          <a:chOff x="0" y="0"/>
+          <a:chExt cx="0" cy="0"/>
+        </a:xfrm>
+      </p:grpSpPr>
+      <p:sp>
+        <p:nvSpPr>
+          <p:cNvPr id="2" name="Title 1">
+            <a:extLst>
+              <a:ext uri="{FF2B5EF4-FFF2-40B4-BE49-F238E27FC236}">
+                <a16:creationId xmlns:a16="http://schemas.microsoft.com/office/drawing/2014/main" id="{2DBD8BCF-4A34-44F1-9A3D-4AE153A0E01E}"/>
+              </a:ext>
+            </a:extLst>
+          </p:cNvPr>
+          <p:cNvSpPr>
+            <a:spLocks noGrp="1"/>
+          </p:cNvSpPr>
+          <p:nvPr>
+            <p:ph type="title"/>
+          </p:nvPr>
+        </p:nvSpPr>
+        <p:spPr/>
+        <p:txBody>
+          <a:bodyPr/>
+          <a:lstStyle/>
+          <a:p>
+            <a:endParaRPr lang="fr-FR"/>
+          </a:p>
+        </p:txBody>
+      </p:sp>
+      <p:sp>
+        <p:nvSpPr>
+          <p:cNvPr id="3" name="Content Placeholder 2">
+            <a:extLst>
+              <a:ext uri="{FF2B5EF4-FFF2-40B4-BE49-F238E27FC236}">
+                <a16:creationId xmlns:a16="http://schemas.microsoft.com/office/drawing/2014/main" id="{AFC05945-2534-4A83-BBA8-86F0A538BADF}"/>
+              </a:ext>
+            </a:extLst>
+          </p:cNvPr>
+          <p:cNvSpPr>
+            <a:spLocks noGrp="1"/>
+          </p:cNvSpPr>
+          <p:nvPr>
+            <p:ph idx="1"/>
+          </p:nvPr>
+        </p:nvSpPr>
+        <p:spPr/>
+        <p:txBody>
+          <a:bodyPr/>
+          <a:lstStyle/>
+          <a:p>
+            <a:pPr marL="0" indent="0">
+              <a:buNone/>
+            </a:pPr>
+            <a:r>
+              <a:rPr lang="fr-FR" dirty="0"/>
+              <a:t>Diagnostique une erreur avec </a:t>
+            </a:r>
+            <a:r>
+              <a:rPr lang="fr-FR" dirty="0" err="1"/>
+              <a:t>cypress</a:t>
+            </a:r>
+            <a:endParaRPr lang="fr-FR" dirty="0"/>
+          </a:p>
+          <a:p>
+            <a:pPr marL="0" indent="0">
+              <a:buNone/>
+            </a:pPr>
+            <a:endParaRPr lang="fr-FR" dirty="0"/>
+          </a:p>
+          <a:p>
+            <a:pPr marL="0" indent="0">
+              <a:buNone/>
+            </a:pPr>
+            <a:r>
+              <a:rPr lang="fr-FR" dirty="0" err="1"/>
+              <a:t>Selenium</a:t>
+            </a:r>
+            <a:r>
+              <a:rPr lang="fr-FR" dirty="0"/>
+              <a:t> : problème de code du test?, de production ? Coté server?</a:t>
+            </a:r>
+          </a:p>
+          <a:p>
+            <a:pPr marL="0" indent="0">
+              <a:buNone/>
+            </a:pPr>
+            <a:r>
+              <a:rPr lang="fr-FR" dirty="0"/>
+              <a:t>Impression de </a:t>
+            </a:r>
+            <a:r>
+              <a:rPr lang="fr-FR" dirty="0" err="1"/>
+              <a:t>flackeness</a:t>
+            </a:r>
+            <a:endParaRPr lang="fr-FR" dirty="0"/>
+          </a:p>
+        </p:txBody>
+      </p:sp>
+    </p:spTree>
+    <p:extLst>
+      <p:ext uri="{BB962C8B-B14F-4D97-AF65-F5344CB8AC3E}">
+        <p14:creationId xmlns:p14="http://schemas.microsoft.com/office/powerpoint/2010/main" val="2493029583"/>
+      </p:ext>
+    </p:extLst>
+  </p:cSld>
+  <p:clrMapOvr>
+    <a:masterClrMapping/>
+  </p:clrMapOvr>
+</p:sld>
+</file>
+
+<file path=ppt/slides/slide11.xml><?xml version="1.0" encoding="utf-8"?>
+<p:sld xmlns:a="http://schemas.openxmlformats.org/drawingml/2006/main" xmlns:r="http://schemas.openxmlformats.org/officeDocument/2006/relationships" xmlns:p="http://schemas.openxmlformats.org/presentationml/2006/main">
+  <p:cSld>
+    <p:spTree>
+      <p:nvGrpSpPr>
+        <p:cNvPr id="1" name=""/>
+        <p:cNvGrpSpPr/>
+        <p:nvPr/>
+      </p:nvGrpSpPr>
+      <p:grpSpPr>
+        <a:xfrm>
+          <a:off x="0" y="0"/>
+          <a:ext cx="0" cy="0"/>
+          <a:chOff x="0" y="0"/>
+          <a:chExt cx="0" cy="0"/>
+        </a:xfrm>
+      </p:grpSpPr>
+      <p:sp>
+        <p:nvSpPr>
+          <p:cNvPr id="2" name="Title 1">
+            <a:extLst>
+              <a:ext uri="{FF2B5EF4-FFF2-40B4-BE49-F238E27FC236}">
+                <a16:creationId xmlns:a16="http://schemas.microsoft.com/office/drawing/2014/main" id="{05FA4F93-FB0D-4845-AD78-CD0A0F436332}"/>
+              </a:ext>
+            </a:extLst>
+          </p:cNvPr>
+          <p:cNvSpPr>
+            <a:spLocks noGrp="1"/>
+          </p:cNvSpPr>
+          <p:nvPr>
+            <p:ph type="title"/>
+          </p:nvPr>
+        </p:nvSpPr>
+        <p:spPr/>
+        <p:txBody>
+          <a:bodyPr/>
+          <a:lstStyle/>
+          <a:p>
+            <a:r>
+              <a:rPr lang="fr-FR" dirty="0"/>
+              <a:t>III) </a:t>
+            </a:r>
+            <a:r>
+              <a:rPr lang="fr-FR" dirty="0" err="1"/>
+              <a:t>Features</a:t>
+            </a:r>
+            <a:r>
+              <a:rPr lang="fr-FR" dirty="0"/>
+              <a:t> de </a:t>
+            </a:r>
+            <a:r>
+              <a:rPr lang="fr-FR" dirty="0" err="1"/>
+              <a:t>cypress</a:t>
+            </a:r>
+            <a:endParaRPr lang="fr-FR" dirty="0"/>
+          </a:p>
+        </p:txBody>
+      </p:sp>
+      <p:sp>
+        <p:nvSpPr>
+          <p:cNvPr id="3" name="Content Placeholder 2">
+            <a:extLst>
+              <a:ext uri="{FF2B5EF4-FFF2-40B4-BE49-F238E27FC236}">
+                <a16:creationId xmlns:a16="http://schemas.microsoft.com/office/drawing/2014/main" id="{CC88863A-5999-4B92-B196-6053018EE4AA}"/>
+              </a:ext>
+            </a:extLst>
+          </p:cNvPr>
+          <p:cNvSpPr>
+            <a:spLocks noGrp="1"/>
+          </p:cNvSpPr>
+          <p:nvPr>
+            <p:ph idx="1"/>
+          </p:nvPr>
+        </p:nvSpPr>
+        <p:spPr/>
+        <p:txBody>
+          <a:bodyPr/>
+          <a:lstStyle/>
+          <a:p>
+            <a:pPr marL="0" indent="0">
+              <a:buNone/>
+            </a:pPr>
+            <a:endParaRPr lang="fr-FR" dirty="0">
+              <a:solidFill>
+                <a:srgbClr val="0563C1"/>
+              </a:solidFill>
+              <a:hlinkClick r:id="rId2">
+                <a:extLst>
+                  <a:ext uri="{A12FA001-AC4F-418D-AE19-62706E023703}">
+                    <ahyp:hlinkClr xmlns:ahyp="http://schemas.microsoft.com/office/drawing/2018/hyperlinkcolor" val="tx"/>
+                  </a:ext>
+                </a:extLst>
+              </a:hlinkClick>
+            </a:endParaRPr>
+          </a:p>
+          <a:p>
+            <a:pPr marL="0" indent="0">
+              <a:buNone/>
+            </a:pPr>
+            <a:r>
+              <a:rPr lang="fr-FR" dirty="0">
+                <a:hlinkClick r:id="rId2">
+                  <a:extLst>
+                    <a:ext uri="{A12FA001-AC4F-418D-AE19-62706E023703}">
+                      <ahyp:hlinkClr xmlns:ahyp="http://schemas.microsoft.com/office/drawing/2018/hyperlinkcolor" val="tx"/>
+                    </a:ext>
+                  </a:extLst>
+                </a:hlinkClick>
+              </a:rPr>
+              <a:t>Library des plugins</a:t>
+            </a:r>
+          </a:p>
+          <a:p>
+            <a:pPr marL="0" indent="0">
+              <a:buNone/>
+            </a:pPr>
+            <a:r>
+              <a:rPr lang="fr-FR" dirty="0">
+                <a:solidFill>
+                  <a:srgbClr val="0563C1"/>
+                </a:solidFill>
+                <a:hlinkClick r:id="rId2">
+                  <a:extLst>
+                    <a:ext uri="{A12FA001-AC4F-418D-AE19-62706E023703}">
+                      <ahyp:hlinkClr xmlns:ahyp="http://schemas.microsoft.com/office/drawing/2018/hyperlinkcolor" val="tx"/>
+                    </a:ext>
+                  </a:extLst>
+                </a:hlinkClick>
+              </a:rPr>
+              <a:t>https://docs.cypress.io/plugins/</a:t>
+            </a:r>
+            <a:endParaRPr lang="fr-FR" dirty="0"/>
+          </a:p>
+          <a:p>
+            <a:pPr marL="0" indent="0">
+              <a:buNone/>
+            </a:pPr>
+            <a:endParaRPr lang="fr-FR" dirty="0"/>
+          </a:p>
+        </p:txBody>
+      </p:sp>
+    </p:spTree>
+    <p:extLst>
+      <p:ext uri="{BB962C8B-B14F-4D97-AF65-F5344CB8AC3E}">
+        <p14:creationId xmlns:p14="http://schemas.microsoft.com/office/powerpoint/2010/main" val="1547575731"/>
+      </p:ext>
+    </p:extLst>
+  </p:cSld>
+  <p:clrMapOvr>
+    <a:masterClrMapping/>
+  </p:clrMapOvr>
+</p:sld>
+</file>
+
+<file path=ppt/slides/slide12.xml><?xml version="1.0" encoding="utf-8"?>
+<p:sld xmlns:a="http://schemas.openxmlformats.org/drawingml/2006/main" xmlns:r="http://schemas.openxmlformats.org/officeDocument/2006/relationships" xmlns:p="http://schemas.openxmlformats.org/presentationml/2006/main">
+  <p:cSld>
+    <p:spTree>
+      <p:nvGrpSpPr>
+        <p:cNvPr id="1" name=""/>
+        <p:cNvGrpSpPr/>
+        <p:nvPr/>
+      </p:nvGrpSpPr>
+      <p:grpSpPr>
+        <a:xfrm>
+          <a:off x="0" y="0"/>
+          <a:ext cx="0" cy="0"/>
+          <a:chOff x="0" y="0"/>
+          <a:chExt cx="0" cy="0"/>
+        </a:xfrm>
+      </p:grpSpPr>
+      <p:sp>
+        <p:nvSpPr>
+          <p:cNvPr id="2" name="Title 1">
+            <a:extLst>
+              <a:ext uri="{FF2B5EF4-FFF2-40B4-BE49-F238E27FC236}">
+                <a16:creationId xmlns:a16="http://schemas.microsoft.com/office/drawing/2014/main" id="{ACE923D7-F829-423F-84DD-9C78662AC85E}"/>
+              </a:ext>
+            </a:extLst>
+          </p:cNvPr>
+          <p:cNvSpPr>
+            <a:spLocks noGrp="1"/>
+          </p:cNvSpPr>
+          <p:nvPr>
+            <p:ph type="title"/>
+          </p:nvPr>
+        </p:nvSpPr>
+        <p:spPr/>
+        <p:txBody>
+          <a:bodyPr/>
+          <a:lstStyle/>
+          <a:p>
+            <a:endParaRPr lang="fr-FR"/>
+          </a:p>
+        </p:txBody>
+      </p:sp>
+      <p:sp>
+        <p:nvSpPr>
+          <p:cNvPr id="3" name="Content Placeholder 2">
+            <a:extLst>
+              <a:ext uri="{FF2B5EF4-FFF2-40B4-BE49-F238E27FC236}">
+                <a16:creationId xmlns:a16="http://schemas.microsoft.com/office/drawing/2014/main" id="{19A28E86-8B70-4BCE-AD79-C2E438A8EDE9}"/>
+              </a:ext>
+            </a:extLst>
+          </p:cNvPr>
+          <p:cNvSpPr>
+            <a:spLocks noGrp="1"/>
+          </p:cNvSpPr>
+          <p:nvPr>
+            <p:ph idx="1"/>
+          </p:nvPr>
+        </p:nvSpPr>
+        <p:spPr/>
+        <p:txBody>
+          <a:bodyPr>
+            <a:normAutofit/>
+          </a:bodyPr>
+          <a:lstStyle/>
+          <a:p>
+            <a:pPr marL="0" indent="0">
+              <a:buNone/>
+            </a:pPr>
+            <a:r>
+              <a:rPr lang="fr-FR" dirty="0"/>
+              <a:t>1) Record tests </a:t>
+            </a:r>
+          </a:p>
+          <a:p>
+            <a:pPr marL="0" indent="0">
+              <a:buNone/>
+            </a:pPr>
+            <a:endParaRPr lang="fr-FR" dirty="0"/>
+          </a:p>
+          <a:p>
+            <a:pPr>
+              <a:buFontTx/>
+              <a:buChar char="-"/>
+            </a:pPr>
+            <a:r>
+              <a:rPr lang="fr-FR" dirty="0" err="1"/>
+              <a:t>Videos</a:t>
+            </a:r>
+            <a:endParaRPr lang="fr-FR" dirty="0"/>
+          </a:p>
+          <a:p>
+            <a:pPr>
+              <a:buFontTx/>
+              <a:buChar char="-"/>
+            </a:pPr>
+            <a:r>
+              <a:rPr lang="fr-FR" dirty="0" err="1"/>
+              <a:t>Cypress</a:t>
+            </a:r>
+            <a:r>
+              <a:rPr lang="fr-FR" dirty="0"/>
+              <a:t>-image-snapshot</a:t>
+            </a:r>
+          </a:p>
+          <a:p>
+            <a:endParaRPr lang="fr-FR" dirty="0"/>
+          </a:p>
+          <a:p>
+            <a:r>
+              <a:rPr lang="fr-FR" dirty="0"/>
+              <a:t>Utiliser </a:t>
+            </a:r>
+            <a:r>
+              <a:rPr lang="fr-FR" dirty="0" err="1"/>
+              <a:t>cy.ntlm</a:t>
+            </a:r>
+            <a:r>
+              <a:rPr lang="fr-FR" dirty="0"/>
+              <a:t> pour se loguer via l’authentification </a:t>
+            </a:r>
+            <a:r>
+              <a:rPr lang="fr-FR" dirty="0" err="1"/>
+              <a:t>windows</a:t>
+            </a:r>
+            <a:r>
+              <a:rPr lang="fr-FR" dirty="0"/>
+              <a:t> NTLM</a:t>
+            </a:r>
+          </a:p>
+          <a:p>
+            <a:endParaRPr lang="fr-FR" dirty="0"/>
+          </a:p>
+          <a:p>
+            <a:r>
+              <a:rPr lang="fr-FR" dirty="0"/>
+              <a:t>Vérifier un fichier à télécharger</a:t>
+            </a:r>
+          </a:p>
+          <a:p>
+            <a:pPr marL="0" indent="0">
+              <a:buNone/>
+            </a:pPr>
+            <a:endParaRPr lang="fr-FR" dirty="0"/>
+          </a:p>
+        </p:txBody>
+      </p:sp>
+    </p:spTree>
+    <p:extLst>
+      <p:ext uri="{BB962C8B-B14F-4D97-AF65-F5344CB8AC3E}">
+        <p14:creationId xmlns:p14="http://schemas.microsoft.com/office/powerpoint/2010/main" val="2493817114"/>
+      </p:ext>
+    </p:extLst>
+  </p:cSld>
+  <p:clrMapOvr>
+    <a:masterClrMapping/>
+  </p:clrMapOvr>
+</p:sld>
+</file>
+
 <file path=ppt/slides/slide2.xml><?xml version="1.0" encoding="utf-8"?>
 <p:sld xmlns:a="http://schemas.openxmlformats.org/drawingml/2006/main" xmlns:r="http://schemas.openxmlformats.org/officeDocument/2006/relationships" xmlns:p="http://schemas.openxmlformats.org/presentationml/2006/main">
   <p:cSld>
@@ -3638,7 +4078,7 @@
           <p:cNvPr id="2" name="Title 1">
             <a:extLst>
               <a:ext uri="{FF2B5EF4-FFF2-40B4-BE49-F238E27FC236}">
-                <a16:creationId xmlns:a16="http://schemas.microsoft.com/office/drawing/2014/main" id="{A426BFF0-147F-40CA-BD70-16098B2062BA}"/>
+                <a16:creationId xmlns:a16="http://schemas.microsoft.com/office/drawing/2014/main" id="{4C945C6E-63FE-4EB1-800D-0F9685470C5E}"/>
               </a:ext>
             </a:extLst>
           </p:cNvPr>
@@ -3655,33 +4095,10 @@
           <a:lstStyle/>
           <a:p>
             <a:r>
-              <a:rPr lang="fr-FR" dirty="0"/>
-              <a:t>1)  </a:t>
-            </a:r>
-            <a:r>
-              <a:rPr lang="fr-FR" dirty="0" err="1"/>
-              <a:t>What</a:t>
-            </a:r>
-            <a:r>
-              <a:rPr lang="fr-FR" dirty="0"/>
-              <a:t> </a:t>
-            </a:r>
-            <a:r>
-              <a:rPr lang="fr-FR" dirty="0" err="1"/>
-              <a:t>is</a:t>
-            </a:r>
-            <a:r>
-              <a:rPr lang="fr-FR" dirty="0"/>
-              <a:t> </a:t>
-            </a:r>
-            <a:r>
-              <a:rPr lang="fr-FR" dirty="0" err="1"/>
-              <a:t>cypress</a:t>
-            </a:r>
-            <a:r>
-              <a:rPr lang="fr-FR" dirty="0"/>
-              <a:t> ?</a:t>
-            </a:r>
+              <a:rPr lang="en-GB" dirty="0" err="1"/>
+              <a:t>Problematique</a:t>
+            </a:r>
+            <a:endParaRPr lang="en-GB" dirty="0"/>
           </a:p>
         </p:txBody>
       </p:sp>
@@ -3690,7 +4107,7 @@
           <p:cNvPr id="3" name="Content Placeholder 2">
             <a:extLst>
               <a:ext uri="{FF2B5EF4-FFF2-40B4-BE49-F238E27FC236}">
-                <a16:creationId xmlns:a16="http://schemas.microsoft.com/office/drawing/2014/main" id="{1BD76F33-0CD5-48CC-BBB4-DDB18F39E19F}"/>
+                <a16:creationId xmlns:a16="http://schemas.microsoft.com/office/drawing/2014/main" id="{06105B5E-5E71-406F-BE20-914331649AE9}"/>
               </a:ext>
             </a:extLst>
           </p:cNvPr>
@@ -3703,150 +4120,80 @@
         </p:nvSpPr>
         <p:spPr/>
         <p:txBody>
-          <a:bodyPr>
-            <a:normAutofit fontScale="92500"/>
-          </a:bodyPr>
-          <a:lstStyle/>
-          <a:p>
-            <a:r>
-              <a:rPr lang="fr-FR" dirty="0"/>
-              <a:t> Projet initié par Brian Mann en 2014 (après sondage aux développeurs)</a:t>
-            </a:r>
-          </a:p>
-          <a:p>
-            <a:r>
-              <a:rPr lang="fr-FR" dirty="0"/>
-              <a:t>1</a:t>
-            </a:r>
-            <a:r>
-              <a:rPr lang="fr-FR" baseline="30000" dirty="0"/>
-              <a:t>er</a:t>
-            </a:r>
-            <a:r>
-              <a:rPr lang="fr-FR" dirty="0"/>
-              <a:t> release en 2018</a:t>
-            </a:r>
-          </a:p>
-          <a:p>
-            <a:endParaRPr lang="fr-FR" dirty="0"/>
-          </a:p>
-          <a:p>
-            <a:r>
-              <a:rPr lang="fr-FR" dirty="0" err="1"/>
-              <a:t>Based</a:t>
-            </a:r>
-            <a:r>
-              <a:rPr lang="fr-FR" dirty="0"/>
-              <a:t> on </a:t>
-            </a:r>
-            <a:r>
-              <a:rPr lang="fr-FR" dirty="0" err="1"/>
-              <a:t>many</a:t>
-            </a:r>
-            <a:r>
-              <a:rPr lang="fr-FR" dirty="0"/>
-              <a:t> open-source </a:t>
-            </a:r>
-            <a:r>
-              <a:rPr lang="fr-FR" dirty="0" err="1"/>
-              <a:t>testing</a:t>
-            </a:r>
-            <a:r>
-              <a:rPr lang="fr-FR" dirty="0"/>
-              <a:t> </a:t>
-            </a:r>
-            <a:r>
-              <a:rPr lang="fr-FR" dirty="0" err="1"/>
-              <a:t>library</a:t>
-            </a:r>
-            <a:r>
-              <a:rPr lang="fr-FR" dirty="0"/>
-              <a:t> (</a:t>
-            </a:r>
-            <a:r>
-              <a:rPr lang="fr-FR" sz="2600" dirty="0"/>
-              <a:t>Mocha, Chai, Chai-jQuery, </a:t>
-            </a:r>
-            <a:r>
-              <a:rPr lang="fr-FR" sz="2600" dirty="0" err="1"/>
-              <a:t>SinonJS</a:t>
-            </a:r>
-            <a:r>
-              <a:rPr lang="fr-FR" sz="2600" dirty="0"/>
-              <a:t> …</a:t>
-            </a:r>
-            <a:r>
-              <a:rPr lang="fr-FR" dirty="0"/>
-              <a:t>)</a:t>
-            </a:r>
-          </a:p>
-          <a:p>
-            <a:endParaRPr lang="fr-FR" dirty="0"/>
-          </a:p>
-          <a:p>
-            <a:r>
-              <a:rPr lang="fr-FR" dirty="0"/>
-              <a:t>Javascript end-to-end </a:t>
-            </a:r>
-            <a:r>
-              <a:rPr lang="fr-FR" dirty="0" err="1"/>
-              <a:t>testing</a:t>
-            </a:r>
-            <a:r>
-              <a:rPr lang="fr-FR" dirty="0"/>
-              <a:t> </a:t>
-            </a:r>
-            <a:r>
-              <a:rPr lang="fr-FR" dirty="0" err="1"/>
-              <a:t>framework</a:t>
-            </a:r>
-            <a:r>
-              <a:rPr lang="fr-FR" dirty="0"/>
-              <a:t> (</a:t>
-            </a:r>
-            <a:r>
-              <a:rPr lang="fr-FR" dirty="0" err="1"/>
-              <a:t>angular</a:t>
-            </a:r>
-            <a:r>
-              <a:rPr lang="fr-FR" dirty="0"/>
-              <a:t>, </a:t>
-            </a:r>
-            <a:r>
-              <a:rPr lang="fr-FR" dirty="0" err="1"/>
-              <a:t>react</a:t>
-            </a:r>
-            <a:r>
-              <a:rPr lang="fr-FR" dirty="0"/>
-              <a:t> et vue)</a:t>
-            </a:r>
-          </a:p>
-          <a:p>
-            <a:endParaRPr lang="fr-FR" dirty="0"/>
-          </a:p>
-          <a:p>
-            <a:r>
-              <a:rPr lang="fr-FR" dirty="0"/>
-              <a:t> Free (sauf </a:t>
-            </a:r>
-            <a:r>
-              <a:rPr lang="fr-FR" dirty="0" err="1"/>
-              <a:t>dashboard</a:t>
-            </a:r>
-            <a:r>
-              <a:rPr lang="fr-FR" dirty="0"/>
-              <a:t> service) &amp; open-source</a:t>
-            </a:r>
-          </a:p>
-          <a:p>
-            <a:endParaRPr lang="fr-FR" dirty="0"/>
+          <a:bodyPr/>
+          <a:lstStyle/>
+          <a:p>
+            <a:r>
+              <a:rPr lang="en-GB" dirty="0" err="1"/>
+              <a:t>Ecrire</a:t>
+            </a:r>
+            <a:r>
+              <a:rPr lang="en-GB" dirty="0"/>
+              <a:t> des tests end to end </a:t>
+            </a:r>
+            <a:r>
+              <a:rPr lang="en-GB" dirty="0" err="1"/>
+              <a:t>est</a:t>
+            </a:r>
+            <a:r>
+              <a:rPr lang="en-GB" dirty="0"/>
+              <a:t> dur :</a:t>
+            </a:r>
+          </a:p>
+          <a:p>
+            <a:pPr marL="0" indent="0">
+              <a:buNone/>
+            </a:pPr>
+            <a:endParaRPr lang="en-GB" dirty="0"/>
+          </a:p>
+          <a:p>
+            <a:pPr>
+              <a:buFontTx/>
+              <a:buChar char="-"/>
+            </a:pPr>
+            <a:r>
+              <a:rPr lang="en-GB" dirty="0"/>
+              <a:t>Selectors</a:t>
+            </a:r>
+          </a:p>
+          <a:p>
+            <a:pPr>
+              <a:buFontTx/>
+              <a:buChar char="-"/>
+            </a:pPr>
+            <a:r>
+              <a:rPr lang="en-GB" dirty="0"/>
+              <a:t>challenge de </a:t>
+            </a:r>
+            <a:r>
+              <a:rPr lang="en-GB" dirty="0" err="1"/>
+              <a:t>rapidité</a:t>
+            </a:r>
+            <a:endParaRPr lang="en-GB" dirty="0"/>
+          </a:p>
+          <a:p>
+            <a:pPr>
+              <a:buFontTx/>
+              <a:buChar char="-"/>
+            </a:pPr>
+            <a:r>
+              <a:rPr lang="en-GB" dirty="0"/>
+              <a:t>UI break test</a:t>
+            </a:r>
+          </a:p>
+          <a:p>
+            <a:pPr>
+              <a:buFontTx/>
+              <a:buChar char="-"/>
+            </a:pPr>
+            <a:endParaRPr lang="en-GB" dirty="0"/>
           </a:p>
         </p:txBody>
       </p:sp>
     </p:spTree>
     <p:extLst>
       <p:ext uri="{BB962C8B-B14F-4D97-AF65-F5344CB8AC3E}">
-        <p14:creationId xmlns:p14="http://schemas.microsoft.com/office/powerpoint/2010/main" val="98759267"/>
+        <p14:creationId xmlns:p14="http://schemas.microsoft.com/office/powerpoint/2010/main" val="2681394807"/>
       </p:ext>
     </p:extLst>
   </p:cSld>
@@ -3873,6 +4220,301 @@
           <a:chExt cx="0" cy="0"/>
         </a:xfrm>
       </p:grpSpPr>
+      <p:sp>
+        <p:nvSpPr>
+          <p:cNvPr id="2" name="Title 1">
+            <a:extLst>
+              <a:ext uri="{FF2B5EF4-FFF2-40B4-BE49-F238E27FC236}">
+                <a16:creationId xmlns:a16="http://schemas.microsoft.com/office/drawing/2014/main" id="{A426BFF0-147F-40CA-BD70-16098B2062BA}"/>
+              </a:ext>
+            </a:extLst>
+          </p:cNvPr>
+          <p:cNvSpPr>
+            <a:spLocks noGrp="1"/>
+          </p:cNvSpPr>
+          <p:nvPr>
+            <p:ph type="title"/>
+          </p:nvPr>
+        </p:nvSpPr>
+        <p:spPr>
+          <a:xfrm>
+            <a:off x="838200" y="365125"/>
+            <a:ext cx="10515600" cy="1162017"/>
+          </a:xfrm>
+        </p:spPr>
+        <p:txBody>
+          <a:bodyPr/>
+          <a:lstStyle/>
+          <a:p>
+            <a:r>
+              <a:rPr lang="fr-FR" dirty="0"/>
+              <a:t>I)  </a:t>
+            </a:r>
+            <a:r>
+              <a:rPr lang="fr-FR" dirty="0" err="1"/>
+              <a:t>Cypress</a:t>
+            </a:r>
+            <a:r>
+              <a:rPr lang="fr-FR" dirty="0"/>
+              <a:t>, c’est quoi ? </a:t>
+            </a:r>
+          </a:p>
+        </p:txBody>
+      </p:sp>
+      <p:sp>
+        <p:nvSpPr>
+          <p:cNvPr id="3" name="Content Placeholder 2">
+            <a:extLst>
+              <a:ext uri="{FF2B5EF4-FFF2-40B4-BE49-F238E27FC236}">
+                <a16:creationId xmlns:a16="http://schemas.microsoft.com/office/drawing/2014/main" id="{1BD76F33-0CD5-48CC-BBB4-DDB18F39E19F}"/>
+              </a:ext>
+            </a:extLst>
+          </p:cNvPr>
+          <p:cNvSpPr>
+            <a:spLocks noGrp="1"/>
+          </p:cNvSpPr>
+          <p:nvPr>
+            <p:ph idx="1"/>
+          </p:nvPr>
+        </p:nvSpPr>
+        <p:spPr>
+          <a:xfrm>
+            <a:off x="838200" y="1847654"/>
+            <a:ext cx="10515600" cy="4329310"/>
+          </a:xfrm>
+        </p:spPr>
+        <p:txBody>
+          <a:bodyPr>
+            <a:normAutofit fontScale="92500" lnSpcReduction="10000"/>
+          </a:bodyPr>
+          <a:lstStyle/>
+          <a:p>
+            <a:r>
+              <a:rPr lang="fr-FR" dirty="0"/>
+              <a:t>Javascript end-to-end </a:t>
+            </a:r>
+            <a:r>
+              <a:rPr lang="fr-FR" dirty="0" err="1"/>
+              <a:t>testing</a:t>
+            </a:r>
+            <a:r>
+              <a:rPr lang="fr-FR" dirty="0"/>
+              <a:t> </a:t>
+            </a:r>
+            <a:r>
+              <a:rPr lang="fr-FR" dirty="0" err="1"/>
+              <a:t>framework</a:t>
+            </a:r>
+            <a:r>
+              <a:rPr lang="fr-FR" dirty="0"/>
+              <a:t> (</a:t>
+            </a:r>
+            <a:r>
+              <a:rPr lang="fr-FR" dirty="0" err="1"/>
+              <a:t>angular</a:t>
+            </a:r>
+            <a:r>
+              <a:rPr lang="fr-FR" dirty="0"/>
+              <a:t>, </a:t>
+            </a:r>
+            <a:r>
+              <a:rPr lang="fr-FR" dirty="0" err="1"/>
+              <a:t>react</a:t>
+            </a:r>
+            <a:r>
+              <a:rPr lang="fr-FR" dirty="0"/>
+              <a:t> et vue)</a:t>
+            </a:r>
+          </a:p>
+          <a:p>
+            <a:pPr marL="0" indent="0">
+              <a:buNone/>
+            </a:pPr>
+            <a:endParaRPr lang="fr-FR" dirty="0"/>
+          </a:p>
+          <a:p>
+            <a:r>
+              <a:rPr lang="fr-FR" dirty="0"/>
+              <a:t> Projet initié par Brian Mann en 2014 (après sondage aux développeurs)</a:t>
+            </a:r>
+          </a:p>
+          <a:p>
+            <a:r>
+              <a:rPr lang="fr-FR" dirty="0"/>
+              <a:t>1</a:t>
+            </a:r>
+            <a:r>
+              <a:rPr lang="fr-FR" baseline="30000" dirty="0"/>
+              <a:t>er</a:t>
+            </a:r>
+            <a:r>
+              <a:rPr lang="fr-FR" dirty="0"/>
+              <a:t> release en 2018</a:t>
+            </a:r>
+          </a:p>
+          <a:p>
+            <a:endParaRPr lang="fr-FR" dirty="0"/>
+          </a:p>
+          <a:p>
+            <a:r>
+              <a:rPr lang="fr-FR" dirty="0" err="1"/>
+              <a:t>Based</a:t>
+            </a:r>
+            <a:r>
+              <a:rPr lang="fr-FR" dirty="0"/>
+              <a:t> on </a:t>
+            </a:r>
+            <a:r>
+              <a:rPr lang="fr-FR" dirty="0" err="1"/>
+              <a:t>many</a:t>
+            </a:r>
+            <a:r>
+              <a:rPr lang="fr-FR" dirty="0"/>
+              <a:t> open-source </a:t>
+            </a:r>
+            <a:r>
+              <a:rPr lang="fr-FR" dirty="0" err="1"/>
+              <a:t>testing</a:t>
+            </a:r>
+            <a:r>
+              <a:rPr lang="fr-FR" dirty="0"/>
+              <a:t> </a:t>
+            </a:r>
+            <a:r>
+              <a:rPr lang="fr-FR" dirty="0" err="1"/>
+              <a:t>library</a:t>
+            </a:r>
+            <a:r>
+              <a:rPr lang="fr-FR" dirty="0"/>
+              <a:t> (</a:t>
+            </a:r>
+            <a:r>
+              <a:rPr lang="fr-FR" sz="2600" dirty="0"/>
+              <a:t>Mocha, Chai, Chai-jQuery, </a:t>
+            </a:r>
+            <a:r>
+              <a:rPr lang="fr-FR" sz="2600" dirty="0" err="1"/>
+              <a:t>SinonJS</a:t>
+            </a:r>
+            <a:r>
+              <a:rPr lang="fr-FR" sz="2600" dirty="0"/>
+              <a:t> …</a:t>
+            </a:r>
+            <a:r>
+              <a:rPr lang="fr-FR" dirty="0"/>
+              <a:t>)</a:t>
+            </a:r>
+          </a:p>
+          <a:p>
+            <a:pPr marL="0" indent="0">
+              <a:buNone/>
+            </a:pPr>
+            <a:endParaRPr lang="fr-FR" dirty="0"/>
+          </a:p>
+          <a:p>
+            <a:r>
+              <a:rPr lang="fr-FR" dirty="0"/>
+              <a:t> Free (sauf </a:t>
+            </a:r>
+            <a:r>
+              <a:rPr lang="fr-FR" dirty="0" err="1"/>
+              <a:t>dashboard</a:t>
+            </a:r>
+            <a:r>
+              <a:rPr lang="fr-FR" dirty="0"/>
+              <a:t> service) &amp; open-source</a:t>
+            </a:r>
+          </a:p>
+          <a:p>
+            <a:r>
+              <a:rPr lang="fr-FR" dirty="0"/>
+              <a:t>Compatible avec </a:t>
+            </a:r>
+            <a:r>
+              <a:rPr lang="fr-FR" dirty="0" err="1"/>
+              <a:t>firefox</a:t>
+            </a:r>
+            <a:r>
+              <a:rPr lang="fr-FR" dirty="0"/>
+              <a:t>, chrome</a:t>
+            </a:r>
+          </a:p>
+          <a:p>
+            <a:endParaRPr lang="fr-FR" dirty="0"/>
+          </a:p>
+          <a:p>
+            <a:endParaRPr lang="fr-FR" dirty="0"/>
+          </a:p>
+          <a:p>
+            <a:endParaRPr lang="fr-FR" dirty="0"/>
+          </a:p>
+        </p:txBody>
+      </p:sp>
+      <p:sp>
+        <p:nvSpPr>
+          <p:cNvPr id="4" name="TextBox 3">
+            <a:extLst>
+              <a:ext uri="{FF2B5EF4-FFF2-40B4-BE49-F238E27FC236}">
+                <a16:creationId xmlns:a16="http://schemas.microsoft.com/office/drawing/2014/main" id="{47AAD1B5-B4CC-446D-91C8-31B0D7FDCE68}"/>
+              </a:ext>
+            </a:extLst>
+          </p:cNvPr>
+          <p:cNvSpPr txBox="1"/>
+          <p:nvPr/>
+        </p:nvSpPr>
+        <p:spPr>
+          <a:xfrm>
+            <a:off x="1253764" y="1478321"/>
+            <a:ext cx="4157221" cy="369332"/>
+          </a:xfrm>
+          <a:prstGeom prst="rect">
+            <a:avLst/>
+          </a:prstGeom>
+          <a:noFill/>
+        </p:spPr>
+        <p:txBody>
+          <a:bodyPr wrap="square" rtlCol="0">
+            <a:spAutoFit/>
+          </a:bodyPr>
+          <a:lstStyle/>
+          <a:p>
+            <a:r>
+              <a:rPr lang="en-GB" dirty="0"/>
+              <a:t>2)  Creation de cypress</a:t>
+            </a:r>
+          </a:p>
+        </p:txBody>
+      </p:sp>
+    </p:spTree>
+    <p:extLst>
+      <p:ext uri="{BB962C8B-B14F-4D97-AF65-F5344CB8AC3E}">
+        <p14:creationId xmlns:p14="http://schemas.microsoft.com/office/powerpoint/2010/main" val="98759267"/>
+      </p:ext>
+    </p:extLst>
+  </p:cSld>
+  <p:clrMapOvr>
+    <a:masterClrMapping/>
+  </p:clrMapOvr>
+</p:sld>
+</file>
+
+<file path=ppt/slides/slide4.xml><?xml version="1.0" encoding="utf-8"?>
+<p:sld xmlns:a="http://schemas.openxmlformats.org/drawingml/2006/main" xmlns:r="http://schemas.openxmlformats.org/officeDocument/2006/relationships" xmlns:p="http://schemas.openxmlformats.org/presentationml/2006/main">
+  <p:cSld>
+    <p:spTree>
+      <p:nvGrpSpPr>
+        <p:cNvPr id="1" name=""/>
+        <p:cNvGrpSpPr/>
+        <p:nvPr/>
+      </p:nvGrpSpPr>
+      <p:grpSpPr>
+        <a:xfrm>
+          <a:off x="0" y="0"/>
+          <a:ext cx="0" cy="0"/>
+          <a:chOff x="0" y="0"/>
+          <a:chExt cx="0" cy="0"/>
+        </a:xfrm>
+      </p:grpSpPr>
       <p:pic>
         <p:nvPicPr>
           <p:cNvPr id="4" name="Content Placeholder 3">
@@ -3933,8 +4575,13 @@
           <a:p>
             <a:r>
               <a:rPr lang="fr-FR" dirty="0"/>
-              <a:t>2) Grandi en popularité</a:t>
-            </a:r>
+              <a:t>La popularité du </a:t>
+            </a:r>
+            <a:r>
+              <a:rPr lang="fr-FR" dirty="0" err="1"/>
+              <a:t>framework</a:t>
+            </a:r>
+            <a:endParaRPr lang="fr-FR" dirty="0"/>
           </a:p>
         </p:txBody>
       </p:sp>
@@ -4019,7 +4666,7 @@
 </p:sld>
 </file>
 
-<file path=ppt/slides/slide4.xml><?xml version="1.0" encoding="utf-8"?>
+<file path=ppt/slides/slide5.xml><?xml version="1.0" encoding="utf-8"?>
 <p:sld xmlns:a="http://schemas.openxmlformats.org/drawingml/2006/main" xmlns:r="http://schemas.openxmlformats.org/officeDocument/2006/relationships" xmlns:p="http://schemas.openxmlformats.org/presentationml/2006/main">
   <p:cSld>
     <p:spTree>
@@ -4106,212 +4753,6 @@
 </p:sld>
 </file>
 
-<file path=ppt/slides/slide5.xml><?xml version="1.0" encoding="utf-8"?>
-<p:sld xmlns:a="http://schemas.openxmlformats.org/drawingml/2006/main" xmlns:r="http://schemas.openxmlformats.org/officeDocument/2006/relationships" xmlns:p="http://schemas.openxmlformats.org/presentationml/2006/main">
-  <p:cSld>
-    <p:spTree>
-      <p:nvGrpSpPr>
-        <p:cNvPr id="1" name=""/>
-        <p:cNvGrpSpPr/>
-        <p:nvPr/>
-      </p:nvGrpSpPr>
-      <p:grpSpPr>
-        <a:xfrm>
-          <a:off x="0" y="0"/>
-          <a:ext cx="0" cy="0"/>
-          <a:chOff x="0" y="0"/>
-          <a:chExt cx="0" cy="0"/>
-        </a:xfrm>
-      </p:grpSpPr>
-      <p:sp>
-        <p:nvSpPr>
-          <p:cNvPr id="2" name="Title 1">
-            <a:extLst>
-              <a:ext uri="{FF2B5EF4-FFF2-40B4-BE49-F238E27FC236}">
-                <a16:creationId xmlns:a16="http://schemas.microsoft.com/office/drawing/2014/main" id="{406A6C07-262C-4BBE-940F-1975E421ED64}"/>
-              </a:ext>
-            </a:extLst>
-          </p:cNvPr>
-          <p:cNvSpPr>
-            <a:spLocks noGrp="1"/>
-          </p:cNvSpPr>
-          <p:nvPr>
-            <p:ph type="title"/>
-          </p:nvPr>
-        </p:nvSpPr>
-        <p:spPr/>
-        <p:txBody>
-          <a:bodyPr/>
-          <a:lstStyle/>
-          <a:p>
-            <a:r>
-              <a:rPr lang="fr-FR" dirty="0"/>
-              <a:t>Compare </a:t>
-            </a:r>
-            <a:r>
-              <a:rPr lang="fr-FR" dirty="0" err="1"/>
-              <a:t>Cypress</a:t>
-            </a:r>
-            <a:r>
-              <a:rPr lang="fr-FR" dirty="0"/>
-              <a:t> </a:t>
-            </a:r>
-            <a:r>
-              <a:rPr lang="fr-FR" dirty="0" err="1"/>
-              <a:t>with</a:t>
-            </a:r>
-            <a:r>
-              <a:rPr lang="fr-FR" dirty="0"/>
-              <a:t> </a:t>
-            </a:r>
-            <a:r>
-              <a:rPr lang="fr-FR" dirty="0" err="1"/>
-              <a:t>others</a:t>
-            </a:r>
-            <a:r>
-              <a:rPr lang="fr-FR" dirty="0"/>
-              <a:t> tools on the </a:t>
-            </a:r>
-            <a:r>
-              <a:rPr lang="fr-FR" dirty="0" err="1"/>
-              <a:t>market</a:t>
-            </a:r>
-            <a:endParaRPr lang="fr-FR" dirty="0"/>
-          </a:p>
-        </p:txBody>
-      </p:sp>
-      <p:sp>
-        <p:nvSpPr>
-          <p:cNvPr id="3" name="Content Placeholder 2">
-            <a:extLst>
-              <a:ext uri="{FF2B5EF4-FFF2-40B4-BE49-F238E27FC236}">
-                <a16:creationId xmlns:a16="http://schemas.microsoft.com/office/drawing/2014/main" id="{9E8CC6F3-FAAD-4A66-922B-134DA6B5F500}"/>
-              </a:ext>
-            </a:extLst>
-          </p:cNvPr>
-          <p:cNvSpPr>
-            <a:spLocks noGrp="1"/>
-          </p:cNvSpPr>
-          <p:nvPr>
-            <p:ph idx="1"/>
-          </p:nvPr>
-        </p:nvSpPr>
-        <p:spPr/>
-        <p:txBody>
-          <a:bodyPr/>
-          <a:lstStyle/>
-          <a:p>
-            <a:pPr marL="514350" indent="-514350">
-              <a:buAutoNum type="arabicParenR"/>
-            </a:pPr>
-            <a:r>
-              <a:rPr lang="fr-FR" dirty="0"/>
-              <a:t>Architecture optimisé</a:t>
-            </a:r>
-          </a:p>
-          <a:p>
-            <a:pPr marL="0" indent="0">
-              <a:buNone/>
-            </a:pPr>
-            <a:endParaRPr lang="fr-FR" dirty="0"/>
-          </a:p>
-          <a:p>
-            <a:r>
-              <a:rPr lang="fr-FR" dirty="0"/>
-              <a:t> </a:t>
-            </a:r>
-            <a:r>
-              <a:rPr lang="fr-FR" dirty="0" err="1"/>
-              <a:t>Others</a:t>
-            </a:r>
-            <a:r>
-              <a:rPr lang="fr-FR" dirty="0"/>
-              <a:t> </a:t>
-            </a:r>
-            <a:r>
-              <a:rPr lang="fr-FR" dirty="0" err="1"/>
-              <a:t>testing</a:t>
-            </a:r>
-            <a:r>
-              <a:rPr lang="fr-FR" dirty="0"/>
-              <a:t> </a:t>
-            </a:r>
-            <a:r>
-              <a:rPr lang="fr-FR" dirty="0" err="1"/>
-              <a:t>tool</a:t>
-            </a:r>
-            <a:r>
-              <a:rPr lang="fr-FR" dirty="0"/>
-              <a:t> (ex :</a:t>
-            </a:r>
-            <a:r>
-              <a:rPr lang="fr-FR" dirty="0" err="1"/>
-              <a:t>selenium</a:t>
-            </a:r>
-            <a:r>
-              <a:rPr lang="fr-FR" dirty="0"/>
-              <a:t>) use </a:t>
-            </a:r>
-            <a:r>
-              <a:rPr lang="en-US" dirty="0"/>
-              <a:t>a web driver that remotely executes commands</a:t>
-            </a:r>
-          </a:p>
-          <a:p>
-            <a:r>
-              <a:rPr lang="fr-FR" dirty="0"/>
-              <a:t> </a:t>
-            </a:r>
-            <a:r>
-              <a:rPr lang="en-US" dirty="0"/>
-              <a:t>Cypress runs in the same run-loop as your parent application (dans le </a:t>
-            </a:r>
-            <a:r>
-              <a:rPr lang="en-US" dirty="0" err="1"/>
-              <a:t>navigateur</a:t>
-            </a:r>
-            <a:r>
-              <a:rPr lang="en-US" dirty="0"/>
-              <a:t>)</a:t>
-            </a:r>
-          </a:p>
-          <a:p>
-            <a:endParaRPr lang="en-US" dirty="0"/>
-          </a:p>
-          <a:p>
-            <a:r>
-              <a:rPr lang="en-US" dirty="0" err="1"/>
-              <a:t>Asynchrone</a:t>
-            </a:r>
-            <a:r>
-              <a:rPr lang="en-US" dirty="0"/>
-              <a:t> (+ facile pour tester les app web async = </a:t>
-            </a:r>
-            <a:r>
-              <a:rPr lang="en-US" dirty="0" err="1"/>
-              <a:t>angularjs</a:t>
-            </a:r>
-            <a:r>
-              <a:rPr lang="en-US" dirty="0"/>
-              <a:t>)</a:t>
-            </a:r>
-            <a:endParaRPr lang="fr-FR" dirty="0"/>
-          </a:p>
-        </p:txBody>
-      </p:sp>
-    </p:spTree>
-    <p:extLst>
-      <p:ext uri="{BB962C8B-B14F-4D97-AF65-F5344CB8AC3E}">
-        <p14:creationId xmlns:p14="http://schemas.microsoft.com/office/powerpoint/2010/main" val="785267768"/>
-      </p:ext>
-    </p:extLst>
-  </p:cSld>
-  <p:clrMapOvr>
-    <a:masterClrMapping/>
-  </p:clrMapOvr>
-</p:sld>
-</file>
-
 <file path=ppt/slides/slide6.xml><?xml version="1.0" encoding="utf-8"?>
 <p:sld xmlns:a="http://schemas.openxmlformats.org/drawingml/2006/main" xmlns:r="http://schemas.openxmlformats.org/officeDocument/2006/relationships" xmlns:p="http://schemas.openxmlformats.org/presentationml/2006/main">
   <p:cSld>
@@ -4334,7 +4775,7 @@
           <p:cNvPr id="2" name="Title 1">
             <a:extLst>
               <a:ext uri="{FF2B5EF4-FFF2-40B4-BE49-F238E27FC236}">
-                <a16:creationId xmlns:a16="http://schemas.microsoft.com/office/drawing/2014/main" id="{29240F83-CC6F-4FBC-97E5-BDACBD348FD6}"/>
+                <a16:creationId xmlns:a16="http://schemas.microsoft.com/office/drawing/2014/main" id="{406A6C07-262C-4BBE-940F-1975E421ED64}"/>
               </a:ext>
             </a:extLst>
           </p:cNvPr>
@@ -4350,6 +4791,38 @@
           <a:bodyPr/>
           <a:lstStyle/>
           <a:p>
+            <a:r>
+              <a:rPr lang="fr-FR" dirty="0"/>
+              <a:t>II) Compare </a:t>
+            </a:r>
+            <a:r>
+              <a:rPr lang="fr-FR" dirty="0" err="1"/>
+              <a:t>Cypress</a:t>
+            </a:r>
+            <a:r>
+              <a:rPr lang="fr-FR" dirty="0"/>
+              <a:t> </a:t>
+            </a:r>
+            <a:r>
+              <a:rPr lang="fr-FR" dirty="0" err="1"/>
+              <a:t>with</a:t>
+            </a:r>
+            <a:r>
+              <a:rPr lang="fr-FR" dirty="0"/>
+              <a:t> </a:t>
+            </a:r>
+            <a:r>
+              <a:rPr lang="fr-FR" dirty="0" err="1"/>
+              <a:t>others</a:t>
+            </a:r>
+            <a:r>
+              <a:rPr lang="fr-FR" dirty="0"/>
+              <a:t> tools on the </a:t>
+            </a:r>
+            <a:r>
+              <a:rPr lang="fr-FR" dirty="0" err="1"/>
+              <a:t>market</a:t>
+            </a:r>
             <a:endParaRPr lang="fr-FR" dirty="0"/>
           </a:p>
         </p:txBody>
@@ -4359,7 +4832,7 @@
           <p:cNvPr id="3" name="Content Placeholder 2">
             <a:extLst>
               <a:ext uri="{FF2B5EF4-FFF2-40B4-BE49-F238E27FC236}">
-                <a16:creationId xmlns:a16="http://schemas.microsoft.com/office/drawing/2014/main" id="{CA5CAC26-0B32-451B-A99A-51241C92040C}"/>
+                <a16:creationId xmlns:a16="http://schemas.microsoft.com/office/drawing/2014/main" id="{9E8CC6F3-FAAD-4A66-922B-134DA6B5F500}"/>
               </a:ext>
             </a:extLst>
           </p:cNvPr>
@@ -4375,12 +4848,12 @@
           <a:bodyPr/>
           <a:lstStyle/>
           <a:p>
-            <a:pPr marL="0" indent="0">
-              <a:buNone/>
+            <a:pPr marL="514350" indent="-514350">
+              <a:buAutoNum type="arabicParenR"/>
             </a:pPr>
             <a:r>
               <a:rPr lang="fr-FR" dirty="0"/>
-              <a:t>2) Simple à utiliser</a:t>
+              <a:t>Architecture optimisé</a:t>
             </a:r>
           </a:p>
           <a:p>
@@ -4390,87 +4863,93 @@
             <a:endParaRPr lang="fr-FR" dirty="0"/>
           </a:p>
           <a:p>
-            <a:pPr marL="0" indent="0">
-              <a:buNone/>
-            </a:pPr>
             <a:r>
               <a:rPr lang="fr-FR" dirty="0"/>
-              <a:t>Simple à installer</a:t>
-            </a:r>
-          </a:p>
-          <a:p>
-            <a:pPr marL="0" indent="0">
-              <a:buNone/>
-            </a:pPr>
+              <a:t> </a:t>
+            </a:r>
+            <a:r>
+              <a:rPr lang="fr-FR" dirty="0" err="1"/>
+              <a:t>Others</a:t>
+            </a:r>
+            <a:r>
+              <a:rPr lang="fr-FR" dirty="0"/>
+              <a:t> </a:t>
+            </a:r>
+            <a:r>
+              <a:rPr lang="fr-FR" dirty="0" err="1"/>
+              <a:t>testing</a:t>
+            </a:r>
+            <a:r>
+              <a:rPr lang="fr-FR" dirty="0"/>
+              <a:t> </a:t>
+            </a:r>
+            <a:r>
+              <a:rPr lang="fr-FR" dirty="0" err="1"/>
+              <a:t>tool</a:t>
+            </a:r>
+            <a:r>
+              <a:rPr lang="fr-FR" dirty="0"/>
+              <a:t> (ex :</a:t>
+            </a:r>
+            <a:r>
+              <a:rPr lang="fr-FR" dirty="0" err="1"/>
+              <a:t>selenium</a:t>
+            </a:r>
+            <a:r>
+              <a:rPr lang="fr-FR" dirty="0"/>
+              <a:t>) use </a:t>
+            </a:r>
+            <a:r>
+              <a:rPr lang="en-US" dirty="0"/>
+              <a:t>a web driver that remotely executes commands</a:t>
+            </a:r>
+          </a:p>
+          <a:p>
+            <a:r>
+              <a:rPr lang="fr-FR" dirty="0"/>
+              <a:t> </a:t>
+            </a:r>
+            <a:r>
+              <a:rPr lang="en-US" dirty="0"/>
+              <a:t>Cypress runs in the same run-loop as your parent application (dans le </a:t>
+            </a:r>
+            <a:r>
+              <a:rPr lang="en-US" dirty="0" err="1"/>
+              <a:t>navigateur</a:t>
+            </a:r>
+            <a:r>
+              <a:rPr lang="en-US" dirty="0"/>
+              <a:t>) =&gt; faster</a:t>
+            </a:r>
+          </a:p>
+          <a:p>
+            <a:endParaRPr lang="en-US" dirty="0"/>
+          </a:p>
+          <a:p>
+            <a:r>
+              <a:rPr lang="en-US" dirty="0" err="1"/>
+              <a:t>Asynchrone</a:t>
+            </a:r>
+            <a:r>
+              <a:rPr lang="en-US" dirty="0"/>
+              <a:t> (+ facile pour tester les app web async = </a:t>
+            </a:r>
+            <a:r>
+              <a:rPr lang="en-US" dirty="0" err="1"/>
+              <a:t>angularjs</a:t>
+            </a:r>
+            <a:r>
+              <a:rPr lang="en-US" dirty="0"/>
+              <a:t>)</a:t>
+            </a:r>
             <a:endParaRPr lang="fr-FR" dirty="0"/>
           </a:p>
-          <a:p>
-            <a:pPr marL="0" indent="0">
-              <a:buNone/>
-            </a:pPr>
-            <a:endParaRPr lang="fr-FR" dirty="0"/>
-          </a:p>
-          <a:p>
-            <a:pPr marL="0" indent="0">
-              <a:buNone/>
-            </a:pPr>
-            <a:r>
-              <a:rPr lang="fr-FR" dirty="0"/>
-              <a:t>Il n’y a pas de </a:t>
-            </a:r>
-            <a:r>
-              <a:rPr lang="fr-FR" dirty="0" err="1"/>
-              <a:t>retry</a:t>
-            </a:r>
-            <a:r>
-              <a:rPr lang="fr-FR" dirty="0"/>
-              <a:t>/timeout de requête à implémenter, ni de « </a:t>
-            </a:r>
-            <a:r>
-              <a:rPr lang="fr-FR" dirty="0" err="1"/>
-              <a:t>wrapper</a:t>
-            </a:r>
-            <a:r>
-              <a:rPr lang="fr-FR" dirty="0"/>
-              <a:t> » pour les tests end to end.</a:t>
-            </a:r>
-          </a:p>
-        </p:txBody>
-      </p:sp>
-      <p:pic>
-        <p:nvPicPr>
-          <p:cNvPr id="4" name="Picture 3">
-            <a:extLst>
-              <a:ext uri="{FF2B5EF4-FFF2-40B4-BE49-F238E27FC236}">
-                <a16:creationId xmlns:a16="http://schemas.microsoft.com/office/drawing/2014/main" id="{D7B2A3DC-9DAE-42C4-8655-A0ED41BE2F22}"/>
-              </a:ext>
-            </a:extLst>
-          </p:cNvPr>
-          <p:cNvPicPr>
-            <a:picLocks noChangeAspect="1"/>
-          </p:cNvPicPr>
-          <p:nvPr/>
-        </p:nvPicPr>
-        <p:blipFill>
-          <a:blip r:embed="rId2"/>
-          <a:stretch>
-            <a:fillRect/>
-          </a:stretch>
-        </p:blipFill>
-        <p:spPr>
-          <a:xfrm>
-            <a:off x="3701667" y="2943225"/>
-            <a:ext cx="6475795" cy="770748"/>
-          </a:xfrm>
-          <a:prstGeom prst="rect">
-            <a:avLst/>
-          </a:prstGeom>
-        </p:spPr>
-      </p:pic>
+        </p:txBody>
+      </p:sp>
     </p:spTree>
     <p:extLst>
       <p:ext uri="{BB962C8B-B14F-4D97-AF65-F5344CB8AC3E}">
-        <p14:creationId xmlns:p14="http://schemas.microsoft.com/office/powerpoint/2010/main" val="139270608"/>
+        <p14:creationId xmlns:p14="http://schemas.microsoft.com/office/powerpoint/2010/main" val="785267768"/>
       </p:ext>
     </p:extLst>
   </p:cSld>
@@ -4502,7 +4981,7 @@
           <p:cNvPr id="2" name="Title 1">
             <a:extLst>
               <a:ext uri="{FF2B5EF4-FFF2-40B4-BE49-F238E27FC236}">
-                <a16:creationId xmlns:a16="http://schemas.microsoft.com/office/drawing/2014/main" id="{2DBD8BCF-4A34-44F1-9A3D-4AE153A0E01E}"/>
+                <a16:creationId xmlns:a16="http://schemas.microsoft.com/office/drawing/2014/main" id="{4D7D80E3-20CC-46CC-83B1-56A44885F606}"/>
               </a:ext>
             </a:extLst>
           </p:cNvPr>
@@ -4518,72 +4997,93 @@
           <a:bodyPr/>
           <a:lstStyle/>
           <a:p>
-            <a:endParaRPr lang="fr-FR"/>
-          </a:p>
-        </p:txBody>
-      </p:sp>
-      <p:sp>
-        <p:nvSpPr>
-          <p:cNvPr id="3" name="Content Placeholder 2">
-            <a:extLst>
-              <a:ext uri="{FF2B5EF4-FFF2-40B4-BE49-F238E27FC236}">
-                <a16:creationId xmlns:a16="http://schemas.microsoft.com/office/drawing/2014/main" id="{AFC05945-2534-4A83-BBA8-86F0A538BADF}"/>
-              </a:ext>
-            </a:extLst>
-          </p:cNvPr>
-          <p:cNvSpPr>
-            <a:spLocks noGrp="1"/>
-          </p:cNvSpPr>
+            <a:r>
+              <a:rPr lang="en-GB" dirty="0"/>
+              <a:t>2) end-to-end </a:t>
+            </a:r>
+            <a:r>
+              <a:rPr lang="en-GB" dirty="0" err="1"/>
+              <a:t>autotests</a:t>
+            </a:r>
+            <a:r>
+              <a:rPr lang="en-GB" dirty="0"/>
+              <a:t> all in one</a:t>
+            </a:r>
+          </a:p>
+        </p:txBody>
+      </p:sp>
+      <p:pic>
+        <p:nvPicPr>
+          <p:cNvPr id="4" name="Content Placeholder 3">
+            <a:extLst>
+              <a:ext uri="{FF2B5EF4-FFF2-40B4-BE49-F238E27FC236}">
+                <a16:creationId xmlns:a16="http://schemas.microsoft.com/office/drawing/2014/main" id="{4A990DE9-07DB-47ED-97DD-AF1C968A1F64}"/>
+              </a:ext>
+            </a:extLst>
+          </p:cNvPr>
+          <p:cNvPicPr>
+            <a:picLocks noGrp="1" noChangeAspect="1"/>
+          </p:cNvPicPr>
           <p:nvPr>
             <p:ph idx="1"/>
           </p:nvPr>
-        </p:nvSpPr>
-        <p:spPr/>
-        <p:txBody>
-          <a:bodyPr/>
-          <a:lstStyle/>
-          <a:p>
-            <a:pPr marL="0" indent="0">
-              <a:buNone/>
-            </a:pPr>
-            <a:r>
-              <a:rPr lang="fr-FR" dirty="0"/>
-              <a:t>3) Diagnostique facile d’une erreur</a:t>
-            </a:r>
-          </a:p>
-          <a:p>
-            <a:pPr marL="0" indent="0">
-              <a:buNone/>
-            </a:pPr>
-            <a:r>
-              <a:rPr lang="fr-FR" dirty="0" err="1"/>
-              <a:t>Selenium</a:t>
-            </a:r>
-            <a:r>
-              <a:rPr lang="fr-FR" dirty="0"/>
-              <a:t> : problème de code du test?, de production ? Coté server?</a:t>
-            </a:r>
-          </a:p>
-          <a:p>
-            <a:pPr marL="0" indent="0">
-              <a:buNone/>
-            </a:pPr>
-            <a:r>
-              <a:rPr lang="fr-FR" dirty="0"/>
-              <a:t>Impression de </a:t>
-            </a:r>
-            <a:r>
-              <a:rPr lang="fr-FR" dirty="0" err="1"/>
-              <a:t>flackeness</a:t>
-            </a:r>
-            <a:endParaRPr lang="fr-FR" dirty="0"/>
-          </a:p>
-        </p:txBody>
-      </p:sp>
+        </p:nvPicPr>
+        <p:blipFill>
+          <a:blip r:embed="rId2"/>
+          <a:stretch>
+            <a:fillRect/>
+          </a:stretch>
+        </p:blipFill>
+        <p:spPr>
+          <a:xfrm>
+            <a:off x="0" y="2396409"/>
+            <a:ext cx="8388873" cy="3008209"/>
+          </a:xfrm>
+          <a:prstGeom prst="rect">
+            <a:avLst/>
+          </a:prstGeom>
+        </p:spPr>
+      </p:pic>
+      <p:pic>
+        <p:nvPicPr>
+          <p:cNvPr id="6" name="Picture 5" descr="A close up of text on a white background&#10;&#10;Description automatically generated">
+            <a:extLst>
+              <a:ext uri="{FF2B5EF4-FFF2-40B4-BE49-F238E27FC236}">
+                <a16:creationId xmlns:a16="http://schemas.microsoft.com/office/drawing/2014/main" id="{B685CC1B-062C-465F-A534-DE19A9D26EF6}"/>
+              </a:ext>
+            </a:extLst>
+          </p:cNvPr>
+          <p:cNvPicPr>
+            <a:picLocks noChangeAspect="1"/>
+          </p:cNvPicPr>
+          <p:nvPr/>
+        </p:nvPicPr>
+        <p:blipFill>
+          <a:blip r:embed="rId3">
+            <a:extLst>
+              <a:ext uri="{28A0092B-C50C-407E-A947-70E740481C1C}">
+                <a14:useLocalDpi xmlns:a14="http://schemas.microsoft.com/office/drawing/2010/main" val="0"/>
+              </a:ext>
+            </a:extLst>
+          </a:blip>
+          <a:stretch>
+            <a:fillRect/>
+          </a:stretch>
+        </p:blipFill>
+        <p:spPr>
+          <a:xfrm>
+            <a:off x="7627469" y="1453382"/>
+            <a:ext cx="4487736" cy="2525231"/>
+          </a:xfrm>
+          <a:prstGeom prst="rect">
+            <a:avLst/>
+          </a:prstGeom>
+        </p:spPr>
+      </p:pic>
     </p:spTree>
     <p:extLst>
       <p:ext uri="{BB962C8B-B14F-4D97-AF65-F5344CB8AC3E}">
-        <p14:creationId xmlns:p14="http://schemas.microsoft.com/office/powerpoint/2010/main" val="2493029583"/>
+        <p14:creationId xmlns:p14="http://schemas.microsoft.com/office/powerpoint/2010/main" val="3680866114"/>
       </p:ext>
     </p:extLst>
   </p:cSld>
@@ -4615,7 +5115,7 @@
           <p:cNvPr id="2" name="Title 1">
             <a:extLst>
               <a:ext uri="{FF2B5EF4-FFF2-40B4-BE49-F238E27FC236}">
-                <a16:creationId xmlns:a16="http://schemas.microsoft.com/office/drawing/2014/main" id="{05FA4F93-FB0D-4845-AD78-CD0A0F436332}"/>
+                <a16:creationId xmlns:a16="http://schemas.microsoft.com/office/drawing/2014/main" id="{AC5D2251-26DA-448E-A542-0BBAE0A98EA6}"/>
               </a:ext>
             </a:extLst>
           </p:cNvPr>
@@ -4632,108 +5132,133 @@
           <a:lstStyle/>
           <a:p>
             <a:r>
-              <a:rPr lang="fr-FR" dirty="0" err="1"/>
-              <a:t>Features</a:t>
-            </a:r>
-            <a:r>
-              <a:rPr lang="fr-FR" dirty="0"/>
+              <a:rPr lang="en-GB" dirty="0"/>
+              <a:t>Stubbing XHR requests with Cypress</a:t>
+            </a:r>
+          </a:p>
+        </p:txBody>
+      </p:sp>
+      <p:sp>
+        <p:nvSpPr>
+          <p:cNvPr id="3" name="Content Placeholder 2">
+            <a:extLst>
+              <a:ext uri="{FF2B5EF4-FFF2-40B4-BE49-F238E27FC236}">
+                <a16:creationId xmlns:a16="http://schemas.microsoft.com/office/drawing/2014/main" id="{570327CF-02A1-4D0D-B5B1-2F8DEACCBE32}"/>
+              </a:ext>
+            </a:extLst>
+          </p:cNvPr>
+          <p:cNvSpPr>
+            <a:spLocks noGrp="1"/>
+          </p:cNvSpPr>
+          <p:nvPr>
+            <p:ph idx="1"/>
+          </p:nvPr>
+        </p:nvSpPr>
+        <p:spPr/>
+        <p:txBody>
+          <a:bodyPr/>
+          <a:lstStyle/>
+          <a:p>
+            <a:r>
+              <a:rPr lang="en-GB" dirty="0"/>
+              <a:t> Cypress </a:t>
+            </a:r>
+            <a:r>
+              <a:rPr lang="en-GB" dirty="0" err="1"/>
+              <a:t>peut</a:t>
+            </a:r>
+            <a:r>
+              <a:rPr lang="en-GB" dirty="0"/>
+              <a:t> </a:t>
+            </a:r>
+            <a:r>
+              <a:rPr lang="en-GB" dirty="0" err="1"/>
+              <a:t>intercepter</a:t>
+            </a:r>
+            <a:r>
+              <a:rPr lang="en-GB" dirty="0"/>
+              <a:t> les </a:t>
+            </a:r>
+            <a:r>
+              <a:rPr lang="en-GB" dirty="0" err="1"/>
+              <a:t>requetes</a:t>
+            </a:r>
+            <a:r>
+              <a:rPr lang="en-GB" dirty="0"/>
+              <a:t> ajax </a:t>
+            </a:r>
+            <a:r>
+              <a:rPr lang="en-GB" dirty="0" err="1"/>
+              <a:t>afin</a:t>
+            </a:r>
+            <a:r>
+              <a:rPr lang="en-GB" dirty="0"/>
               <a:t> de </a:t>
             </a:r>
             <a:r>
-              <a:rPr lang="fr-FR" dirty="0" err="1"/>
-              <a:t>cypress</a:t>
-            </a:r>
-            <a:endParaRPr lang="fr-FR" dirty="0"/>
-          </a:p>
-        </p:txBody>
-      </p:sp>
-      <p:sp>
-        <p:nvSpPr>
-          <p:cNvPr id="3" name="Content Placeholder 2">
-            <a:extLst>
-              <a:ext uri="{FF2B5EF4-FFF2-40B4-BE49-F238E27FC236}">
-                <a16:creationId xmlns:a16="http://schemas.microsoft.com/office/drawing/2014/main" id="{CC88863A-5999-4B92-B196-6053018EE4AA}"/>
-              </a:ext>
-            </a:extLst>
-          </p:cNvPr>
-          <p:cNvSpPr>
-            <a:spLocks noGrp="1"/>
-          </p:cNvSpPr>
-          <p:nvPr>
-            <p:ph idx="1"/>
-          </p:nvPr>
-        </p:nvSpPr>
-        <p:spPr/>
-        <p:txBody>
-          <a:bodyPr/>
-          <a:lstStyle/>
+              <a:rPr lang="en-GB" dirty="0" err="1"/>
+              <a:t>moquer</a:t>
+            </a:r>
+            <a:r>
+              <a:rPr lang="en-GB" dirty="0"/>
+              <a:t> </a:t>
+            </a:r>
+            <a:r>
+              <a:rPr lang="en-GB" dirty="0" err="1"/>
+              <a:t>leurs</a:t>
+            </a:r>
+            <a:r>
+              <a:rPr lang="en-GB" dirty="0"/>
+              <a:t> </a:t>
+            </a:r>
+            <a:r>
+              <a:rPr lang="en-GB" dirty="0" err="1"/>
+              <a:t>réponses</a:t>
+            </a:r>
+            <a:endParaRPr lang="en-GB" dirty="0"/>
+          </a:p>
           <a:p>
             <a:pPr marL="0" indent="0">
               <a:buNone/>
             </a:pPr>
-            <a:endParaRPr lang="fr-FR" dirty="0">
-              <a:solidFill>
-                <a:srgbClr val="0563C1"/>
-              </a:solidFill>
-              <a:hlinkClick r:id="rId2">
-                <a:extLst>
-                  <a:ext uri="{A12FA001-AC4F-418D-AE19-62706E023703}">
-                    <ahyp:hlinkClr xmlns:ahyp="http://schemas.microsoft.com/office/drawing/2018/hyperlinkcolor" val="tx"/>
-                  </a:ext>
-                </a:extLst>
-              </a:hlinkClick>
-            </a:endParaRPr>
-          </a:p>
-          <a:p>
-            <a:pPr marL="0" indent="0">
-              <a:buNone/>
-            </a:pPr>
-            <a:r>
-              <a:rPr lang="fr-FR" dirty="0">
-                <a:hlinkClick r:id="rId2">
-                  <a:extLst>
-                    <a:ext uri="{A12FA001-AC4F-418D-AE19-62706E023703}">
-                      <ahyp:hlinkClr xmlns:ahyp="http://schemas.microsoft.com/office/drawing/2018/hyperlinkcolor" val="tx"/>
-                    </a:ext>
-                  </a:extLst>
-                </a:hlinkClick>
-              </a:rPr>
-              <a:t>Library des plugins</a:t>
-            </a:r>
-          </a:p>
-          <a:p>
-            <a:pPr marL="0" indent="0">
-              <a:buNone/>
-            </a:pPr>
-            <a:r>
-              <a:rPr lang="fr-FR" dirty="0">
-                <a:solidFill>
-                  <a:srgbClr val="0563C1"/>
-                </a:solidFill>
-                <a:hlinkClick r:id="rId2">
-                  <a:extLst>
-                    <a:ext uri="{A12FA001-AC4F-418D-AE19-62706E023703}">
-                      <ahyp:hlinkClr xmlns:ahyp="http://schemas.microsoft.com/office/drawing/2018/hyperlinkcolor" val="tx"/>
-                    </a:ext>
-                  </a:extLst>
-                </a:hlinkClick>
-              </a:rPr>
-              <a:t>https://docs.cypress.io/plugins/</a:t>
-            </a:r>
-            <a:endParaRPr lang="fr-FR" dirty="0"/>
-          </a:p>
-          <a:p>
-            <a:pPr marL="0" indent="0">
-              <a:buNone/>
-            </a:pPr>
-            <a:endParaRPr lang="fr-FR" dirty="0"/>
-          </a:p>
-        </p:txBody>
-      </p:sp>
+            <a:endParaRPr lang="en-GB" dirty="0"/>
+          </a:p>
+        </p:txBody>
+      </p:sp>
+      <p:pic>
+        <p:nvPicPr>
+          <p:cNvPr id="4" name="Picture 3">
+            <a:extLst>
+              <a:ext uri="{FF2B5EF4-FFF2-40B4-BE49-F238E27FC236}">
+                <a16:creationId xmlns:a16="http://schemas.microsoft.com/office/drawing/2014/main" id="{DD66F92F-53B9-4663-BA04-86FD46A8F952}"/>
+              </a:ext>
+            </a:extLst>
+          </p:cNvPr>
+          <p:cNvPicPr>
+            <a:picLocks noChangeAspect="1"/>
+          </p:cNvPicPr>
+          <p:nvPr/>
+        </p:nvPicPr>
+        <p:blipFill>
+          <a:blip r:embed="rId2"/>
+          <a:stretch>
+            <a:fillRect/>
+          </a:stretch>
+        </p:blipFill>
+        <p:spPr>
+          <a:xfrm>
+            <a:off x="1333500" y="2878774"/>
+            <a:ext cx="5563411" cy="3822063"/>
+          </a:xfrm>
+          <a:prstGeom prst="rect">
+            <a:avLst/>
+          </a:prstGeom>
+        </p:spPr>
+      </p:pic>
     </p:spTree>
     <p:extLst>
       <p:ext uri="{BB962C8B-B14F-4D97-AF65-F5344CB8AC3E}">
-        <p14:creationId xmlns:p14="http://schemas.microsoft.com/office/powerpoint/2010/main" val="1547575731"/>
+        <p14:creationId xmlns:p14="http://schemas.microsoft.com/office/powerpoint/2010/main" val="189124848"/>
       </p:ext>
     </p:extLst>
   </p:cSld>
@@ -4765,7 +5290,7 @@
           <p:cNvPr id="2" name="Title 1">
             <a:extLst>
               <a:ext uri="{FF2B5EF4-FFF2-40B4-BE49-F238E27FC236}">
-                <a16:creationId xmlns:a16="http://schemas.microsoft.com/office/drawing/2014/main" id="{ACE923D7-F829-423F-84DD-9C78662AC85E}"/>
+                <a16:creationId xmlns:a16="http://schemas.microsoft.com/office/drawing/2014/main" id="{29240F83-CC6F-4FBC-97E5-BDACBD348FD6}"/>
               </a:ext>
             </a:extLst>
           </p:cNvPr>
@@ -4781,7 +5306,10 @@
           <a:bodyPr/>
           <a:lstStyle/>
           <a:p>
-            <a:endParaRPr lang="fr-FR"/>
+            <a:r>
+              <a:rPr lang="fr-FR" dirty="0"/>
+              <a:t>3) Simple à utiliser (démo)</a:t>
+            </a:r>
           </a:p>
         </p:txBody>
       </p:sp>
@@ -4790,7 +5318,7 @@
           <p:cNvPr id="3" name="Content Placeholder 2">
             <a:extLst>
               <a:ext uri="{FF2B5EF4-FFF2-40B4-BE49-F238E27FC236}">
-                <a16:creationId xmlns:a16="http://schemas.microsoft.com/office/drawing/2014/main" id="{19A28E86-8B70-4BCE-AD79-C2E438A8EDE9}"/>
+                <a16:creationId xmlns:a16="http://schemas.microsoft.com/office/drawing/2014/main" id="{CA5CAC26-0B32-451B-A99A-51241C92040C}"/>
               </a:ext>
             </a:extLst>
           </p:cNvPr>
@@ -4803,19 +5331,8 @@
         </p:nvSpPr>
         <p:spPr/>
         <p:txBody>
-          <a:bodyPr>
-            <a:normAutofit/>
-          </a:bodyPr>
-          <a:lstStyle/>
-          <a:p>
-            <a:pPr marL="0" indent="0">
-              <a:buNone/>
-            </a:pPr>
-            <a:r>
-              <a:rPr lang="fr-FR" dirty="0"/>
-              <a:t>1) Record tests </a:t>
-            </a:r>
-          </a:p>
+          <a:bodyPr/>
+          <a:lstStyle/>
           <a:p>
             <a:pPr marL="0" indent="0">
               <a:buNone/>
@@ -4823,62 +5340,12 @@
             <a:endParaRPr lang="fr-FR" dirty="0"/>
           </a:p>
           <a:p>
-            <a:pPr>
-              <a:buFontTx/>
-              <a:buChar char="-"/>
+            <a:pPr marL="0" indent="0">
+              <a:buNone/>
             </a:pPr>
             <a:r>
-              <a:rPr lang="fr-FR" dirty="0" err="1"/>
-              <a:t>Videos</a:t>
-            </a:r>
-            <a:endParaRPr lang="fr-FR" dirty="0"/>
-          </a:p>
-          <a:p>
-            <a:pPr>
-              <a:buFontTx/>
-              <a:buChar char="-"/>
-            </a:pPr>
-            <a:r>
-              <a:rPr lang="fr-FR" dirty="0" err="1"/>
-              <a:t>Cypress</a:t>
-            </a:r>
-            <a:r>
               <a:rPr lang="fr-FR" dirty="0"/>
-              <a:t>-image-snapshot</a:t>
-            </a:r>
-          </a:p>
-          <a:p>
-            <a:endParaRPr lang="fr-FR" dirty="0"/>
-          </a:p>
-          <a:p>
-            <a:r>
-              <a:rPr lang="fr-FR" dirty="0"/>
-              <a:t>Utiliser </a:t>
-            </a:r>
-            <a:r>
-              <a:rPr lang="fr-FR" dirty="0" err="1"/>
-              <a:t>cy.ntlm</a:t>
-            </a:r>
-            <a:r>
-              <a:rPr lang="fr-FR" dirty="0"/>
-              <a:t> pour se loguer via l’authentification </a:t>
-            </a:r>
-            <a:r>
-              <a:rPr lang="fr-FR" dirty="0" err="1"/>
-              <a:t>windows</a:t>
-            </a:r>
-            <a:r>
-              <a:rPr lang="fr-FR" dirty="0"/>
-              <a:t> NTLM</a:t>
-            </a:r>
-          </a:p>
-          <a:p>
-            <a:endParaRPr lang="fr-FR" dirty="0"/>
-          </a:p>
-          <a:p>
-            <a:r>
-              <a:rPr lang="fr-FR" dirty="0"/>
-              <a:t>Vérifier un fichier à télécharger</a:t>
+              <a:t>Simple à installer</a:t>
             </a:r>
           </a:p>
           <a:p>
@@ -4887,12 +5354,73 @@
             </a:pPr>
             <a:endParaRPr lang="fr-FR" dirty="0"/>
           </a:p>
-        </p:txBody>
-      </p:sp>
+          <a:p>
+            <a:pPr marL="0" indent="0">
+              <a:buNone/>
+            </a:pPr>
+            <a:endParaRPr lang="fr-FR" dirty="0"/>
+          </a:p>
+          <a:p>
+            <a:pPr marL="0" indent="0">
+              <a:buNone/>
+            </a:pPr>
+            <a:r>
+              <a:rPr lang="fr-FR" dirty="0"/>
+              <a:t>Il n’y a pas de </a:t>
+            </a:r>
+            <a:r>
+              <a:rPr lang="fr-FR" dirty="0" err="1"/>
+              <a:t>retry</a:t>
+            </a:r>
+            <a:r>
+              <a:rPr lang="fr-FR" dirty="0"/>
+              <a:t>/timeout de requête à implémenter, ni de « </a:t>
+            </a:r>
+            <a:r>
+              <a:rPr lang="fr-FR" dirty="0" err="1"/>
+              <a:t>wrapper</a:t>
+            </a:r>
+            <a:r>
+              <a:rPr lang="fr-FR" dirty="0"/>
+              <a:t> » pour les tests end to end.</a:t>
+            </a:r>
+          </a:p>
+        </p:txBody>
+      </p:sp>
+      <p:pic>
+        <p:nvPicPr>
+          <p:cNvPr id="4" name="Picture 3">
+            <a:extLst>
+              <a:ext uri="{FF2B5EF4-FFF2-40B4-BE49-F238E27FC236}">
+                <a16:creationId xmlns:a16="http://schemas.microsoft.com/office/drawing/2014/main" id="{D7B2A3DC-9DAE-42C4-8655-A0ED41BE2F22}"/>
+              </a:ext>
+            </a:extLst>
+          </p:cNvPr>
+          <p:cNvPicPr>
+            <a:picLocks noChangeAspect="1"/>
+          </p:cNvPicPr>
+          <p:nvPr/>
+        </p:nvPicPr>
+        <p:blipFill>
+          <a:blip r:embed="rId2"/>
+          <a:stretch>
+            <a:fillRect/>
+          </a:stretch>
+        </p:blipFill>
+        <p:spPr>
+          <a:xfrm>
+            <a:off x="3701667" y="2252561"/>
+            <a:ext cx="5675231" cy="675465"/>
+          </a:xfrm>
+          <a:prstGeom prst="rect">
+            <a:avLst/>
+          </a:prstGeom>
+        </p:spPr>
+      </p:pic>
     </p:spTree>
     <p:extLst>
       <p:ext uri="{BB962C8B-B14F-4D97-AF65-F5344CB8AC3E}">
-        <p14:creationId xmlns:p14="http://schemas.microsoft.com/office/powerpoint/2010/main" val="2493817114"/>
+        <p14:creationId xmlns:p14="http://schemas.microsoft.com/office/powerpoint/2010/main" val="139270608"/>
       </p:ext>
     </p:extLst>
   </p:cSld>

--- a/Cypress.pptx
+++ b/Cypress.pptx
@@ -6,17 +6,21 @@
   </p:sldMasterIdLst>
   <p:sldIdLst>
     <p:sldId id="256" r:id="rId2"/>
-    <p:sldId id="267" r:id="rId3"/>
-    <p:sldId id="258" r:id="rId4"/>
-    <p:sldId id="263" r:id="rId5"/>
-    <p:sldId id="260" r:id="rId6"/>
-    <p:sldId id="257" r:id="rId7"/>
-    <p:sldId id="265" r:id="rId8"/>
-    <p:sldId id="266" r:id="rId9"/>
-    <p:sldId id="261" r:id="rId10"/>
-    <p:sldId id="262" r:id="rId11"/>
-    <p:sldId id="259" r:id="rId12"/>
-    <p:sldId id="264" r:id="rId13"/>
+    <p:sldId id="258" r:id="rId3"/>
+    <p:sldId id="267" r:id="rId4"/>
+    <p:sldId id="269" r:id="rId5"/>
+    <p:sldId id="268" r:id="rId6"/>
+    <p:sldId id="270" r:id="rId7"/>
+    <p:sldId id="263" r:id="rId8"/>
+    <p:sldId id="265" r:id="rId9"/>
+    <p:sldId id="257" r:id="rId10"/>
+    <p:sldId id="266" r:id="rId11"/>
+    <p:sldId id="261" r:id="rId12"/>
+    <p:sldId id="260" r:id="rId13"/>
+    <p:sldId id="262" r:id="rId14"/>
+    <p:sldId id="259" r:id="rId15"/>
+    <p:sldId id="264" r:id="rId16"/>
+    <p:sldId id="271" r:id="rId17"/>
   </p:sldIdLst>
   <p:sldSz cx="12192000" cy="6858000"/>
   <p:notesSz cx="6858000" cy="9144000"/>
@@ -462,7 +466,7 @@
           <a:p>
             <a:fld id="{ECAC8B8A-DD2B-4203-8016-EC01F0EFD829}" type="datetimeFigureOut">
               <a:rPr lang="fr-FR" smtClean="0"/>
-              <a:t>01/07/2020</a:t>
+              <a:t>05/07/2020</a:t>
             </a:fld>
             <a:endParaRPr lang="fr-FR"/>
           </a:p>
@@ -662,7 +666,7 @@
           <a:p>
             <a:fld id="{ECAC8B8A-DD2B-4203-8016-EC01F0EFD829}" type="datetimeFigureOut">
               <a:rPr lang="fr-FR" smtClean="0"/>
-              <a:t>01/07/2020</a:t>
+              <a:t>05/07/2020</a:t>
             </a:fld>
             <a:endParaRPr lang="fr-FR"/>
           </a:p>
@@ -872,7 +876,7 @@
           <a:p>
             <a:fld id="{ECAC8B8A-DD2B-4203-8016-EC01F0EFD829}" type="datetimeFigureOut">
               <a:rPr lang="fr-FR" smtClean="0"/>
-              <a:t>01/07/2020</a:t>
+              <a:t>05/07/2020</a:t>
             </a:fld>
             <a:endParaRPr lang="fr-FR"/>
           </a:p>
@@ -1072,7 +1076,7 @@
           <a:p>
             <a:fld id="{ECAC8B8A-DD2B-4203-8016-EC01F0EFD829}" type="datetimeFigureOut">
               <a:rPr lang="fr-FR" smtClean="0"/>
-              <a:t>01/07/2020</a:t>
+              <a:t>05/07/2020</a:t>
             </a:fld>
             <a:endParaRPr lang="fr-FR"/>
           </a:p>
@@ -1348,7 +1352,7 @@
           <a:p>
             <a:fld id="{ECAC8B8A-DD2B-4203-8016-EC01F0EFD829}" type="datetimeFigureOut">
               <a:rPr lang="fr-FR" smtClean="0"/>
-              <a:t>01/07/2020</a:t>
+              <a:t>05/07/2020</a:t>
             </a:fld>
             <a:endParaRPr lang="fr-FR"/>
           </a:p>
@@ -1616,7 +1620,7 @@
           <a:p>
             <a:fld id="{ECAC8B8A-DD2B-4203-8016-EC01F0EFD829}" type="datetimeFigureOut">
               <a:rPr lang="fr-FR" smtClean="0"/>
-              <a:t>01/07/2020</a:t>
+              <a:t>05/07/2020</a:t>
             </a:fld>
             <a:endParaRPr lang="fr-FR"/>
           </a:p>
@@ -2031,7 +2035,7 @@
           <a:p>
             <a:fld id="{ECAC8B8A-DD2B-4203-8016-EC01F0EFD829}" type="datetimeFigureOut">
               <a:rPr lang="fr-FR" smtClean="0"/>
-              <a:t>01/07/2020</a:t>
+              <a:t>05/07/2020</a:t>
             </a:fld>
             <a:endParaRPr lang="fr-FR"/>
           </a:p>
@@ -2173,7 +2177,7 @@
           <a:p>
             <a:fld id="{ECAC8B8A-DD2B-4203-8016-EC01F0EFD829}" type="datetimeFigureOut">
               <a:rPr lang="fr-FR" smtClean="0"/>
-              <a:t>01/07/2020</a:t>
+              <a:t>05/07/2020</a:t>
             </a:fld>
             <a:endParaRPr lang="fr-FR"/>
           </a:p>
@@ -2286,7 +2290,7 @@
           <a:p>
             <a:fld id="{ECAC8B8A-DD2B-4203-8016-EC01F0EFD829}" type="datetimeFigureOut">
               <a:rPr lang="fr-FR" smtClean="0"/>
-              <a:t>01/07/2020</a:t>
+              <a:t>05/07/2020</a:t>
             </a:fld>
             <a:endParaRPr lang="fr-FR"/>
           </a:p>
@@ -2599,7 +2603,7 @@
           <a:p>
             <a:fld id="{ECAC8B8A-DD2B-4203-8016-EC01F0EFD829}" type="datetimeFigureOut">
               <a:rPr lang="fr-FR" smtClean="0"/>
-              <a:t>01/07/2020</a:t>
+              <a:t>05/07/2020</a:t>
             </a:fld>
             <a:endParaRPr lang="fr-FR"/>
           </a:p>
@@ -2888,7 +2892,7 @@
           <a:p>
             <a:fld id="{ECAC8B8A-DD2B-4203-8016-EC01F0EFD829}" type="datetimeFigureOut">
               <a:rPr lang="fr-FR" smtClean="0"/>
-              <a:t>01/07/2020</a:t>
+              <a:t>05/07/2020</a:t>
             </a:fld>
             <a:endParaRPr lang="fr-FR"/>
           </a:p>
@@ -3131,7 +3135,7 @@
           <a:p>
             <a:fld id="{ECAC8B8A-DD2B-4203-8016-EC01F0EFD829}" type="datetimeFigureOut">
               <a:rPr lang="fr-FR" smtClean="0"/>
-              <a:t>01/07/2020</a:t>
+              <a:t>05/07/2020</a:t>
             </a:fld>
             <a:endParaRPr lang="fr-FR"/>
           </a:p>
@@ -3600,7 +3604,7 @@
             <a:pPr algn="l"/>
             <a:r>
               <a:rPr lang="en-US" i="1" dirty="0"/>
-              <a:t>	“The web has evolved. Finally, testing has too.”</a:t>
+              <a:t>		“The web has evolved. Finally, testing has too.”</a:t>
             </a:r>
             <a:endParaRPr lang="fr-FR" i="1" dirty="0"/>
           </a:p>
@@ -3620,1480 +3624,6 @@
 </file>
 
 <file path=ppt/slides/slide10.xml><?xml version="1.0" encoding="utf-8"?>
-<p:sld xmlns:a="http://schemas.openxmlformats.org/drawingml/2006/main" xmlns:r="http://schemas.openxmlformats.org/officeDocument/2006/relationships" xmlns:p="http://schemas.openxmlformats.org/presentationml/2006/main">
-  <p:cSld>
-    <p:spTree>
-      <p:nvGrpSpPr>
-        <p:cNvPr id="1" name=""/>
-        <p:cNvGrpSpPr/>
-        <p:nvPr/>
-      </p:nvGrpSpPr>
-      <p:grpSpPr>
-        <a:xfrm>
-          <a:off x="0" y="0"/>
-          <a:ext cx="0" cy="0"/>
-          <a:chOff x="0" y="0"/>
-          <a:chExt cx="0" cy="0"/>
-        </a:xfrm>
-      </p:grpSpPr>
-      <p:sp>
-        <p:nvSpPr>
-          <p:cNvPr id="2" name="Title 1">
-            <a:extLst>
-              <a:ext uri="{FF2B5EF4-FFF2-40B4-BE49-F238E27FC236}">
-                <a16:creationId xmlns:a16="http://schemas.microsoft.com/office/drawing/2014/main" id="{2DBD8BCF-4A34-44F1-9A3D-4AE153A0E01E}"/>
-              </a:ext>
-            </a:extLst>
-          </p:cNvPr>
-          <p:cNvSpPr>
-            <a:spLocks noGrp="1"/>
-          </p:cNvSpPr>
-          <p:nvPr>
-            <p:ph type="title"/>
-          </p:nvPr>
-        </p:nvSpPr>
-        <p:spPr/>
-        <p:txBody>
-          <a:bodyPr/>
-          <a:lstStyle/>
-          <a:p>
-            <a:endParaRPr lang="fr-FR"/>
-          </a:p>
-        </p:txBody>
-      </p:sp>
-      <p:sp>
-        <p:nvSpPr>
-          <p:cNvPr id="3" name="Content Placeholder 2">
-            <a:extLst>
-              <a:ext uri="{FF2B5EF4-FFF2-40B4-BE49-F238E27FC236}">
-                <a16:creationId xmlns:a16="http://schemas.microsoft.com/office/drawing/2014/main" id="{AFC05945-2534-4A83-BBA8-86F0A538BADF}"/>
-              </a:ext>
-            </a:extLst>
-          </p:cNvPr>
-          <p:cNvSpPr>
-            <a:spLocks noGrp="1"/>
-          </p:cNvSpPr>
-          <p:nvPr>
-            <p:ph idx="1"/>
-          </p:nvPr>
-        </p:nvSpPr>
-        <p:spPr/>
-        <p:txBody>
-          <a:bodyPr/>
-          <a:lstStyle/>
-          <a:p>
-            <a:pPr marL="0" indent="0">
-              <a:buNone/>
-            </a:pPr>
-            <a:r>
-              <a:rPr lang="fr-FR" dirty="0"/>
-              <a:t>Diagnostique une erreur avec </a:t>
-            </a:r>
-            <a:r>
-              <a:rPr lang="fr-FR" dirty="0" err="1"/>
-              <a:t>cypress</a:t>
-            </a:r>
-            <a:endParaRPr lang="fr-FR" dirty="0"/>
-          </a:p>
-          <a:p>
-            <a:pPr marL="0" indent="0">
-              <a:buNone/>
-            </a:pPr>
-            <a:endParaRPr lang="fr-FR" dirty="0"/>
-          </a:p>
-          <a:p>
-            <a:pPr marL="0" indent="0">
-              <a:buNone/>
-            </a:pPr>
-            <a:r>
-              <a:rPr lang="fr-FR" dirty="0" err="1"/>
-              <a:t>Selenium</a:t>
-            </a:r>
-            <a:r>
-              <a:rPr lang="fr-FR" dirty="0"/>
-              <a:t> : problème de code du test?, de production ? Coté server?</a:t>
-            </a:r>
-          </a:p>
-          <a:p>
-            <a:pPr marL="0" indent="0">
-              <a:buNone/>
-            </a:pPr>
-            <a:r>
-              <a:rPr lang="fr-FR" dirty="0"/>
-              <a:t>Impression de </a:t>
-            </a:r>
-            <a:r>
-              <a:rPr lang="fr-FR" dirty="0" err="1"/>
-              <a:t>flackeness</a:t>
-            </a:r>
-            <a:endParaRPr lang="fr-FR" dirty="0"/>
-          </a:p>
-        </p:txBody>
-      </p:sp>
-    </p:spTree>
-    <p:extLst>
-      <p:ext uri="{BB962C8B-B14F-4D97-AF65-F5344CB8AC3E}">
-        <p14:creationId xmlns:p14="http://schemas.microsoft.com/office/powerpoint/2010/main" val="2493029583"/>
-      </p:ext>
-    </p:extLst>
-  </p:cSld>
-  <p:clrMapOvr>
-    <a:masterClrMapping/>
-  </p:clrMapOvr>
-</p:sld>
-</file>
-
-<file path=ppt/slides/slide11.xml><?xml version="1.0" encoding="utf-8"?>
-<p:sld xmlns:a="http://schemas.openxmlformats.org/drawingml/2006/main" xmlns:r="http://schemas.openxmlformats.org/officeDocument/2006/relationships" xmlns:p="http://schemas.openxmlformats.org/presentationml/2006/main">
-  <p:cSld>
-    <p:spTree>
-      <p:nvGrpSpPr>
-        <p:cNvPr id="1" name=""/>
-        <p:cNvGrpSpPr/>
-        <p:nvPr/>
-      </p:nvGrpSpPr>
-      <p:grpSpPr>
-        <a:xfrm>
-          <a:off x="0" y="0"/>
-          <a:ext cx="0" cy="0"/>
-          <a:chOff x="0" y="0"/>
-          <a:chExt cx="0" cy="0"/>
-        </a:xfrm>
-      </p:grpSpPr>
-      <p:sp>
-        <p:nvSpPr>
-          <p:cNvPr id="2" name="Title 1">
-            <a:extLst>
-              <a:ext uri="{FF2B5EF4-FFF2-40B4-BE49-F238E27FC236}">
-                <a16:creationId xmlns:a16="http://schemas.microsoft.com/office/drawing/2014/main" id="{05FA4F93-FB0D-4845-AD78-CD0A0F436332}"/>
-              </a:ext>
-            </a:extLst>
-          </p:cNvPr>
-          <p:cNvSpPr>
-            <a:spLocks noGrp="1"/>
-          </p:cNvSpPr>
-          <p:nvPr>
-            <p:ph type="title"/>
-          </p:nvPr>
-        </p:nvSpPr>
-        <p:spPr/>
-        <p:txBody>
-          <a:bodyPr/>
-          <a:lstStyle/>
-          <a:p>
-            <a:r>
-              <a:rPr lang="fr-FR" dirty="0"/>
-              <a:t>III) </a:t>
-            </a:r>
-            <a:r>
-              <a:rPr lang="fr-FR" dirty="0" err="1"/>
-              <a:t>Features</a:t>
-            </a:r>
-            <a:r>
-              <a:rPr lang="fr-FR" dirty="0"/>
-              <a:t> de </a:t>
-            </a:r>
-            <a:r>
-              <a:rPr lang="fr-FR" dirty="0" err="1"/>
-              <a:t>cypress</a:t>
-            </a:r>
-            <a:endParaRPr lang="fr-FR" dirty="0"/>
-          </a:p>
-        </p:txBody>
-      </p:sp>
-      <p:sp>
-        <p:nvSpPr>
-          <p:cNvPr id="3" name="Content Placeholder 2">
-            <a:extLst>
-              <a:ext uri="{FF2B5EF4-FFF2-40B4-BE49-F238E27FC236}">
-                <a16:creationId xmlns:a16="http://schemas.microsoft.com/office/drawing/2014/main" id="{CC88863A-5999-4B92-B196-6053018EE4AA}"/>
-              </a:ext>
-            </a:extLst>
-          </p:cNvPr>
-          <p:cNvSpPr>
-            <a:spLocks noGrp="1"/>
-          </p:cNvSpPr>
-          <p:nvPr>
-            <p:ph idx="1"/>
-          </p:nvPr>
-        </p:nvSpPr>
-        <p:spPr/>
-        <p:txBody>
-          <a:bodyPr/>
-          <a:lstStyle/>
-          <a:p>
-            <a:pPr marL="0" indent="0">
-              <a:buNone/>
-            </a:pPr>
-            <a:endParaRPr lang="fr-FR" dirty="0">
-              <a:solidFill>
-                <a:srgbClr val="0563C1"/>
-              </a:solidFill>
-              <a:hlinkClick r:id="rId2">
-                <a:extLst>
-                  <a:ext uri="{A12FA001-AC4F-418D-AE19-62706E023703}">
-                    <ahyp:hlinkClr xmlns:ahyp="http://schemas.microsoft.com/office/drawing/2018/hyperlinkcolor" val="tx"/>
-                  </a:ext>
-                </a:extLst>
-              </a:hlinkClick>
-            </a:endParaRPr>
-          </a:p>
-          <a:p>
-            <a:pPr marL="0" indent="0">
-              <a:buNone/>
-            </a:pPr>
-            <a:r>
-              <a:rPr lang="fr-FR" dirty="0">
-                <a:hlinkClick r:id="rId2">
-                  <a:extLst>
-                    <a:ext uri="{A12FA001-AC4F-418D-AE19-62706E023703}">
-                      <ahyp:hlinkClr xmlns:ahyp="http://schemas.microsoft.com/office/drawing/2018/hyperlinkcolor" val="tx"/>
-                    </a:ext>
-                  </a:extLst>
-                </a:hlinkClick>
-              </a:rPr>
-              <a:t>Library des plugins</a:t>
-            </a:r>
-          </a:p>
-          <a:p>
-            <a:pPr marL="0" indent="0">
-              <a:buNone/>
-            </a:pPr>
-            <a:r>
-              <a:rPr lang="fr-FR" dirty="0">
-                <a:solidFill>
-                  <a:srgbClr val="0563C1"/>
-                </a:solidFill>
-                <a:hlinkClick r:id="rId2">
-                  <a:extLst>
-                    <a:ext uri="{A12FA001-AC4F-418D-AE19-62706E023703}">
-                      <ahyp:hlinkClr xmlns:ahyp="http://schemas.microsoft.com/office/drawing/2018/hyperlinkcolor" val="tx"/>
-                    </a:ext>
-                  </a:extLst>
-                </a:hlinkClick>
-              </a:rPr>
-              <a:t>https://docs.cypress.io/plugins/</a:t>
-            </a:r>
-            <a:endParaRPr lang="fr-FR" dirty="0"/>
-          </a:p>
-          <a:p>
-            <a:pPr marL="0" indent="0">
-              <a:buNone/>
-            </a:pPr>
-            <a:endParaRPr lang="fr-FR" dirty="0"/>
-          </a:p>
-        </p:txBody>
-      </p:sp>
-    </p:spTree>
-    <p:extLst>
-      <p:ext uri="{BB962C8B-B14F-4D97-AF65-F5344CB8AC3E}">
-        <p14:creationId xmlns:p14="http://schemas.microsoft.com/office/powerpoint/2010/main" val="1547575731"/>
-      </p:ext>
-    </p:extLst>
-  </p:cSld>
-  <p:clrMapOvr>
-    <a:masterClrMapping/>
-  </p:clrMapOvr>
-</p:sld>
-</file>
-
-<file path=ppt/slides/slide12.xml><?xml version="1.0" encoding="utf-8"?>
-<p:sld xmlns:a="http://schemas.openxmlformats.org/drawingml/2006/main" xmlns:r="http://schemas.openxmlformats.org/officeDocument/2006/relationships" xmlns:p="http://schemas.openxmlformats.org/presentationml/2006/main">
-  <p:cSld>
-    <p:spTree>
-      <p:nvGrpSpPr>
-        <p:cNvPr id="1" name=""/>
-        <p:cNvGrpSpPr/>
-        <p:nvPr/>
-      </p:nvGrpSpPr>
-      <p:grpSpPr>
-        <a:xfrm>
-          <a:off x="0" y="0"/>
-          <a:ext cx="0" cy="0"/>
-          <a:chOff x="0" y="0"/>
-          <a:chExt cx="0" cy="0"/>
-        </a:xfrm>
-      </p:grpSpPr>
-      <p:sp>
-        <p:nvSpPr>
-          <p:cNvPr id="2" name="Title 1">
-            <a:extLst>
-              <a:ext uri="{FF2B5EF4-FFF2-40B4-BE49-F238E27FC236}">
-                <a16:creationId xmlns:a16="http://schemas.microsoft.com/office/drawing/2014/main" id="{ACE923D7-F829-423F-84DD-9C78662AC85E}"/>
-              </a:ext>
-            </a:extLst>
-          </p:cNvPr>
-          <p:cNvSpPr>
-            <a:spLocks noGrp="1"/>
-          </p:cNvSpPr>
-          <p:nvPr>
-            <p:ph type="title"/>
-          </p:nvPr>
-        </p:nvSpPr>
-        <p:spPr/>
-        <p:txBody>
-          <a:bodyPr/>
-          <a:lstStyle/>
-          <a:p>
-            <a:endParaRPr lang="fr-FR"/>
-          </a:p>
-        </p:txBody>
-      </p:sp>
-      <p:sp>
-        <p:nvSpPr>
-          <p:cNvPr id="3" name="Content Placeholder 2">
-            <a:extLst>
-              <a:ext uri="{FF2B5EF4-FFF2-40B4-BE49-F238E27FC236}">
-                <a16:creationId xmlns:a16="http://schemas.microsoft.com/office/drawing/2014/main" id="{19A28E86-8B70-4BCE-AD79-C2E438A8EDE9}"/>
-              </a:ext>
-            </a:extLst>
-          </p:cNvPr>
-          <p:cNvSpPr>
-            <a:spLocks noGrp="1"/>
-          </p:cNvSpPr>
-          <p:nvPr>
-            <p:ph idx="1"/>
-          </p:nvPr>
-        </p:nvSpPr>
-        <p:spPr/>
-        <p:txBody>
-          <a:bodyPr>
-            <a:normAutofit/>
-          </a:bodyPr>
-          <a:lstStyle/>
-          <a:p>
-            <a:pPr marL="0" indent="0">
-              <a:buNone/>
-            </a:pPr>
-            <a:r>
-              <a:rPr lang="fr-FR" dirty="0"/>
-              <a:t>1) Record tests </a:t>
-            </a:r>
-          </a:p>
-          <a:p>
-            <a:pPr marL="0" indent="0">
-              <a:buNone/>
-            </a:pPr>
-            <a:endParaRPr lang="fr-FR" dirty="0"/>
-          </a:p>
-          <a:p>
-            <a:pPr>
-              <a:buFontTx/>
-              <a:buChar char="-"/>
-            </a:pPr>
-            <a:r>
-              <a:rPr lang="fr-FR" dirty="0" err="1"/>
-              <a:t>Videos</a:t>
-            </a:r>
-            <a:endParaRPr lang="fr-FR" dirty="0"/>
-          </a:p>
-          <a:p>
-            <a:pPr>
-              <a:buFontTx/>
-              <a:buChar char="-"/>
-            </a:pPr>
-            <a:r>
-              <a:rPr lang="fr-FR" dirty="0" err="1"/>
-              <a:t>Cypress</a:t>
-            </a:r>
-            <a:r>
-              <a:rPr lang="fr-FR" dirty="0"/>
-              <a:t>-image-snapshot</a:t>
-            </a:r>
-          </a:p>
-          <a:p>
-            <a:endParaRPr lang="fr-FR" dirty="0"/>
-          </a:p>
-          <a:p>
-            <a:r>
-              <a:rPr lang="fr-FR" dirty="0"/>
-              <a:t>Utiliser </a:t>
-            </a:r>
-            <a:r>
-              <a:rPr lang="fr-FR" dirty="0" err="1"/>
-              <a:t>cy.ntlm</a:t>
-            </a:r>
-            <a:r>
-              <a:rPr lang="fr-FR" dirty="0"/>
-              <a:t> pour se loguer via l’authentification </a:t>
-            </a:r>
-            <a:r>
-              <a:rPr lang="fr-FR" dirty="0" err="1"/>
-              <a:t>windows</a:t>
-            </a:r>
-            <a:r>
-              <a:rPr lang="fr-FR" dirty="0"/>
-              <a:t> NTLM</a:t>
-            </a:r>
-          </a:p>
-          <a:p>
-            <a:endParaRPr lang="fr-FR" dirty="0"/>
-          </a:p>
-          <a:p>
-            <a:r>
-              <a:rPr lang="fr-FR" dirty="0"/>
-              <a:t>Vérifier un fichier à télécharger</a:t>
-            </a:r>
-          </a:p>
-          <a:p>
-            <a:pPr marL="0" indent="0">
-              <a:buNone/>
-            </a:pPr>
-            <a:endParaRPr lang="fr-FR" dirty="0"/>
-          </a:p>
-        </p:txBody>
-      </p:sp>
-    </p:spTree>
-    <p:extLst>
-      <p:ext uri="{BB962C8B-B14F-4D97-AF65-F5344CB8AC3E}">
-        <p14:creationId xmlns:p14="http://schemas.microsoft.com/office/powerpoint/2010/main" val="2493817114"/>
-      </p:ext>
-    </p:extLst>
-  </p:cSld>
-  <p:clrMapOvr>
-    <a:masterClrMapping/>
-  </p:clrMapOvr>
-</p:sld>
-</file>
-
-<file path=ppt/slides/slide2.xml><?xml version="1.0" encoding="utf-8"?>
-<p:sld xmlns:a="http://schemas.openxmlformats.org/drawingml/2006/main" xmlns:r="http://schemas.openxmlformats.org/officeDocument/2006/relationships" xmlns:p="http://schemas.openxmlformats.org/presentationml/2006/main">
-  <p:cSld>
-    <p:spTree>
-      <p:nvGrpSpPr>
-        <p:cNvPr id="1" name=""/>
-        <p:cNvGrpSpPr/>
-        <p:nvPr/>
-      </p:nvGrpSpPr>
-      <p:grpSpPr>
-        <a:xfrm>
-          <a:off x="0" y="0"/>
-          <a:ext cx="0" cy="0"/>
-          <a:chOff x="0" y="0"/>
-          <a:chExt cx="0" cy="0"/>
-        </a:xfrm>
-      </p:grpSpPr>
-      <p:sp>
-        <p:nvSpPr>
-          <p:cNvPr id="2" name="Title 1">
-            <a:extLst>
-              <a:ext uri="{FF2B5EF4-FFF2-40B4-BE49-F238E27FC236}">
-                <a16:creationId xmlns:a16="http://schemas.microsoft.com/office/drawing/2014/main" id="{4C945C6E-63FE-4EB1-800D-0F9685470C5E}"/>
-              </a:ext>
-            </a:extLst>
-          </p:cNvPr>
-          <p:cNvSpPr>
-            <a:spLocks noGrp="1"/>
-          </p:cNvSpPr>
-          <p:nvPr>
-            <p:ph type="title"/>
-          </p:nvPr>
-        </p:nvSpPr>
-        <p:spPr/>
-        <p:txBody>
-          <a:bodyPr/>
-          <a:lstStyle/>
-          <a:p>
-            <a:r>
-              <a:rPr lang="en-GB" dirty="0" err="1"/>
-              <a:t>Problematique</a:t>
-            </a:r>
-            <a:endParaRPr lang="en-GB" dirty="0"/>
-          </a:p>
-        </p:txBody>
-      </p:sp>
-      <p:sp>
-        <p:nvSpPr>
-          <p:cNvPr id="3" name="Content Placeholder 2">
-            <a:extLst>
-              <a:ext uri="{FF2B5EF4-FFF2-40B4-BE49-F238E27FC236}">
-                <a16:creationId xmlns:a16="http://schemas.microsoft.com/office/drawing/2014/main" id="{06105B5E-5E71-406F-BE20-914331649AE9}"/>
-              </a:ext>
-            </a:extLst>
-          </p:cNvPr>
-          <p:cNvSpPr>
-            <a:spLocks noGrp="1"/>
-          </p:cNvSpPr>
-          <p:nvPr>
-            <p:ph idx="1"/>
-          </p:nvPr>
-        </p:nvSpPr>
-        <p:spPr/>
-        <p:txBody>
-          <a:bodyPr/>
-          <a:lstStyle/>
-          <a:p>
-            <a:r>
-              <a:rPr lang="en-GB" dirty="0" err="1"/>
-              <a:t>Ecrire</a:t>
-            </a:r>
-            <a:r>
-              <a:rPr lang="en-GB" dirty="0"/>
-              <a:t> des tests end to end </a:t>
-            </a:r>
-            <a:r>
-              <a:rPr lang="en-GB" dirty="0" err="1"/>
-              <a:t>est</a:t>
-            </a:r>
-            <a:r>
-              <a:rPr lang="en-GB" dirty="0"/>
-              <a:t> dur :</a:t>
-            </a:r>
-          </a:p>
-          <a:p>
-            <a:pPr marL="0" indent="0">
-              <a:buNone/>
-            </a:pPr>
-            <a:endParaRPr lang="en-GB" dirty="0"/>
-          </a:p>
-          <a:p>
-            <a:pPr>
-              <a:buFontTx/>
-              <a:buChar char="-"/>
-            </a:pPr>
-            <a:r>
-              <a:rPr lang="en-GB" dirty="0"/>
-              <a:t>Selectors</a:t>
-            </a:r>
-          </a:p>
-          <a:p>
-            <a:pPr>
-              <a:buFontTx/>
-              <a:buChar char="-"/>
-            </a:pPr>
-            <a:r>
-              <a:rPr lang="en-GB" dirty="0"/>
-              <a:t>challenge de </a:t>
-            </a:r>
-            <a:r>
-              <a:rPr lang="en-GB" dirty="0" err="1"/>
-              <a:t>rapidité</a:t>
-            </a:r>
-            <a:endParaRPr lang="en-GB" dirty="0"/>
-          </a:p>
-          <a:p>
-            <a:pPr>
-              <a:buFontTx/>
-              <a:buChar char="-"/>
-            </a:pPr>
-            <a:r>
-              <a:rPr lang="en-GB" dirty="0"/>
-              <a:t>UI break test</a:t>
-            </a:r>
-          </a:p>
-          <a:p>
-            <a:pPr>
-              <a:buFontTx/>
-              <a:buChar char="-"/>
-            </a:pPr>
-            <a:endParaRPr lang="en-GB" dirty="0"/>
-          </a:p>
-        </p:txBody>
-      </p:sp>
-    </p:spTree>
-    <p:extLst>
-      <p:ext uri="{BB962C8B-B14F-4D97-AF65-F5344CB8AC3E}">
-        <p14:creationId xmlns:p14="http://schemas.microsoft.com/office/powerpoint/2010/main" val="2681394807"/>
-      </p:ext>
-    </p:extLst>
-  </p:cSld>
-  <p:clrMapOvr>
-    <a:masterClrMapping/>
-  </p:clrMapOvr>
-</p:sld>
-</file>
-
-<file path=ppt/slides/slide3.xml><?xml version="1.0" encoding="utf-8"?>
-<p:sld xmlns:a="http://schemas.openxmlformats.org/drawingml/2006/main" xmlns:r="http://schemas.openxmlformats.org/officeDocument/2006/relationships" xmlns:p="http://schemas.openxmlformats.org/presentationml/2006/main">
-  <p:cSld>
-    <p:spTree>
-      <p:nvGrpSpPr>
-        <p:cNvPr id="1" name=""/>
-        <p:cNvGrpSpPr/>
-        <p:nvPr/>
-      </p:nvGrpSpPr>
-      <p:grpSpPr>
-        <a:xfrm>
-          <a:off x="0" y="0"/>
-          <a:ext cx="0" cy="0"/>
-          <a:chOff x="0" y="0"/>
-          <a:chExt cx="0" cy="0"/>
-        </a:xfrm>
-      </p:grpSpPr>
-      <p:sp>
-        <p:nvSpPr>
-          <p:cNvPr id="2" name="Title 1">
-            <a:extLst>
-              <a:ext uri="{FF2B5EF4-FFF2-40B4-BE49-F238E27FC236}">
-                <a16:creationId xmlns:a16="http://schemas.microsoft.com/office/drawing/2014/main" id="{A426BFF0-147F-40CA-BD70-16098B2062BA}"/>
-              </a:ext>
-            </a:extLst>
-          </p:cNvPr>
-          <p:cNvSpPr>
-            <a:spLocks noGrp="1"/>
-          </p:cNvSpPr>
-          <p:nvPr>
-            <p:ph type="title"/>
-          </p:nvPr>
-        </p:nvSpPr>
-        <p:spPr>
-          <a:xfrm>
-            <a:off x="838200" y="365125"/>
-            <a:ext cx="10515600" cy="1162017"/>
-          </a:xfrm>
-        </p:spPr>
-        <p:txBody>
-          <a:bodyPr/>
-          <a:lstStyle/>
-          <a:p>
-            <a:r>
-              <a:rPr lang="fr-FR" dirty="0"/>
-              <a:t>I)  </a:t>
-            </a:r>
-            <a:r>
-              <a:rPr lang="fr-FR" dirty="0" err="1"/>
-              <a:t>Cypress</a:t>
-            </a:r>
-            <a:r>
-              <a:rPr lang="fr-FR" dirty="0"/>
-              <a:t>, c’est quoi ? </a:t>
-            </a:r>
-          </a:p>
-        </p:txBody>
-      </p:sp>
-      <p:sp>
-        <p:nvSpPr>
-          <p:cNvPr id="3" name="Content Placeholder 2">
-            <a:extLst>
-              <a:ext uri="{FF2B5EF4-FFF2-40B4-BE49-F238E27FC236}">
-                <a16:creationId xmlns:a16="http://schemas.microsoft.com/office/drawing/2014/main" id="{1BD76F33-0CD5-48CC-BBB4-DDB18F39E19F}"/>
-              </a:ext>
-            </a:extLst>
-          </p:cNvPr>
-          <p:cNvSpPr>
-            <a:spLocks noGrp="1"/>
-          </p:cNvSpPr>
-          <p:nvPr>
-            <p:ph idx="1"/>
-          </p:nvPr>
-        </p:nvSpPr>
-        <p:spPr>
-          <a:xfrm>
-            <a:off x="838200" y="1847654"/>
-            <a:ext cx="10515600" cy="4329310"/>
-          </a:xfrm>
-        </p:spPr>
-        <p:txBody>
-          <a:bodyPr>
-            <a:normAutofit fontScale="92500" lnSpcReduction="10000"/>
-          </a:bodyPr>
-          <a:lstStyle/>
-          <a:p>
-            <a:r>
-              <a:rPr lang="fr-FR" dirty="0"/>
-              <a:t>Javascript end-to-end </a:t>
-            </a:r>
-            <a:r>
-              <a:rPr lang="fr-FR" dirty="0" err="1"/>
-              <a:t>testing</a:t>
-            </a:r>
-            <a:r>
-              <a:rPr lang="fr-FR" dirty="0"/>
-              <a:t> </a:t>
-            </a:r>
-            <a:r>
-              <a:rPr lang="fr-FR" dirty="0" err="1"/>
-              <a:t>framework</a:t>
-            </a:r>
-            <a:r>
-              <a:rPr lang="fr-FR" dirty="0"/>
-              <a:t> (</a:t>
-            </a:r>
-            <a:r>
-              <a:rPr lang="fr-FR" dirty="0" err="1"/>
-              <a:t>angular</a:t>
-            </a:r>
-            <a:r>
-              <a:rPr lang="fr-FR" dirty="0"/>
-              <a:t>, </a:t>
-            </a:r>
-            <a:r>
-              <a:rPr lang="fr-FR" dirty="0" err="1"/>
-              <a:t>react</a:t>
-            </a:r>
-            <a:r>
-              <a:rPr lang="fr-FR" dirty="0"/>
-              <a:t> et vue)</a:t>
-            </a:r>
-          </a:p>
-          <a:p>
-            <a:pPr marL="0" indent="0">
-              <a:buNone/>
-            </a:pPr>
-            <a:endParaRPr lang="fr-FR" dirty="0"/>
-          </a:p>
-          <a:p>
-            <a:r>
-              <a:rPr lang="fr-FR" dirty="0"/>
-              <a:t> Projet initié par Brian Mann en 2014 (après sondage aux développeurs)</a:t>
-            </a:r>
-          </a:p>
-          <a:p>
-            <a:r>
-              <a:rPr lang="fr-FR" dirty="0"/>
-              <a:t>1</a:t>
-            </a:r>
-            <a:r>
-              <a:rPr lang="fr-FR" baseline="30000" dirty="0"/>
-              <a:t>er</a:t>
-            </a:r>
-            <a:r>
-              <a:rPr lang="fr-FR" dirty="0"/>
-              <a:t> release en 2018</a:t>
-            </a:r>
-          </a:p>
-          <a:p>
-            <a:endParaRPr lang="fr-FR" dirty="0"/>
-          </a:p>
-          <a:p>
-            <a:r>
-              <a:rPr lang="fr-FR" dirty="0" err="1"/>
-              <a:t>Based</a:t>
-            </a:r>
-            <a:r>
-              <a:rPr lang="fr-FR" dirty="0"/>
-              <a:t> on </a:t>
-            </a:r>
-            <a:r>
-              <a:rPr lang="fr-FR" dirty="0" err="1"/>
-              <a:t>many</a:t>
-            </a:r>
-            <a:r>
-              <a:rPr lang="fr-FR" dirty="0"/>
-              <a:t> open-source </a:t>
-            </a:r>
-            <a:r>
-              <a:rPr lang="fr-FR" dirty="0" err="1"/>
-              <a:t>testing</a:t>
-            </a:r>
-            <a:r>
-              <a:rPr lang="fr-FR" dirty="0"/>
-              <a:t> </a:t>
-            </a:r>
-            <a:r>
-              <a:rPr lang="fr-FR" dirty="0" err="1"/>
-              <a:t>library</a:t>
-            </a:r>
-            <a:r>
-              <a:rPr lang="fr-FR" dirty="0"/>
-              <a:t> (</a:t>
-            </a:r>
-            <a:r>
-              <a:rPr lang="fr-FR" sz="2600" dirty="0"/>
-              <a:t>Mocha, Chai, Chai-jQuery, </a:t>
-            </a:r>
-            <a:r>
-              <a:rPr lang="fr-FR" sz="2600" dirty="0" err="1"/>
-              <a:t>SinonJS</a:t>
-            </a:r>
-            <a:r>
-              <a:rPr lang="fr-FR" sz="2600" dirty="0"/>
-              <a:t> …</a:t>
-            </a:r>
-            <a:r>
-              <a:rPr lang="fr-FR" dirty="0"/>
-              <a:t>)</a:t>
-            </a:r>
-          </a:p>
-          <a:p>
-            <a:pPr marL="0" indent="0">
-              <a:buNone/>
-            </a:pPr>
-            <a:endParaRPr lang="fr-FR" dirty="0"/>
-          </a:p>
-          <a:p>
-            <a:r>
-              <a:rPr lang="fr-FR" dirty="0"/>
-              <a:t> Free (sauf </a:t>
-            </a:r>
-            <a:r>
-              <a:rPr lang="fr-FR" dirty="0" err="1"/>
-              <a:t>dashboard</a:t>
-            </a:r>
-            <a:r>
-              <a:rPr lang="fr-FR" dirty="0"/>
-              <a:t> service) &amp; open-source</a:t>
-            </a:r>
-          </a:p>
-          <a:p>
-            <a:r>
-              <a:rPr lang="fr-FR" dirty="0"/>
-              <a:t>Compatible avec </a:t>
-            </a:r>
-            <a:r>
-              <a:rPr lang="fr-FR" dirty="0" err="1"/>
-              <a:t>firefox</a:t>
-            </a:r>
-            <a:r>
-              <a:rPr lang="fr-FR" dirty="0"/>
-              <a:t>, chrome</a:t>
-            </a:r>
-          </a:p>
-          <a:p>
-            <a:endParaRPr lang="fr-FR" dirty="0"/>
-          </a:p>
-          <a:p>
-            <a:endParaRPr lang="fr-FR" dirty="0"/>
-          </a:p>
-          <a:p>
-            <a:endParaRPr lang="fr-FR" dirty="0"/>
-          </a:p>
-        </p:txBody>
-      </p:sp>
-      <p:sp>
-        <p:nvSpPr>
-          <p:cNvPr id="4" name="TextBox 3">
-            <a:extLst>
-              <a:ext uri="{FF2B5EF4-FFF2-40B4-BE49-F238E27FC236}">
-                <a16:creationId xmlns:a16="http://schemas.microsoft.com/office/drawing/2014/main" id="{47AAD1B5-B4CC-446D-91C8-31B0D7FDCE68}"/>
-              </a:ext>
-            </a:extLst>
-          </p:cNvPr>
-          <p:cNvSpPr txBox="1"/>
-          <p:nvPr/>
-        </p:nvSpPr>
-        <p:spPr>
-          <a:xfrm>
-            <a:off x="1253764" y="1478321"/>
-            <a:ext cx="4157221" cy="369332"/>
-          </a:xfrm>
-          <a:prstGeom prst="rect">
-            <a:avLst/>
-          </a:prstGeom>
-          <a:noFill/>
-        </p:spPr>
-        <p:txBody>
-          <a:bodyPr wrap="square" rtlCol="0">
-            <a:spAutoFit/>
-          </a:bodyPr>
-          <a:lstStyle/>
-          <a:p>
-            <a:r>
-              <a:rPr lang="en-GB" dirty="0"/>
-              <a:t>2)  Creation de cypress</a:t>
-            </a:r>
-          </a:p>
-        </p:txBody>
-      </p:sp>
-    </p:spTree>
-    <p:extLst>
-      <p:ext uri="{BB962C8B-B14F-4D97-AF65-F5344CB8AC3E}">
-        <p14:creationId xmlns:p14="http://schemas.microsoft.com/office/powerpoint/2010/main" val="98759267"/>
-      </p:ext>
-    </p:extLst>
-  </p:cSld>
-  <p:clrMapOvr>
-    <a:masterClrMapping/>
-  </p:clrMapOvr>
-</p:sld>
-</file>
-
-<file path=ppt/slides/slide4.xml><?xml version="1.0" encoding="utf-8"?>
-<p:sld xmlns:a="http://schemas.openxmlformats.org/drawingml/2006/main" xmlns:r="http://schemas.openxmlformats.org/officeDocument/2006/relationships" xmlns:p="http://schemas.openxmlformats.org/presentationml/2006/main">
-  <p:cSld>
-    <p:spTree>
-      <p:nvGrpSpPr>
-        <p:cNvPr id="1" name=""/>
-        <p:cNvGrpSpPr/>
-        <p:nvPr/>
-      </p:nvGrpSpPr>
-      <p:grpSpPr>
-        <a:xfrm>
-          <a:off x="0" y="0"/>
-          <a:ext cx="0" cy="0"/>
-          <a:chOff x="0" y="0"/>
-          <a:chExt cx="0" cy="0"/>
-        </a:xfrm>
-      </p:grpSpPr>
-      <p:pic>
-        <p:nvPicPr>
-          <p:cNvPr id="4" name="Content Placeholder 3">
-            <a:extLst>
-              <a:ext uri="{FF2B5EF4-FFF2-40B4-BE49-F238E27FC236}">
-                <a16:creationId xmlns:a16="http://schemas.microsoft.com/office/drawing/2014/main" id="{C96FEC96-868B-45BF-85DA-1CA417F3D840}"/>
-              </a:ext>
-            </a:extLst>
-          </p:cNvPr>
-          <p:cNvPicPr>
-            <a:picLocks noGrp="1" noChangeAspect="1"/>
-          </p:cNvPicPr>
-          <p:nvPr>
-            <p:ph idx="1"/>
-          </p:nvPr>
-        </p:nvPicPr>
-        <p:blipFill>
-          <a:blip r:embed="rId2"/>
-          <a:stretch>
-            <a:fillRect/>
-          </a:stretch>
-        </p:blipFill>
-        <p:spPr>
-          <a:xfrm>
-            <a:off x="1280593" y="1880710"/>
-            <a:ext cx="5694263" cy="2504003"/>
-          </a:xfrm>
-          <a:prstGeom prst="rect">
-            <a:avLst/>
-          </a:prstGeom>
-        </p:spPr>
-      </p:pic>
-      <p:sp>
-        <p:nvSpPr>
-          <p:cNvPr id="6" name="Title 1">
-            <a:extLst>
-              <a:ext uri="{FF2B5EF4-FFF2-40B4-BE49-F238E27FC236}">
-                <a16:creationId xmlns:a16="http://schemas.microsoft.com/office/drawing/2014/main" id="{724F6A45-7917-46B9-9EA2-BF03C39BBD24}"/>
-              </a:ext>
-            </a:extLst>
-          </p:cNvPr>
-          <p:cNvSpPr>
-            <a:spLocks noGrp="1"/>
-          </p:cNvSpPr>
-          <p:nvPr>
-            <p:ph type="title"/>
-          </p:nvPr>
-        </p:nvSpPr>
-        <p:spPr>
-          <a:xfrm>
-            <a:off x="1113621" y="442244"/>
-            <a:ext cx="10515600" cy="1325563"/>
-          </a:xfrm>
-        </p:spPr>
-        <p:txBody>
-          <a:bodyPr/>
-          <a:lstStyle/>
-          <a:p>
-            <a:r>
-              <a:rPr lang="fr-FR" dirty="0"/>
-              <a:t>La popularité du </a:t>
-            </a:r>
-            <a:r>
-              <a:rPr lang="fr-FR" dirty="0" err="1"/>
-              <a:t>framework</a:t>
-            </a:r>
-            <a:endParaRPr lang="fr-FR" dirty="0"/>
-          </a:p>
-        </p:txBody>
-      </p:sp>
-      <p:sp>
-        <p:nvSpPr>
-          <p:cNvPr id="7" name="TextBox 6">
-            <a:extLst>
-              <a:ext uri="{FF2B5EF4-FFF2-40B4-BE49-F238E27FC236}">
-                <a16:creationId xmlns:a16="http://schemas.microsoft.com/office/drawing/2014/main" id="{AF9C2C5B-3C17-47E7-9930-51596DA90927}"/>
-              </a:ext>
-            </a:extLst>
-          </p:cNvPr>
-          <p:cNvSpPr txBox="1"/>
-          <p:nvPr/>
-        </p:nvSpPr>
-        <p:spPr>
-          <a:xfrm>
-            <a:off x="1707614" y="5045725"/>
-            <a:ext cx="5267242" cy="369332"/>
-          </a:xfrm>
-          <a:prstGeom prst="rect">
-            <a:avLst/>
-          </a:prstGeom>
-          <a:noFill/>
-        </p:spPr>
-        <p:txBody>
-          <a:bodyPr wrap="square" rtlCol="0">
-            <a:spAutoFit/>
-          </a:bodyPr>
-          <a:lstStyle/>
-          <a:p>
-            <a:r>
-              <a:rPr lang="fr-FR" dirty="0" err="1"/>
-              <a:t>Demand</a:t>
-            </a:r>
-            <a:r>
-              <a:rPr lang="fr-FR" dirty="0"/>
-              <a:t> of </a:t>
-            </a:r>
-            <a:r>
-              <a:rPr lang="fr-FR" dirty="0" err="1"/>
-              <a:t>Skill</a:t>
-            </a:r>
-            <a:r>
-              <a:rPr lang="fr-FR" dirty="0"/>
-              <a:t> in </a:t>
-            </a:r>
-            <a:r>
-              <a:rPr lang="fr-FR" dirty="0" err="1"/>
-              <a:t>testing</a:t>
-            </a:r>
-            <a:r>
-              <a:rPr lang="fr-FR" dirty="0"/>
-              <a:t> </a:t>
-            </a:r>
-            <a:r>
-              <a:rPr lang="fr-FR" dirty="0" err="1"/>
-              <a:t>tool</a:t>
-            </a:r>
-            <a:r>
-              <a:rPr lang="fr-FR" dirty="0"/>
-              <a:t> </a:t>
-            </a:r>
-            <a:r>
-              <a:rPr lang="fr-FR" dirty="0" err="1"/>
-              <a:t>increased</a:t>
-            </a:r>
-            <a:endParaRPr lang="fr-FR" dirty="0"/>
-          </a:p>
-        </p:txBody>
-      </p:sp>
-    </p:spTree>
-    <p:extLst>
-      <p:ext uri="{BB962C8B-B14F-4D97-AF65-F5344CB8AC3E}">
-        <p14:creationId xmlns:p14="http://schemas.microsoft.com/office/powerpoint/2010/main" val="3663127601"/>
-      </p:ext>
-    </p:extLst>
-  </p:cSld>
-  <p:clrMapOvr>
-    <a:masterClrMapping/>
-  </p:clrMapOvr>
-</p:sld>
-</file>
-
-<file path=ppt/slides/slide5.xml><?xml version="1.0" encoding="utf-8"?>
-<p:sld xmlns:a="http://schemas.openxmlformats.org/drawingml/2006/main" xmlns:r="http://schemas.openxmlformats.org/officeDocument/2006/relationships" xmlns:p="http://schemas.openxmlformats.org/presentationml/2006/main">
-  <p:cSld>
-    <p:spTree>
-      <p:nvGrpSpPr>
-        <p:cNvPr id="1" name=""/>
-        <p:cNvGrpSpPr/>
-        <p:nvPr/>
-      </p:nvGrpSpPr>
-      <p:grpSpPr>
-        <a:xfrm>
-          <a:off x="0" y="0"/>
-          <a:ext cx="0" cy="0"/>
-          <a:chOff x="0" y="0"/>
-          <a:chExt cx="0" cy="0"/>
-        </a:xfrm>
-      </p:grpSpPr>
-      <p:sp>
-        <p:nvSpPr>
-          <p:cNvPr id="2" name="Title 1">
-            <a:extLst>
-              <a:ext uri="{FF2B5EF4-FFF2-40B4-BE49-F238E27FC236}">
-                <a16:creationId xmlns:a16="http://schemas.microsoft.com/office/drawing/2014/main" id="{307E1B39-AA25-414B-8112-F7CEDD428B97}"/>
-              </a:ext>
-            </a:extLst>
-          </p:cNvPr>
-          <p:cNvSpPr>
-            <a:spLocks noGrp="1"/>
-          </p:cNvSpPr>
-          <p:nvPr>
-            <p:ph type="title"/>
-          </p:nvPr>
-        </p:nvSpPr>
-        <p:spPr/>
-        <p:txBody>
-          <a:bodyPr/>
-          <a:lstStyle/>
-          <a:p>
-            <a:endParaRPr lang="fr-FR"/>
-          </a:p>
-        </p:txBody>
-      </p:sp>
-      <p:pic>
-        <p:nvPicPr>
-          <p:cNvPr id="4" name="Content Placeholder 3">
-            <a:extLst>
-              <a:ext uri="{FF2B5EF4-FFF2-40B4-BE49-F238E27FC236}">
-                <a16:creationId xmlns:a16="http://schemas.microsoft.com/office/drawing/2014/main" id="{5C660AD4-36CA-436C-BE66-5C7AF582869E}"/>
-              </a:ext>
-            </a:extLst>
-          </p:cNvPr>
-          <p:cNvPicPr>
-            <a:picLocks noGrp="1" noChangeAspect="1"/>
-          </p:cNvPicPr>
-          <p:nvPr>
-            <p:ph idx="1"/>
-          </p:nvPr>
-        </p:nvPicPr>
-        <p:blipFill>
-          <a:blip r:embed="rId2"/>
-          <a:stretch>
-            <a:fillRect/>
-          </a:stretch>
-        </p:blipFill>
-        <p:spPr>
-          <a:xfrm>
-            <a:off x="838200" y="2229435"/>
-            <a:ext cx="10515600" cy="3543718"/>
-          </a:xfrm>
-          <a:prstGeom prst="rect">
-            <a:avLst/>
-          </a:prstGeom>
-        </p:spPr>
-      </p:pic>
-    </p:spTree>
-    <p:extLst>
-      <p:ext uri="{BB962C8B-B14F-4D97-AF65-F5344CB8AC3E}">
-        <p14:creationId xmlns:p14="http://schemas.microsoft.com/office/powerpoint/2010/main" val="1264359161"/>
-      </p:ext>
-    </p:extLst>
-  </p:cSld>
-  <p:clrMapOvr>
-    <a:masterClrMapping/>
-  </p:clrMapOvr>
-</p:sld>
-</file>
-
-<file path=ppt/slides/slide6.xml><?xml version="1.0" encoding="utf-8"?>
-<p:sld xmlns:a="http://schemas.openxmlformats.org/drawingml/2006/main" xmlns:r="http://schemas.openxmlformats.org/officeDocument/2006/relationships" xmlns:p="http://schemas.openxmlformats.org/presentationml/2006/main">
-  <p:cSld>
-    <p:spTree>
-      <p:nvGrpSpPr>
-        <p:cNvPr id="1" name=""/>
-        <p:cNvGrpSpPr/>
-        <p:nvPr/>
-      </p:nvGrpSpPr>
-      <p:grpSpPr>
-        <a:xfrm>
-          <a:off x="0" y="0"/>
-          <a:ext cx="0" cy="0"/>
-          <a:chOff x="0" y="0"/>
-          <a:chExt cx="0" cy="0"/>
-        </a:xfrm>
-      </p:grpSpPr>
-      <p:sp>
-        <p:nvSpPr>
-          <p:cNvPr id="2" name="Title 1">
-            <a:extLst>
-              <a:ext uri="{FF2B5EF4-FFF2-40B4-BE49-F238E27FC236}">
-                <a16:creationId xmlns:a16="http://schemas.microsoft.com/office/drawing/2014/main" id="{406A6C07-262C-4BBE-940F-1975E421ED64}"/>
-              </a:ext>
-            </a:extLst>
-          </p:cNvPr>
-          <p:cNvSpPr>
-            <a:spLocks noGrp="1"/>
-          </p:cNvSpPr>
-          <p:nvPr>
-            <p:ph type="title"/>
-          </p:nvPr>
-        </p:nvSpPr>
-        <p:spPr/>
-        <p:txBody>
-          <a:bodyPr/>
-          <a:lstStyle/>
-          <a:p>
-            <a:r>
-              <a:rPr lang="fr-FR" dirty="0"/>
-              <a:t>II) Compare </a:t>
-            </a:r>
-            <a:r>
-              <a:rPr lang="fr-FR" dirty="0" err="1"/>
-              <a:t>Cypress</a:t>
-            </a:r>
-            <a:r>
-              <a:rPr lang="fr-FR" dirty="0"/>
-              <a:t> </a:t>
-            </a:r>
-            <a:r>
-              <a:rPr lang="fr-FR" dirty="0" err="1"/>
-              <a:t>with</a:t>
-            </a:r>
-            <a:r>
-              <a:rPr lang="fr-FR" dirty="0"/>
-              <a:t> </a:t>
-            </a:r>
-            <a:r>
-              <a:rPr lang="fr-FR" dirty="0" err="1"/>
-              <a:t>others</a:t>
-            </a:r>
-            <a:r>
-              <a:rPr lang="fr-FR" dirty="0"/>
-              <a:t> tools on the </a:t>
-            </a:r>
-            <a:r>
-              <a:rPr lang="fr-FR" dirty="0" err="1"/>
-              <a:t>market</a:t>
-            </a:r>
-            <a:endParaRPr lang="fr-FR" dirty="0"/>
-          </a:p>
-        </p:txBody>
-      </p:sp>
-      <p:sp>
-        <p:nvSpPr>
-          <p:cNvPr id="3" name="Content Placeholder 2">
-            <a:extLst>
-              <a:ext uri="{FF2B5EF4-FFF2-40B4-BE49-F238E27FC236}">
-                <a16:creationId xmlns:a16="http://schemas.microsoft.com/office/drawing/2014/main" id="{9E8CC6F3-FAAD-4A66-922B-134DA6B5F500}"/>
-              </a:ext>
-            </a:extLst>
-          </p:cNvPr>
-          <p:cNvSpPr>
-            <a:spLocks noGrp="1"/>
-          </p:cNvSpPr>
-          <p:nvPr>
-            <p:ph idx="1"/>
-          </p:nvPr>
-        </p:nvSpPr>
-        <p:spPr/>
-        <p:txBody>
-          <a:bodyPr/>
-          <a:lstStyle/>
-          <a:p>
-            <a:pPr marL="514350" indent="-514350">
-              <a:buAutoNum type="arabicParenR"/>
-            </a:pPr>
-            <a:r>
-              <a:rPr lang="fr-FR" dirty="0"/>
-              <a:t>Architecture optimisé</a:t>
-            </a:r>
-          </a:p>
-          <a:p>
-            <a:pPr marL="0" indent="0">
-              <a:buNone/>
-            </a:pPr>
-            <a:endParaRPr lang="fr-FR" dirty="0"/>
-          </a:p>
-          <a:p>
-            <a:r>
-              <a:rPr lang="fr-FR" dirty="0"/>
-              <a:t> </a:t>
-            </a:r>
-            <a:r>
-              <a:rPr lang="fr-FR" dirty="0" err="1"/>
-              <a:t>Others</a:t>
-            </a:r>
-            <a:r>
-              <a:rPr lang="fr-FR" dirty="0"/>
-              <a:t> </a:t>
-            </a:r>
-            <a:r>
-              <a:rPr lang="fr-FR" dirty="0" err="1"/>
-              <a:t>testing</a:t>
-            </a:r>
-            <a:r>
-              <a:rPr lang="fr-FR" dirty="0"/>
-              <a:t> </a:t>
-            </a:r>
-            <a:r>
-              <a:rPr lang="fr-FR" dirty="0" err="1"/>
-              <a:t>tool</a:t>
-            </a:r>
-            <a:r>
-              <a:rPr lang="fr-FR" dirty="0"/>
-              <a:t> (ex :</a:t>
-            </a:r>
-            <a:r>
-              <a:rPr lang="fr-FR" dirty="0" err="1"/>
-              <a:t>selenium</a:t>
-            </a:r>
-            <a:r>
-              <a:rPr lang="fr-FR" dirty="0"/>
-              <a:t>) use </a:t>
-            </a:r>
-            <a:r>
-              <a:rPr lang="en-US" dirty="0"/>
-              <a:t>a web driver that remotely executes commands</a:t>
-            </a:r>
-          </a:p>
-          <a:p>
-            <a:r>
-              <a:rPr lang="fr-FR" dirty="0"/>
-              <a:t> </a:t>
-            </a:r>
-            <a:r>
-              <a:rPr lang="en-US" dirty="0"/>
-              <a:t>Cypress runs in the same run-loop as your parent application (dans le </a:t>
-            </a:r>
-            <a:r>
-              <a:rPr lang="en-US" dirty="0" err="1"/>
-              <a:t>navigateur</a:t>
-            </a:r>
-            <a:r>
-              <a:rPr lang="en-US" dirty="0"/>
-              <a:t>) =&gt; faster</a:t>
-            </a:r>
-          </a:p>
-          <a:p>
-            <a:endParaRPr lang="en-US" dirty="0"/>
-          </a:p>
-          <a:p>
-            <a:r>
-              <a:rPr lang="en-US" dirty="0" err="1"/>
-              <a:t>Asynchrone</a:t>
-            </a:r>
-            <a:r>
-              <a:rPr lang="en-US" dirty="0"/>
-              <a:t> (+ facile pour tester les app web async = </a:t>
-            </a:r>
-            <a:r>
-              <a:rPr lang="en-US" dirty="0" err="1"/>
-              <a:t>angularjs</a:t>
-            </a:r>
-            <a:r>
-              <a:rPr lang="en-US" dirty="0"/>
-              <a:t>)</a:t>
-            </a:r>
-            <a:endParaRPr lang="fr-FR" dirty="0"/>
-          </a:p>
-        </p:txBody>
-      </p:sp>
-    </p:spTree>
-    <p:extLst>
-      <p:ext uri="{BB962C8B-B14F-4D97-AF65-F5344CB8AC3E}">
-        <p14:creationId xmlns:p14="http://schemas.microsoft.com/office/powerpoint/2010/main" val="785267768"/>
-      </p:ext>
-    </p:extLst>
-  </p:cSld>
-  <p:clrMapOvr>
-    <a:masterClrMapping/>
-  </p:clrMapOvr>
-</p:sld>
-</file>
-
-<file path=ppt/slides/slide7.xml><?xml version="1.0" encoding="utf-8"?>
-<p:sld xmlns:a="http://schemas.openxmlformats.org/drawingml/2006/main" xmlns:r="http://schemas.openxmlformats.org/officeDocument/2006/relationships" xmlns:p="http://schemas.openxmlformats.org/presentationml/2006/main">
-  <p:cSld>
-    <p:spTree>
-      <p:nvGrpSpPr>
-        <p:cNvPr id="1" name=""/>
-        <p:cNvGrpSpPr/>
-        <p:nvPr/>
-      </p:nvGrpSpPr>
-      <p:grpSpPr>
-        <a:xfrm>
-          <a:off x="0" y="0"/>
-          <a:ext cx="0" cy="0"/>
-          <a:chOff x="0" y="0"/>
-          <a:chExt cx="0" cy="0"/>
-        </a:xfrm>
-      </p:grpSpPr>
-      <p:sp>
-        <p:nvSpPr>
-          <p:cNvPr id="2" name="Title 1">
-            <a:extLst>
-              <a:ext uri="{FF2B5EF4-FFF2-40B4-BE49-F238E27FC236}">
-                <a16:creationId xmlns:a16="http://schemas.microsoft.com/office/drawing/2014/main" id="{4D7D80E3-20CC-46CC-83B1-56A44885F606}"/>
-              </a:ext>
-            </a:extLst>
-          </p:cNvPr>
-          <p:cNvSpPr>
-            <a:spLocks noGrp="1"/>
-          </p:cNvSpPr>
-          <p:nvPr>
-            <p:ph type="title"/>
-          </p:nvPr>
-        </p:nvSpPr>
-        <p:spPr/>
-        <p:txBody>
-          <a:bodyPr/>
-          <a:lstStyle/>
-          <a:p>
-            <a:r>
-              <a:rPr lang="en-GB" dirty="0"/>
-              <a:t>2) end-to-end </a:t>
-            </a:r>
-            <a:r>
-              <a:rPr lang="en-GB" dirty="0" err="1"/>
-              <a:t>autotests</a:t>
-            </a:r>
-            <a:r>
-              <a:rPr lang="en-GB" dirty="0"/>
-              <a:t> all in one</a:t>
-            </a:r>
-          </a:p>
-        </p:txBody>
-      </p:sp>
-      <p:pic>
-        <p:nvPicPr>
-          <p:cNvPr id="4" name="Content Placeholder 3">
-            <a:extLst>
-              <a:ext uri="{FF2B5EF4-FFF2-40B4-BE49-F238E27FC236}">
-                <a16:creationId xmlns:a16="http://schemas.microsoft.com/office/drawing/2014/main" id="{4A990DE9-07DB-47ED-97DD-AF1C968A1F64}"/>
-              </a:ext>
-            </a:extLst>
-          </p:cNvPr>
-          <p:cNvPicPr>
-            <a:picLocks noGrp="1" noChangeAspect="1"/>
-          </p:cNvPicPr>
-          <p:nvPr>
-            <p:ph idx="1"/>
-          </p:nvPr>
-        </p:nvPicPr>
-        <p:blipFill>
-          <a:blip r:embed="rId2"/>
-          <a:stretch>
-            <a:fillRect/>
-          </a:stretch>
-        </p:blipFill>
-        <p:spPr>
-          <a:xfrm>
-            <a:off x="0" y="2396409"/>
-            <a:ext cx="8388873" cy="3008209"/>
-          </a:xfrm>
-          <a:prstGeom prst="rect">
-            <a:avLst/>
-          </a:prstGeom>
-        </p:spPr>
-      </p:pic>
-      <p:pic>
-        <p:nvPicPr>
-          <p:cNvPr id="6" name="Picture 5" descr="A close up of text on a white background&#10;&#10;Description automatically generated">
-            <a:extLst>
-              <a:ext uri="{FF2B5EF4-FFF2-40B4-BE49-F238E27FC236}">
-                <a16:creationId xmlns:a16="http://schemas.microsoft.com/office/drawing/2014/main" id="{B685CC1B-062C-465F-A534-DE19A9D26EF6}"/>
-              </a:ext>
-            </a:extLst>
-          </p:cNvPr>
-          <p:cNvPicPr>
-            <a:picLocks noChangeAspect="1"/>
-          </p:cNvPicPr>
-          <p:nvPr/>
-        </p:nvPicPr>
-        <p:blipFill>
-          <a:blip r:embed="rId3">
-            <a:extLst>
-              <a:ext uri="{28A0092B-C50C-407E-A947-70E740481C1C}">
-                <a14:useLocalDpi xmlns:a14="http://schemas.microsoft.com/office/drawing/2010/main" val="0"/>
-              </a:ext>
-            </a:extLst>
-          </a:blip>
-          <a:stretch>
-            <a:fillRect/>
-          </a:stretch>
-        </p:blipFill>
-        <p:spPr>
-          <a:xfrm>
-            <a:off x="7627469" y="1453382"/>
-            <a:ext cx="4487736" cy="2525231"/>
-          </a:xfrm>
-          <a:prstGeom prst="rect">
-            <a:avLst/>
-          </a:prstGeom>
-        </p:spPr>
-      </p:pic>
-    </p:spTree>
-    <p:extLst>
-      <p:ext uri="{BB962C8B-B14F-4D97-AF65-F5344CB8AC3E}">
-        <p14:creationId xmlns:p14="http://schemas.microsoft.com/office/powerpoint/2010/main" val="3680866114"/>
-      </p:ext>
-    </p:extLst>
-  </p:cSld>
-  <p:clrMapOvr>
-    <a:masterClrMapping/>
-  </p:clrMapOvr>
-</p:sld>
-</file>
-
-<file path=ppt/slides/slide8.xml><?xml version="1.0" encoding="utf-8"?>
 <p:sld xmlns:a="http://schemas.openxmlformats.org/drawingml/2006/main" xmlns:r="http://schemas.openxmlformats.org/officeDocument/2006/relationships" xmlns:p="http://schemas.openxmlformats.org/presentationml/2006/main">
   <p:cSld>
     <p:spTree>
@@ -5268,6 +3798,2110 @@
 </p:sld>
 </file>
 
+<file path=ppt/slides/slide11.xml><?xml version="1.0" encoding="utf-8"?>
+<p:sld xmlns:a="http://schemas.openxmlformats.org/drawingml/2006/main" xmlns:r="http://schemas.openxmlformats.org/officeDocument/2006/relationships" xmlns:p="http://schemas.openxmlformats.org/presentationml/2006/main">
+  <p:cSld>
+    <p:spTree>
+      <p:nvGrpSpPr>
+        <p:cNvPr id="1" name=""/>
+        <p:cNvGrpSpPr/>
+        <p:nvPr/>
+      </p:nvGrpSpPr>
+      <p:grpSpPr>
+        <a:xfrm>
+          <a:off x="0" y="0"/>
+          <a:ext cx="0" cy="0"/>
+          <a:chOff x="0" y="0"/>
+          <a:chExt cx="0" cy="0"/>
+        </a:xfrm>
+      </p:grpSpPr>
+      <p:sp>
+        <p:nvSpPr>
+          <p:cNvPr id="2" name="Title 1">
+            <a:extLst>
+              <a:ext uri="{FF2B5EF4-FFF2-40B4-BE49-F238E27FC236}">
+                <a16:creationId xmlns:a16="http://schemas.microsoft.com/office/drawing/2014/main" id="{29240F83-CC6F-4FBC-97E5-BDACBD348FD6}"/>
+              </a:ext>
+            </a:extLst>
+          </p:cNvPr>
+          <p:cNvSpPr>
+            <a:spLocks noGrp="1"/>
+          </p:cNvSpPr>
+          <p:nvPr>
+            <p:ph type="title"/>
+          </p:nvPr>
+        </p:nvSpPr>
+        <p:spPr/>
+        <p:txBody>
+          <a:bodyPr/>
+          <a:lstStyle/>
+          <a:p>
+            <a:r>
+              <a:rPr lang="fr-FR" dirty="0"/>
+              <a:t>Simple à utiliser et installer</a:t>
+            </a:r>
+          </a:p>
+        </p:txBody>
+      </p:sp>
+      <p:sp>
+        <p:nvSpPr>
+          <p:cNvPr id="3" name="Content Placeholder 2">
+            <a:extLst>
+              <a:ext uri="{FF2B5EF4-FFF2-40B4-BE49-F238E27FC236}">
+                <a16:creationId xmlns:a16="http://schemas.microsoft.com/office/drawing/2014/main" id="{CA5CAC26-0B32-451B-A99A-51241C92040C}"/>
+              </a:ext>
+            </a:extLst>
+          </p:cNvPr>
+          <p:cNvSpPr>
+            <a:spLocks noGrp="1"/>
+          </p:cNvSpPr>
+          <p:nvPr>
+            <p:ph idx="1"/>
+          </p:nvPr>
+        </p:nvSpPr>
+        <p:spPr/>
+        <p:txBody>
+          <a:bodyPr/>
+          <a:lstStyle/>
+          <a:p>
+            <a:pPr marL="0" indent="0">
+              <a:buNone/>
+            </a:pPr>
+            <a:r>
+              <a:rPr lang="fr-FR" dirty="0"/>
+              <a:t>Installer		</a:t>
+            </a:r>
+          </a:p>
+          <a:p>
+            <a:pPr marL="0" indent="0">
+              <a:buNone/>
+            </a:pPr>
+            <a:r>
+              <a:rPr lang="fr-FR" dirty="0"/>
+              <a:t>Run 			</a:t>
+            </a:r>
+          </a:p>
+          <a:p>
+            <a:pPr marL="0" indent="0">
+              <a:buNone/>
+            </a:pPr>
+            <a:endParaRPr lang="fr-FR" dirty="0"/>
+          </a:p>
+          <a:p>
+            <a:pPr marL="0" indent="0">
+              <a:buNone/>
+            </a:pPr>
+            <a:endParaRPr lang="fr-FR" dirty="0"/>
+          </a:p>
+          <a:p>
+            <a:pPr marL="0" indent="0">
+              <a:buNone/>
+            </a:pPr>
+            <a:r>
+              <a:rPr lang="fr-FR" dirty="0"/>
+              <a:t>Il n’y a pas de </a:t>
+            </a:r>
+            <a:r>
+              <a:rPr lang="fr-FR" dirty="0" err="1"/>
+              <a:t>retry</a:t>
+            </a:r>
+            <a:r>
+              <a:rPr lang="fr-FR" dirty="0"/>
+              <a:t>/timeout de requête à implémenter, ni de « </a:t>
+            </a:r>
+            <a:r>
+              <a:rPr lang="fr-FR" dirty="0" err="1"/>
+              <a:t>wrapper</a:t>
+            </a:r>
+            <a:r>
+              <a:rPr lang="fr-FR" dirty="0"/>
+              <a:t> » pour les tests end to end.</a:t>
+            </a:r>
+          </a:p>
+        </p:txBody>
+      </p:sp>
+      <p:pic>
+        <p:nvPicPr>
+          <p:cNvPr id="5" name="Picture 4">
+            <a:extLst>
+              <a:ext uri="{FF2B5EF4-FFF2-40B4-BE49-F238E27FC236}">
+                <a16:creationId xmlns:a16="http://schemas.microsoft.com/office/drawing/2014/main" id="{DED50FA7-9D59-4B53-994E-58BD8C7D20C0}"/>
+              </a:ext>
+            </a:extLst>
+          </p:cNvPr>
+          <p:cNvPicPr>
+            <a:picLocks noChangeAspect="1"/>
+          </p:cNvPicPr>
+          <p:nvPr/>
+        </p:nvPicPr>
+        <p:blipFill>
+          <a:blip r:embed="rId2"/>
+          <a:stretch>
+            <a:fillRect/>
+          </a:stretch>
+        </p:blipFill>
+        <p:spPr>
+          <a:xfrm>
+            <a:off x="3729947" y="2508160"/>
+            <a:ext cx="2366053" cy="281368"/>
+          </a:xfrm>
+          <a:prstGeom prst="rect">
+            <a:avLst/>
+          </a:prstGeom>
+        </p:spPr>
+      </p:pic>
+      <p:pic>
+        <p:nvPicPr>
+          <p:cNvPr id="6" name="Picture 5">
+            <a:extLst>
+              <a:ext uri="{FF2B5EF4-FFF2-40B4-BE49-F238E27FC236}">
+                <a16:creationId xmlns:a16="http://schemas.microsoft.com/office/drawing/2014/main" id="{4717E533-B894-40B1-B0B6-68A6045B315B}"/>
+              </a:ext>
+            </a:extLst>
+          </p:cNvPr>
+          <p:cNvPicPr>
+            <a:picLocks noChangeAspect="1"/>
+          </p:cNvPicPr>
+          <p:nvPr/>
+        </p:nvPicPr>
+        <p:blipFill>
+          <a:blip r:embed="rId3"/>
+          <a:stretch>
+            <a:fillRect/>
+          </a:stretch>
+        </p:blipFill>
+        <p:spPr>
+          <a:xfrm>
+            <a:off x="3599136" y="1882602"/>
+            <a:ext cx="2627674" cy="372060"/>
+          </a:xfrm>
+          <a:prstGeom prst="rect">
+            <a:avLst/>
+          </a:prstGeom>
+        </p:spPr>
+      </p:pic>
+    </p:spTree>
+    <p:extLst>
+      <p:ext uri="{BB962C8B-B14F-4D97-AF65-F5344CB8AC3E}">
+        <p14:creationId xmlns:p14="http://schemas.microsoft.com/office/powerpoint/2010/main" val="139270608"/>
+      </p:ext>
+    </p:extLst>
+  </p:cSld>
+  <p:clrMapOvr>
+    <a:masterClrMapping/>
+  </p:clrMapOvr>
+</p:sld>
+</file>
+
+<file path=ppt/slides/slide12.xml><?xml version="1.0" encoding="utf-8"?>
+<p:sld xmlns:a="http://schemas.openxmlformats.org/drawingml/2006/main" xmlns:r="http://schemas.openxmlformats.org/officeDocument/2006/relationships" xmlns:p="http://schemas.openxmlformats.org/presentationml/2006/main">
+  <p:cSld>
+    <p:spTree>
+      <p:nvGrpSpPr>
+        <p:cNvPr id="1" name=""/>
+        <p:cNvGrpSpPr/>
+        <p:nvPr/>
+      </p:nvGrpSpPr>
+      <p:grpSpPr>
+        <a:xfrm>
+          <a:off x="0" y="0"/>
+          <a:ext cx="0" cy="0"/>
+          <a:chOff x="0" y="0"/>
+          <a:chExt cx="0" cy="0"/>
+        </a:xfrm>
+      </p:grpSpPr>
+      <p:sp>
+        <p:nvSpPr>
+          <p:cNvPr id="2" name="Title 1">
+            <a:extLst>
+              <a:ext uri="{FF2B5EF4-FFF2-40B4-BE49-F238E27FC236}">
+                <a16:creationId xmlns:a16="http://schemas.microsoft.com/office/drawing/2014/main" id="{307E1B39-AA25-414B-8112-F7CEDD428B97}"/>
+              </a:ext>
+            </a:extLst>
+          </p:cNvPr>
+          <p:cNvSpPr>
+            <a:spLocks noGrp="1"/>
+          </p:cNvSpPr>
+          <p:nvPr>
+            <p:ph type="title"/>
+          </p:nvPr>
+        </p:nvSpPr>
+        <p:spPr/>
+        <p:txBody>
+          <a:bodyPr/>
+          <a:lstStyle/>
+          <a:p>
+            <a:endParaRPr lang="fr-FR" dirty="0"/>
+          </a:p>
+        </p:txBody>
+      </p:sp>
+      <p:pic>
+        <p:nvPicPr>
+          <p:cNvPr id="4" name="Content Placeholder 3">
+            <a:extLst>
+              <a:ext uri="{FF2B5EF4-FFF2-40B4-BE49-F238E27FC236}">
+                <a16:creationId xmlns:a16="http://schemas.microsoft.com/office/drawing/2014/main" id="{5C660AD4-36CA-436C-BE66-5C7AF582869E}"/>
+              </a:ext>
+            </a:extLst>
+          </p:cNvPr>
+          <p:cNvPicPr>
+            <a:picLocks noGrp="1" noChangeAspect="1"/>
+          </p:cNvPicPr>
+          <p:nvPr>
+            <p:ph idx="1"/>
+          </p:nvPr>
+        </p:nvPicPr>
+        <p:blipFill>
+          <a:blip r:embed="rId2"/>
+          <a:stretch>
+            <a:fillRect/>
+          </a:stretch>
+        </p:blipFill>
+        <p:spPr>
+          <a:xfrm>
+            <a:off x="838200" y="2229435"/>
+            <a:ext cx="10515600" cy="3543718"/>
+          </a:xfrm>
+          <a:prstGeom prst="rect">
+            <a:avLst/>
+          </a:prstGeom>
+        </p:spPr>
+      </p:pic>
+    </p:spTree>
+    <p:extLst>
+      <p:ext uri="{BB962C8B-B14F-4D97-AF65-F5344CB8AC3E}">
+        <p14:creationId xmlns:p14="http://schemas.microsoft.com/office/powerpoint/2010/main" val="1264359161"/>
+      </p:ext>
+    </p:extLst>
+  </p:cSld>
+  <p:clrMapOvr>
+    <a:masterClrMapping/>
+  </p:clrMapOvr>
+</p:sld>
+</file>
+
+<file path=ppt/slides/slide13.xml><?xml version="1.0" encoding="utf-8"?>
+<p:sld xmlns:a="http://schemas.openxmlformats.org/drawingml/2006/main" xmlns:r="http://schemas.openxmlformats.org/officeDocument/2006/relationships" xmlns:p="http://schemas.openxmlformats.org/presentationml/2006/main">
+  <p:cSld>
+    <p:spTree>
+      <p:nvGrpSpPr>
+        <p:cNvPr id="1" name=""/>
+        <p:cNvGrpSpPr/>
+        <p:nvPr/>
+      </p:nvGrpSpPr>
+      <p:grpSpPr>
+        <a:xfrm>
+          <a:off x="0" y="0"/>
+          <a:ext cx="0" cy="0"/>
+          <a:chOff x="0" y="0"/>
+          <a:chExt cx="0" cy="0"/>
+        </a:xfrm>
+      </p:grpSpPr>
+      <p:sp>
+        <p:nvSpPr>
+          <p:cNvPr id="2" name="Title 1">
+            <a:extLst>
+              <a:ext uri="{FF2B5EF4-FFF2-40B4-BE49-F238E27FC236}">
+                <a16:creationId xmlns:a16="http://schemas.microsoft.com/office/drawing/2014/main" id="{2DBD8BCF-4A34-44F1-9A3D-4AE153A0E01E}"/>
+              </a:ext>
+            </a:extLst>
+          </p:cNvPr>
+          <p:cNvSpPr>
+            <a:spLocks noGrp="1"/>
+          </p:cNvSpPr>
+          <p:nvPr>
+            <p:ph type="title"/>
+          </p:nvPr>
+        </p:nvSpPr>
+        <p:spPr/>
+        <p:txBody>
+          <a:bodyPr/>
+          <a:lstStyle/>
+          <a:p>
+            <a:r>
+              <a:rPr lang="fr-FR" u="sng" dirty="0" err="1"/>
+              <a:t>Cypress</a:t>
+            </a:r>
+            <a:r>
+              <a:rPr lang="fr-FR" u="sng" dirty="0"/>
+              <a:t> VS </a:t>
+            </a:r>
+            <a:r>
+              <a:rPr lang="fr-FR" u="sng" dirty="0" err="1"/>
+              <a:t>Selenium</a:t>
+            </a:r>
+            <a:r>
+              <a:rPr lang="fr-FR" u="sng" dirty="0"/>
+              <a:t> :</a:t>
+            </a:r>
+          </a:p>
+        </p:txBody>
+      </p:sp>
+      <p:sp>
+        <p:nvSpPr>
+          <p:cNvPr id="3" name="Content Placeholder 2">
+            <a:extLst>
+              <a:ext uri="{FF2B5EF4-FFF2-40B4-BE49-F238E27FC236}">
+                <a16:creationId xmlns:a16="http://schemas.microsoft.com/office/drawing/2014/main" id="{AFC05945-2534-4A83-BBA8-86F0A538BADF}"/>
+              </a:ext>
+            </a:extLst>
+          </p:cNvPr>
+          <p:cNvSpPr>
+            <a:spLocks noGrp="1"/>
+          </p:cNvSpPr>
+          <p:nvPr>
+            <p:ph idx="1"/>
+          </p:nvPr>
+        </p:nvSpPr>
+        <p:spPr/>
+        <p:txBody>
+          <a:bodyPr/>
+          <a:lstStyle/>
+          <a:p>
+            <a:pPr marL="0" indent="0">
+              <a:buNone/>
+            </a:pPr>
+            <a:r>
+              <a:rPr lang="fr-FR" dirty="0"/>
+              <a:t>Diagnostique une erreur avec </a:t>
+            </a:r>
+            <a:r>
+              <a:rPr lang="fr-FR" dirty="0" err="1"/>
+              <a:t>cypress</a:t>
+            </a:r>
+            <a:endParaRPr lang="fr-FR" dirty="0"/>
+          </a:p>
+          <a:p>
+            <a:pPr marL="0" indent="0">
+              <a:buNone/>
+            </a:pPr>
+            <a:endParaRPr lang="fr-FR" dirty="0"/>
+          </a:p>
+          <a:p>
+            <a:pPr marL="0" indent="0">
+              <a:buNone/>
+            </a:pPr>
+            <a:r>
+              <a:rPr lang="fr-FR" dirty="0" err="1"/>
+              <a:t>Selenium</a:t>
+            </a:r>
+            <a:r>
+              <a:rPr lang="fr-FR" dirty="0"/>
+              <a:t> : problème de code du test?, de production ? Coté server?</a:t>
+            </a:r>
+          </a:p>
+          <a:p>
+            <a:pPr marL="0" indent="0">
+              <a:buNone/>
+            </a:pPr>
+            <a:r>
+              <a:rPr lang="fr-FR" dirty="0"/>
+              <a:t>Impression de </a:t>
+            </a:r>
+            <a:r>
+              <a:rPr lang="fr-FR" dirty="0" err="1"/>
+              <a:t>flackeness</a:t>
+            </a:r>
+            <a:endParaRPr lang="fr-FR" dirty="0"/>
+          </a:p>
+        </p:txBody>
+      </p:sp>
+      <p:pic>
+        <p:nvPicPr>
+          <p:cNvPr id="4" name="Picture 3" descr="A close up of text on a white background&#10;&#10;Description automatically generated">
+            <a:extLst>
+              <a:ext uri="{FF2B5EF4-FFF2-40B4-BE49-F238E27FC236}">
+                <a16:creationId xmlns:a16="http://schemas.microsoft.com/office/drawing/2014/main" id="{D17C76B3-71F4-437E-826F-FBD6713CEC62}"/>
+              </a:ext>
+            </a:extLst>
+          </p:cNvPr>
+          <p:cNvPicPr>
+            <a:picLocks noChangeAspect="1"/>
+          </p:cNvPicPr>
+          <p:nvPr/>
+        </p:nvPicPr>
+        <p:blipFill>
+          <a:blip r:embed="rId2">
+            <a:extLst>
+              <a:ext uri="{28A0092B-C50C-407E-A947-70E740481C1C}">
+                <a14:useLocalDpi xmlns:a14="http://schemas.microsoft.com/office/drawing/2010/main" val="0"/>
+              </a:ext>
+            </a:extLst>
+          </a:blip>
+          <a:stretch>
+            <a:fillRect/>
+          </a:stretch>
+        </p:blipFill>
+        <p:spPr>
+          <a:xfrm>
+            <a:off x="6571566" y="3967644"/>
+            <a:ext cx="4487736" cy="2525231"/>
+          </a:xfrm>
+          <a:prstGeom prst="rect">
+            <a:avLst/>
+          </a:prstGeom>
+        </p:spPr>
+      </p:pic>
+    </p:spTree>
+    <p:extLst>
+      <p:ext uri="{BB962C8B-B14F-4D97-AF65-F5344CB8AC3E}">
+        <p14:creationId xmlns:p14="http://schemas.microsoft.com/office/powerpoint/2010/main" val="2493029583"/>
+      </p:ext>
+    </p:extLst>
+  </p:cSld>
+  <p:clrMapOvr>
+    <a:masterClrMapping/>
+  </p:clrMapOvr>
+</p:sld>
+</file>
+
+<file path=ppt/slides/slide14.xml><?xml version="1.0" encoding="utf-8"?>
+<p:sld xmlns:a="http://schemas.openxmlformats.org/drawingml/2006/main" xmlns:r="http://schemas.openxmlformats.org/officeDocument/2006/relationships" xmlns:p="http://schemas.openxmlformats.org/presentationml/2006/main">
+  <p:cSld>
+    <p:spTree>
+      <p:nvGrpSpPr>
+        <p:cNvPr id="1" name=""/>
+        <p:cNvGrpSpPr/>
+        <p:nvPr/>
+      </p:nvGrpSpPr>
+      <p:grpSpPr>
+        <a:xfrm>
+          <a:off x="0" y="0"/>
+          <a:ext cx="0" cy="0"/>
+          <a:chOff x="0" y="0"/>
+          <a:chExt cx="0" cy="0"/>
+        </a:xfrm>
+      </p:grpSpPr>
+      <p:sp>
+        <p:nvSpPr>
+          <p:cNvPr id="2" name="Title 1">
+            <a:extLst>
+              <a:ext uri="{FF2B5EF4-FFF2-40B4-BE49-F238E27FC236}">
+                <a16:creationId xmlns:a16="http://schemas.microsoft.com/office/drawing/2014/main" id="{05FA4F93-FB0D-4845-AD78-CD0A0F436332}"/>
+              </a:ext>
+            </a:extLst>
+          </p:cNvPr>
+          <p:cNvSpPr>
+            <a:spLocks noGrp="1"/>
+          </p:cNvSpPr>
+          <p:nvPr>
+            <p:ph type="title"/>
+          </p:nvPr>
+        </p:nvSpPr>
+        <p:spPr/>
+        <p:txBody>
+          <a:bodyPr/>
+          <a:lstStyle/>
+          <a:p>
+            <a:r>
+              <a:rPr lang="fr-FR" u="sng" dirty="0"/>
+              <a:t>IV) </a:t>
+            </a:r>
+            <a:r>
+              <a:rPr lang="fr-FR" u="sng" dirty="0" err="1"/>
+              <a:t>Features</a:t>
+            </a:r>
+            <a:r>
+              <a:rPr lang="fr-FR" u="sng" dirty="0"/>
+              <a:t> de </a:t>
+            </a:r>
+            <a:r>
+              <a:rPr lang="fr-FR" u="sng" dirty="0" err="1"/>
+              <a:t>cypress</a:t>
+            </a:r>
+            <a:endParaRPr lang="fr-FR" u="sng" dirty="0"/>
+          </a:p>
+        </p:txBody>
+      </p:sp>
+      <p:sp>
+        <p:nvSpPr>
+          <p:cNvPr id="3" name="Content Placeholder 2">
+            <a:extLst>
+              <a:ext uri="{FF2B5EF4-FFF2-40B4-BE49-F238E27FC236}">
+                <a16:creationId xmlns:a16="http://schemas.microsoft.com/office/drawing/2014/main" id="{CC88863A-5999-4B92-B196-6053018EE4AA}"/>
+              </a:ext>
+            </a:extLst>
+          </p:cNvPr>
+          <p:cNvSpPr>
+            <a:spLocks noGrp="1"/>
+          </p:cNvSpPr>
+          <p:nvPr>
+            <p:ph idx="1"/>
+          </p:nvPr>
+        </p:nvSpPr>
+        <p:spPr/>
+        <p:txBody>
+          <a:bodyPr/>
+          <a:lstStyle/>
+          <a:p>
+            <a:pPr marL="0" indent="0">
+              <a:buNone/>
+            </a:pPr>
+            <a:endParaRPr lang="fr-FR" dirty="0">
+              <a:solidFill>
+                <a:srgbClr val="0563C1"/>
+              </a:solidFill>
+              <a:hlinkClick r:id="rId2">
+                <a:extLst>
+                  <a:ext uri="{A12FA001-AC4F-418D-AE19-62706E023703}">
+                    <ahyp:hlinkClr xmlns:ahyp="http://schemas.microsoft.com/office/drawing/2018/hyperlinkcolor" val="tx"/>
+                  </a:ext>
+                </a:extLst>
+              </a:hlinkClick>
+            </a:endParaRPr>
+          </a:p>
+          <a:p>
+            <a:pPr marL="0" indent="0">
+              <a:buNone/>
+            </a:pPr>
+            <a:r>
+              <a:rPr lang="fr-FR" dirty="0">
+                <a:hlinkClick r:id="rId2">
+                  <a:extLst>
+                    <a:ext uri="{A12FA001-AC4F-418D-AE19-62706E023703}">
+                      <ahyp:hlinkClr xmlns:ahyp="http://schemas.microsoft.com/office/drawing/2018/hyperlinkcolor" val="tx"/>
+                    </a:ext>
+                  </a:extLst>
+                </a:hlinkClick>
+              </a:rPr>
+              <a:t>Library des plugins</a:t>
+            </a:r>
+          </a:p>
+          <a:p>
+            <a:pPr marL="0" indent="0">
+              <a:buNone/>
+            </a:pPr>
+            <a:r>
+              <a:rPr lang="fr-FR" dirty="0">
+                <a:solidFill>
+                  <a:srgbClr val="0563C1"/>
+                </a:solidFill>
+                <a:hlinkClick r:id="rId2">
+                  <a:extLst>
+                    <a:ext uri="{A12FA001-AC4F-418D-AE19-62706E023703}">
+                      <ahyp:hlinkClr xmlns:ahyp="http://schemas.microsoft.com/office/drawing/2018/hyperlinkcolor" val="tx"/>
+                    </a:ext>
+                  </a:extLst>
+                </a:hlinkClick>
+              </a:rPr>
+              <a:t>https://docs.cypress.io/plugins/</a:t>
+            </a:r>
+            <a:endParaRPr lang="fr-FR" dirty="0"/>
+          </a:p>
+          <a:p>
+            <a:pPr marL="0" indent="0">
+              <a:buNone/>
+            </a:pPr>
+            <a:endParaRPr lang="fr-FR" dirty="0"/>
+          </a:p>
+        </p:txBody>
+      </p:sp>
+    </p:spTree>
+    <p:extLst>
+      <p:ext uri="{BB962C8B-B14F-4D97-AF65-F5344CB8AC3E}">
+        <p14:creationId xmlns:p14="http://schemas.microsoft.com/office/powerpoint/2010/main" val="1547575731"/>
+      </p:ext>
+    </p:extLst>
+  </p:cSld>
+  <p:clrMapOvr>
+    <a:masterClrMapping/>
+  </p:clrMapOvr>
+</p:sld>
+</file>
+
+<file path=ppt/slides/slide15.xml><?xml version="1.0" encoding="utf-8"?>
+<p:sld xmlns:a="http://schemas.openxmlformats.org/drawingml/2006/main" xmlns:r="http://schemas.openxmlformats.org/officeDocument/2006/relationships" xmlns:p="http://schemas.openxmlformats.org/presentationml/2006/main">
+  <p:cSld>
+    <p:spTree>
+      <p:nvGrpSpPr>
+        <p:cNvPr id="1" name=""/>
+        <p:cNvGrpSpPr/>
+        <p:nvPr/>
+      </p:nvGrpSpPr>
+      <p:grpSpPr>
+        <a:xfrm>
+          <a:off x="0" y="0"/>
+          <a:ext cx="0" cy="0"/>
+          <a:chOff x="0" y="0"/>
+          <a:chExt cx="0" cy="0"/>
+        </a:xfrm>
+      </p:grpSpPr>
+      <p:sp>
+        <p:nvSpPr>
+          <p:cNvPr id="2" name="Title 1">
+            <a:extLst>
+              <a:ext uri="{FF2B5EF4-FFF2-40B4-BE49-F238E27FC236}">
+                <a16:creationId xmlns:a16="http://schemas.microsoft.com/office/drawing/2014/main" id="{ACE923D7-F829-423F-84DD-9C78662AC85E}"/>
+              </a:ext>
+            </a:extLst>
+          </p:cNvPr>
+          <p:cNvSpPr>
+            <a:spLocks noGrp="1"/>
+          </p:cNvSpPr>
+          <p:nvPr>
+            <p:ph type="title"/>
+          </p:nvPr>
+        </p:nvSpPr>
+        <p:spPr/>
+        <p:txBody>
+          <a:bodyPr/>
+          <a:lstStyle/>
+          <a:p>
+            <a:endParaRPr lang="fr-FR"/>
+          </a:p>
+        </p:txBody>
+      </p:sp>
+      <p:sp>
+        <p:nvSpPr>
+          <p:cNvPr id="3" name="Content Placeholder 2">
+            <a:extLst>
+              <a:ext uri="{FF2B5EF4-FFF2-40B4-BE49-F238E27FC236}">
+                <a16:creationId xmlns:a16="http://schemas.microsoft.com/office/drawing/2014/main" id="{19A28E86-8B70-4BCE-AD79-C2E438A8EDE9}"/>
+              </a:ext>
+            </a:extLst>
+          </p:cNvPr>
+          <p:cNvSpPr>
+            <a:spLocks noGrp="1"/>
+          </p:cNvSpPr>
+          <p:nvPr>
+            <p:ph idx="1"/>
+          </p:nvPr>
+        </p:nvSpPr>
+        <p:spPr/>
+        <p:txBody>
+          <a:bodyPr>
+            <a:normAutofit/>
+          </a:bodyPr>
+          <a:lstStyle/>
+          <a:p>
+            <a:pPr marL="0" indent="0">
+              <a:buNone/>
+            </a:pPr>
+            <a:r>
+              <a:rPr lang="fr-FR" dirty="0"/>
+              <a:t>1) Record tests </a:t>
+            </a:r>
+          </a:p>
+          <a:p>
+            <a:pPr marL="0" indent="0">
+              <a:buNone/>
+            </a:pPr>
+            <a:endParaRPr lang="fr-FR" dirty="0"/>
+          </a:p>
+          <a:p>
+            <a:pPr>
+              <a:buFontTx/>
+              <a:buChar char="-"/>
+            </a:pPr>
+            <a:r>
+              <a:rPr lang="fr-FR" dirty="0" err="1"/>
+              <a:t>Videos</a:t>
+            </a:r>
+            <a:endParaRPr lang="fr-FR" dirty="0"/>
+          </a:p>
+          <a:p>
+            <a:pPr>
+              <a:buFontTx/>
+              <a:buChar char="-"/>
+            </a:pPr>
+            <a:r>
+              <a:rPr lang="fr-FR" dirty="0" err="1"/>
+              <a:t>Cypress</a:t>
+            </a:r>
+            <a:r>
+              <a:rPr lang="fr-FR" dirty="0"/>
+              <a:t>-image-snapshot</a:t>
+            </a:r>
+          </a:p>
+          <a:p>
+            <a:endParaRPr lang="fr-FR" dirty="0"/>
+          </a:p>
+          <a:p>
+            <a:r>
+              <a:rPr lang="fr-FR" dirty="0"/>
+              <a:t>Utiliser </a:t>
+            </a:r>
+            <a:r>
+              <a:rPr lang="fr-FR" dirty="0" err="1"/>
+              <a:t>cy.ntlm</a:t>
+            </a:r>
+            <a:r>
+              <a:rPr lang="fr-FR" dirty="0"/>
+              <a:t> pour se loguer via l’authentification </a:t>
+            </a:r>
+            <a:r>
+              <a:rPr lang="fr-FR" dirty="0" err="1"/>
+              <a:t>windows</a:t>
+            </a:r>
+            <a:r>
+              <a:rPr lang="fr-FR" dirty="0"/>
+              <a:t> NTLM</a:t>
+            </a:r>
+          </a:p>
+          <a:p>
+            <a:endParaRPr lang="fr-FR" dirty="0"/>
+          </a:p>
+          <a:p>
+            <a:r>
+              <a:rPr lang="fr-FR" dirty="0"/>
+              <a:t>Vérifier un fichier à télécharger</a:t>
+            </a:r>
+          </a:p>
+          <a:p>
+            <a:pPr marL="0" indent="0">
+              <a:buNone/>
+            </a:pPr>
+            <a:endParaRPr lang="fr-FR" dirty="0"/>
+          </a:p>
+        </p:txBody>
+      </p:sp>
+    </p:spTree>
+    <p:extLst>
+      <p:ext uri="{BB962C8B-B14F-4D97-AF65-F5344CB8AC3E}">
+        <p14:creationId xmlns:p14="http://schemas.microsoft.com/office/powerpoint/2010/main" val="2493817114"/>
+      </p:ext>
+    </p:extLst>
+  </p:cSld>
+  <p:clrMapOvr>
+    <a:masterClrMapping/>
+  </p:clrMapOvr>
+</p:sld>
+</file>
+
+<file path=ppt/slides/slide16.xml><?xml version="1.0" encoding="utf-8"?>
+<p:sld xmlns:a="http://schemas.openxmlformats.org/drawingml/2006/main" xmlns:r="http://schemas.openxmlformats.org/officeDocument/2006/relationships" xmlns:p="http://schemas.openxmlformats.org/presentationml/2006/main">
+  <p:cSld>
+    <p:spTree>
+      <p:nvGrpSpPr>
+        <p:cNvPr id="1" name=""/>
+        <p:cNvGrpSpPr/>
+        <p:nvPr/>
+      </p:nvGrpSpPr>
+      <p:grpSpPr>
+        <a:xfrm>
+          <a:off x="0" y="0"/>
+          <a:ext cx="0" cy="0"/>
+          <a:chOff x="0" y="0"/>
+          <a:chExt cx="0" cy="0"/>
+        </a:xfrm>
+      </p:grpSpPr>
+      <p:sp>
+        <p:nvSpPr>
+          <p:cNvPr id="2" name="Title 1">
+            <a:extLst>
+              <a:ext uri="{FF2B5EF4-FFF2-40B4-BE49-F238E27FC236}">
+                <a16:creationId xmlns:a16="http://schemas.microsoft.com/office/drawing/2014/main" id="{61FA1841-EC43-4FD9-ACAE-A9DD8FD2662B}"/>
+              </a:ext>
+            </a:extLst>
+          </p:cNvPr>
+          <p:cNvSpPr>
+            <a:spLocks noGrp="1"/>
+          </p:cNvSpPr>
+          <p:nvPr>
+            <p:ph type="title"/>
+          </p:nvPr>
+        </p:nvSpPr>
+        <p:spPr/>
+        <p:txBody>
+          <a:bodyPr/>
+          <a:lstStyle/>
+          <a:p>
+            <a:endParaRPr lang="en-GB"/>
+          </a:p>
+        </p:txBody>
+      </p:sp>
+      <p:sp>
+        <p:nvSpPr>
+          <p:cNvPr id="3" name="Content Placeholder 2">
+            <a:extLst>
+              <a:ext uri="{FF2B5EF4-FFF2-40B4-BE49-F238E27FC236}">
+                <a16:creationId xmlns:a16="http://schemas.microsoft.com/office/drawing/2014/main" id="{5AD8DC50-34CC-457D-87FF-BDC3E2249931}"/>
+              </a:ext>
+            </a:extLst>
+          </p:cNvPr>
+          <p:cNvSpPr>
+            <a:spLocks noGrp="1"/>
+          </p:cNvSpPr>
+          <p:nvPr>
+            <p:ph idx="1"/>
+          </p:nvPr>
+        </p:nvSpPr>
+        <p:spPr/>
+        <p:txBody>
+          <a:bodyPr/>
+          <a:lstStyle/>
+          <a:p>
+            <a:endParaRPr lang="en-GB" dirty="0"/>
+          </a:p>
+          <a:p>
+            <a:endParaRPr lang="en-GB" dirty="0"/>
+          </a:p>
+          <a:p>
+            <a:pPr marL="0" indent="0" algn="ctr">
+              <a:buNone/>
+            </a:pPr>
+            <a:r>
+              <a:rPr lang="en-GB" sz="7200" dirty="0"/>
+              <a:t>DEMO</a:t>
+            </a:r>
+          </a:p>
+        </p:txBody>
+      </p:sp>
+    </p:spTree>
+    <p:extLst>
+      <p:ext uri="{BB962C8B-B14F-4D97-AF65-F5344CB8AC3E}">
+        <p14:creationId xmlns:p14="http://schemas.microsoft.com/office/powerpoint/2010/main" val="599123616"/>
+      </p:ext>
+    </p:extLst>
+  </p:cSld>
+  <p:clrMapOvr>
+    <a:masterClrMapping/>
+  </p:clrMapOvr>
+</p:sld>
+</file>
+
+<file path=ppt/slides/slide2.xml><?xml version="1.0" encoding="utf-8"?>
+<p:sld xmlns:a="http://schemas.openxmlformats.org/drawingml/2006/main" xmlns:r="http://schemas.openxmlformats.org/officeDocument/2006/relationships" xmlns:p="http://schemas.openxmlformats.org/presentationml/2006/main">
+  <p:cSld>
+    <p:spTree>
+      <p:nvGrpSpPr>
+        <p:cNvPr id="1" name=""/>
+        <p:cNvGrpSpPr/>
+        <p:nvPr/>
+      </p:nvGrpSpPr>
+      <p:grpSpPr>
+        <a:xfrm>
+          <a:off x="0" y="0"/>
+          <a:ext cx="0" cy="0"/>
+          <a:chOff x="0" y="0"/>
+          <a:chExt cx="0" cy="0"/>
+        </a:xfrm>
+      </p:grpSpPr>
+      <p:sp>
+        <p:nvSpPr>
+          <p:cNvPr id="2" name="Title 1">
+            <a:extLst>
+              <a:ext uri="{FF2B5EF4-FFF2-40B4-BE49-F238E27FC236}">
+                <a16:creationId xmlns:a16="http://schemas.microsoft.com/office/drawing/2014/main" id="{A426BFF0-147F-40CA-BD70-16098B2062BA}"/>
+              </a:ext>
+            </a:extLst>
+          </p:cNvPr>
+          <p:cNvSpPr>
+            <a:spLocks noGrp="1"/>
+          </p:cNvSpPr>
+          <p:nvPr>
+            <p:ph type="title"/>
+          </p:nvPr>
+        </p:nvSpPr>
+        <p:spPr>
+          <a:xfrm>
+            <a:off x="838200" y="365125"/>
+            <a:ext cx="10515600" cy="1162017"/>
+          </a:xfrm>
+        </p:spPr>
+        <p:txBody>
+          <a:bodyPr/>
+          <a:lstStyle/>
+          <a:p>
+            <a:r>
+              <a:rPr lang="fr-FR" dirty="0"/>
+              <a:t>I)  Un </a:t>
+            </a:r>
+            <a:r>
+              <a:rPr lang="fr-FR" dirty="0" err="1"/>
+              <a:t>framework</a:t>
+            </a:r>
+            <a:r>
+              <a:rPr lang="fr-FR" dirty="0"/>
+              <a:t> de test E2E, c’est quoi ? </a:t>
+            </a:r>
+          </a:p>
+        </p:txBody>
+      </p:sp>
+      <p:sp>
+        <p:nvSpPr>
+          <p:cNvPr id="3" name="Content Placeholder 2">
+            <a:extLst>
+              <a:ext uri="{FF2B5EF4-FFF2-40B4-BE49-F238E27FC236}">
+                <a16:creationId xmlns:a16="http://schemas.microsoft.com/office/drawing/2014/main" id="{1BD76F33-0CD5-48CC-BBB4-DDB18F39E19F}"/>
+              </a:ext>
+            </a:extLst>
+          </p:cNvPr>
+          <p:cNvSpPr>
+            <a:spLocks noGrp="1"/>
+          </p:cNvSpPr>
+          <p:nvPr>
+            <p:ph idx="1"/>
+          </p:nvPr>
+        </p:nvSpPr>
+        <p:spPr>
+          <a:xfrm>
+            <a:off x="838200" y="1847654"/>
+            <a:ext cx="10515600" cy="4329310"/>
+          </a:xfrm>
+        </p:spPr>
+        <p:txBody>
+          <a:bodyPr>
+            <a:normAutofit/>
+          </a:bodyPr>
+          <a:lstStyle/>
+          <a:p>
+            <a:endParaRPr lang="fr-FR" dirty="0"/>
+          </a:p>
+          <a:p>
+            <a:endParaRPr lang="fr-FR" dirty="0"/>
+          </a:p>
+          <a:p>
+            <a:endParaRPr lang="fr-FR" dirty="0"/>
+          </a:p>
+        </p:txBody>
+      </p:sp>
+      <p:sp>
+        <p:nvSpPr>
+          <p:cNvPr id="5" name="TextBox 4">
+            <a:extLst>
+              <a:ext uri="{FF2B5EF4-FFF2-40B4-BE49-F238E27FC236}">
+                <a16:creationId xmlns:a16="http://schemas.microsoft.com/office/drawing/2014/main" id="{0DF71488-C428-4941-8E53-F790FA34E85D}"/>
+              </a:ext>
+            </a:extLst>
+          </p:cNvPr>
+          <p:cNvSpPr txBox="1"/>
+          <p:nvPr/>
+        </p:nvSpPr>
+        <p:spPr>
+          <a:xfrm>
+            <a:off x="1291472" y="2017336"/>
+            <a:ext cx="9096866" cy="369332"/>
+          </a:xfrm>
+          <a:prstGeom prst="rect">
+            <a:avLst/>
+          </a:prstGeom>
+          <a:noFill/>
+        </p:spPr>
+        <p:txBody>
+          <a:bodyPr wrap="square" rtlCol="0">
+            <a:spAutoFit/>
+          </a:bodyPr>
+          <a:lstStyle/>
+          <a:p>
+            <a:pPr marL="285750" indent="-285750">
+              <a:buFont typeface="Wingdings" panose="05000000000000000000" pitchFamily="2" charset="2"/>
+              <a:buChar char="Ø"/>
+            </a:pPr>
+            <a:endParaRPr lang="en-GB" dirty="0"/>
+          </a:p>
+        </p:txBody>
+      </p:sp>
+      <p:pic>
+        <p:nvPicPr>
+          <p:cNvPr id="7" name="Picture 6" descr="A screenshot of a video game&#10;&#10;Description automatically generated">
+            <a:extLst>
+              <a:ext uri="{FF2B5EF4-FFF2-40B4-BE49-F238E27FC236}">
+                <a16:creationId xmlns:a16="http://schemas.microsoft.com/office/drawing/2014/main" id="{9FD233BA-E798-401A-B788-C00A05123002}"/>
+              </a:ext>
+            </a:extLst>
+          </p:cNvPr>
+          <p:cNvPicPr>
+            <a:picLocks noChangeAspect="1"/>
+          </p:cNvPicPr>
+          <p:nvPr/>
+        </p:nvPicPr>
+        <p:blipFill>
+          <a:blip r:embed="rId2">
+            <a:extLst>
+              <a:ext uri="{28A0092B-C50C-407E-A947-70E740481C1C}">
+                <a14:useLocalDpi xmlns:a14="http://schemas.microsoft.com/office/drawing/2010/main" val="0"/>
+              </a:ext>
+            </a:extLst>
+          </a:blip>
+          <a:stretch>
+            <a:fillRect/>
+          </a:stretch>
+        </p:blipFill>
+        <p:spPr>
+          <a:xfrm>
+            <a:off x="747725" y="2353591"/>
+            <a:ext cx="6685272" cy="4139284"/>
+          </a:xfrm>
+          <a:prstGeom prst="rect">
+            <a:avLst/>
+          </a:prstGeom>
+        </p:spPr>
+      </p:pic>
+      <p:sp>
+        <p:nvSpPr>
+          <p:cNvPr id="8" name="TextBox 7">
+            <a:extLst>
+              <a:ext uri="{FF2B5EF4-FFF2-40B4-BE49-F238E27FC236}">
+                <a16:creationId xmlns:a16="http://schemas.microsoft.com/office/drawing/2014/main" id="{F2A609FD-8118-4337-AF3C-15FBC613EB82}"/>
+              </a:ext>
+            </a:extLst>
+          </p:cNvPr>
+          <p:cNvSpPr txBox="1"/>
+          <p:nvPr/>
+        </p:nvSpPr>
+        <p:spPr>
+          <a:xfrm>
+            <a:off x="8135332" y="2620652"/>
+            <a:ext cx="3629320" cy="1477328"/>
+          </a:xfrm>
+          <a:prstGeom prst="rect">
+            <a:avLst/>
+          </a:prstGeom>
+          <a:noFill/>
+        </p:spPr>
+        <p:txBody>
+          <a:bodyPr wrap="square" rtlCol="0">
+            <a:spAutoFit/>
+          </a:bodyPr>
+          <a:lstStyle/>
+          <a:p>
+            <a:r>
+              <a:rPr lang="en-GB" dirty="0"/>
+              <a:t>Tests </a:t>
+            </a:r>
+            <a:r>
+              <a:rPr lang="en-GB" dirty="0" err="1"/>
+              <a:t>unitaires</a:t>
+            </a:r>
+            <a:r>
+              <a:rPr lang="en-GB" dirty="0"/>
+              <a:t> :  </a:t>
+            </a:r>
+            <a:r>
+              <a:rPr lang="en-GB" dirty="0" err="1"/>
+              <a:t>niveau</a:t>
+            </a:r>
+            <a:r>
+              <a:rPr lang="en-GB" dirty="0"/>
+              <a:t> </a:t>
+            </a:r>
+            <a:r>
+              <a:rPr lang="en-GB" dirty="0" err="1"/>
+              <a:t>fonction</a:t>
+            </a:r>
+            <a:endParaRPr lang="en-GB" dirty="0"/>
+          </a:p>
+          <a:p>
+            <a:r>
+              <a:rPr lang="en-GB" dirty="0"/>
+              <a:t>Test Integration : </a:t>
+            </a:r>
+            <a:r>
+              <a:rPr lang="en-GB" dirty="0" err="1"/>
+              <a:t>niveau</a:t>
+            </a:r>
+            <a:r>
+              <a:rPr lang="en-GB" dirty="0"/>
+              <a:t> component connection</a:t>
+            </a:r>
+          </a:p>
+          <a:p>
+            <a:r>
+              <a:rPr lang="en-GB" dirty="0"/>
+              <a:t>Test E2E : </a:t>
+            </a:r>
+            <a:r>
+              <a:rPr lang="en-GB" dirty="0" err="1"/>
+              <a:t>niveau</a:t>
+            </a:r>
+            <a:r>
+              <a:rPr lang="en-GB" dirty="0"/>
+              <a:t> application</a:t>
+            </a:r>
+          </a:p>
+          <a:p>
+            <a:endParaRPr lang="en-GB" dirty="0"/>
+          </a:p>
+        </p:txBody>
+      </p:sp>
+    </p:spTree>
+    <p:extLst>
+      <p:ext uri="{BB962C8B-B14F-4D97-AF65-F5344CB8AC3E}">
+        <p14:creationId xmlns:p14="http://schemas.microsoft.com/office/powerpoint/2010/main" val="98759267"/>
+      </p:ext>
+    </p:extLst>
+  </p:cSld>
+  <p:clrMapOvr>
+    <a:masterClrMapping/>
+  </p:clrMapOvr>
+</p:sld>
+</file>
+
+<file path=ppt/slides/slide3.xml><?xml version="1.0" encoding="utf-8"?>
+<p:sld xmlns:a="http://schemas.openxmlformats.org/drawingml/2006/main" xmlns:r="http://schemas.openxmlformats.org/officeDocument/2006/relationships" xmlns:p="http://schemas.openxmlformats.org/presentationml/2006/main">
+  <p:cSld>
+    <p:spTree>
+      <p:nvGrpSpPr>
+        <p:cNvPr id="1" name=""/>
+        <p:cNvGrpSpPr/>
+        <p:nvPr/>
+      </p:nvGrpSpPr>
+      <p:grpSpPr>
+        <a:xfrm>
+          <a:off x="0" y="0"/>
+          <a:ext cx="0" cy="0"/>
+          <a:chOff x="0" y="0"/>
+          <a:chExt cx="0" cy="0"/>
+        </a:xfrm>
+      </p:grpSpPr>
+      <p:sp>
+        <p:nvSpPr>
+          <p:cNvPr id="2" name="Title 1">
+            <a:extLst>
+              <a:ext uri="{FF2B5EF4-FFF2-40B4-BE49-F238E27FC236}">
+                <a16:creationId xmlns:a16="http://schemas.microsoft.com/office/drawing/2014/main" id="{4C945C6E-63FE-4EB1-800D-0F9685470C5E}"/>
+              </a:ext>
+            </a:extLst>
+          </p:cNvPr>
+          <p:cNvSpPr>
+            <a:spLocks noGrp="1"/>
+          </p:cNvSpPr>
+          <p:nvPr>
+            <p:ph type="title"/>
+          </p:nvPr>
+        </p:nvSpPr>
+        <p:spPr>
+          <a:xfrm>
+            <a:off x="838200" y="153041"/>
+            <a:ext cx="10515600" cy="1325563"/>
+          </a:xfrm>
+        </p:spPr>
+        <p:txBody>
+          <a:bodyPr/>
+          <a:lstStyle/>
+          <a:p>
+            <a:r>
+              <a:rPr lang="en-GB" dirty="0"/>
+              <a:t>Conception d’un framework E2E :</a:t>
+            </a:r>
+          </a:p>
+        </p:txBody>
+      </p:sp>
+      <p:sp>
+        <p:nvSpPr>
+          <p:cNvPr id="3" name="Content Placeholder 2">
+            <a:extLst>
+              <a:ext uri="{FF2B5EF4-FFF2-40B4-BE49-F238E27FC236}">
+                <a16:creationId xmlns:a16="http://schemas.microsoft.com/office/drawing/2014/main" id="{06105B5E-5E71-406F-BE20-914331649AE9}"/>
+              </a:ext>
+            </a:extLst>
+          </p:cNvPr>
+          <p:cNvSpPr>
+            <a:spLocks noGrp="1"/>
+          </p:cNvSpPr>
+          <p:nvPr>
+            <p:ph idx="1"/>
+          </p:nvPr>
+        </p:nvSpPr>
+        <p:spPr>
+          <a:xfrm>
+            <a:off x="838200" y="1478604"/>
+            <a:ext cx="10515600" cy="4698359"/>
+          </a:xfrm>
+        </p:spPr>
+        <p:txBody>
+          <a:bodyPr/>
+          <a:lstStyle/>
+          <a:p>
+            <a:pPr marL="0" indent="0">
+              <a:buNone/>
+            </a:pPr>
+            <a:endParaRPr lang="en-GB" sz="2400" dirty="0"/>
+          </a:p>
+          <a:p>
+            <a:pPr>
+              <a:buFontTx/>
+              <a:buChar char="-"/>
+            </a:pPr>
+            <a:r>
+              <a:rPr lang="en-GB" sz="2400" dirty="0"/>
+              <a:t>challenge de </a:t>
+            </a:r>
+            <a:r>
+              <a:rPr lang="en-GB" sz="2400" dirty="0" err="1"/>
+              <a:t>rapidité</a:t>
+            </a:r>
+            <a:r>
+              <a:rPr lang="en-GB" sz="2400" dirty="0"/>
+              <a:t>, end-to-end tests </a:t>
+            </a:r>
+            <a:r>
+              <a:rPr lang="en-GB" sz="2400" dirty="0" err="1"/>
+              <a:t>sont</a:t>
+            </a:r>
+            <a:r>
+              <a:rPr lang="en-GB" sz="2400" dirty="0"/>
+              <a:t> </a:t>
+            </a:r>
+            <a:r>
+              <a:rPr lang="en-GB" sz="2400" dirty="0" err="1"/>
+              <a:t>souvent</a:t>
+            </a:r>
+            <a:r>
+              <a:rPr lang="en-GB" sz="2400" dirty="0"/>
+              <a:t> </a:t>
+            </a:r>
+            <a:r>
+              <a:rPr lang="en-GB" sz="2400" dirty="0" err="1"/>
+              <a:t>tres</a:t>
+            </a:r>
+            <a:r>
+              <a:rPr lang="en-GB" sz="2400" dirty="0"/>
+              <a:t> lent à </a:t>
+            </a:r>
+            <a:r>
+              <a:rPr lang="en-GB" sz="2400" dirty="0" err="1"/>
+              <a:t>s’executer</a:t>
+            </a:r>
+            <a:endParaRPr lang="en-GB" sz="2400" dirty="0"/>
+          </a:p>
+          <a:p>
+            <a:pPr>
+              <a:buFontTx/>
+              <a:buChar char="-"/>
+            </a:pPr>
+            <a:r>
+              <a:rPr lang="en-GB" sz="2400" dirty="0"/>
+              <a:t>UI break test</a:t>
+            </a:r>
+          </a:p>
+          <a:p>
+            <a:pPr>
+              <a:buFontTx/>
+              <a:buChar char="-"/>
+            </a:pPr>
+            <a:r>
+              <a:rPr lang="en-GB" sz="2400" dirty="0" err="1"/>
+              <a:t>Choisir</a:t>
+            </a:r>
+            <a:r>
+              <a:rPr lang="en-GB" sz="2400" dirty="0"/>
+              <a:t> les bons selectors</a:t>
+            </a:r>
+          </a:p>
+          <a:p>
+            <a:pPr>
+              <a:buFontTx/>
+              <a:buChar char="-"/>
+            </a:pPr>
+            <a:endParaRPr lang="en-GB" dirty="0"/>
+          </a:p>
+        </p:txBody>
+      </p:sp>
+      <p:pic>
+        <p:nvPicPr>
+          <p:cNvPr id="5" name="Picture 4" descr="A screenshot of a cell phone&#10;&#10;Description automatically generated">
+            <a:extLst>
+              <a:ext uri="{FF2B5EF4-FFF2-40B4-BE49-F238E27FC236}">
+                <a16:creationId xmlns:a16="http://schemas.microsoft.com/office/drawing/2014/main" id="{5FAE02A4-CF18-41D7-8CA0-E1EFF28A366B}"/>
+              </a:ext>
+            </a:extLst>
+          </p:cNvPr>
+          <p:cNvPicPr>
+            <a:picLocks noChangeAspect="1"/>
+          </p:cNvPicPr>
+          <p:nvPr/>
+        </p:nvPicPr>
+        <p:blipFill>
+          <a:blip r:embed="rId2">
+            <a:extLst>
+              <a:ext uri="{28A0092B-C50C-407E-A947-70E740481C1C}">
+                <a14:useLocalDpi xmlns:a14="http://schemas.microsoft.com/office/drawing/2010/main" val="0"/>
+              </a:ext>
+            </a:extLst>
+          </a:blip>
+          <a:stretch>
+            <a:fillRect/>
+          </a:stretch>
+        </p:blipFill>
+        <p:spPr>
+          <a:xfrm>
+            <a:off x="2736900" y="3770722"/>
+            <a:ext cx="7838294" cy="2609032"/>
+          </a:xfrm>
+          <a:prstGeom prst="rect">
+            <a:avLst/>
+          </a:prstGeom>
+        </p:spPr>
+      </p:pic>
+    </p:spTree>
+    <p:extLst>
+      <p:ext uri="{BB962C8B-B14F-4D97-AF65-F5344CB8AC3E}">
+        <p14:creationId xmlns:p14="http://schemas.microsoft.com/office/powerpoint/2010/main" val="2681394807"/>
+      </p:ext>
+    </p:extLst>
+  </p:cSld>
+  <p:clrMapOvr>
+    <a:masterClrMapping/>
+  </p:clrMapOvr>
+</p:sld>
+</file>
+
+<file path=ppt/slides/slide4.xml><?xml version="1.0" encoding="utf-8"?>
+<p:sld xmlns:a="http://schemas.openxmlformats.org/drawingml/2006/main" xmlns:r="http://schemas.openxmlformats.org/officeDocument/2006/relationships" xmlns:p="http://schemas.openxmlformats.org/presentationml/2006/main">
+  <p:cSld>
+    <p:spTree>
+      <p:nvGrpSpPr>
+        <p:cNvPr id="1" name=""/>
+        <p:cNvGrpSpPr/>
+        <p:nvPr/>
+      </p:nvGrpSpPr>
+      <p:grpSpPr>
+        <a:xfrm>
+          <a:off x="0" y="0"/>
+          <a:ext cx="0" cy="0"/>
+          <a:chOff x="0" y="0"/>
+          <a:chExt cx="0" cy="0"/>
+        </a:xfrm>
+      </p:grpSpPr>
+      <p:sp>
+        <p:nvSpPr>
+          <p:cNvPr id="2" name="Title 1">
+            <a:extLst>
+              <a:ext uri="{FF2B5EF4-FFF2-40B4-BE49-F238E27FC236}">
+                <a16:creationId xmlns:a16="http://schemas.microsoft.com/office/drawing/2014/main" id="{EE551FF0-C5AA-4BFC-AC6F-C92BA92207D1}"/>
+              </a:ext>
+            </a:extLst>
+          </p:cNvPr>
+          <p:cNvSpPr>
+            <a:spLocks noGrp="1"/>
+          </p:cNvSpPr>
+          <p:nvPr>
+            <p:ph type="title"/>
+          </p:nvPr>
+        </p:nvSpPr>
+        <p:spPr/>
+        <p:txBody>
+          <a:bodyPr/>
+          <a:lstStyle/>
+          <a:p>
+            <a:r>
+              <a:rPr lang="en-GB" dirty="0" err="1"/>
+              <a:t>Avantages</a:t>
+            </a:r>
+            <a:r>
+              <a:rPr lang="en-GB" dirty="0"/>
+              <a:t> d’un framework de tests </a:t>
+            </a:r>
+            <a:r>
+              <a:rPr lang="en-GB" dirty="0" err="1"/>
+              <a:t>automatisés</a:t>
+            </a:r>
+            <a:r>
+              <a:rPr lang="en-GB" dirty="0"/>
+              <a:t> :</a:t>
+            </a:r>
+          </a:p>
+        </p:txBody>
+      </p:sp>
+      <p:sp>
+        <p:nvSpPr>
+          <p:cNvPr id="8" name="Content Placeholder 7">
+            <a:extLst>
+              <a:ext uri="{FF2B5EF4-FFF2-40B4-BE49-F238E27FC236}">
+                <a16:creationId xmlns:a16="http://schemas.microsoft.com/office/drawing/2014/main" id="{891F9246-1F9E-49B8-87D2-50751E62665D}"/>
+              </a:ext>
+            </a:extLst>
+          </p:cNvPr>
+          <p:cNvSpPr>
+            <a:spLocks noGrp="1"/>
+          </p:cNvSpPr>
+          <p:nvPr>
+            <p:ph idx="1"/>
+          </p:nvPr>
+        </p:nvSpPr>
+        <p:spPr>
+          <a:xfrm>
+            <a:off x="972766" y="1819307"/>
+            <a:ext cx="10515600" cy="4351338"/>
+          </a:xfrm>
+        </p:spPr>
+        <p:txBody>
+          <a:bodyPr/>
+          <a:lstStyle/>
+          <a:p>
+            <a:pPr marL="514350" indent="-514350">
+              <a:buAutoNum type="arabicPeriod"/>
+            </a:pPr>
+            <a:r>
+              <a:rPr lang="en-GB" dirty="0" err="1"/>
+              <a:t>Reutilisabilité</a:t>
+            </a:r>
+            <a:r>
+              <a:rPr lang="en-GB" dirty="0"/>
+              <a:t> du code</a:t>
+            </a:r>
+          </a:p>
+          <a:p>
+            <a:pPr marL="514350" indent="-514350">
+              <a:buAutoNum type="arabicPeriod"/>
+            </a:pPr>
+            <a:r>
+              <a:rPr lang="en-GB" dirty="0"/>
+              <a:t>Couverture de test </a:t>
+            </a:r>
+            <a:r>
+              <a:rPr lang="en-GB" dirty="0" err="1"/>
+              <a:t>maximale</a:t>
+            </a:r>
+            <a:endParaRPr lang="en-GB" dirty="0"/>
+          </a:p>
+          <a:p>
+            <a:pPr marL="514350" indent="-514350">
+              <a:buAutoNum type="arabicPeriod"/>
+            </a:pPr>
+            <a:r>
+              <a:rPr lang="en-GB" dirty="0"/>
+              <a:t>Scenario business-cases</a:t>
+            </a:r>
+          </a:p>
+          <a:p>
+            <a:pPr marL="514350" indent="-514350">
+              <a:buAutoNum type="arabicPeriod"/>
+            </a:pPr>
+            <a:r>
+              <a:rPr lang="en-GB" dirty="0" err="1"/>
+              <a:t>Faible</a:t>
+            </a:r>
+            <a:r>
+              <a:rPr lang="en-GB" dirty="0"/>
+              <a:t> </a:t>
+            </a:r>
+            <a:r>
+              <a:rPr lang="en-GB" dirty="0" err="1"/>
+              <a:t>coût</a:t>
+            </a:r>
+            <a:r>
+              <a:rPr lang="en-GB" dirty="0"/>
+              <a:t> de maintenance</a:t>
+            </a:r>
+          </a:p>
+          <a:p>
+            <a:pPr marL="514350" indent="-514350">
+              <a:buAutoNum type="arabicPeriod"/>
+            </a:pPr>
+            <a:r>
+              <a:rPr lang="en-GB" dirty="0"/>
+              <a:t>Intervention </a:t>
+            </a:r>
+            <a:r>
+              <a:rPr lang="en-GB" dirty="0" err="1"/>
+              <a:t>manuel</a:t>
+            </a:r>
+            <a:r>
+              <a:rPr lang="en-GB" dirty="0"/>
+              <a:t> </a:t>
+            </a:r>
+            <a:r>
+              <a:rPr lang="en-GB" dirty="0" err="1"/>
+              <a:t>minime</a:t>
+            </a:r>
+            <a:endParaRPr lang="en-GB" dirty="0"/>
+          </a:p>
+          <a:p>
+            <a:pPr marL="514350" indent="-514350">
+              <a:buAutoNum type="arabicPeriod"/>
+            </a:pPr>
+            <a:r>
+              <a:rPr lang="en-GB" dirty="0" err="1"/>
+              <a:t>Facilité</a:t>
+            </a:r>
+            <a:r>
+              <a:rPr lang="en-GB" dirty="0"/>
+              <a:t> de rapport de bugs</a:t>
+            </a:r>
+          </a:p>
+        </p:txBody>
+      </p:sp>
+    </p:spTree>
+    <p:extLst>
+      <p:ext uri="{BB962C8B-B14F-4D97-AF65-F5344CB8AC3E}">
+        <p14:creationId xmlns:p14="http://schemas.microsoft.com/office/powerpoint/2010/main" val="1536928190"/>
+      </p:ext>
+    </p:extLst>
+  </p:cSld>
+  <p:clrMapOvr>
+    <a:masterClrMapping/>
+  </p:clrMapOvr>
+</p:sld>
+</file>
+
+<file path=ppt/slides/slide5.xml><?xml version="1.0" encoding="utf-8"?>
+<p:sld xmlns:a="http://schemas.openxmlformats.org/drawingml/2006/main" xmlns:r="http://schemas.openxmlformats.org/officeDocument/2006/relationships" xmlns:p="http://schemas.openxmlformats.org/presentationml/2006/main">
+  <p:cSld>
+    <p:spTree>
+      <p:nvGrpSpPr>
+        <p:cNvPr id="1" name=""/>
+        <p:cNvGrpSpPr/>
+        <p:nvPr/>
+      </p:nvGrpSpPr>
+      <p:grpSpPr>
+        <a:xfrm>
+          <a:off x="0" y="0"/>
+          <a:ext cx="0" cy="0"/>
+          <a:chOff x="0" y="0"/>
+          <a:chExt cx="0" cy="0"/>
+        </a:xfrm>
+      </p:grpSpPr>
+      <p:sp>
+        <p:nvSpPr>
+          <p:cNvPr id="2" name="Title 1">
+            <a:extLst>
+              <a:ext uri="{FF2B5EF4-FFF2-40B4-BE49-F238E27FC236}">
+                <a16:creationId xmlns:a16="http://schemas.microsoft.com/office/drawing/2014/main" id="{9A15A9A9-A28B-4800-8F9B-FD7D9BC847C0}"/>
+              </a:ext>
+            </a:extLst>
+          </p:cNvPr>
+          <p:cNvSpPr>
+            <a:spLocks noGrp="1"/>
+          </p:cNvSpPr>
+          <p:nvPr>
+            <p:ph type="title"/>
+          </p:nvPr>
+        </p:nvSpPr>
+        <p:spPr/>
+        <p:txBody>
+          <a:bodyPr/>
+          <a:lstStyle/>
+          <a:p>
+            <a:r>
+              <a:rPr lang="en-GB" dirty="0"/>
+              <a:t>Cypress </a:t>
+            </a:r>
+          </a:p>
+        </p:txBody>
+      </p:sp>
+      <p:sp>
+        <p:nvSpPr>
+          <p:cNvPr id="3" name="Content Placeholder 2">
+            <a:extLst>
+              <a:ext uri="{FF2B5EF4-FFF2-40B4-BE49-F238E27FC236}">
+                <a16:creationId xmlns:a16="http://schemas.microsoft.com/office/drawing/2014/main" id="{2D1CD9CF-7FCC-4366-AF1E-EB80D693CEE0}"/>
+              </a:ext>
+            </a:extLst>
+          </p:cNvPr>
+          <p:cNvSpPr>
+            <a:spLocks noGrp="1"/>
+          </p:cNvSpPr>
+          <p:nvPr>
+            <p:ph idx="1"/>
+          </p:nvPr>
+        </p:nvSpPr>
+        <p:spPr/>
+        <p:txBody>
+          <a:bodyPr>
+            <a:normAutofit/>
+          </a:bodyPr>
+          <a:lstStyle/>
+          <a:p>
+            <a:r>
+              <a:rPr lang="fr-FR" dirty="0"/>
+              <a:t>Javascript end-to-end </a:t>
+            </a:r>
+            <a:r>
+              <a:rPr lang="fr-FR" dirty="0" err="1"/>
+              <a:t>testing</a:t>
+            </a:r>
+            <a:r>
+              <a:rPr lang="fr-FR" dirty="0"/>
+              <a:t> </a:t>
+            </a:r>
+            <a:r>
+              <a:rPr lang="fr-FR" dirty="0" err="1"/>
+              <a:t>framework</a:t>
+            </a:r>
+            <a:r>
+              <a:rPr lang="fr-FR" dirty="0"/>
+              <a:t>, parfait pour </a:t>
+            </a:r>
+            <a:r>
+              <a:rPr lang="fr-FR" dirty="0" err="1"/>
+              <a:t>angular</a:t>
+            </a:r>
+            <a:r>
+              <a:rPr lang="fr-FR" dirty="0"/>
+              <a:t>, </a:t>
+            </a:r>
+            <a:r>
+              <a:rPr lang="fr-FR" dirty="0" err="1"/>
+              <a:t>react</a:t>
+            </a:r>
+            <a:r>
+              <a:rPr lang="fr-FR" dirty="0"/>
+              <a:t> et vue</a:t>
+            </a:r>
+          </a:p>
+          <a:p>
+            <a:pPr marL="0" indent="0">
+              <a:buNone/>
+            </a:pPr>
+            <a:endParaRPr lang="fr-FR" dirty="0"/>
+          </a:p>
+          <a:p>
+            <a:r>
+              <a:rPr lang="fr-FR" dirty="0"/>
+              <a:t>Basé sur plusieurs open-source </a:t>
+            </a:r>
+            <a:r>
+              <a:rPr lang="fr-FR" dirty="0" err="1"/>
+              <a:t>testing</a:t>
+            </a:r>
+            <a:r>
+              <a:rPr lang="fr-FR" dirty="0"/>
+              <a:t> </a:t>
+            </a:r>
+            <a:r>
+              <a:rPr lang="fr-FR" dirty="0" err="1"/>
+              <a:t>library</a:t>
+            </a:r>
+            <a:r>
+              <a:rPr lang="fr-FR" dirty="0"/>
+              <a:t> (</a:t>
+            </a:r>
+            <a:r>
+              <a:rPr lang="fr-FR" sz="2600" dirty="0"/>
+              <a:t>Mocha, Chai, Chai-jQuery, </a:t>
+            </a:r>
+            <a:r>
+              <a:rPr lang="fr-FR" sz="2600" dirty="0" err="1"/>
+              <a:t>SinonJS</a:t>
+            </a:r>
+            <a:r>
+              <a:rPr lang="fr-FR" sz="2600" dirty="0"/>
+              <a:t> …</a:t>
+            </a:r>
+            <a:r>
+              <a:rPr lang="fr-FR" dirty="0"/>
+              <a:t>)</a:t>
+            </a:r>
+          </a:p>
+          <a:p>
+            <a:pPr marL="0" indent="0">
+              <a:buNone/>
+            </a:pPr>
+            <a:endParaRPr lang="fr-FR" dirty="0"/>
+          </a:p>
+          <a:p>
+            <a:r>
+              <a:rPr lang="fr-FR" dirty="0"/>
+              <a:t> Gratuit (sauf </a:t>
+            </a:r>
+            <a:r>
+              <a:rPr lang="fr-FR" dirty="0" err="1"/>
+              <a:t>dashboard</a:t>
+            </a:r>
+            <a:r>
+              <a:rPr lang="fr-FR" dirty="0"/>
+              <a:t> service) &amp; open-source</a:t>
+            </a:r>
+          </a:p>
+          <a:p>
+            <a:pPr marL="0" indent="0">
+              <a:buNone/>
+            </a:pPr>
+            <a:endParaRPr lang="fr-FR" dirty="0"/>
+          </a:p>
+          <a:p>
+            <a:r>
+              <a:rPr lang="fr-FR" dirty="0"/>
+              <a:t>Compatible avec chrome, </a:t>
+            </a:r>
+            <a:r>
+              <a:rPr lang="fr-FR" dirty="0" err="1"/>
+              <a:t>edge</a:t>
+            </a:r>
+            <a:r>
+              <a:rPr lang="fr-FR" dirty="0"/>
+              <a:t> et </a:t>
+            </a:r>
+            <a:r>
+              <a:rPr lang="fr-FR" dirty="0" err="1"/>
+              <a:t>firefox</a:t>
+            </a:r>
+            <a:r>
+              <a:rPr lang="fr-FR" dirty="0"/>
+              <a:t>(beta) </a:t>
+            </a:r>
+          </a:p>
+          <a:p>
+            <a:endParaRPr lang="en-GB" dirty="0"/>
+          </a:p>
+        </p:txBody>
+      </p:sp>
+    </p:spTree>
+    <p:extLst>
+      <p:ext uri="{BB962C8B-B14F-4D97-AF65-F5344CB8AC3E}">
+        <p14:creationId xmlns:p14="http://schemas.microsoft.com/office/powerpoint/2010/main" val="1952024970"/>
+      </p:ext>
+    </p:extLst>
+  </p:cSld>
+  <p:clrMapOvr>
+    <a:masterClrMapping/>
+  </p:clrMapOvr>
+</p:sld>
+</file>
+
+<file path=ppt/slides/slide6.xml><?xml version="1.0" encoding="utf-8"?>
+<p:sld xmlns:a="http://schemas.openxmlformats.org/drawingml/2006/main" xmlns:r="http://schemas.openxmlformats.org/officeDocument/2006/relationships" xmlns:p="http://schemas.openxmlformats.org/presentationml/2006/main">
+  <p:cSld>
+    <p:spTree>
+      <p:nvGrpSpPr>
+        <p:cNvPr id="1" name=""/>
+        <p:cNvGrpSpPr/>
+        <p:nvPr/>
+      </p:nvGrpSpPr>
+      <p:grpSpPr>
+        <a:xfrm>
+          <a:off x="0" y="0"/>
+          <a:ext cx="0" cy="0"/>
+          <a:chOff x="0" y="0"/>
+          <a:chExt cx="0" cy="0"/>
+        </a:xfrm>
+      </p:grpSpPr>
+      <p:sp>
+        <p:nvSpPr>
+          <p:cNvPr id="2" name="Title 1">
+            <a:extLst>
+              <a:ext uri="{FF2B5EF4-FFF2-40B4-BE49-F238E27FC236}">
+                <a16:creationId xmlns:a16="http://schemas.microsoft.com/office/drawing/2014/main" id="{27266A42-F390-4586-B842-B12DC5EA6D6E}"/>
+              </a:ext>
+            </a:extLst>
+          </p:cNvPr>
+          <p:cNvSpPr>
+            <a:spLocks noGrp="1"/>
+          </p:cNvSpPr>
+          <p:nvPr>
+            <p:ph type="title"/>
+          </p:nvPr>
+        </p:nvSpPr>
+        <p:spPr/>
+        <p:txBody>
+          <a:bodyPr/>
+          <a:lstStyle/>
+          <a:p>
+            <a:r>
+              <a:rPr lang="en-GB" dirty="0"/>
+              <a:t>II) </a:t>
+            </a:r>
+            <a:r>
+              <a:rPr lang="en-GB" dirty="0" err="1"/>
+              <a:t>Historique</a:t>
+            </a:r>
+            <a:r>
+              <a:rPr lang="en-GB" dirty="0"/>
+              <a:t> du framework Cypress</a:t>
+            </a:r>
+          </a:p>
+        </p:txBody>
+      </p:sp>
+      <p:sp>
+        <p:nvSpPr>
+          <p:cNvPr id="3" name="Content Placeholder 2">
+            <a:extLst>
+              <a:ext uri="{FF2B5EF4-FFF2-40B4-BE49-F238E27FC236}">
+                <a16:creationId xmlns:a16="http://schemas.microsoft.com/office/drawing/2014/main" id="{19521DC8-F581-4D6A-BF2C-E96A20CDBF7D}"/>
+              </a:ext>
+            </a:extLst>
+          </p:cNvPr>
+          <p:cNvSpPr>
+            <a:spLocks noGrp="1"/>
+          </p:cNvSpPr>
+          <p:nvPr>
+            <p:ph idx="1"/>
+          </p:nvPr>
+        </p:nvSpPr>
+        <p:spPr/>
+        <p:txBody>
+          <a:bodyPr/>
+          <a:lstStyle/>
+          <a:p>
+            <a:r>
+              <a:rPr lang="fr-FR" dirty="0"/>
+              <a:t> Projet initié par Brian Mann en 2014 (après sondage aux développeurs)</a:t>
+            </a:r>
+          </a:p>
+          <a:p>
+            <a:endParaRPr lang="fr-FR" dirty="0"/>
+          </a:p>
+          <a:p>
+            <a:r>
+              <a:rPr lang="fr-FR" dirty="0"/>
+              <a:t>1</a:t>
+            </a:r>
+            <a:r>
+              <a:rPr lang="fr-FR" baseline="30000" dirty="0"/>
+              <a:t>er</a:t>
+            </a:r>
+            <a:r>
+              <a:rPr lang="fr-FR" dirty="0"/>
+              <a:t> release en 2018</a:t>
+            </a:r>
+          </a:p>
+          <a:p>
+            <a:endParaRPr lang="en-GB" dirty="0"/>
+          </a:p>
+        </p:txBody>
+      </p:sp>
+    </p:spTree>
+    <p:extLst>
+      <p:ext uri="{BB962C8B-B14F-4D97-AF65-F5344CB8AC3E}">
+        <p14:creationId xmlns:p14="http://schemas.microsoft.com/office/powerpoint/2010/main" val="1157131936"/>
+      </p:ext>
+    </p:extLst>
+  </p:cSld>
+  <p:clrMapOvr>
+    <a:masterClrMapping/>
+  </p:clrMapOvr>
+</p:sld>
+</file>
+
+<file path=ppt/slides/slide7.xml><?xml version="1.0" encoding="utf-8"?>
+<p:sld xmlns:a="http://schemas.openxmlformats.org/drawingml/2006/main" xmlns:r="http://schemas.openxmlformats.org/officeDocument/2006/relationships" xmlns:p="http://schemas.openxmlformats.org/presentationml/2006/main">
+  <p:cSld>
+    <p:spTree>
+      <p:nvGrpSpPr>
+        <p:cNvPr id="1" name=""/>
+        <p:cNvGrpSpPr/>
+        <p:nvPr/>
+      </p:nvGrpSpPr>
+      <p:grpSpPr>
+        <a:xfrm>
+          <a:off x="0" y="0"/>
+          <a:ext cx="0" cy="0"/>
+          <a:chOff x="0" y="0"/>
+          <a:chExt cx="0" cy="0"/>
+        </a:xfrm>
+      </p:grpSpPr>
+      <p:pic>
+        <p:nvPicPr>
+          <p:cNvPr id="4" name="Content Placeholder 3">
+            <a:extLst>
+              <a:ext uri="{FF2B5EF4-FFF2-40B4-BE49-F238E27FC236}">
+                <a16:creationId xmlns:a16="http://schemas.microsoft.com/office/drawing/2014/main" id="{C96FEC96-868B-45BF-85DA-1CA417F3D840}"/>
+              </a:ext>
+            </a:extLst>
+          </p:cNvPr>
+          <p:cNvPicPr>
+            <a:picLocks noGrp="1" noChangeAspect="1"/>
+          </p:cNvPicPr>
+          <p:nvPr>
+            <p:ph idx="1"/>
+          </p:nvPr>
+        </p:nvPicPr>
+        <p:blipFill>
+          <a:blip r:embed="rId2"/>
+          <a:stretch>
+            <a:fillRect/>
+          </a:stretch>
+        </p:blipFill>
+        <p:spPr>
+          <a:xfrm>
+            <a:off x="2308115" y="2927085"/>
+            <a:ext cx="5694263" cy="2504003"/>
+          </a:xfrm>
+          <a:prstGeom prst="rect">
+            <a:avLst/>
+          </a:prstGeom>
+        </p:spPr>
+      </p:pic>
+      <p:sp>
+        <p:nvSpPr>
+          <p:cNvPr id="6" name="Title 1">
+            <a:extLst>
+              <a:ext uri="{FF2B5EF4-FFF2-40B4-BE49-F238E27FC236}">
+                <a16:creationId xmlns:a16="http://schemas.microsoft.com/office/drawing/2014/main" id="{724F6A45-7917-46B9-9EA2-BF03C39BBD24}"/>
+              </a:ext>
+            </a:extLst>
+          </p:cNvPr>
+          <p:cNvSpPr>
+            <a:spLocks noGrp="1"/>
+          </p:cNvSpPr>
+          <p:nvPr>
+            <p:ph type="title"/>
+          </p:nvPr>
+        </p:nvSpPr>
+        <p:spPr>
+          <a:xfrm>
+            <a:off x="1113621" y="442244"/>
+            <a:ext cx="10515600" cy="1325563"/>
+          </a:xfrm>
+        </p:spPr>
+        <p:txBody>
+          <a:bodyPr/>
+          <a:lstStyle/>
+          <a:p>
+            <a:r>
+              <a:rPr lang="fr-FR" dirty="0"/>
+              <a:t>La popularité du </a:t>
+            </a:r>
+            <a:r>
+              <a:rPr lang="fr-FR" dirty="0" err="1"/>
+              <a:t>framework</a:t>
+            </a:r>
+            <a:endParaRPr lang="fr-FR" dirty="0"/>
+          </a:p>
+        </p:txBody>
+      </p:sp>
+      <p:sp>
+        <p:nvSpPr>
+          <p:cNvPr id="2" name="TextBox 1">
+            <a:extLst>
+              <a:ext uri="{FF2B5EF4-FFF2-40B4-BE49-F238E27FC236}">
+                <a16:creationId xmlns:a16="http://schemas.microsoft.com/office/drawing/2014/main" id="{FA7B66F2-7123-4D21-9BA0-E95C36DE2C4E}"/>
+              </a:ext>
+            </a:extLst>
+          </p:cNvPr>
+          <p:cNvSpPr txBox="1"/>
+          <p:nvPr/>
+        </p:nvSpPr>
+        <p:spPr>
+          <a:xfrm>
+            <a:off x="2501600" y="2162780"/>
+            <a:ext cx="5307291" cy="369332"/>
+          </a:xfrm>
+          <a:prstGeom prst="rect">
+            <a:avLst/>
+          </a:prstGeom>
+          <a:noFill/>
+        </p:spPr>
+        <p:txBody>
+          <a:bodyPr wrap="square" rtlCol="0">
+            <a:spAutoFit/>
+          </a:bodyPr>
+          <a:lstStyle/>
+          <a:p>
+            <a:r>
+              <a:rPr lang="en-GB" dirty="0"/>
+              <a:t>Tres Populaire dans la </a:t>
+            </a:r>
+            <a:r>
+              <a:rPr lang="en-GB" dirty="0" err="1"/>
+              <a:t>communauté</a:t>
+            </a:r>
+            <a:r>
+              <a:rPr lang="en-GB" dirty="0"/>
+              <a:t> </a:t>
+            </a:r>
+            <a:r>
+              <a:rPr lang="en-GB" dirty="0" err="1"/>
+              <a:t>javascript</a:t>
+            </a:r>
+            <a:endParaRPr lang="en-GB" dirty="0"/>
+          </a:p>
+        </p:txBody>
+      </p:sp>
+    </p:spTree>
+    <p:extLst>
+      <p:ext uri="{BB962C8B-B14F-4D97-AF65-F5344CB8AC3E}">
+        <p14:creationId xmlns:p14="http://schemas.microsoft.com/office/powerpoint/2010/main" val="3663127601"/>
+      </p:ext>
+    </p:extLst>
+  </p:cSld>
+  <p:clrMapOvr>
+    <a:masterClrMapping/>
+  </p:clrMapOvr>
+</p:sld>
+</file>
+
+<file path=ppt/slides/slide8.xml><?xml version="1.0" encoding="utf-8"?>
+<p:sld xmlns:a="http://schemas.openxmlformats.org/drawingml/2006/main" xmlns:r="http://schemas.openxmlformats.org/officeDocument/2006/relationships" xmlns:p="http://schemas.openxmlformats.org/presentationml/2006/main">
+  <p:cSld>
+    <p:spTree>
+      <p:nvGrpSpPr>
+        <p:cNvPr id="1" name=""/>
+        <p:cNvGrpSpPr/>
+        <p:nvPr/>
+      </p:nvGrpSpPr>
+      <p:grpSpPr>
+        <a:xfrm>
+          <a:off x="0" y="0"/>
+          <a:ext cx="0" cy="0"/>
+          <a:chOff x="0" y="0"/>
+          <a:chExt cx="0" cy="0"/>
+        </a:xfrm>
+      </p:grpSpPr>
+      <p:sp>
+        <p:nvSpPr>
+          <p:cNvPr id="2" name="Title 1">
+            <a:extLst>
+              <a:ext uri="{FF2B5EF4-FFF2-40B4-BE49-F238E27FC236}">
+                <a16:creationId xmlns:a16="http://schemas.microsoft.com/office/drawing/2014/main" id="{4D7D80E3-20CC-46CC-83B1-56A44885F606}"/>
+              </a:ext>
+            </a:extLst>
+          </p:cNvPr>
+          <p:cNvSpPr>
+            <a:spLocks noGrp="1"/>
+          </p:cNvSpPr>
+          <p:nvPr>
+            <p:ph type="title"/>
+          </p:nvPr>
+        </p:nvSpPr>
+        <p:spPr/>
+        <p:txBody>
+          <a:bodyPr/>
+          <a:lstStyle/>
+          <a:p>
+            <a:r>
+              <a:rPr lang="en-GB" dirty="0"/>
+              <a:t> end-to-end </a:t>
+            </a:r>
+            <a:r>
+              <a:rPr lang="en-GB" dirty="0" err="1"/>
+              <a:t>autotests</a:t>
+            </a:r>
+            <a:r>
+              <a:rPr lang="en-GB" dirty="0"/>
+              <a:t> all in one</a:t>
+            </a:r>
+          </a:p>
+        </p:txBody>
+      </p:sp>
+      <p:pic>
+        <p:nvPicPr>
+          <p:cNvPr id="4" name="Content Placeholder 3">
+            <a:extLst>
+              <a:ext uri="{FF2B5EF4-FFF2-40B4-BE49-F238E27FC236}">
+                <a16:creationId xmlns:a16="http://schemas.microsoft.com/office/drawing/2014/main" id="{4A990DE9-07DB-47ED-97DD-AF1C968A1F64}"/>
+              </a:ext>
+            </a:extLst>
+          </p:cNvPr>
+          <p:cNvPicPr>
+            <a:picLocks noGrp="1" noChangeAspect="1"/>
+          </p:cNvPicPr>
+          <p:nvPr>
+            <p:ph idx="1"/>
+          </p:nvPr>
+        </p:nvPicPr>
+        <p:blipFill>
+          <a:blip r:embed="rId2"/>
+          <a:stretch>
+            <a:fillRect/>
+          </a:stretch>
+        </p:blipFill>
+        <p:spPr>
+          <a:xfrm>
+            <a:off x="395926" y="1836550"/>
+            <a:ext cx="10515600" cy="3770843"/>
+          </a:xfrm>
+          <a:prstGeom prst="rect">
+            <a:avLst/>
+          </a:prstGeom>
+        </p:spPr>
+      </p:pic>
+    </p:spTree>
+    <p:extLst>
+      <p:ext uri="{BB962C8B-B14F-4D97-AF65-F5344CB8AC3E}">
+        <p14:creationId xmlns:p14="http://schemas.microsoft.com/office/powerpoint/2010/main" val="3680866114"/>
+      </p:ext>
+    </p:extLst>
+  </p:cSld>
+  <p:clrMapOvr>
+    <a:masterClrMapping/>
+  </p:clrMapOvr>
+</p:sld>
+</file>
+
 <file path=ppt/slides/slide9.xml><?xml version="1.0" encoding="utf-8"?>
 <p:sld xmlns:a="http://schemas.openxmlformats.org/drawingml/2006/main" xmlns:r="http://schemas.openxmlformats.org/officeDocument/2006/relationships" xmlns:p="http://schemas.openxmlformats.org/presentationml/2006/main">
   <p:cSld>
@@ -5290,7 +5924,7 @@
           <p:cNvPr id="2" name="Title 1">
             <a:extLst>
               <a:ext uri="{FF2B5EF4-FFF2-40B4-BE49-F238E27FC236}">
-                <a16:creationId xmlns:a16="http://schemas.microsoft.com/office/drawing/2014/main" id="{29240F83-CC6F-4FBC-97E5-BDACBD348FD6}"/>
+                <a16:creationId xmlns:a16="http://schemas.microsoft.com/office/drawing/2014/main" id="{406A6C07-262C-4BBE-940F-1975E421ED64}"/>
               </a:ext>
             </a:extLst>
           </p:cNvPr>
@@ -5308,8 +5942,37 @@
           <a:p>
             <a:r>
               <a:rPr lang="fr-FR" dirty="0"/>
-              <a:t>3) Simple à utiliser (démo)</a:t>
-            </a:r>
+              <a:t>III) Compare </a:t>
+            </a:r>
+            <a:r>
+              <a:rPr lang="fr-FR" dirty="0" err="1"/>
+              <a:t>Cypress</a:t>
+            </a:r>
+            <a:r>
+              <a:rPr lang="fr-FR" dirty="0"/>
+              <a:t> </a:t>
+            </a:r>
+            <a:r>
+              <a:rPr lang="fr-FR" dirty="0" err="1"/>
+              <a:t>with</a:t>
+            </a:r>
+            <a:r>
+              <a:rPr lang="fr-FR" dirty="0"/>
+              <a:t> </a:t>
+            </a:r>
+            <a:r>
+              <a:rPr lang="fr-FR" dirty="0" err="1"/>
+              <a:t>others</a:t>
+            </a:r>
+            <a:r>
+              <a:rPr lang="fr-FR" dirty="0"/>
+              <a:t> tools on the </a:t>
+            </a:r>
+            <a:r>
+              <a:rPr lang="fr-FR" dirty="0" err="1"/>
+              <a:t>market</a:t>
+            </a:r>
+            <a:endParaRPr lang="fr-FR" dirty="0"/>
           </a:p>
         </p:txBody>
       </p:sp>
@@ -5318,7 +5981,7 @@
           <p:cNvPr id="3" name="Content Placeholder 2">
             <a:extLst>
               <a:ext uri="{FF2B5EF4-FFF2-40B4-BE49-F238E27FC236}">
-                <a16:creationId xmlns:a16="http://schemas.microsoft.com/office/drawing/2014/main" id="{CA5CAC26-0B32-451B-A99A-51241C92040C}"/>
+                <a16:creationId xmlns:a16="http://schemas.microsoft.com/office/drawing/2014/main" id="{9E8CC6F3-FAAD-4A66-922B-134DA6B5F500}"/>
               </a:ext>
             </a:extLst>
           </p:cNvPr>
@@ -5333,6 +5996,15 @@
         <p:txBody>
           <a:bodyPr/>
           <a:lstStyle/>
+          <a:p>
+            <a:pPr marL="514350" indent="-514350">
+              <a:buAutoNum type="arabicParenR"/>
+            </a:pPr>
+            <a:r>
+              <a:rPr lang="fr-FR" dirty="0"/>
+              <a:t>Architecture optimisé</a:t>
+            </a:r>
+          </a:p>
           <a:p>
             <a:pPr marL="0" indent="0">
               <a:buNone/>
@@ -5340,87 +6012,97 @@
             <a:endParaRPr lang="fr-FR" dirty="0"/>
           </a:p>
           <a:p>
-            <a:pPr marL="0" indent="0">
-              <a:buNone/>
-            </a:pPr>
             <a:r>
               <a:rPr lang="fr-FR" dirty="0"/>
-              <a:t>Simple à installer</a:t>
-            </a:r>
-          </a:p>
-          <a:p>
-            <a:pPr marL="0" indent="0">
-              <a:buNone/>
-            </a:pPr>
+              <a:t> </a:t>
+            </a:r>
+            <a:r>
+              <a:rPr lang="fr-FR" dirty="0" err="1"/>
+              <a:t>Others</a:t>
+            </a:r>
+            <a:r>
+              <a:rPr lang="fr-FR" dirty="0"/>
+              <a:t> </a:t>
+            </a:r>
+            <a:r>
+              <a:rPr lang="fr-FR" dirty="0" err="1"/>
+              <a:t>testing</a:t>
+            </a:r>
+            <a:r>
+              <a:rPr lang="fr-FR" dirty="0"/>
+              <a:t> </a:t>
+            </a:r>
+            <a:r>
+              <a:rPr lang="fr-FR" dirty="0" err="1"/>
+              <a:t>tool</a:t>
+            </a:r>
+            <a:r>
+              <a:rPr lang="fr-FR" dirty="0"/>
+              <a:t> (ex :</a:t>
+            </a:r>
+            <a:r>
+              <a:rPr lang="fr-FR" dirty="0" err="1"/>
+              <a:t>selenium</a:t>
+            </a:r>
+            <a:r>
+              <a:rPr lang="fr-FR" dirty="0"/>
+              <a:t>) use </a:t>
+            </a:r>
+            <a:r>
+              <a:rPr lang="en-US" dirty="0"/>
+              <a:t>a web driver that remotely executes commands</a:t>
+            </a:r>
+          </a:p>
+          <a:p>
+            <a:r>
+              <a:rPr lang="fr-FR" dirty="0"/>
+              <a:t> </a:t>
+            </a:r>
+            <a:r>
+              <a:rPr lang="en-US" dirty="0"/>
+              <a:t>Cypress runs in the same run-loop as your parent application (dans le </a:t>
+            </a:r>
+            <a:r>
+              <a:rPr lang="en-US" dirty="0" err="1"/>
+              <a:t>navigateur</a:t>
+            </a:r>
+            <a:r>
+              <a:rPr lang="en-US" dirty="0"/>
+              <a:t>) =&gt; faster</a:t>
+            </a:r>
+          </a:p>
+          <a:p>
+            <a:endParaRPr lang="en-US" dirty="0"/>
+          </a:p>
+          <a:p>
+            <a:r>
+              <a:rPr lang="en-US" dirty="0" err="1"/>
+              <a:t>Asynchrone</a:t>
+            </a:r>
+            <a:r>
+              <a:rPr lang="en-US" dirty="0"/>
+              <a:t>, + facile pour tester les app web async </a:t>
+            </a:r>
+            <a:r>
+              <a:rPr lang="en-US" dirty="0" err="1"/>
+              <a:t>tel</a:t>
+            </a:r>
+            <a:r>
+              <a:rPr lang="en-US" dirty="0"/>
+              <a:t> que </a:t>
+            </a:r>
+            <a:r>
+              <a:rPr lang="en-US" dirty="0" err="1"/>
+              <a:t>angularjs</a:t>
+            </a:r>
             <a:endParaRPr lang="fr-FR" dirty="0"/>
           </a:p>
-          <a:p>
-            <a:pPr marL="0" indent="0">
-              <a:buNone/>
-            </a:pPr>
-            <a:endParaRPr lang="fr-FR" dirty="0"/>
-          </a:p>
-          <a:p>
-            <a:pPr marL="0" indent="0">
-              <a:buNone/>
-            </a:pPr>
-            <a:r>
-              <a:rPr lang="fr-FR" dirty="0"/>
-              <a:t>Il n’y a pas de </a:t>
-            </a:r>
-            <a:r>
-              <a:rPr lang="fr-FR" dirty="0" err="1"/>
-              <a:t>retry</a:t>
-            </a:r>
-            <a:r>
-              <a:rPr lang="fr-FR" dirty="0"/>
-              <a:t>/timeout de requête à implémenter, ni de « </a:t>
-            </a:r>
-            <a:r>
-              <a:rPr lang="fr-FR" dirty="0" err="1"/>
-              <a:t>wrapper</a:t>
-            </a:r>
-            <a:r>
-              <a:rPr lang="fr-FR" dirty="0"/>
-              <a:t> » pour les tests end to end.</a:t>
-            </a:r>
-          </a:p>
-        </p:txBody>
-      </p:sp>
-      <p:pic>
-        <p:nvPicPr>
-          <p:cNvPr id="4" name="Picture 3">
-            <a:extLst>
-              <a:ext uri="{FF2B5EF4-FFF2-40B4-BE49-F238E27FC236}">
-                <a16:creationId xmlns:a16="http://schemas.microsoft.com/office/drawing/2014/main" id="{D7B2A3DC-9DAE-42C4-8655-A0ED41BE2F22}"/>
-              </a:ext>
-            </a:extLst>
-          </p:cNvPr>
-          <p:cNvPicPr>
-            <a:picLocks noChangeAspect="1"/>
-          </p:cNvPicPr>
-          <p:nvPr/>
-        </p:nvPicPr>
-        <p:blipFill>
-          <a:blip r:embed="rId2"/>
-          <a:stretch>
-            <a:fillRect/>
-          </a:stretch>
-        </p:blipFill>
-        <p:spPr>
-          <a:xfrm>
-            <a:off x="3701667" y="2252561"/>
-            <a:ext cx="5675231" cy="675465"/>
-          </a:xfrm>
-          <a:prstGeom prst="rect">
-            <a:avLst/>
-          </a:prstGeom>
-        </p:spPr>
-      </p:pic>
+        </p:txBody>
+      </p:sp>
     </p:spTree>
     <p:extLst>
       <p:ext uri="{BB962C8B-B14F-4D97-AF65-F5344CB8AC3E}">
-        <p14:creationId xmlns:p14="http://schemas.microsoft.com/office/powerpoint/2010/main" val="139270608"/>
+        <p14:creationId xmlns:p14="http://schemas.microsoft.com/office/powerpoint/2010/main" val="785267768"/>
       </p:ext>
     </p:extLst>
   </p:cSld>

--- a/Cypress.pptx
+++ b/Cypress.pptx
@@ -7,20 +7,23 @@
   <p:sldIdLst>
     <p:sldId id="256" r:id="rId2"/>
     <p:sldId id="258" r:id="rId3"/>
-    <p:sldId id="267" r:id="rId4"/>
-    <p:sldId id="269" r:id="rId5"/>
-    <p:sldId id="268" r:id="rId6"/>
-    <p:sldId id="270" r:id="rId7"/>
-    <p:sldId id="263" r:id="rId8"/>
-    <p:sldId id="265" r:id="rId9"/>
-    <p:sldId id="257" r:id="rId10"/>
-    <p:sldId id="266" r:id="rId11"/>
-    <p:sldId id="261" r:id="rId12"/>
-    <p:sldId id="260" r:id="rId13"/>
-    <p:sldId id="262" r:id="rId14"/>
-    <p:sldId id="259" r:id="rId15"/>
-    <p:sldId id="264" r:id="rId16"/>
-    <p:sldId id="271" r:id="rId17"/>
+    <p:sldId id="269" r:id="rId4"/>
+    <p:sldId id="272" r:id="rId5"/>
+    <p:sldId id="267" r:id="rId6"/>
+    <p:sldId id="268" r:id="rId7"/>
+    <p:sldId id="270" r:id="rId8"/>
+    <p:sldId id="263" r:id="rId9"/>
+    <p:sldId id="265" r:id="rId10"/>
+    <p:sldId id="257" r:id="rId11"/>
+    <p:sldId id="266" r:id="rId12"/>
+    <p:sldId id="261" r:id="rId13"/>
+    <p:sldId id="273" r:id="rId14"/>
+    <p:sldId id="260" r:id="rId15"/>
+    <p:sldId id="262" r:id="rId16"/>
+    <p:sldId id="274" r:id="rId17"/>
+    <p:sldId id="259" r:id="rId18"/>
+    <p:sldId id="264" r:id="rId19"/>
+    <p:sldId id="271" r:id="rId20"/>
   </p:sldIdLst>
   <p:sldSz cx="12192000" cy="6858000"/>
   <p:notesSz cx="6858000" cy="9144000"/>
@@ -466,7 +469,7 @@
           <a:p>
             <a:fld id="{ECAC8B8A-DD2B-4203-8016-EC01F0EFD829}" type="datetimeFigureOut">
               <a:rPr lang="fr-FR" smtClean="0"/>
-              <a:t>05/07/2020</a:t>
+              <a:t>06/07/2020</a:t>
             </a:fld>
             <a:endParaRPr lang="fr-FR"/>
           </a:p>
@@ -666,7 +669,7 @@
           <a:p>
             <a:fld id="{ECAC8B8A-DD2B-4203-8016-EC01F0EFD829}" type="datetimeFigureOut">
               <a:rPr lang="fr-FR" smtClean="0"/>
-              <a:t>05/07/2020</a:t>
+              <a:t>06/07/2020</a:t>
             </a:fld>
             <a:endParaRPr lang="fr-FR"/>
           </a:p>
@@ -876,7 +879,7 @@
           <a:p>
             <a:fld id="{ECAC8B8A-DD2B-4203-8016-EC01F0EFD829}" type="datetimeFigureOut">
               <a:rPr lang="fr-FR" smtClean="0"/>
-              <a:t>05/07/2020</a:t>
+              <a:t>06/07/2020</a:t>
             </a:fld>
             <a:endParaRPr lang="fr-FR"/>
           </a:p>
@@ -1076,7 +1079,7 @@
           <a:p>
             <a:fld id="{ECAC8B8A-DD2B-4203-8016-EC01F0EFD829}" type="datetimeFigureOut">
               <a:rPr lang="fr-FR" smtClean="0"/>
-              <a:t>05/07/2020</a:t>
+              <a:t>06/07/2020</a:t>
             </a:fld>
             <a:endParaRPr lang="fr-FR"/>
           </a:p>
@@ -1352,7 +1355,7 @@
           <a:p>
             <a:fld id="{ECAC8B8A-DD2B-4203-8016-EC01F0EFD829}" type="datetimeFigureOut">
               <a:rPr lang="fr-FR" smtClean="0"/>
-              <a:t>05/07/2020</a:t>
+              <a:t>06/07/2020</a:t>
             </a:fld>
             <a:endParaRPr lang="fr-FR"/>
           </a:p>
@@ -1620,7 +1623,7 @@
           <a:p>
             <a:fld id="{ECAC8B8A-DD2B-4203-8016-EC01F0EFD829}" type="datetimeFigureOut">
               <a:rPr lang="fr-FR" smtClean="0"/>
-              <a:t>05/07/2020</a:t>
+              <a:t>06/07/2020</a:t>
             </a:fld>
             <a:endParaRPr lang="fr-FR"/>
           </a:p>
@@ -2035,7 +2038,7 @@
           <a:p>
             <a:fld id="{ECAC8B8A-DD2B-4203-8016-EC01F0EFD829}" type="datetimeFigureOut">
               <a:rPr lang="fr-FR" smtClean="0"/>
-              <a:t>05/07/2020</a:t>
+              <a:t>06/07/2020</a:t>
             </a:fld>
             <a:endParaRPr lang="fr-FR"/>
           </a:p>
@@ -2177,7 +2180,7 @@
           <a:p>
             <a:fld id="{ECAC8B8A-DD2B-4203-8016-EC01F0EFD829}" type="datetimeFigureOut">
               <a:rPr lang="fr-FR" smtClean="0"/>
-              <a:t>05/07/2020</a:t>
+              <a:t>06/07/2020</a:t>
             </a:fld>
             <a:endParaRPr lang="fr-FR"/>
           </a:p>
@@ -2290,7 +2293,7 @@
           <a:p>
             <a:fld id="{ECAC8B8A-DD2B-4203-8016-EC01F0EFD829}" type="datetimeFigureOut">
               <a:rPr lang="fr-FR" smtClean="0"/>
-              <a:t>05/07/2020</a:t>
+              <a:t>06/07/2020</a:t>
             </a:fld>
             <a:endParaRPr lang="fr-FR"/>
           </a:p>
@@ -2603,7 +2606,7 @@
           <a:p>
             <a:fld id="{ECAC8B8A-DD2B-4203-8016-EC01F0EFD829}" type="datetimeFigureOut">
               <a:rPr lang="fr-FR" smtClean="0"/>
-              <a:t>05/07/2020</a:t>
+              <a:t>06/07/2020</a:t>
             </a:fld>
             <a:endParaRPr lang="fr-FR"/>
           </a:p>
@@ -2892,7 +2895,7 @@
           <a:p>
             <a:fld id="{ECAC8B8A-DD2B-4203-8016-EC01F0EFD829}" type="datetimeFigureOut">
               <a:rPr lang="fr-FR" smtClean="0"/>
-              <a:t>05/07/2020</a:t>
+              <a:t>06/07/2020</a:t>
             </a:fld>
             <a:endParaRPr lang="fr-FR"/>
           </a:p>
@@ -3135,7 +3138,7 @@
           <a:p>
             <a:fld id="{ECAC8B8A-DD2B-4203-8016-EC01F0EFD829}" type="datetimeFigureOut">
               <a:rPr lang="fr-FR" smtClean="0"/>
-              <a:t>05/07/2020</a:t>
+              <a:t>06/07/2020</a:t>
             </a:fld>
             <a:endParaRPr lang="fr-FR"/>
           </a:p>
@@ -3645,6 +3648,253 @@
           <p:cNvPr id="2" name="Title 1">
             <a:extLst>
               <a:ext uri="{FF2B5EF4-FFF2-40B4-BE49-F238E27FC236}">
+                <a16:creationId xmlns:a16="http://schemas.microsoft.com/office/drawing/2014/main" id="{406A6C07-262C-4BBE-940F-1975E421ED64}"/>
+              </a:ext>
+            </a:extLst>
+          </p:cNvPr>
+          <p:cNvSpPr>
+            <a:spLocks noGrp="1"/>
+          </p:cNvSpPr>
+          <p:nvPr>
+            <p:ph type="title"/>
+          </p:nvPr>
+        </p:nvSpPr>
+        <p:spPr/>
+        <p:txBody>
+          <a:bodyPr/>
+          <a:lstStyle/>
+          <a:p>
+            <a:r>
+              <a:rPr lang="fr-FR" u="sng" dirty="0"/>
+              <a:t>III) Compare </a:t>
+            </a:r>
+            <a:r>
+              <a:rPr lang="fr-FR" u="sng" dirty="0" err="1"/>
+              <a:t>Cypress</a:t>
+            </a:r>
+            <a:r>
+              <a:rPr lang="fr-FR" u="sng" dirty="0"/>
+              <a:t> </a:t>
+            </a:r>
+            <a:r>
+              <a:rPr lang="fr-FR" u="sng" dirty="0" err="1"/>
+              <a:t>with</a:t>
+            </a:r>
+            <a:r>
+              <a:rPr lang="fr-FR" u="sng" dirty="0"/>
+              <a:t> </a:t>
+            </a:r>
+            <a:r>
+              <a:rPr lang="fr-FR" u="sng" dirty="0" err="1"/>
+              <a:t>others</a:t>
+            </a:r>
+            <a:r>
+              <a:rPr lang="fr-FR" u="sng" dirty="0"/>
+              <a:t> tools on the </a:t>
+            </a:r>
+            <a:r>
+              <a:rPr lang="fr-FR" u="sng" dirty="0" err="1"/>
+              <a:t>market</a:t>
+            </a:r>
+            <a:endParaRPr lang="fr-FR" u="sng" dirty="0"/>
+          </a:p>
+        </p:txBody>
+      </p:sp>
+      <p:sp>
+        <p:nvSpPr>
+          <p:cNvPr id="3" name="Content Placeholder 2">
+            <a:extLst>
+              <a:ext uri="{FF2B5EF4-FFF2-40B4-BE49-F238E27FC236}">
+                <a16:creationId xmlns:a16="http://schemas.microsoft.com/office/drawing/2014/main" id="{9E8CC6F3-FAAD-4A66-922B-134DA6B5F500}"/>
+              </a:ext>
+            </a:extLst>
+          </p:cNvPr>
+          <p:cNvSpPr>
+            <a:spLocks noGrp="1"/>
+          </p:cNvSpPr>
+          <p:nvPr>
+            <p:ph idx="1"/>
+          </p:nvPr>
+        </p:nvSpPr>
+        <p:spPr/>
+        <p:txBody>
+          <a:bodyPr/>
+          <a:lstStyle/>
+          <a:p>
+            <a:pPr marL="514350" indent="-514350">
+              <a:buAutoNum type="arabicParenR"/>
+            </a:pPr>
+            <a:r>
+              <a:rPr lang="fr-FR" dirty="0"/>
+              <a:t>Architecture de </a:t>
+            </a:r>
+            <a:r>
+              <a:rPr lang="fr-FR" dirty="0" err="1"/>
+              <a:t>cypress</a:t>
+            </a:r>
+            <a:endParaRPr lang="fr-FR" dirty="0"/>
+          </a:p>
+          <a:p>
+            <a:pPr marL="0" indent="0">
+              <a:buNone/>
+            </a:pPr>
+            <a:endParaRPr lang="fr-FR" dirty="0"/>
+          </a:p>
+          <a:p>
+            <a:r>
+              <a:rPr lang="fr-FR" dirty="0"/>
+              <a:t> </a:t>
+            </a:r>
+            <a:r>
+              <a:rPr lang="en-GB" dirty="0"/>
+              <a:t>Les </a:t>
+            </a:r>
+            <a:r>
+              <a:rPr lang="en-GB" dirty="0" err="1"/>
+              <a:t>autres</a:t>
+            </a:r>
+            <a:r>
+              <a:rPr lang="en-GB" dirty="0"/>
+              <a:t> </a:t>
+            </a:r>
+            <a:r>
+              <a:rPr lang="en-GB" dirty="0" err="1"/>
+              <a:t>outils</a:t>
+            </a:r>
+            <a:r>
+              <a:rPr lang="en-GB" dirty="0"/>
+              <a:t> de tests (</a:t>
+            </a:r>
+            <a:r>
+              <a:rPr lang="en-GB" dirty="0" err="1"/>
+              <a:t>comme</a:t>
+            </a:r>
+            <a:r>
+              <a:rPr lang="en-GB" dirty="0"/>
+              <a:t> selenium </a:t>
+            </a:r>
+            <a:r>
+              <a:rPr lang="en-GB" dirty="0" err="1"/>
+              <a:t>utilisent</a:t>
+            </a:r>
+            <a:r>
+              <a:rPr lang="en-GB" dirty="0"/>
+              <a:t> un </a:t>
+            </a:r>
+            <a:r>
+              <a:rPr lang="en-GB" dirty="0" err="1"/>
+              <a:t>webdriver</a:t>
+            </a:r>
+            <a:r>
+              <a:rPr lang="en-GB" dirty="0"/>
+              <a:t> qui executant les </a:t>
+            </a:r>
+            <a:r>
+              <a:rPr lang="en-GB" dirty="0" err="1"/>
+              <a:t>commandes</a:t>
+            </a:r>
+            <a:r>
+              <a:rPr lang="en-GB" dirty="0"/>
+              <a:t> à distance.</a:t>
+            </a:r>
+          </a:p>
+          <a:p>
+            <a:endParaRPr lang="en-US" dirty="0"/>
+          </a:p>
+          <a:p>
+            <a:r>
+              <a:rPr lang="fr-FR" dirty="0"/>
+              <a:t> </a:t>
+            </a:r>
+            <a:r>
+              <a:rPr lang="en-US" dirty="0"/>
+              <a:t>Cypress se lance dans la </a:t>
+            </a:r>
+            <a:r>
+              <a:rPr lang="en-US" dirty="0" err="1"/>
+              <a:t>même</a:t>
+            </a:r>
+            <a:r>
+              <a:rPr lang="en-US" dirty="0"/>
+              <a:t> run-loop que son parent, dans le </a:t>
+            </a:r>
+            <a:r>
+              <a:rPr lang="en-US" dirty="0" err="1"/>
+              <a:t>navigateur</a:t>
+            </a:r>
+            <a:r>
+              <a:rPr lang="en-US" dirty="0"/>
+              <a:t> =&gt; plus </a:t>
+            </a:r>
+            <a:r>
+              <a:rPr lang="en-US" dirty="0" err="1"/>
+              <a:t>rapide</a:t>
+            </a:r>
+            <a:endParaRPr lang="en-US" dirty="0"/>
+          </a:p>
+          <a:p>
+            <a:endParaRPr lang="en-US" dirty="0"/>
+          </a:p>
+          <a:p>
+            <a:r>
+              <a:rPr lang="en-US" dirty="0" err="1"/>
+              <a:t>Asynchrone</a:t>
+            </a:r>
+            <a:r>
+              <a:rPr lang="en-US" dirty="0"/>
+              <a:t>, + facile pour tester les app web async </a:t>
+            </a:r>
+            <a:r>
+              <a:rPr lang="en-US" dirty="0" err="1"/>
+              <a:t>tel</a:t>
+            </a:r>
+            <a:r>
+              <a:rPr lang="en-US" dirty="0"/>
+              <a:t> que </a:t>
+            </a:r>
+            <a:r>
+              <a:rPr lang="en-US" dirty="0" err="1"/>
+              <a:t>angularjs</a:t>
+            </a:r>
+            <a:endParaRPr lang="fr-FR" dirty="0"/>
+          </a:p>
+        </p:txBody>
+      </p:sp>
+    </p:spTree>
+    <p:extLst>
+      <p:ext uri="{BB962C8B-B14F-4D97-AF65-F5344CB8AC3E}">
+        <p14:creationId xmlns:p14="http://schemas.microsoft.com/office/powerpoint/2010/main" val="785267768"/>
+      </p:ext>
+    </p:extLst>
+  </p:cSld>
+  <p:clrMapOvr>
+    <a:masterClrMapping/>
+  </p:clrMapOvr>
+</p:sld>
+</file>
+
+<file path=ppt/slides/slide11.xml><?xml version="1.0" encoding="utf-8"?>
+<p:sld xmlns:a="http://schemas.openxmlformats.org/drawingml/2006/main" xmlns:r="http://schemas.openxmlformats.org/officeDocument/2006/relationships" xmlns:p="http://schemas.openxmlformats.org/presentationml/2006/main">
+  <p:cSld>
+    <p:spTree>
+      <p:nvGrpSpPr>
+        <p:cNvPr id="1" name=""/>
+        <p:cNvGrpSpPr/>
+        <p:nvPr/>
+      </p:nvGrpSpPr>
+      <p:grpSpPr>
+        <a:xfrm>
+          <a:off x="0" y="0"/>
+          <a:ext cx="0" cy="0"/>
+          <a:chOff x="0" y="0"/>
+          <a:chExt cx="0" cy="0"/>
+        </a:xfrm>
+      </p:grpSpPr>
+      <p:sp>
+        <p:nvSpPr>
+          <p:cNvPr id="2" name="Title 1">
+            <a:extLst>
+              <a:ext uri="{FF2B5EF4-FFF2-40B4-BE49-F238E27FC236}">
                 <a16:creationId xmlns:a16="http://schemas.microsoft.com/office/drawing/2014/main" id="{AC5D2251-26DA-448E-A542-0BBAE0A98EA6}"/>
               </a:ext>
             </a:extLst>
@@ -3663,7 +3913,7 @@
           <a:p>
             <a:r>
               <a:rPr lang="en-GB" dirty="0"/>
-              <a:t>Stubbing XHR requests with Cypress</a:t>
+              <a:t>2) Stubbing XHR requests with Cypress</a:t>
             </a:r>
           </a:p>
         </p:txBody>
@@ -3798,7 +4048,7 @@
 </p:sld>
 </file>
 
-<file path=ppt/slides/slide11.xml><?xml version="1.0" encoding="utf-8"?>
+<file path=ppt/slides/slide12.xml><?xml version="1.0" encoding="utf-8"?>
 <p:sld xmlns:a="http://schemas.openxmlformats.org/drawingml/2006/main" xmlns:r="http://schemas.openxmlformats.org/officeDocument/2006/relationships" xmlns:p="http://schemas.openxmlformats.org/presentationml/2006/main">
   <p:cSld>
     <p:spTree>
@@ -3993,7 +4243,111 @@
 </p:sld>
 </file>
 
-<file path=ppt/slides/slide12.xml><?xml version="1.0" encoding="utf-8"?>
+<file path=ppt/slides/slide13.xml><?xml version="1.0" encoding="utf-8"?>
+<p:sld xmlns:a="http://schemas.openxmlformats.org/drawingml/2006/main" xmlns:r="http://schemas.openxmlformats.org/officeDocument/2006/relationships" xmlns:p="http://schemas.openxmlformats.org/presentationml/2006/main">
+  <p:cSld>
+    <p:spTree>
+      <p:nvGrpSpPr>
+        <p:cNvPr id="1" name=""/>
+        <p:cNvGrpSpPr/>
+        <p:nvPr/>
+      </p:nvGrpSpPr>
+      <p:grpSpPr>
+        <a:xfrm>
+          <a:off x="0" y="0"/>
+          <a:ext cx="0" cy="0"/>
+          <a:chOff x="0" y="0"/>
+          <a:chExt cx="0" cy="0"/>
+        </a:xfrm>
+      </p:grpSpPr>
+      <p:sp>
+        <p:nvSpPr>
+          <p:cNvPr id="2" name="Title 1">
+            <a:extLst>
+              <a:ext uri="{FF2B5EF4-FFF2-40B4-BE49-F238E27FC236}">
+                <a16:creationId xmlns:a16="http://schemas.microsoft.com/office/drawing/2014/main" id="{038C415E-FC91-45A6-8DF6-41BC8936A2A1}"/>
+              </a:ext>
+            </a:extLst>
+          </p:cNvPr>
+          <p:cNvSpPr>
+            <a:spLocks noGrp="1"/>
+          </p:cNvSpPr>
+          <p:nvPr>
+            <p:ph type="title"/>
+          </p:nvPr>
+        </p:nvSpPr>
+        <p:spPr/>
+        <p:txBody>
+          <a:bodyPr>
+            <a:normAutofit fontScale="90000"/>
+          </a:bodyPr>
+          <a:lstStyle/>
+          <a:p>
+            <a:r>
+              <a:rPr lang="fr-FR" dirty="0"/>
+              <a:t>Faciliter de diagnostiquer une erreur avec </a:t>
+            </a:r>
+            <a:r>
+              <a:rPr lang="fr-FR" dirty="0" err="1"/>
+              <a:t>cypress</a:t>
+            </a:r>
+            <a:br>
+              <a:rPr lang="fr-FR" dirty="0"/>
+            </a:br>
+            <a:endParaRPr lang="fr-FR" dirty="0"/>
+          </a:p>
+        </p:txBody>
+      </p:sp>
+      <p:pic>
+        <p:nvPicPr>
+          <p:cNvPr id="6" name="Picture 5" descr="A screenshot of a social media post&#10;&#10;Description automatically generated">
+            <a:extLst>
+              <a:ext uri="{FF2B5EF4-FFF2-40B4-BE49-F238E27FC236}">
+                <a16:creationId xmlns:a16="http://schemas.microsoft.com/office/drawing/2014/main" id="{FB04372D-AF3E-4D07-8F72-989B4119595E}"/>
+              </a:ext>
+            </a:extLst>
+          </p:cNvPr>
+          <p:cNvPicPr>
+            <a:picLocks noChangeAspect="1"/>
+          </p:cNvPicPr>
+          <p:nvPr/>
+        </p:nvPicPr>
+        <p:blipFill>
+          <a:blip r:embed="rId2">
+            <a:extLst>
+              <a:ext uri="{28A0092B-C50C-407E-A947-70E740481C1C}">
+                <a14:useLocalDpi xmlns:a14="http://schemas.microsoft.com/office/drawing/2010/main" val="0"/>
+              </a:ext>
+            </a:extLst>
+          </a:blip>
+          <a:stretch>
+            <a:fillRect/>
+          </a:stretch>
+        </p:blipFill>
+        <p:spPr>
+          <a:xfrm>
+            <a:off x="1157397" y="1869272"/>
+            <a:ext cx="7878721" cy="4077238"/>
+          </a:xfrm>
+          <a:prstGeom prst="rect">
+            <a:avLst/>
+          </a:prstGeom>
+        </p:spPr>
+      </p:pic>
+    </p:spTree>
+    <p:extLst>
+      <p:ext uri="{BB962C8B-B14F-4D97-AF65-F5344CB8AC3E}">
+        <p14:creationId xmlns:p14="http://schemas.microsoft.com/office/powerpoint/2010/main" val="3785199645"/>
+      </p:ext>
+    </p:extLst>
+  </p:cSld>
+  <p:clrMapOvr>
+    <a:masterClrMapping/>
+  </p:clrMapOvr>
+</p:sld>
+</file>
+
+<file path=ppt/slides/slide14.xml><?xml version="1.0" encoding="utf-8"?>
 <p:sld xmlns:a="http://schemas.openxmlformats.org/drawingml/2006/main" xmlns:r="http://schemas.openxmlformats.org/officeDocument/2006/relationships" xmlns:p="http://schemas.openxmlformats.org/presentationml/2006/main">
   <p:cSld>
     <p:spTree>
@@ -4080,7 +4434,7 @@
 </p:sld>
 </file>
 
-<file path=ppt/slides/slide13.xml><?xml version="1.0" encoding="utf-8"?>
+<file path=ppt/slides/slide15.xml><?xml version="1.0" encoding="utf-8"?>
 <p:sld xmlns:a="http://schemas.openxmlformats.org/drawingml/2006/main" xmlns:r="http://schemas.openxmlformats.org/officeDocument/2006/relationships" xmlns:p="http://schemas.openxmlformats.org/presentationml/2006/main">
   <p:cSld>
     <p:spTree>
@@ -4162,14 +4516,13 @@
               <a:buNone/>
             </a:pPr>
             <a:r>
+              <a:rPr lang="fr-FR" dirty="0" err="1"/>
+              <a:t>Selenium</a:t>
+            </a:r>
+            <a:r>
               <a:rPr lang="fr-FR" dirty="0"/>
-              <a:t>Diagnostique une erreur avec </a:t>
-            </a:r>
-            <a:r>
-              <a:rPr lang="fr-FR" dirty="0" err="1"/>
-              <a:t>cypress</a:t>
-            </a:r>
-            <a:endParaRPr lang="fr-FR" dirty="0"/>
+              <a:t> : présent depuis longtemps (sortie en 2004)</a:t>
+            </a:r>
           </a:p>
           <a:p>
             <a:pPr marL="0" indent="0">
@@ -4181,27 +4534,6 @@
             <a:pPr marL="0" indent="0">
               <a:buNone/>
             </a:pPr>
-            <a:r>
-              <a:rPr lang="fr-FR" dirty="0" err="1"/>
-              <a:t>Selenium</a:t>
-            </a:r>
-            <a:r>
-              <a:rPr lang="fr-FR" dirty="0"/>
-              <a:t> : problème de code du test?, de production ? Coté server?</a:t>
-            </a:r>
-          </a:p>
-          <a:p>
-            <a:pPr marL="0" indent="0">
-              <a:buNone/>
-            </a:pPr>
-            <a:r>
-              <a:rPr lang="fr-FR" dirty="0"/>
-              <a:t>Impression de </a:t>
-            </a:r>
-            <a:r>
-              <a:rPr lang="fr-FR" dirty="0" err="1"/>
-              <a:t>flackeness</a:t>
-            </a:r>
             <a:endParaRPr lang="fr-FR" dirty="0"/>
           </a:p>
         </p:txBody>
@@ -4234,7 +4566,7 @@
         </p:blipFill>
         <p:spPr>
           <a:xfrm>
-            <a:off x="6571566" y="3967644"/>
+            <a:off x="6096000" y="3429000"/>
             <a:ext cx="4487736" cy="2525231"/>
           </a:xfrm>
           <a:prstGeom prst="rect">
@@ -4255,7 +4587,7 @@
 </p:sld>
 </file>
 
-<file path=ppt/slides/slide14.xml><?xml version="1.0" encoding="utf-8"?>
+<file path=ppt/slides/slide16.xml><?xml version="1.0" encoding="utf-8"?>
 <p:sld xmlns:a="http://schemas.openxmlformats.org/drawingml/2006/main" xmlns:r="http://schemas.openxmlformats.org/officeDocument/2006/relationships" xmlns:p="http://schemas.openxmlformats.org/presentationml/2006/main">
   <p:cSld>
     <p:spTree>
@@ -4277,7 +4609,7 @@
           <p:cNvPr id="2" name="Title 1">
             <a:extLst>
               <a:ext uri="{FF2B5EF4-FFF2-40B4-BE49-F238E27FC236}">
-                <a16:creationId xmlns:a16="http://schemas.microsoft.com/office/drawing/2014/main" id="{05FA4F93-FB0D-4845-AD78-CD0A0F436332}"/>
+                <a16:creationId xmlns:a16="http://schemas.microsoft.com/office/drawing/2014/main" id="{E92B9594-D066-43A5-8D8E-BABF0F685C0E}"/>
               </a:ext>
             </a:extLst>
           </p:cNvPr>
@@ -4293,113 +4625,352 @@
           <a:bodyPr/>
           <a:lstStyle/>
           <a:p>
-            <a:r>
-              <a:rPr lang="fr-FR" u="sng" dirty="0"/>
-              <a:t>IV) </a:t>
-            </a:r>
-            <a:r>
-              <a:rPr lang="fr-FR" u="sng" dirty="0" err="1"/>
-              <a:t>Features</a:t>
-            </a:r>
-            <a:r>
-              <a:rPr lang="fr-FR" u="sng" dirty="0"/>
-              <a:t> de </a:t>
-            </a:r>
-            <a:r>
-              <a:rPr lang="fr-FR" u="sng" dirty="0" err="1"/>
-              <a:t>cypress</a:t>
-            </a:r>
-            <a:endParaRPr lang="fr-FR" u="sng" dirty="0"/>
-          </a:p>
-        </p:txBody>
-      </p:sp>
-      <p:sp>
-        <p:nvSpPr>
-          <p:cNvPr id="3" name="Content Placeholder 2">
-            <a:extLst>
-              <a:ext uri="{FF2B5EF4-FFF2-40B4-BE49-F238E27FC236}">
-                <a16:creationId xmlns:a16="http://schemas.microsoft.com/office/drawing/2014/main" id="{CC88863A-5999-4B92-B196-6053018EE4AA}"/>
-              </a:ext>
-            </a:extLst>
-          </p:cNvPr>
-          <p:cNvSpPr>
-            <a:spLocks noGrp="1"/>
-          </p:cNvSpPr>
+            <a:endParaRPr lang="fr-FR"/>
+          </a:p>
+        </p:txBody>
+      </p:sp>
+      <p:graphicFrame>
+        <p:nvGraphicFramePr>
+          <p:cNvPr id="4" name="Table 4">
+            <a:extLst>
+              <a:ext uri="{FF2B5EF4-FFF2-40B4-BE49-F238E27FC236}">
+                <a16:creationId xmlns:a16="http://schemas.microsoft.com/office/drawing/2014/main" id="{0C99D3A4-8589-41FB-9576-821AA86E432E}"/>
+              </a:ext>
+            </a:extLst>
+          </p:cNvPr>
+          <p:cNvGraphicFramePr>
+            <a:graphicFrameLocks noGrp="1"/>
+          </p:cNvGraphicFramePr>
           <p:nvPr>
             <p:ph idx="1"/>
-          </p:nvPr>
-        </p:nvSpPr>
-        <p:spPr/>
-        <p:txBody>
-          <a:bodyPr/>
-          <a:lstStyle/>
-          <a:p>
-            <a:pPr marL="0" indent="0">
-              <a:buNone/>
-            </a:pPr>
-            <a:endParaRPr lang="fr-FR" dirty="0">
-              <a:solidFill>
-                <a:srgbClr val="0563C1"/>
-              </a:solidFill>
-              <a:hlinkClick r:id="rId2">
+            <p:extLst>
+              <p:ext uri="{D42A27DB-BD31-4B8C-83A1-F6EECF244321}">
+                <p14:modId xmlns:p14="http://schemas.microsoft.com/office/powerpoint/2010/main" val="395946937"/>
+              </p:ext>
+            </p:extLst>
+          </p:nvPr>
+        </p:nvGraphicFramePr>
+        <p:xfrm>
+          <a:off x="838200" y="1825625"/>
+          <a:ext cx="10515600" cy="3235960"/>
+        </p:xfrm>
+        <a:graphic>
+          <a:graphicData uri="http://schemas.openxmlformats.org/drawingml/2006/table">
+            <a:tbl>
+              <a:tblPr firstRow="1" bandRow="1">
+                <a:tableStyleId>{5C22544A-7EE6-4342-B048-85BDC9FD1C3A}</a:tableStyleId>
+              </a:tblPr>
+              <a:tblGrid>
+                <a:gridCol w="5257800">
+                  <a:extLst>
+                    <a:ext uri="{9D8B030D-6E8A-4147-A177-3AD203B41FA5}">
+                      <a16:colId xmlns:a16="http://schemas.microsoft.com/office/drawing/2014/main" val="1891712939"/>
+                    </a:ext>
+                  </a:extLst>
+                </a:gridCol>
+                <a:gridCol w="5257800">
+                  <a:extLst>
+                    <a:ext uri="{9D8B030D-6E8A-4147-A177-3AD203B41FA5}">
+                      <a16:colId xmlns:a16="http://schemas.microsoft.com/office/drawing/2014/main" val="2157190433"/>
+                    </a:ext>
+                  </a:extLst>
+                </a:gridCol>
+              </a:tblGrid>
+              <a:tr h="370840">
+                <a:tc>
+                  <a:txBody>
+                    <a:bodyPr/>
+                    <a:lstStyle/>
+                    <a:p>
+                      <a:r>
+                        <a:rPr lang="fr-FR" dirty="0" err="1"/>
+                        <a:t>Selenium</a:t>
+                      </a:r>
+                      <a:endParaRPr lang="fr-FR" dirty="0"/>
+                    </a:p>
+                  </a:txBody>
+                  <a:tcPr/>
+                </a:tc>
+                <a:tc>
+                  <a:txBody>
+                    <a:bodyPr/>
+                    <a:lstStyle/>
+                    <a:p>
+                      <a:r>
+                        <a:rPr lang="fr-FR" dirty="0" err="1"/>
+                        <a:t>Cypress</a:t>
+                      </a:r>
+                      <a:endParaRPr lang="fr-FR" dirty="0"/>
+                    </a:p>
+                  </a:txBody>
+                  <a:tcPr/>
+                </a:tc>
                 <a:extLst>
-                  <a:ext uri="{A12FA001-AC4F-418D-AE19-62706E023703}">
-                    <ahyp:hlinkClr xmlns:ahyp="http://schemas.microsoft.com/office/drawing/2018/hyperlinkcolor" val="tx"/>
+                  <a:ext uri="{0D108BD9-81ED-4DB2-BD59-A6C34878D82A}">
+                    <a16:rowId xmlns:a16="http://schemas.microsoft.com/office/drawing/2014/main" val="2227732549"/>
                   </a:ext>
                 </a:extLst>
-              </a:hlinkClick>
-            </a:endParaRPr>
-          </a:p>
-          <a:p>
-            <a:pPr marL="0" indent="0">
-              <a:buNone/>
-            </a:pPr>
-            <a:r>
-              <a:rPr lang="fr-FR" dirty="0">
-                <a:hlinkClick r:id="rId2">
-                  <a:extLst>
-                    <a:ext uri="{A12FA001-AC4F-418D-AE19-62706E023703}">
-                      <ahyp:hlinkClr xmlns:ahyp="http://schemas.microsoft.com/office/drawing/2018/hyperlinkcolor" val="tx"/>
-                    </a:ext>
-                  </a:extLst>
-                </a:hlinkClick>
-              </a:rPr>
-              <a:t>Library des plugins</a:t>
-            </a:r>
-          </a:p>
-          <a:p>
-            <a:pPr marL="0" indent="0">
-              <a:buNone/>
-            </a:pPr>
-            <a:r>
-              <a:rPr lang="fr-FR" dirty="0">
-                <a:solidFill>
-                  <a:srgbClr val="0563C1"/>
-                </a:solidFill>
-                <a:hlinkClick r:id="rId2">
-                  <a:extLst>
-                    <a:ext uri="{A12FA001-AC4F-418D-AE19-62706E023703}">
-                      <ahyp:hlinkClr xmlns:ahyp="http://schemas.microsoft.com/office/drawing/2018/hyperlinkcolor" val="tx"/>
-                    </a:ext>
-                  </a:extLst>
-                </a:hlinkClick>
-              </a:rPr>
-              <a:t>https://docs.cypress.io/plugins/</a:t>
-            </a:r>
-            <a:endParaRPr lang="fr-FR" dirty="0"/>
-          </a:p>
-          <a:p>
-            <a:pPr marL="0" indent="0">
-              <a:buNone/>
-            </a:pPr>
-            <a:endParaRPr lang="fr-FR" dirty="0"/>
-          </a:p>
-        </p:txBody>
-      </p:sp>
+              </a:tr>
+              <a:tr h="370840">
+                <a:tc>
+                  <a:txBody>
+                    <a:bodyPr/>
+                    <a:lstStyle/>
+                    <a:p>
+                      <a:r>
+                        <a:rPr lang="fr-FR" dirty="0"/>
+                        <a:t>+ compatible avec beaucoup de </a:t>
+                      </a:r>
+                      <a:r>
+                        <a:rPr lang="fr-FR" dirty="0" err="1"/>
+                        <a:t>languages</a:t>
+                      </a:r>
+                      <a:r>
+                        <a:rPr lang="fr-FR" dirty="0"/>
+                        <a:t>(c#, </a:t>
+                      </a:r>
+                      <a:r>
+                        <a:rPr lang="fr-FR" dirty="0" err="1"/>
+                        <a:t>Java,ruby</a:t>
+                      </a:r>
+                      <a:r>
+                        <a:rPr lang="fr-FR" dirty="0"/>
+                        <a:t>…</a:t>
+                      </a:r>
+                    </a:p>
+                  </a:txBody>
+                  <a:tcPr/>
+                </a:tc>
+                <a:tc>
+                  <a:txBody>
+                    <a:bodyPr/>
+                    <a:lstStyle/>
+                    <a:p>
+                      <a:r>
+                        <a:rPr lang="fr-FR" dirty="0"/>
+                        <a:t>+ architecture basé JS asynchrone</a:t>
+                      </a:r>
+                    </a:p>
+                  </a:txBody>
+                  <a:tcPr/>
+                </a:tc>
+                <a:extLst>
+                  <a:ext uri="{0D108BD9-81ED-4DB2-BD59-A6C34878D82A}">
+                    <a16:rowId xmlns:a16="http://schemas.microsoft.com/office/drawing/2014/main" val="1281125759"/>
+                  </a:ext>
+                </a:extLst>
+              </a:tr>
+              <a:tr h="370840">
+                <a:tc>
+                  <a:txBody>
+                    <a:bodyPr/>
+                    <a:lstStyle/>
+                    <a:p>
+                      <a:r>
+                        <a:rPr lang="fr-FR" dirty="0"/>
+                        <a:t>+ multi-browsers</a:t>
+                      </a:r>
+                    </a:p>
+                  </a:txBody>
+                  <a:tcPr/>
+                </a:tc>
+                <a:tc>
+                  <a:txBody>
+                    <a:bodyPr/>
+                    <a:lstStyle/>
+                    <a:p>
+                      <a:r>
+                        <a:rPr lang="fr-FR" dirty="0"/>
+                        <a:t>+ très simple à installer/ utiliser</a:t>
+                      </a:r>
+                    </a:p>
+                  </a:txBody>
+                  <a:tcPr/>
+                </a:tc>
+                <a:extLst>
+                  <a:ext uri="{0D108BD9-81ED-4DB2-BD59-A6C34878D82A}">
+                    <a16:rowId xmlns:a16="http://schemas.microsoft.com/office/drawing/2014/main" val="468749290"/>
+                  </a:ext>
+                </a:extLst>
+              </a:tr>
+              <a:tr h="370840">
+                <a:tc>
+                  <a:txBody>
+                    <a:bodyPr/>
+                    <a:lstStyle/>
+                    <a:p>
+                      <a:r>
+                        <a:rPr lang="fr-FR" dirty="0"/>
+                        <a:t>+ tests en //</a:t>
+                      </a:r>
+                    </a:p>
+                  </a:txBody>
+                  <a:tcPr/>
+                </a:tc>
+                <a:tc>
+                  <a:txBody>
+                    <a:bodyPr/>
+                    <a:lstStyle/>
+                    <a:p>
+                      <a:r>
+                        <a:rPr lang="fr-FR" dirty="0"/>
+                        <a:t>+ </a:t>
+                      </a:r>
+                      <a:r>
+                        <a:rPr lang="fr-FR" dirty="0" err="1"/>
+                        <a:t>developer-friendly</a:t>
+                      </a:r>
+                      <a:endParaRPr lang="fr-FR" dirty="0"/>
+                    </a:p>
+                  </a:txBody>
+                  <a:tcPr/>
+                </a:tc>
+                <a:extLst>
+                  <a:ext uri="{0D108BD9-81ED-4DB2-BD59-A6C34878D82A}">
+                    <a16:rowId xmlns:a16="http://schemas.microsoft.com/office/drawing/2014/main" val="3437068127"/>
+                  </a:ext>
+                </a:extLst>
+              </a:tr>
+              <a:tr h="370840">
+                <a:tc>
+                  <a:txBody>
+                    <a:bodyPr/>
+                    <a:lstStyle/>
+                    <a:p>
+                      <a:r>
+                        <a:rPr lang="fr-FR" dirty="0"/>
+                        <a:t>- </a:t>
+                      </a:r>
+                      <a:r>
+                        <a:rPr lang="fr-FR" dirty="0" err="1"/>
+                        <a:t>flakeness</a:t>
+                      </a:r>
+                      <a:endParaRPr lang="fr-FR" dirty="0"/>
+                    </a:p>
+                  </a:txBody>
+                  <a:tcPr/>
+                </a:tc>
+                <a:tc>
+                  <a:txBody>
+                    <a:bodyPr/>
+                    <a:lstStyle/>
+                    <a:p>
+                      <a:r>
+                        <a:rPr lang="fr-FR" dirty="0"/>
+                        <a:t>+ pas de manuel </a:t>
+                      </a:r>
+                      <a:r>
+                        <a:rPr lang="fr-FR" dirty="0" err="1"/>
+                        <a:t>wait</a:t>
+                      </a:r>
+                      <a:r>
+                        <a:rPr lang="fr-FR" dirty="0"/>
+                        <a:t> ou </a:t>
+                      </a:r>
+                      <a:r>
+                        <a:rPr lang="fr-FR" dirty="0" err="1"/>
+                        <a:t>retry</a:t>
+                      </a:r>
+                      <a:endParaRPr lang="fr-FR" dirty="0"/>
+                    </a:p>
+                  </a:txBody>
+                  <a:tcPr/>
+                </a:tc>
+                <a:extLst>
+                  <a:ext uri="{0D108BD9-81ED-4DB2-BD59-A6C34878D82A}">
+                    <a16:rowId xmlns:a16="http://schemas.microsoft.com/office/drawing/2014/main" val="199104123"/>
+                  </a:ext>
+                </a:extLst>
+              </a:tr>
+              <a:tr h="370840">
+                <a:tc>
+                  <a:txBody>
+                    <a:bodyPr/>
+                    <a:lstStyle/>
+                    <a:p>
+                      <a:endParaRPr lang="fr-FR"/>
+                    </a:p>
+                  </a:txBody>
+                  <a:tcPr/>
+                </a:tc>
+                <a:tc>
+                  <a:txBody>
+                    <a:bodyPr/>
+                    <a:lstStyle/>
+                    <a:p>
+                      <a:endParaRPr lang="fr-FR"/>
+                    </a:p>
+                  </a:txBody>
+                  <a:tcPr/>
+                </a:tc>
+                <a:extLst>
+                  <a:ext uri="{0D108BD9-81ED-4DB2-BD59-A6C34878D82A}">
+                    <a16:rowId xmlns:a16="http://schemas.microsoft.com/office/drawing/2014/main" val="2833943088"/>
+                  </a:ext>
+                </a:extLst>
+              </a:tr>
+              <a:tr h="370840">
+                <a:tc>
+                  <a:txBody>
+                    <a:bodyPr/>
+                    <a:lstStyle/>
+                    <a:p>
+                      <a:endParaRPr lang="fr-FR"/>
+                    </a:p>
+                  </a:txBody>
+                  <a:tcPr/>
+                </a:tc>
+                <a:tc>
+                  <a:txBody>
+                    <a:bodyPr/>
+                    <a:lstStyle/>
+                    <a:p>
+                      <a:endParaRPr lang="fr-FR"/>
+                    </a:p>
+                  </a:txBody>
+                  <a:tcPr/>
+                </a:tc>
+                <a:extLst>
+                  <a:ext uri="{0D108BD9-81ED-4DB2-BD59-A6C34878D82A}">
+                    <a16:rowId xmlns:a16="http://schemas.microsoft.com/office/drawing/2014/main" val="151405310"/>
+                  </a:ext>
+                </a:extLst>
+              </a:tr>
+              <a:tr h="370840">
+                <a:tc>
+                  <a:txBody>
+                    <a:bodyPr/>
+                    <a:lstStyle/>
+                    <a:p>
+                      <a:endParaRPr lang="fr-FR"/>
+                    </a:p>
+                  </a:txBody>
+                  <a:tcPr/>
+                </a:tc>
+                <a:tc>
+                  <a:txBody>
+                    <a:bodyPr/>
+                    <a:lstStyle/>
+                    <a:p>
+                      <a:endParaRPr lang="fr-FR" dirty="0"/>
+                    </a:p>
+                  </a:txBody>
+                  <a:tcPr/>
+                </a:tc>
+                <a:extLst>
+                  <a:ext uri="{0D108BD9-81ED-4DB2-BD59-A6C34878D82A}">
+                    <a16:rowId xmlns:a16="http://schemas.microsoft.com/office/drawing/2014/main" val="2023710544"/>
+                  </a:ext>
+                </a:extLst>
+              </a:tr>
+            </a:tbl>
+          </a:graphicData>
+        </a:graphic>
+      </p:graphicFrame>
     </p:spTree>
     <p:extLst>
       <p:ext uri="{BB962C8B-B14F-4D97-AF65-F5344CB8AC3E}">
-        <p14:creationId xmlns:p14="http://schemas.microsoft.com/office/powerpoint/2010/main" val="1547575731"/>
+        <p14:creationId xmlns:p14="http://schemas.microsoft.com/office/powerpoint/2010/main" val="1944677420"/>
       </p:ext>
     </p:extLst>
   </p:cSld>
@@ -4409,7 +4980,7 @@
 </p:sld>
 </file>
 
-<file path=ppt/slides/slide15.xml><?xml version="1.0" encoding="utf-8"?>
+<file path=ppt/slides/slide17.xml><?xml version="1.0" encoding="utf-8"?>
 <p:sld xmlns:a="http://schemas.openxmlformats.org/drawingml/2006/main" xmlns:r="http://schemas.openxmlformats.org/officeDocument/2006/relationships" xmlns:p="http://schemas.openxmlformats.org/presentationml/2006/main">
   <p:cSld>
     <p:spTree>
@@ -4431,6 +5002,160 @@
           <p:cNvPr id="2" name="Title 1">
             <a:extLst>
               <a:ext uri="{FF2B5EF4-FFF2-40B4-BE49-F238E27FC236}">
+                <a16:creationId xmlns:a16="http://schemas.microsoft.com/office/drawing/2014/main" id="{05FA4F93-FB0D-4845-AD78-CD0A0F436332}"/>
+              </a:ext>
+            </a:extLst>
+          </p:cNvPr>
+          <p:cNvSpPr>
+            <a:spLocks noGrp="1"/>
+          </p:cNvSpPr>
+          <p:nvPr>
+            <p:ph type="title"/>
+          </p:nvPr>
+        </p:nvSpPr>
+        <p:spPr/>
+        <p:txBody>
+          <a:bodyPr/>
+          <a:lstStyle/>
+          <a:p>
+            <a:r>
+              <a:rPr lang="fr-FR" u="sng" dirty="0"/>
+              <a:t>IV) </a:t>
+            </a:r>
+            <a:r>
+              <a:rPr lang="fr-FR" u="sng" dirty="0" err="1"/>
+              <a:t>Features</a:t>
+            </a:r>
+            <a:r>
+              <a:rPr lang="fr-FR" u="sng" dirty="0"/>
+              <a:t> de </a:t>
+            </a:r>
+            <a:r>
+              <a:rPr lang="fr-FR" u="sng" dirty="0" err="1"/>
+              <a:t>cypress</a:t>
+            </a:r>
+            <a:endParaRPr lang="fr-FR" u="sng" dirty="0"/>
+          </a:p>
+        </p:txBody>
+      </p:sp>
+      <p:sp>
+        <p:nvSpPr>
+          <p:cNvPr id="3" name="Content Placeholder 2">
+            <a:extLst>
+              <a:ext uri="{FF2B5EF4-FFF2-40B4-BE49-F238E27FC236}">
+                <a16:creationId xmlns:a16="http://schemas.microsoft.com/office/drawing/2014/main" id="{CC88863A-5999-4B92-B196-6053018EE4AA}"/>
+              </a:ext>
+            </a:extLst>
+          </p:cNvPr>
+          <p:cNvSpPr>
+            <a:spLocks noGrp="1"/>
+          </p:cNvSpPr>
+          <p:nvPr>
+            <p:ph idx="1"/>
+          </p:nvPr>
+        </p:nvSpPr>
+        <p:spPr/>
+        <p:txBody>
+          <a:bodyPr/>
+          <a:lstStyle/>
+          <a:p>
+            <a:pPr marL="0" indent="0">
+              <a:buNone/>
+            </a:pPr>
+            <a:endParaRPr lang="fr-FR" dirty="0">
+              <a:solidFill>
+                <a:srgbClr val="0563C1"/>
+              </a:solidFill>
+              <a:hlinkClick r:id="rId2">
+                <a:extLst>
+                  <a:ext uri="{A12FA001-AC4F-418D-AE19-62706E023703}">
+                    <ahyp:hlinkClr xmlns:ahyp="http://schemas.microsoft.com/office/drawing/2018/hyperlinkcolor" val="tx"/>
+                  </a:ext>
+                </a:extLst>
+              </a:hlinkClick>
+            </a:endParaRPr>
+          </a:p>
+          <a:p>
+            <a:pPr marL="0" indent="0">
+              <a:buNone/>
+            </a:pPr>
+            <a:r>
+              <a:rPr lang="fr-FR" dirty="0">
+                <a:hlinkClick r:id="rId2">
+                  <a:extLst>
+                    <a:ext uri="{A12FA001-AC4F-418D-AE19-62706E023703}">
+                      <ahyp:hlinkClr xmlns:ahyp="http://schemas.microsoft.com/office/drawing/2018/hyperlinkcolor" val="tx"/>
+                    </a:ext>
+                  </a:extLst>
+                </a:hlinkClick>
+              </a:rPr>
+              <a:t>Library des plugins</a:t>
+            </a:r>
+          </a:p>
+          <a:p>
+            <a:pPr marL="0" indent="0">
+              <a:buNone/>
+            </a:pPr>
+            <a:r>
+              <a:rPr lang="fr-FR" dirty="0">
+                <a:solidFill>
+                  <a:srgbClr val="0563C1"/>
+                </a:solidFill>
+                <a:hlinkClick r:id="rId2">
+                  <a:extLst>
+                    <a:ext uri="{A12FA001-AC4F-418D-AE19-62706E023703}">
+                      <ahyp:hlinkClr xmlns:ahyp="http://schemas.microsoft.com/office/drawing/2018/hyperlinkcolor" val="tx"/>
+                    </a:ext>
+                  </a:extLst>
+                </a:hlinkClick>
+              </a:rPr>
+              <a:t>https://docs.cypress.io/plugins/</a:t>
+            </a:r>
+            <a:endParaRPr lang="fr-FR" dirty="0"/>
+          </a:p>
+          <a:p>
+            <a:pPr marL="0" indent="0">
+              <a:buNone/>
+            </a:pPr>
+            <a:endParaRPr lang="fr-FR" dirty="0"/>
+          </a:p>
+        </p:txBody>
+      </p:sp>
+    </p:spTree>
+    <p:extLst>
+      <p:ext uri="{BB962C8B-B14F-4D97-AF65-F5344CB8AC3E}">
+        <p14:creationId xmlns:p14="http://schemas.microsoft.com/office/powerpoint/2010/main" val="1547575731"/>
+      </p:ext>
+    </p:extLst>
+  </p:cSld>
+  <p:clrMapOvr>
+    <a:masterClrMapping/>
+  </p:clrMapOvr>
+</p:sld>
+</file>
+
+<file path=ppt/slides/slide18.xml><?xml version="1.0" encoding="utf-8"?>
+<p:sld xmlns:a="http://schemas.openxmlformats.org/drawingml/2006/main" xmlns:r="http://schemas.openxmlformats.org/officeDocument/2006/relationships" xmlns:p="http://schemas.openxmlformats.org/presentationml/2006/main">
+  <p:cSld>
+    <p:spTree>
+      <p:nvGrpSpPr>
+        <p:cNvPr id="1" name=""/>
+        <p:cNvGrpSpPr/>
+        <p:nvPr/>
+      </p:nvGrpSpPr>
+      <p:grpSpPr>
+        <a:xfrm>
+          <a:off x="0" y="0"/>
+          <a:ext cx="0" cy="0"/>
+          <a:chOff x="0" y="0"/>
+          <a:chExt cx="0" cy="0"/>
+        </a:xfrm>
+      </p:grpSpPr>
+      <p:sp>
+        <p:nvSpPr>
+          <p:cNvPr id="2" name="Title 1">
+            <a:extLst>
+              <a:ext uri="{FF2B5EF4-FFF2-40B4-BE49-F238E27FC236}">
                 <a16:creationId xmlns:a16="http://schemas.microsoft.com/office/drawing/2014/main" id="{ACE923D7-F829-423F-84DD-9C78662AC85E}"/>
               </a:ext>
             </a:extLst>
@@ -4478,8 +5203,8 @@
               <a:buNone/>
             </a:pPr>
             <a:r>
-              <a:rPr lang="fr-FR" dirty="0"/>
-              <a:t>1) Record tests </a:t>
+              <a:rPr lang="fr-FR" u="sng" dirty="0"/>
+              <a:t>Record tests : </a:t>
             </a:r>
           </a:p>
           <a:p>
@@ -4568,7 +5293,7 @@
 </p:sld>
 </file>
 
-<file path=ppt/slides/slide16.xml><?xml version="1.0" encoding="utf-8"?>
+<file path=ppt/slides/slide19.xml><?xml version="1.0" encoding="utf-8"?>
 <p:sld xmlns:a="http://schemas.openxmlformats.org/drawingml/2006/main" xmlns:r="http://schemas.openxmlformats.org/officeDocument/2006/relationships" xmlns:p="http://schemas.openxmlformats.org/presentationml/2006/main">
   <p:cSld>
     <p:spTree>
@@ -4704,15 +5429,15 @@
           <a:lstStyle/>
           <a:p>
             <a:r>
-              <a:rPr lang="fr-FR" dirty="0"/>
+              <a:rPr lang="fr-FR" u="sng" dirty="0"/>
               <a:t>I)  Un </a:t>
             </a:r>
             <a:r>
-              <a:rPr lang="fr-FR" dirty="0" err="1"/>
+              <a:rPr lang="fr-FR" u="sng" dirty="0" err="1"/>
               <a:t>framework</a:t>
             </a:r>
             <a:r>
-              <a:rPr lang="fr-FR" dirty="0"/>
+              <a:rPr lang="fr-FR" u="sng" dirty="0"/>
               <a:t> de test E2E, c’est quoi ? </a:t>
             </a:r>
           </a:p>
@@ -4792,12 +5517,122 @@
           </a:p>
         </p:txBody>
       </p:sp>
+      <p:sp>
+        <p:nvSpPr>
+          <p:cNvPr id="8" name="TextBox 7">
+            <a:extLst>
+              <a:ext uri="{FF2B5EF4-FFF2-40B4-BE49-F238E27FC236}">
+                <a16:creationId xmlns:a16="http://schemas.microsoft.com/office/drawing/2014/main" id="{F2A609FD-8118-4337-AF3C-15FBC613EB82}"/>
+              </a:ext>
+            </a:extLst>
+          </p:cNvPr>
+          <p:cNvSpPr txBox="1"/>
+          <p:nvPr/>
+        </p:nvSpPr>
+        <p:spPr>
+          <a:xfrm>
+            <a:off x="8135332" y="2620652"/>
+            <a:ext cx="3629320" cy="1754326"/>
+          </a:xfrm>
+          <a:prstGeom prst="rect">
+            <a:avLst/>
+          </a:prstGeom>
+          <a:noFill/>
+        </p:spPr>
+        <p:txBody>
+          <a:bodyPr wrap="square" rtlCol="0">
+            <a:spAutoFit/>
+          </a:bodyPr>
+          <a:lstStyle/>
+          <a:p>
+            <a:r>
+              <a:rPr lang="en-GB" dirty="0"/>
+              <a:t>Tests </a:t>
+            </a:r>
+            <a:r>
+              <a:rPr lang="en-GB" dirty="0" err="1"/>
+              <a:t>unitaires</a:t>
+            </a:r>
+            <a:r>
+              <a:rPr lang="en-GB" dirty="0"/>
+              <a:t> :  </a:t>
+            </a:r>
+            <a:r>
+              <a:rPr lang="en-GB" dirty="0" err="1"/>
+              <a:t>niveau</a:t>
+            </a:r>
+            <a:r>
+              <a:rPr lang="en-GB" dirty="0"/>
+              <a:t> </a:t>
+            </a:r>
+            <a:r>
+              <a:rPr lang="en-GB" dirty="0" err="1"/>
+              <a:t>fonction</a:t>
+            </a:r>
+            <a:endParaRPr lang="en-GB" dirty="0"/>
+          </a:p>
+          <a:p>
+            <a:r>
+              <a:rPr lang="en-GB" dirty="0"/>
+              <a:t>Test Integration : </a:t>
+            </a:r>
+            <a:r>
+              <a:rPr lang="en-GB" dirty="0" err="1"/>
+              <a:t>niveau</a:t>
+            </a:r>
+            <a:r>
+              <a:rPr lang="en-GB" dirty="0"/>
+              <a:t> component connection</a:t>
+            </a:r>
+          </a:p>
+          <a:p>
+            <a:r>
+              <a:rPr lang="en-GB" dirty="0"/>
+              <a:t>Test E2E : </a:t>
+            </a:r>
+            <a:r>
+              <a:rPr lang="en-GB" dirty="0" err="1"/>
+              <a:t>niveau</a:t>
+            </a:r>
+            <a:r>
+              <a:rPr lang="en-GB" dirty="0"/>
+              <a:t> application</a:t>
+            </a:r>
+          </a:p>
+          <a:p>
+            <a:endParaRPr lang="en-GB" dirty="0"/>
+          </a:p>
+          <a:p>
+            <a:r>
+              <a:rPr lang="en-GB" dirty="0" err="1"/>
+              <a:t>Coût</a:t>
+            </a:r>
+            <a:r>
+              <a:rPr lang="en-GB" dirty="0"/>
+              <a:t> </a:t>
+            </a:r>
+            <a:r>
+              <a:rPr lang="en-GB" dirty="0" err="1"/>
+              <a:t>augmente</a:t>
+            </a:r>
+            <a:r>
+              <a:rPr lang="en-GB" dirty="0"/>
+              <a:t> avec le </a:t>
+            </a:r>
+            <a:r>
+              <a:rPr lang="en-GB" dirty="0" err="1"/>
+              <a:t>niveau</a:t>
+            </a:r>
+            <a:endParaRPr lang="en-GB" dirty="0"/>
+          </a:p>
+        </p:txBody>
+      </p:sp>
       <p:pic>
         <p:nvPicPr>
-          <p:cNvPr id="7" name="Picture 6" descr="A screenshot of a video game&#10;&#10;Description automatically generated">
-            <a:extLst>
-              <a:ext uri="{FF2B5EF4-FFF2-40B4-BE49-F238E27FC236}">
-                <a16:creationId xmlns:a16="http://schemas.microsoft.com/office/drawing/2014/main" id="{9FD233BA-E798-401A-B788-C00A05123002}"/>
+          <p:cNvPr id="6" name="Picture 5" descr="A close up of a map&#10;&#10;Description automatically generated">
+            <a:extLst>
+              <a:ext uri="{FF2B5EF4-FFF2-40B4-BE49-F238E27FC236}">
+                <a16:creationId xmlns:a16="http://schemas.microsoft.com/office/drawing/2014/main" id="{9A746567-C2E3-4995-BAB5-33857C2621EF}"/>
               </a:ext>
             </a:extLst>
           </p:cNvPr>
@@ -4820,101 +5655,14 @@
         </p:blipFill>
         <p:spPr>
           <a:xfrm>
-            <a:off x="747725" y="2353591"/>
-            <a:ext cx="6685272" cy="4139284"/>
+            <a:off x="961174" y="1772219"/>
+            <a:ext cx="5527176" cy="4651522"/>
           </a:xfrm>
           <a:prstGeom prst="rect">
             <a:avLst/>
           </a:prstGeom>
         </p:spPr>
       </p:pic>
-      <p:sp>
-        <p:nvSpPr>
-          <p:cNvPr id="8" name="TextBox 7">
-            <a:extLst>
-              <a:ext uri="{FF2B5EF4-FFF2-40B4-BE49-F238E27FC236}">
-                <a16:creationId xmlns:a16="http://schemas.microsoft.com/office/drawing/2014/main" id="{F2A609FD-8118-4337-AF3C-15FBC613EB82}"/>
-              </a:ext>
-            </a:extLst>
-          </p:cNvPr>
-          <p:cNvSpPr txBox="1"/>
-          <p:nvPr/>
-        </p:nvSpPr>
-        <p:spPr>
-          <a:xfrm>
-            <a:off x="8135332" y="2620652"/>
-            <a:ext cx="3629320" cy="1477328"/>
-          </a:xfrm>
-          <a:prstGeom prst="rect">
-            <a:avLst/>
-          </a:prstGeom>
-          <a:noFill/>
-        </p:spPr>
-        <p:txBody>
-          <a:bodyPr wrap="square" rtlCol="0">
-            <a:spAutoFit/>
-          </a:bodyPr>
-          <a:lstStyle/>
-          <a:p>
-            <a:r>
-              <a:rPr lang="en-GB" dirty="0"/>
-              <a:t>Tests </a:t>
-            </a:r>
-            <a:r>
-              <a:rPr lang="en-GB" dirty="0" err="1"/>
-              <a:t>unitaires</a:t>
-            </a:r>
-            <a:r>
-              <a:rPr lang="en-GB" dirty="0"/>
-              <a:t> :  </a:t>
-            </a:r>
-            <a:r>
-              <a:rPr lang="en-GB" dirty="0" err="1"/>
-              <a:t>niveau</a:t>
-            </a:r>
-            <a:r>
-              <a:rPr lang="en-GB" dirty="0"/>
-              <a:t> </a:t>
-            </a:r>
-            <a:r>
-              <a:rPr lang="en-GB" dirty="0" err="1"/>
-              <a:t>fonction</a:t>
-            </a:r>
-            <a:endParaRPr lang="en-GB" dirty="0"/>
-          </a:p>
-          <a:p>
-            <a:r>
-              <a:rPr lang="en-GB" dirty="0"/>
-              <a:t>Test Integration : </a:t>
-            </a:r>
-            <a:r>
-              <a:rPr lang="en-GB" dirty="0" err="1"/>
-              <a:t>niveau</a:t>
-            </a:r>
-            <a:r>
-              <a:rPr lang="en-GB" dirty="0"/>
-              <a:t> component connection</a:t>
-            </a:r>
-          </a:p>
-          <a:p>
-            <a:r>
-              <a:rPr lang="en-GB" dirty="0"/>
-              <a:t>Test E2E : </a:t>
-            </a:r>
-            <a:r>
-              <a:rPr lang="en-GB" dirty="0" err="1"/>
-              <a:t>niveau</a:t>
-            </a:r>
-            <a:r>
-              <a:rPr lang="en-GB" dirty="0"/>
-              <a:t> application</a:t>
-            </a:r>
-          </a:p>
-          <a:p>
-            <a:endParaRPr lang="en-GB" dirty="0"/>
-          </a:p>
-        </p:txBody>
-      </p:sp>
     </p:spTree>
     <p:extLst>
       <p:ext uri="{BB962C8B-B14F-4D97-AF65-F5344CB8AC3E}">
@@ -4950,6 +5698,416 @@
           <p:cNvPr id="2" name="Title 1">
             <a:extLst>
               <a:ext uri="{FF2B5EF4-FFF2-40B4-BE49-F238E27FC236}">
+                <a16:creationId xmlns:a16="http://schemas.microsoft.com/office/drawing/2014/main" id="{EE551FF0-C5AA-4BFC-AC6F-C92BA92207D1}"/>
+              </a:ext>
+            </a:extLst>
+          </p:cNvPr>
+          <p:cNvSpPr>
+            <a:spLocks noGrp="1"/>
+          </p:cNvSpPr>
+          <p:nvPr>
+            <p:ph type="title"/>
+          </p:nvPr>
+        </p:nvSpPr>
+        <p:spPr/>
+        <p:txBody>
+          <a:bodyPr/>
+          <a:lstStyle/>
+          <a:p>
+            <a:r>
+              <a:rPr lang="en-GB" dirty="0" err="1"/>
+              <a:t>Avantages</a:t>
+            </a:r>
+            <a:r>
+              <a:rPr lang="en-GB" dirty="0"/>
+              <a:t> d’un framework de tests </a:t>
+            </a:r>
+            <a:r>
+              <a:rPr lang="en-GB" dirty="0" err="1"/>
+              <a:t>automatisés</a:t>
+            </a:r>
+            <a:r>
+              <a:rPr lang="en-GB" dirty="0"/>
+              <a:t> :</a:t>
+            </a:r>
+          </a:p>
+        </p:txBody>
+      </p:sp>
+      <p:sp>
+        <p:nvSpPr>
+          <p:cNvPr id="8" name="Content Placeholder 7">
+            <a:extLst>
+              <a:ext uri="{FF2B5EF4-FFF2-40B4-BE49-F238E27FC236}">
+                <a16:creationId xmlns:a16="http://schemas.microsoft.com/office/drawing/2014/main" id="{891F9246-1F9E-49B8-87D2-50751E62665D}"/>
+              </a:ext>
+            </a:extLst>
+          </p:cNvPr>
+          <p:cNvSpPr>
+            <a:spLocks noGrp="1"/>
+          </p:cNvSpPr>
+          <p:nvPr>
+            <p:ph idx="1"/>
+          </p:nvPr>
+        </p:nvSpPr>
+        <p:spPr>
+          <a:xfrm>
+            <a:off x="972766" y="1819307"/>
+            <a:ext cx="10515600" cy="4351338"/>
+          </a:xfrm>
+        </p:spPr>
+        <p:txBody>
+          <a:bodyPr/>
+          <a:lstStyle/>
+          <a:p>
+            <a:pPr marL="514350" indent="-514350">
+              <a:buAutoNum type="arabicPeriod"/>
+            </a:pPr>
+            <a:r>
+              <a:rPr lang="en-GB" dirty="0" err="1"/>
+              <a:t>Reutilisabilité</a:t>
+            </a:r>
+            <a:r>
+              <a:rPr lang="en-GB" dirty="0"/>
+              <a:t> du code</a:t>
+            </a:r>
+          </a:p>
+          <a:p>
+            <a:pPr marL="514350" indent="-514350">
+              <a:buAutoNum type="arabicPeriod"/>
+            </a:pPr>
+            <a:r>
+              <a:rPr lang="en-GB" dirty="0"/>
+              <a:t>Couverture de test </a:t>
+            </a:r>
+            <a:r>
+              <a:rPr lang="en-GB" dirty="0" err="1"/>
+              <a:t>maximale</a:t>
+            </a:r>
+            <a:endParaRPr lang="en-GB" dirty="0"/>
+          </a:p>
+          <a:p>
+            <a:pPr marL="514350" indent="-514350">
+              <a:buAutoNum type="arabicPeriod"/>
+            </a:pPr>
+            <a:r>
+              <a:rPr lang="en-GB" dirty="0"/>
+              <a:t>Scenario business-cases</a:t>
+            </a:r>
+          </a:p>
+          <a:p>
+            <a:pPr marL="514350" indent="-514350">
+              <a:buAutoNum type="arabicPeriod"/>
+            </a:pPr>
+            <a:r>
+              <a:rPr lang="en-GB" dirty="0" err="1"/>
+              <a:t>Faible</a:t>
+            </a:r>
+            <a:r>
+              <a:rPr lang="en-GB" dirty="0"/>
+              <a:t> </a:t>
+            </a:r>
+            <a:r>
+              <a:rPr lang="en-GB" dirty="0" err="1"/>
+              <a:t>coût</a:t>
+            </a:r>
+            <a:r>
+              <a:rPr lang="en-GB" dirty="0"/>
+              <a:t> de maintenance</a:t>
+            </a:r>
+          </a:p>
+          <a:p>
+            <a:pPr marL="514350" indent="-514350">
+              <a:buAutoNum type="arabicPeriod"/>
+            </a:pPr>
+            <a:r>
+              <a:rPr lang="en-GB" dirty="0"/>
+              <a:t>Intervention </a:t>
+            </a:r>
+            <a:r>
+              <a:rPr lang="en-GB" dirty="0" err="1"/>
+              <a:t>manuel</a:t>
+            </a:r>
+            <a:r>
+              <a:rPr lang="en-GB" dirty="0"/>
+              <a:t> </a:t>
+            </a:r>
+            <a:r>
+              <a:rPr lang="en-GB" dirty="0" err="1"/>
+              <a:t>minime</a:t>
+            </a:r>
+            <a:endParaRPr lang="en-GB" dirty="0"/>
+          </a:p>
+          <a:p>
+            <a:pPr marL="514350" indent="-514350">
+              <a:buAutoNum type="arabicPeriod"/>
+            </a:pPr>
+            <a:r>
+              <a:rPr lang="en-GB" dirty="0" err="1"/>
+              <a:t>Facilité</a:t>
+            </a:r>
+            <a:r>
+              <a:rPr lang="en-GB" dirty="0"/>
+              <a:t> de rapport de bugs</a:t>
+            </a:r>
+          </a:p>
+        </p:txBody>
+      </p:sp>
+    </p:spTree>
+    <p:extLst>
+      <p:ext uri="{BB962C8B-B14F-4D97-AF65-F5344CB8AC3E}">
+        <p14:creationId xmlns:p14="http://schemas.microsoft.com/office/powerpoint/2010/main" val="1536928190"/>
+      </p:ext>
+    </p:extLst>
+  </p:cSld>
+  <p:clrMapOvr>
+    <a:masterClrMapping/>
+  </p:clrMapOvr>
+</p:sld>
+</file>
+
+<file path=ppt/slides/slide4.xml><?xml version="1.0" encoding="utf-8"?>
+<p:sld xmlns:a="http://schemas.openxmlformats.org/drawingml/2006/main" xmlns:r="http://schemas.openxmlformats.org/officeDocument/2006/relationships" xmlns:p="http://schemas.openxmlformats.org/presentationml/2006/main">
+  <p:cSld>
+    <p:spTree>
+      <p:nvGrpSpPr>
+        <p:cNvPr id="1" name=""/>
+        <p:cNvGrpSpPr/>
+        <p:nvPr/>
+      </p:nvGrpSpPr>
+      <p:grpSpPr>
+        <a:xfrm>
+          <a:off x="0" y="0"/>
+          <a:ext cx="0" cy="0"/>
+          <a:chOff x="0" y="0"/>
+          <a:chExt cx="0" cy="0"/>
+        </a:xfrm>
+      </p:grpSpPr>
+      <p:sp>
+        <p:nvSpPr>
+          <p:cNvPr id="3" name="Content Placeholder 2">
+            <a:extLst>
+              <a:ext uri="{FF2B5EF4-FFF2-40B4-BE49-F238E27FC236}">
+                <a16:creationId xmlns:a16="http://schemas.microsoft.com/office/drawing/2014/main" id="{8DC53ECB-B3CB-4C42-B7C4-316AAE54D9CF}"/>
+              </a:ext>
+            </a:extLst>
+          </p:cNvPr>
+          <p:cNvSpPr>
+            <a:spLocks noGrp="1"/>
+          </p:cNvSpPr>
+          <p:nvPr>
+            <p:ph idx="1"/>
+          </p:nvPr>
+        </p:nvSpPr>
+        <p:spPr>
+          <a:xfrm>
+            <a:off x="838200" y="546100"/>
+            <a:ext cx="10515600" cy="5765800"/>
+          </a:xfrm>
+        </p:spPr>
+        <p:txBody>
+          <a:bodyPr/>
+          <a:lstStyle/>
+          <a:p>
+            <a:pPr marL="0" indent="0">
+              <a:buNone/>
+            </a:pPr>
+            <a:r>
+              <a:rPr lang="en-GB" dirty="0"/>
+              <a:t>				</a:t>
+            </a:r>
+            <a:r>
+              <a:rPr lang="en-GB" sz="3200" u="sng" dirty="0"/>
+              <a:t>Best practices</a:t>
+            </a:r>
+          </a:p>
+          <a:p>
+            <a:endParaRPr lang="en-GB" dirty="0"/>
+          </a:p>
+          <a:p>
+            <a:r>
+              <a:rPr lang="en-GB" dirty="0"/>
+              <a:t>Le test E2E </a:t>
+            </a:r>
+            <a:r>
+              <a:rPr lang="en-GB" dirty="0" err="1"/>
+              <a:t>doit</a:t>
+            </a:r>
+            <a:r>
+              <a:rPr lang="en-GB" dirty="0"/>
+              <a:t> completer les tests </a:t>
+            </a:r>
+            <a:r>
+              <a:rPr lang="en-GB" dirty="0" err="1"/>
+              <a:t>unitaires</a:t>
+            </a:r>
+            <a:r>
+              <a:rPr lang="en-GB" dirty="0"/>
+              <a:t> et </a:t>
+            </a:r>
+            <a:r>
+              <a:rPr lang="en-GB" dirty="0" err="1"/>
+              <a:t>d’integration</a:t>
+            </a:r>
+            <a:r>
+              <a:rPr lang="en-GB" dirty="0"/>
+              <a:t>, </a:t>
+            </a:r>
+            <a:r>
+              <a:rPr lang="en-GB" dirty="0" err="1"/>
+              <a:t>moins</a:t>
+            </a:r>
+            <a:r>
+              <a:rPr lang="en-GB" dirty="0"/>
+              <a:t> </a:t>
+            </a:r>
+            <a:r>
+              <a:rPr lang="en-GB" dirty="0" err="1"/>
+              <a:t>couteux</a:t>
+            </a:r>
+            <a:r>
+              <a:rPr lang="en-GB" dirty="0"/>
+              <a:t>.</a:t>
+            </a:r>
+          </a:p>
+          <a:p>
+            <a:r>
+              <a:rPr lang="en-GB" dirty="0"/>
+              <a:t>Les tests E2E </a:t>
+            </a:r>
+            <a:r>
+              <a:rPr lang="en-GB" dirty="0" err="1"/>
+              <a:t>sont</a:t>
+            </a:r>
+            <a:r>
+              <a:rPr lang="en-GB" dirty="0"/>
+              <a:t> des </a:t>
+            </a:r>
+            <a:r>
+              <a:rPr lang="en-GB" dirty="0" err="1"/>
+              <a:t>réalisés</a:t>
+            </a:r>
+            <a:r>
+              <a:rPr lang="en-GB" dirty="0"/>
+              <a:t> au </a:t>
+            </a:r>
+            <a:r>
+              <a:rPr lang="en-GB" dirty="0" err="1"/>
+              <a:t>niveau</a:t>
+            </a:r>
+            <a:r>
+              <a:rPr lang="en-GB" dirty="0"/>
+              <a:t> de la feature.</a:t>
+            </a:r>
+          </a:p>
+        </p:txBody>
+      </p:sp>
+      <p:pic>
+        <p:nvPicPr>
+          <p:cNvPr id="5" name="Picture 4" descr="A screenshot of a cell phone&#10;&#10;Description automatically generated">
+            <a:extLst>
+              <a:ext uri="{FF2B5EF4-FFF2-40B4-BE49-F238E27FC236}">
+                <a16:creationId xmlns:a16="http://schemas.microsoft.com/office/drawing/2014/main" id="{D0B8E4E4-D102-4A58-9520-F43CD1B79F38}"/>
+              </a:ext>
+            </a:extLst>
+          </p:cNvPr>
+          <p:cNvPicPr>
+            <a:picLocks noChangeAspect="1"/>
+          </p:cNvPicPr>
+          <p:nvPr/>
+        </p:nvPicPr>
+        <p:blipFill>
+          <a:blip r:embed="rId2">
+            <a:extLst>
+              <a:ext uri="{28A0092B-C50C-407E-A947-70E740481C1C}">
+                <a14:useLocalDpi xmlns:a14="http://schemas.microsoft.com/office/drawing/2010/main" val="0"/>
+              </a:ext>
+            </a:extLst>
+          </a:blip>
+          <a:stretch>
+            <a:fillRect/>
+          </a:stretch>
+        </p:blipFill>
+        <p:spPr>
+          <a:xfrm>
+            <a:off x="1018770" y="3971353"/>
+            <a:ext cx="4000702" cy="2340547"/>
+          </a:xfrm>
+          <a:prstGeom prst="rect">
+            <a:avLst/>
+          </a:prstGeom>
+        </p:spPr>
+      </p:pic>
+      <p:pic>
+        <p:nvPicPr>
+          <p:cNvPr id="7" name="Picture 6" descr="A close up of a sign&#10;&#10;Description automatically generated">
+            <a:extLst>
+              <a:ext uri="{FF2B5EF4-FFF2-40B4-BE49-F238E27FC236}">
+                <a16:creationId xmlns:a16="http://schemas.microsoft.com/office/drawing/2014/main" id="{1D30E099-2D16-446D-8724-4CF2982CC990}"/>
+              </a:ext>
+            </a:extLst>
+          </p:cNvPr>
+          <p:cNvPicPr>
+            <a:picLocks noChangeAspect="1"/>
+          </p:cNvPicPr>
+          <p:nvPr/>
+        </p:nvPicPr>
+        <p:blipFill>
+          <a:blip r:embed="rId3">
+            <a:extLst>
+              <a:ext uri="{28A0092B-C50C-407E-A947-70E740481C1C}">
+                <a14:useLocalDpi xmlns:a14="http://schemas.microsoft.com/office/drawing/2010/main" val="0"/>
+              </a:ext>
+            </a:extLst>
+          </a:blip>
+          <a:stretch>
+            <a:fillRect/>
+          </a:stretch>
+        </p:blipFill>
+        <p:spPr>
+          <a:xfrm>
+            <a:off x="6676416" y="2968344"/>
+            <a:ext cx="3892280" cy="3343556"/>
+          </a:xfrm>
+          <a:prstGeom prst="rect">
+            <a:avLst/>
+          </a:prstGeom>
+        </p:spPr>
+      </p:pic>
+    </p:spTree>
+    <p:extLst>
+      <p:ext uri="{BB962C8B-B14F-4D97-AF65-F5344CB8AC3E}">
+        <p14:creationId xmlns:p14="http://schemas.microsoft.com/office/powerpoint/2010/main" val="2856463737"/>
+      </p:ext>
+    </p:extLst>
+  </p:cSld>
+  <p:clrMapOvr>
+    <a:masterClrMapping/>
+  </p:clrMapOvr>
+</p:sld>
+</file>
+
+<file path=ppt/slides/slide5.xml><?xml version="1.0" encoding="utf-8"?>
+<p:sld xmlns:a="http://schemas.openxmlformats.org/drawingml/2006/main" xmlns:r="http://schemas.openxmlformats.org/officeDocument/2006/relationships" xmlns:p="http://schemas.openxmlformats.org/presentationml/2006/main">
+  <p:cSld>
+    <p:spTree>
+      <p:nvGrpSpPr>
+        <p:cNvPr id="1" name=""/>
+        <p:cNvGrpSpPr/>
+        <p:nvPr/>
+      </p:nvGrpSpPr>
+      <p:grpSpPr>
+        <a:xfrm>
+          <a:off x="0" y="0"/>
+          <a:ext cx="0" cy="0"/>
+          <a:chOff x="0" y="0"/>
+          <a:chExt cx="0" cy="0"/>
+        </a:xfrm>
+      </p:grpSpPr>
+      <p:sp>
+        <p:nvSpPr>
+          <p:cNvPr id="2" name="Title 1">
+            <a:extLst>
+              <a:ext uri="{FF2B5EF4-FFF2-40B4-BE49-F238E27FC236}">
                 <a16:creationId xmlns:a16="http://schemas.microsoft.com/office/drawing/2014/main" id="{4C945C6E-63FE-4EB1-800D-0F9685470C5E}"/>
               </a:ext>
             </a:extLst>
@@ -5138,410 +6296,6 @@
 </p:sld>
 </file>
 
-<file path=ppt/slides/slide4.xml><?xml version="1.0" encoding="utf-8"?>
-<p:sld xmlns:a="http://schemas.openxmlformats.org/drawingml/2006/main" xmlns:r="http://schemas.openxmlformats.org/officeDocument/2006/relationships" xmlns:p="http://schemas.openxmlformats.org/presentationml/2006/main">
-  <p:cSld>
-    <p:spTree>
-      <p:nvGrpSpPr>
-        <p:cNvPr id="1" name=""/>
-        <p:cNvGrpSpPr/>
-        <p:nvPr/>
-      </p:nvGrpSpPr>
-      <p:grpSpPr>
-        <a:xfrm>
-          <a:off x="0" y="0"/>
-          <a:ext cx="0" cy="0"/>
-          <a:chOff x="0" y="0"/>
-          <a:chExt cx="0" cy="0"/>
-        </a:xfrm>
-      </p:grpSpPr>
-      <p:sp>
-        <p:nvSpPr>
-          <p:cNvPr id="2" name="Title 1">
-            <a:extLst>
-              <a:ext uri="{FF2B5EF4-FFF2-40B4-BE49-F238E27FC236}">
-                <a16:creationId xmlns:a16="http://schemas.microsoft.com/office/drawing/2014/main" id="{EE551FF0-C5AA-4BFC-AC6F-C92BA92207D1}"/>
-              </a:ext>
-            </a:extLst>
-          </p:cNvPr>
-          <p:cNvSpPr>
-            <a:spLocks noGrp="1"/>
-          </p:cNvSpPr>
-          <p:nvPr>
-            <p:ph type="title"/>
-          </p:nvPr>
-        </p:nvSpPr>
-        <p:spPr/>
-        <p:txBody>
-          <a:bodyPr/>
-          <a:lstStyle/>
-          <a:p>
-            <a:r>
-              <a:rPr lang="en-GB" dirty="0" err="1"/>
-              <a:t>Avantages</a:t>
-            </a:r>
-            <a:r>
-              <a:rPr lang="en-GB" dirty="0"/>
-              <a:t> d’un framework de tests </a:t>
-            </a:r>
-            <a:r>
-              <a:rPr lang="en-GB" dirty="0" err="1"/>
-              <a:t>automatisés</a:t>
-            </a:r>
-            <a:r>
-              <a:rPr lang="en-GB" dirty="0"/>
-              <a:t> :</a:t>
-            </a:r>
-          </a:p>
-        </p:txBody>
-      </p:sp>
-      <p:sp>
-        <p:nvSpPr>
-          <p:cNvPr id="8" name="Content Placeholder 7">
-            <a:extLst>
-              <a:ext uri="{FF2B5EF4-FFF2-40B4-BE49-F238E27FC236}">
-                <a16:creationId xmlns:a16="http://schemas.microsoft.com/office/drawing/2014/main" id="{891F9246-1F9E-49B8-87D2-50751E62665D}"/>
-              </a:ext>
-            </a:extLst>
-          </p:cNvPr>
-          <p:cNvSpPr>
-            <a:spLocks noGrp="1"/>
-          </p:cNvSpPr>
-          <p:nvPr>
-            <p:ph idx="1"/>
-          </p:nvPr>
-        </p:nvSpPr>
-        <p:spPr>
-          <a:xfrm>
-            <a:off x="972766" y="1819307"/>
-            <a:ext cx="10515600" cy="4351338"/>
-          </a:xfrm>
-        </p:spPr>
-        <p:txBody>
-          <a:bodyPr/>
-          <a:lstStyle/>
-          <a:p>
-            <a:pPr marL="514350" indent="-514350">
-              <a:buAutoNum type="arabicPeriod"/>
-            </a:pPr>
-            <a:r>
-              <a:rPr lang="en-GB" dirty="0" err="1"/>
-              <a:t>Reutilisabilité</a:t>
-            </a:r>
-            <a:r>
-              <a:rPr lang="en-GB" dirty="0"/>
-              <a:t> du code</a:t>
-            </a:r>
-          </a:p>
-          <a:p>
-            <a:pPr marL="514350" indent="-514350">
-              <a:buAutoNum type="arabicPeriod"/>
-            </a:pPr>
-            <a:r>
-              <a:rPr lang="en-GB" dirty="0"/>
-              <a:t>Couverture de test </a:t>
-            </a:r>
-            <a:r>
-              <a:rPr lang="en-GB" dirty="0" err="1"/>
-              <a:t>maximale</a:t>
-            </a:r>
-            <a:endParaRPr lang="en-GB" dirty="0"/>
-          </a:p>
-          <a:p>
-            <a:pPr marL="514350" indent="-514350">
-              <a:buAutoNum type="arabicPeriod"/>
-            </a:pPr>
-            <a:r>
-              <a:rPr lang="en-GB" dirty="0"/>
-              <a:t>Scenario business-cases</a:t>
-            </a:r>
-          </a:p>
-          <a:p>
-            <a:pPr marL="514350" indent="-514350">
-              <a:buAutoNum type="arabicPeriod"/>
-            </a:pPr>
-            <a:r>
-              <a:rPr lang="en-GB" dirty="0" err="1"/>
-              <a:t>Faible</a:t>
-            </a:r>
-            <a:r>
-              <a:rPr lang="en-GB" dirty="0"/>
-              <a:t> </a:t>
-            </a:r>
-            <a:r>
-              <a:rPr lang="en-GB" dirty="0" err="1"/>
-              <a:t>coût</a:t>
-            </a:r>
-            <a:r>
-              <a:rPr lang="en-GB" dirty="0"/>
-              <a:t> de maintenance</a:t>
-            </a:r>
-          </a:p>
-          <a:p>
-            <a:pPr marL="514350" indent="-514350">
-              <a:buAutoNum type="arabicPeriod"/>
-            </a:pPr>
-            <a:r>
-              <a:rPr lang="en-GB" dirty="0"/>
-              <a:t>Intervention </a:t>
-            </a:r>
-            <a:r>
-              <a:rPr lang="en-GB" dirty="0" err="1"/>
-              <a:t>manuel</a:t>
-            </a:r>
-            <a:r>
-              <a:rPr lang="en-GB" dirty="0"/>
-              <a:t> </a:t>
-            </a:r>
-            <a:r>
-              <a:rPr lang="en-GB" dirty="0" err="1"/>
-              <a:t>minime</a:t>
-            </a:r>
-            <a:endParaRPr lang="en-GB" dirty="0"/>
-          </a:p>
-          <a:p>
-            <a:pPr marL="514350" indent="-514350">
-              <a:buAutoNum type="arabicPeriod"/>
-            </a:pPr>
-            <a:r>
-              <a:rPr lang="en-GB" dirty="0" err="1"/>
-              <a:t>Facilité</a:t>
-            </a:r>
-            <a:r>
-              <a:rPr lang="en-GB" dirty="0"/>
-              <a:t> de rapport de bugs</a:t>
-            </a:r>
-          </a:p>
-        </p:txBody>
-      </p:sp>
-    </p:spTree>
-    <p:extLst>
-      <p:ext uri="{BB962C8B-B14F-4D97-AF65-F5344CB8AC3E}">
-        <p14:creationId xmlns:p14="http://schemas.microsoft.com/office/powerpoint/2010/main" val="1536928190"/>
-      </p:ext>
-    </p:extLst>
-  </p:cSld>
-  <p:clrMapOvr>
-    <a:masterClrMapping/>
-  </p:clrMapOvr>
-</p:sld>
-</file>
-
-<file path=ppt/slides/slide5.xml><?xml version="1.0" encoding="utf-8"?>
-<p:sld xmlns:a="http://schemas.openxmlformats.org/drawingml/2006/main" xmlns:r="http://schemas.openxmlformats.org/officeDocument/2006/relationships" xmlns:p="http://schemas.openxmlformats.org/presentationml/2006/main">
-  <p:cSld>
-    <p:spTree>
-      <p:nvGrpSpPr>
-        <p:cNvPr id="1" name=""/>
-        <p:cNvGrpSpPr/>
-        <p:nvPr/>
-      </p:nvGrpSpPr>
-      <p:grpSpPr>
-        <a:xfrm>
-          <a:off x="0" y="0"/>
-          <a:ext cx="0" cy="0"/>
-          <a:chOff x="0" y="0"/>
-          <a:chExt cx="0" cy="0"/>
-        </a:xfrm>
-      </p:grpSpPr>
-      <p:sp>
-        <p:nvSpPr>
-          <p:cNvPr id="2" name="Title 1">
-            <a:extLst>
-              <a:ext uri="{FF2B5EF4-FFF2-40B4-BE49-F238E27FC236}">
-                <a16:creationId xmlns:a16="http://schemas.microsoft.com/office/drawing/2014/main" id="{9A15A9A9-A28B-4800-8F9B-FD7D9BC847C0}"/>
-              </a:ext>
-            </a:extLst>
-          </p:cNvPr>
-          <p:cNvSpPr>
-            <a:spLocks noGrp="1"/>
-          </p:cNvSpPr>
-          <p:nvPr>
-            <p:ph type="title"/>
-          </p:nvPr>
-        </p:nvSpPr>
-        <p:spPr/>
-        <p:txBody>
-          <a:bodyPr/>
-          <a:lstStyle/>
-          <a:p>
-            <a:r>
-              <a:rPr lang="en-GB" dirty="0"/>
-              <a:t>Cypress </a:t>
-            </a:r>
-          </a:p>
-        </p:txBody>
-      </p:sp>
-      <p:sp>
-        <p:nvSpPr>
-          <p:cNvPr id="3" name="Content Placeholder 2">
-            <a:extLst>
-              <a:ext uri="{FF2B5EF4-FFF2-40B4-BE49-F238E27FC236}">
-                <a16:creationId xmlns:a16="http://schemas.microsoft.com/office/drawing/2014/main" id="{2D1CD9CF-7FCC-4366-AF1E-EB80D693CEE0}"/>
-              </a:ext>
-            </a:extLst>
-          </p:cNvPr>
-          <p:cNvSpPr>
-            <a:spLocks noGrp="1"/>
-          </p:cNvSpPr>
-          <p:nvPr>
-            <p:ph idx="1"/>
-          </p:nvPr>
-        </p:nvSpPr>
-        <p:spPr/>
-        <p:txBody>
-          <a:bodyPr>
-            <a:normAutofit/>
-          </a:bodyPr>
-          <a:lstStyle/>
-          <a:p>
-            <a:r>
-              <a:rPr lang="fr-FR" dirty="0"/>
-              <a:t>Javascript end-to-end </a:t>
-            </a:r>
-            <a:r>
-              <a:rPr lang="fr-FR" dirty="0" err="1"/>
-              <a:t>testing</a:t>
-            </a:r>
-            <a:r>
-              <a:rPr lang="fr-FR" dirty="0"/>
-              <a:t> </a:t>
-            </a:r>
-            <a:r>
-              <a:rPr lang="fr-FR" dirty="0" err="1"/>
-              <a:t>framework</a:t>
-            </a:r>
-            <a:r>
-              <a:rPr lang="fr-FR" dirty="0"/>
-              <a:t>, parfait pour </a:t>
-            </a:r>
-            <a:r>
-              <a:rPr lang="fr-FR" dirty="0" err="1"/>
-              <a:t>angular</a:t>
-            </a:r>
-            <a:r>
-              <a:rPr lang="fr-FR" dirty="0"/>
-              <a:t>, </a:t>
-            </a:r>
-            <a:r>
-              <a:rPr lang="fr-FR" dirty="0" err="1"/>
-              <a:t>react</a:t>
-            </a:r>
-            <a:r>
-              <a:rPr lang="fr-FR" dirty="0"/>
-              <a:t> et vue</a:t>
-            </a:r>
-          </a:p>
-          <a:p>
-            <a:pPr marL="0" indent="0">
-              <a:buNone/>
-            </a:pPr>
-            <a:endParaRPr lang="fr-FR" dirty="0"/>
-          </a:p>
-          <a:p>
-            <a:r>
-              <a:rPr lang="fr-FR" dirty="0"/>
-              <a:t>Basé sur plusieurs open-source </a:t>
-            </a:r>
-            <a:r>
-              <a:rPr lang="fr-FR" dirty="0" err="1"/>
-              <a:t>testing</a:t>
-            </a:r>
-            <a:r>
-              <a:rPr lang="fr-FR" dirty="0"/>
-              <a:t> </a:t>
-            </a:r>
-            <a:r>
-              <a:rPr lang="fr-FR" dirty="0" err="1"/>
-              <a:t>library</a:t>
-            </a:r>
-            <a:r>
-              <a:rPr lang="fr-FR" dirty="0"/>
-              <a:t> (</a:t>
-            </a:r>
-            <a:r>
-              <a:rPr lang="fr-FR" sz="2600" dirty="0"/>
-              <a:t>Mocha, Chai, Chai-jQuery, </a:t>
-            </a:r>
-            <a:r>
-              <a:rPr lang="fr-FR" sz="2600" dirty="0" err="1"/>
-              <a:t>SinonJS</a:t>
-            </a:r>
-            <a:r>
-              <a:rPr lang="fr-FR" sz="2600" dirty="0"/>
-              <a:t> …</a:t>
-            </a:r>
-            <a:r>
-              <a:rPr lang="fr-FR" dirty="0"/>
-              <a:t>)</a:t>
-            </a:r>
-          </a:p>
-          <a:p>
-            <a:pPr marL="0" indent="0">
-              <a:buNone/>
-            </a:pPr>
-            <a:endParaRPr lang="fr-FR" dirty="0"/>
-          </a:p>
-          <a:p>
-            <a:r>
-              <a:rPr lang="fr-FR" dirty="0"/>
-              <a:t> Gratuit (sauf </a:t>
-            </a:r>
-            <a:r>
-              <a:rPr lang="fr-FR" dirty="0" err="1"/>
-              <a:t>dashboard</a:t>
-            </a:r>
-            <a:r>
-              <a:rPr lang="fr-FR" dirty="0"/>
-              <a:t> service) &amp; open-source</a:t>
-            </a:r>
-          </a:p>
-          <a:p>
-            <a:pPr marL="0" indent="0">
-              <a:buNone/>
-            </a:pPr>
-            <a:endParaRPr lang="fr-FR" dirty="0"/>
-          </a:p>
-          <a:p>
-            <a:r>
-              <a:rPr lang="fr-FR" dirty="0"/>
-              <a:t>Compatible avec chrome, </a:t>
-            </a:r>
-            <a:r>
-              <a:rPr lang="fr-FR" dirty="0" err="1"/>
-              <a:t>edge</a:t>
-            </a:r>
-            <a:r>
-              <a:rPr lang="fr-FR" dirty="0"/>
-              <a:t> et </a:t>
-            </a:r>
-            <a:r>
-              <a:rPr lang="fr-FR" dirty="0" err="1"/>
-              <a:t>firefox</a:t>
-            </a:r>
-            <a:r>
-              <a:rPr lang="fr-FR" dirty="0"/>
-              <a:t>(beta) </a:t>
-            </a:r>
-          </a:p>
-          <a:p>
-            <a:endParaRPr lang="en-GB" dirty="0"/>
-          </a:p>
-        </p:txBody>
-      </p:sp>
-    </p:spTree>
-    <p:extLst>
-      <p:ext uri="{BB962C8B-B14F-4D97-AF65-F5344CB8AC3E}">
-        <p14:creationId xmlns:p14="http://schemas.microsoft.com/office/powerpoint/2010/main" val="1952024970"/>
-      </p:ext>
-    </p:extLst>
-  </p:cSld>
-  <p:clrMapOvr>
-    <a:masterClrMapping/>
-  </p:clrMapOvr>
-</p:sld>
-</file>
-
 <file path=ppt/slides/slide6.xml><?xml version="1.0" encoding="utf-8"?>
 <p:sld xmlns:a="http://schemas.openxmlformats.org/drawingml/2006/main" xmlns:r="http://schemas.openxmlformats.org/officeDocument/2006/relationships" xmlns:p="http://schemas.openxmlformats.org/presentationml/2006/main">
   <p:cSld>
@@ -5564,7 +6318,7 @@
           <p:cNvPr id="2" name="Title 1">
             <a:extLst>
               <a:ext uri="{FF2B5EF4-FFF2-40B4-BE49-F238E27FC236}">
-                <a16:creationId xmlns:a16="http://schemas.microsoft.com/office/drawing/2014/main" id="{27266A42-F390-4586-B842-B12DC5EA6D6E}"/>
+                <a16:creationId xmlns:a16="http://schemas.microsoft.com/office/drawing/2014/main" id="{9A15A9A9-A28B-4800-8F9B-FD7D9BC847C0}"/>
               </a:ext>
             </a:extLst>
           </p:cNvPr>
@@ -5582,15 +6336,7 @@
           <a:p>
             <a:r>
               <a:rPr lang="en-GB" dirty="0"/>
-              <a:t>II) </a:t>
-            </a:r>
-            <a:r>
-              <a:rPr lang="en-GB" dirty="0" err="1"/>
-              <a:t>Historique</a:t>
-            </a:r>
-            <a:r>
-              <a:rPr lang="en-GB" dirty="0"/>
-              <a:t> du framework Cypress</a:t>
+              <a:t>Cypress </a:t>
             </a:r>
           </a:p>
         </p:txBody>
@@ -5600,7 +6346,7 @@
           <p:cNvPr id="3" name="Content Placeholder 2">
             <a:extLst>
               <a:ext uri="{FF2B5EF4-FFF2-40B4-BE49-F238E27FC236}">
-                <a16:creationId xmlns:a16="http://schemas.microsoft.com/office/drawing/2014/main" id="{19521DC8-F581-4D6A-BF2C-E96A20CDBF7D}"/>
+                <a16:creationId xmlns:a16="http://schemas.microsoft.com/office/drawing/2014/main" id="{2D1CD9CF-7FCC-4366-AF1E-EB80D693CEE0}"/>
               </a:ext>
             </a:extLst>
           </p:cNvPr>
@@ -5613,29 +6359,138 @@
         </p:nvSpPr>
         <p:spPr/>
         <p:txBody>
-          <a:bodyPr/>
+          <a:bodyPr>
+            <a:normAutofit/>
+          </a:bodyPr>
           <a:lstStyle/>
           <a:p>
             <a:r>
               <a:rPr lang="fr-FR" dirty="0"/>
-              <a:t> Projet initié par Brian Mann en 2014 (après sondage aux développeurs)</a:t>
-            </a:r>
-          </a:p>
-          <a:p>
+              <a:t>Javascript end-to-end </a:t>
+            </a:r>
+            <a:r>
+              <a:rPr lang="fr-FR" dirty="0" err="1"/>
+              <a:t>testing</a:t>
+            </a:r>
+            <a:r>
+              <a:rPr lang="fr-FR" dirty="0"/>
+              <a:t> </a:t>
+            </a:r>
+            <a:r>
+              <a:rPr lang="fr-FR" dirty="0" err="1"/>
+              <a:t>framework</a:t>
+            </a:r>
+            <a:r>
+              <a:rPr lang="fr-FR" dirty="0"/>
+              <a:t>, parfait pour </a:t>
+            </a:r>
+            <a:r>
+              <a:rPr lang="fr-FR" dirty="0" err="1"/>
+              <a:t>angular</a:t>
+            </a:r>
+            <a:r>
+              <a:rPr lang="fr-FR" dirty="0"/>
+              <a:t>, </a:t>
+            </a:r>
+            <a:r>
+              <a:rPr lang="fr-FR" dirty="0" err="1"/>
+              <a:t>react</a:t>
+            </a:r>
+            <a:r>
+              <a:rPr lang="fr-FR" dirty="0"/>
+              <a:t> et vue</a:t>
+            </a:r>
+          </a:p>
+          <a:p>
+            <a:pPr marL="0" indent="0">
+              <a:buNone/>
+            </a:pPr>
             <a:endParaRPr lang="fr-FR" dirty="0"/>
           </a:p>
           <a:p>
             <a:r>
               <a:rPr lang="fr-FR" dirty="0"/>
-              <a:t>1</a:t>
-            </a:r>
-            <a:r>
-              <a:rPr lang="fr-FR" baseline="30000" dirty="0"/>
-              <a:t>er</a:t>
+              <a:t>Basé sur plusieurs open-source </a:t>
+            </a:r>
+            <a:r>
+              <a:rPr lang="fr-FR" dirty="0" err="1"/>
+              <a:t>testing</a:t>
             </a:r>
             <a:r>
               <a:rPr lang="fr-FR" dirty="0"/>
-              <a:t> release en 2018</a:t>
+              <a:t> </a:t>
+            </a:r>
+            <a:r>
+              <a:rPr lang="fr-FR" dirty="0" err="1"/>
+              <a:t>library</a:t>
+            </a:r>
+            <a:r>
+              <a:rPr lang="fr-FR" dirty="0"/>
+              <a:t> (</a:t>
+            </a:r>
+            <a:r>
+              <a:rPr lang="fr-FR" sz="2600" dirty="0"/>
+              <a:t>Mocha, Chai, Chai-jQuery, </a:t>
+            </a:r>
+            <a:r>
+              <a:rPr lang="fr-FR" sz="2600" dirty="0" err="1"/>
+              <a:t>SinonJS</a:t>
+            </a:r>
+            <a:r>
+              <a:rPr lang="fr-FR" sz="2600" dirty="0"/>
+              <a:t> …</a:t>
+            </a:r>
+            <a:r>
+              <a:rPr lang="fr-FR" dirty="0"/>
+              <a:t>)</a:t>
+            </a:r>
+          </a:p>
+          <a:p>
+            <a:pPr marL="0" indent="0">
+              <a:buNone/>
+            </a:pPr>
+            <a:endParaRPr lang="fr-FR" dirty="0"/>
+          </a:p>
+          <a:p>
+            <a:r>
+              <a:rPr lang="fr-FR" dirty="0"/>
+              <a:t> Gratuit (sauf </a:t>
+            </a:r>
+            <a:r>
+              <a:rPr lang="fr-FR" dirty="0" err="1"/>
+              <a:t>dashboard</a:t>
+            </a:r>
+            <a:r>
+              <a:rPr lang="fr-FR" dirty="0"/>
+              <a:t> service) &amp; open-source</a:t>
+            </a:r>
+          </a:p>
+          <a:p>
+            <a:pPr marL="0" indent="0">
+              <a:buNone/>
+            </a:pPr>
+            <a:endParaRPr lang="fr-FR" dirty="0"/>
+          </a:p>
+          <a:p>
+            <a:r>
+              <a:rPr lang="fr-FR" dirty="0"/>
+              <a:t>Compatible avec chrome, </a:t>
+            </a:r>
+            <a:r>
+              <a:rPr lang="fr-FR" dirty="0" err="1"/>
+              <a:t>edge</a:t>
+            </a:r>
+            <a:r>
+              <a:rPr lang="fr-FR" dirty="0"/>
+              <a:t> et </a:t>
+            </a:r>
+            <a:r>
+              <a:rPr lang="fr-FR" dirty="0" err="1"/>
+              <a:t>firefox</a:t>
+            </a:r>
+            <a:r>
+              <a:rPr lang="fr-FR" dirty="0"/>
+              <a:t>(beta) </a:t>
             </a:r>
           </a:p>
           <a:p>
@@ -5646,7 +6501,7 @@
     </p:spTree>
     <p:extLst>
       <p:ext uri="{BB962C8B-B14F-4D97-AF65-F5344CB8AC3E}">
-        <p14:creationId xmlns:p14="http://schemas.microsoft.com/office/powerpoint/2010/main" val="1157131936"/>
+        <p14:creationId xmlns:p14="http://schemas.microsoft.com/office/powerpoint/2010/main" val="1952024970"/>
       </p:ext>
     </p:extLst>
   </p:cSld>
@@ -5673,120 +6528,86 @@
           <a:chExt cx="0" cy="0"/>
         </a:xfrm>
       </p:grpSpPr>
-      <p:pic>
-        <p:nvPicPr>
-          <p:cNvPr id="4" name="Content Placeholder 3">
-            <a:extLst>
-              <a:ext uri="{FF2B5EF4-FFF2-40B4-BE49-F238E27FC236}">
-                <a16:creationId xmlns:a16="http://schemas.microsoft.com/office/drawing/2014/main" id="{C96FEC96-868B-45BF-85DA-1CA417F3D840}"/>
-              </a:ext>
-            </a:extLst>
-          </p:cNvPr>
-          <p:cNvPicPr>
-            <a:picLocks noGrp="1" noChangeAspect="1"/>
-          </p:cNvPicPr>
+      <p:sp>
+        <p:nvSpPr>
+          <p:cNvPr id="2" name="Title 1">
+            <a:extLst>
+              <a:ext uri="{FF2B5EF4-FFF2-40B4-BE49-F238E27FC236}">
+                <a16:creationId xmlns:a16="http://schemas.microsoft.com/office/drawing/2014/main" id="{27266A42-F390-4586-B842-B12DC5EA6D6E}"/>
+              </a:ext>
+            </a:extLst>
+          </p:cNvPr>
+          <p:cNvSpPr>
+            <a:spLocks noGrp="1"/>
+          </p:cNvSpPr>
+          <p:nvPr>
+            <p:ph type="title"/>
+          </p:nvPr>
+        </p:nvSpPr>
+        <p:spPr/>
+        <p:txBody>
+          <a:bodyPr/>
+          <a:lstStyle/>
+          <a:p>
+            <a:r>
+              <a:rPr lang="en-GB" dirty="0"/>
+              <a:t>II) </a:t>
+            </a:r>
+            <a:r>
+              <a:rPr lang="en-GB" dirty="0" err="1"/>
+              <a:t>Historique</a:t>
+            </a:r>
+            <a:r>
+              <a:rPr lang="en-GB" dirty="0"/>
+              <a:t> du framework Cypress</a:t>
+            </a:r>
+          </a:p>
+        </p:txBody>
+      </p:sp>
+      <p:sp>
+        <p:nvSpPr>
+          <p:cNvPr id="3" name="Content Placeholder 2">
+            <a:extLst>
+              <a:ext uri="{FF2B5EF4-FFF2-40B4-BE49-F238E27FC236}">
+                <a16:creationId xmlns:a16="http://schemas.microsoft.com/office/drawing/2014/main" id="{19521DC8-F581-4D6A-BF2C-E96A20CDBF7D}"/>
+              </a:ext>
+            </a:extLst>
+          </p:cNvPr>
+          <p:cNvSpPr>
+            <a:spLocks noGrp="1"/>
+          </p:cNvSpPr>
           <p:nvPr>
             <p:ph idx="1"/>
           </p:nvPr>
-        </p:nvPicPr>
-        <p:blipFill>
-          <a:blip r:embed="rId2"/>
-          <a:stretch>
-            <a:fillRect/>
-          </a:stretch>
-        </p:blipFill>
-        <p:spPr>
-          <a:xfrm>
-            <a:off x="2308115" y="2927085"/>
-            <a:ext cx="5694263" cy="2504003"/>
-          </a:xfrm>
-          <a:prstGeom prst="rect">
-            <a:avLst/>
-          </a:prstGeom>
-        </p:spPr>
-      </p:pic>
-      <p:sp>
-        <p:nvSpPr>
-          <p:cNvPr id="6" name="Title 1">
-            <a:extLst>
-              <a:ext uri="{FF2B5EF4-FFF2-40B4-BE49-F238E27FC236}">
-                <a16:creationId xmlns:a16="http://schemas.microsoft.com/office/drawing/2014/main" id="{724F6A45-7917-46B9-9EA2-BF03C39BBD24}"/>
-              </a:ext>
-            </a:extLst>
-          </p:cNvPr>
-          <p:cNvSpPr>
-            <a:spLocks noGrp="1"/>
-          </p:cNvSpPr>
-          <p:nvPr>
-            <p:ph type="title"/>
-          </p:nvPr>
-        </p:nvSpPr>
-        <p:spPr>
-          <a:xfrm>
-            <a:off x="1113621" y="442244"/>
-            <a:ext cx="10515600" cy="1325563"/>
-          </a:xfrm>
-        </p:spPr>
+        </p:nvSpPr>
+        <p:spPr/>
         <p:txBody>
           <a:bodyPr/>
           <a:lstStyle/>
           <a:p>
             <a:r>
               <a:rPr lang="fr-FR" dirty="0"/>
-              <a:t>La popularité du </a:t>
-            </a:r>
-            <a:r>
-              <a:rPr lang="fr-FR" dirty="0" err="1"/>
-              <a:t>framework</a:t>
-            </a:r>
+              <a:t> Projet initié par Brian Mann en 2014 (après sondage aux développeurs)</a:t>
+            </a:r>
+          </a:p>
+          <a:p>
             <a:endParaRPr lang="fr-FR" dirty="0"/>
           </a:p>
-        </p:txBody>
-      </p:sp>
-      <p:sp>
-        <p:nvSpPr>
-          <p:cNvPr id="2" name="TextBox 1">
-            <a:extLst>
-              <a:ext uri="{FF2B5EF4-FFF2-40B4-BE49-F238E27FC236}">
-                <a16:creationId xmlns:a16="http://schemas.microsoft.com/office/drawing/2014/main" id="{FA7B66F2-7123-4D21-9BA0-E95C36DE2C4E}"/>
-              </a:ext>
-            </a:extLst>
-          </p:cNvPr>
-          <p:cNvSpPr txBox="1"/>
-          <p:nvPr/>
-        </p:nvSpPr>
-        <p:spPr>
-          <a:xfrm>
-            <a:off x="2501600" y="2162780"/>
-            <a:ext cx="5307291" cy="369332"/>
-          </a:xfrm>
-          <a:prstGeom prst="rect">
-            <a:avLst/>
-          </a:prstGeom>
-          <a:noFill/>
-        </p:spPr>
-        <p:txBody>
-          <a:bodyPr wrap="square" rtlCol="0">
-            <a:spAutoFit/>
-          </a:bodyPr>
-          <a:lstStyle/>
-          <a:p>
-            <a:r>
-              <a:rPr lang="en-GB" dirty="0"/>
-              <a:t>Tres Populaire dans la </a:t>
-            </a:r>
-            <a:r>
-              <a:rPr lang="en-GB" dirty="0" err="1"/>
-              <a:t>communauté</a:t>
-            </a:r>
-            <a:r>
-              <a:rPr lang="en-GB" dirty="0"/>
-              <a:t> </a:t>
-            </a:r>
-            <a:r>
-              <a:rPr lang="en-GB" dirty="0" err="1"/>
-              <a:t>javascript</a:t>
-            </a:r>
+          <a:p>
+            <a:r>
+              <a:rPr lang="fr-FR" dirty="0"/>
+              <a:t>1</a:t>
+            </a:r>
+            <a:r>
+              <a:rPr lang="fr-FR" baseline="30000" dirty="0"/>
+              <a:t>er</a:t>
+            </a:r>
+            <a:r>
+              <a:rPr lang="fr-FR" dirty="0"/>
+              <a:t> release en 2018</a:t>
+            </a:r>
+          </a:p>
+          <a:p>
             <a:endParaRPr lang="en-GB" dirty="0"/>
           </a:p>
         </p:txBody>
@@ -5794,7 +6615,7 @@
     </p:spTree>
     <p:extLst>
       <p:ext uri="{BB962C8B-B14F-4D97-AF65-F5344CB8AC3E}">
-        <p14:creationId xmlns:p14="http://schemas.microsoft.com/office/powerpoint/2010/main" val="3663127601"/>
+        <p14:creationId xmlns:p14="http://schemas.microsoft.com/office/powerpoint/2010/main" val="1157131936"/>
       </p:ext>
     </p:extLst>
   </p:cSld>
@@ -5821,48 +6642,12 @@
           <a:chExt cx="0" cy="0"/>
         </a:xfrm>
       </p:grpSpPr>
-      <p:sp>
-        <p:nvSpPr>
-          <p:cNvPr id="2" name="Title 1">
-            <a:extLst>
-              <a:ext uri="{FF2B5EF4-FFF2-40B4-BE49-F238E27FC236}">
-                <a16:creationId xmlns:a16="http://schemas.microsoft.com/office/drawing/2014/main" id="{4D7D80E3-20CC-46CC-83B1-56A44885F606}"/>
-              </a:ext>
-            </a:extLst>
-          </p:cNvPr>
-          <p:cNvSpPr>
-            <a:spLocks noGrp="1"/>
-          </p:cNvSpPr>
-          <p:nvPr>
-            <p:ph type="title"/>
-          </p:nvPr>
-        </p:nvSpPr>
-        <p:spPr/>
-        <p:txBody>
-          <a:bodyPr/>
-          <a:lstStyle/>
-          <a:p>
-            <a:r>
-              <a:rPr lang="en-GB" dirty="0"/>
-              <a:t> end-to-end </a:t>
-            </a:r>
-            <a:r>
-              <a:rPr lang="en-GB" dirty="0" err="1"/>
-              <a:t>autotests</a:t>
-            </a:r>
-            <a:r>
-              <a:rPr lang="en-GB" dirty="0"/>
-              <a:t> all in one</a:t>
-            </a:r>
-          </a:p>
-        </p:txBody>
-      </p:sp>
       <p:pic>
         <p:nvPicPr>
           <p:cNvPr id="4" name="Content Placeholder 3">
             <a:extLst>
               <a:ext uri="{FF2B5EF4-FFF2-40B4-BE49-F238E27FC236}">
-                <a16:creationId xmlns:a16="http://schemas.microsoft.com/office/drawing/2014/main" id="{4A990DE9-07DB-47ED-97DD-AF1C968A1F64}"/>
+                <a16:creationId xmlns:a16="http://schemas.microsoft.com/office/drawing/2014/main" id="{C96FEC96-868B-45BF-85DA-1CA417F3D840}"/>
               </a:ext>
             </a:extLst>
           </p:cNvPr>
@@ -5881,18 +6666,104 @@
         </p:blipFill>
         <p:spPr>
           <a:xfrm>
-            <a:off x="395926" y="1836550"/>
-            <a:ext cx="10515600" cy="3770843"/>
+            <a:off x="2308115" y="2927085"/>
+            <a:ext cx="5694263" cy="2504003"/>
           </a:xfrm>
           <a:prstGeom prst="rect">
             <a:avLst/>
           </a:prstGeom>
         </p:spPr>
       </p:pic>
+      <p:sp>
+        <p:nvSpPr>
+          <p:cNvPr id="6" name="Title 1">
+            <a:extLst>
+              <a:ext uri="{FF2B5EF4-FFF2-40B4-BE49-F238E27FC236}">
+                <a16:creationId xmlns:a16="http://schemas.microsoft.com/office/drawing/2014/main" id="{724F6A45-7917-46B9-9EA2-BF03C39BBD24}"/>
+              </a:ext>
+            </a:extLst>
+          </p:cNvPr>
+          <p:cNvSpPr>
+            <a:spLocks noGrp="1"/>
+          </p:cNvSpPr>
+          <p:nvPr>
+            <p:ph type="title"/>
+          </p:nvPr>
+        </p:nvSpPr>
+        <p:spPr>
+          <a:xfrm>
+            <a:off x="1113621" y="442244"/>
+            <a:ext cx="10515600" cy="1325563"/>
+          </a:xfrm>
+        </p:spPr>
+        <p:txBody>
+          <a:bodyPr/>
+          <a:lstStyle/>
+          <a:p>
+            <a:r>
+              <a:rPr lang="fr-FR" dirty="0"/>
+              <a:t>La popularité du </a:t>
+            </a:r>
+            <a:r>
+              <a:rPr lang="fr-FR" dirty="0" err="1"/>
+              <a:t>framework</a:t>
+            </a:r>
+            <a:endParaRPr lang="fr-FR" dirty="0"/>
+          </a:p>
+        </p:txBody>
+      </p:sp>
+      <p:sp>
+        <p:nvSpPr>
+          <p:cNvPr id="2" name="TextBox 1">
+            <a:extLst>
+              <a:ext uri="{FF2B5EF4-FFF2-40B4-BE49-F238E27FC236}">
+                <a16:creationId xmlns:a16="http://schemas.microsoft.com/office/drawing/2014/main" id="{FA7B66F2-7123-4D21-9BA0-E95C36DE2C4E}"/>
+              </a:ext>
+            </a:extLst>
+          </p:cNvPr>
+          <p:cNvSpPr txBox="1"/>
+          <p:nvPr/>
+        </p:nvSpPr>
+        <p:spPr>
+          <a:xfrm>
+            <a:off x="2501600" y="2162780"/>
+            <a:ext cx="5307291" cy="369332"/>
+          </a:xfrm>
+          <a:prstGeom prst="rect">
+            <a:avLst/>
+          </a:prstGeom>
+          <a:noFill/>
+        </p:spPr>
+        <p:txBody>
+          <a:bodyPr wrap="square" rtlCol="0">
+            <a:spAutoFit/>
+          </a:bodyPr>
+          <a:lstStyle/>
+          <a:p>
+            <a:r>
+              <a:rPr lang="en-GB" dirty="0"/>
+              <a:t>Tres Populaire dans la </a:t>
+            </a:r>
+            <a:r>
+              <a:rPr lang="en-GB" dirty="0" err="1"/>
+              <a:t>communauté</a:t>
+            </a:r>
+            <a:r>
+              <a:rPr lang="en-GB" dirty="0"/>
+              <a:t> </a:t>
+            </a:r>
+            <a:r>
+              <a:rPr lang="en-GB" dirty="0" err="1"/>
+              <a:t>javascript</a:t>
+            </a:r>
+            <a:endParaRPr lang="en-GB" dirty="0"/>
+          </a:p>
+        </p:txBody>
+      </p:sp>
     </p:spTree>
     <p:extLst>
       <p:ext uri="{BB962C8B-B14F-4D97-AF65-F5344CB8AC3E}">
-        <p14:creationId xmlns:p14="http://schemas.microsoft.com/office/powerpoint/2010/main" val="3680866114"/>
+        <p14:creationId xmlns:p14="http://schemas.microsoft.com/office/powerpoint/2010/main" val="3663127601"/>
       </p:ext>
     </p:extLst>
   </p:cSld>
@@ -5924,7 +6795,7 @@
           <p:cNvPr id="2" name="Title 1">
             <a:extLst>
               <a:ext uri="{FF2B5EF4-FFF2-40B4-BE49-F238E27FC236}">
-                <a16:creationId xmlns:a16="http://schemas.microsoft.com/office/drawing/2014/main" id="{406A6C07-262C-4BBE-940F-1975E421ED64}"/>
+                <a16:creationId xmlns:a16="http://schemas.microsoft.com/office/drawing/2014/main" id="{4D7D80E3-20CC-46CC-83B1-56A44885F606}"/>
               </a:ext>
             </a:extLst>
           </p:cNvPr>
@@ -5941,168 +6812,56 @@
           <a:lstStyle/>
           <a:p>
             <a:r>
-              <a:rPr lang="fr-FR" dirty="0"/>
-              <a:t>III) Compare </a:t>
-            </a:r>
-            <a:r>
-              <a:rPr lang="fr-FR" dirty="0" err="1"/>
-              <a:t>Cypress</a:t>
-            </a:r>
-            <a:r>
-              <a:rPr lang="fr-FR" dirty="0"/>
-              <a:t> </a:t>
-            </a:r>
-            <a:r>
-              <a:rPr lang="fr-FR" dirty="0" err="1"/>
-              <a:t>with</a:t>
-            </a:r>
-            <a:r>
-              <a:rPr lang="fr-FR" dirty="0"/>
-              <a:t> </a:t>
-            </a:r>
-            <a:r>
-              <a:rPr lang="fr-FR" dirty="0" err="1"/>
-              <a:t>others</a:t>
-            </a:r>
-            <a:r>
-              <a:rPr lang="fr-FR" dirty="0"/>
-              <a:t> tools on the </a:t>
-            </a:r>
-            <a:r>
-              <a:rPr lang="fr-FR" dirty="0" err="1"/>
-              <a:t>market</a:t>
-            </a:r>
-            <a:endParaRPr lang="fr-FR" dirty="0"/>
-          </a:p>
-        </p:txBody>
-      </p:sp>
-      <p:sp>
-        <p:nvSpPr>
-          <p:cNvPr id="3" name="Content Placeholder 2">
-            <a:extLst>
-              <a:ext uri="{FF2B5EF4-FFF2-40B4-BE49-F238E27FC236}">
-                <a16:creationId xmlns:a16="http://schemas.microsoft.com/office/drawing/2014/main" id="{9E8CC6F3-FAAD-4A66-922B-134DA6B5F500}"/>
-              </a:ext>
-            </a:extLst>
-          </p:cNvPr>
-          <p:cNvSpPr>
-            <a:spLocks noGrp="1"/>
-          </p:cNvSpPr>
+              <a:rPr lang="en-GB" dirty="0"/>
+              <a:t> end-to-end </a:t>
+            </a:r>
+            <a:r>
+              <a:rPr lang="en-GB" dirty="0" err="1"/>
+              <a:t>autotests</a:t>
+            </a:r>
+            <a:r>
+              <a:rPr lang="en-GB" dirty="0"/>
+              <a:t> all in one</a:t>
+            </a:r>
+          </a:p>
+        </p:txBody>
+      </p:sp>
+      <p:pic>
+        <p:nvPicPr>
+          <p:cNvPr id="4" name="Content Placeholder 3">
+            <a:extLst>
+              <a:ext uri="{FF2B5EF4-FFF2-40B4-BE49-F238E27FC236}">
+                <a16:creationId xmlns:a16="http://schemas.microsoft.com/office/drawing/2014/main" id="{4A990DE9-07DB-47ED-97DD-AF1C968A1F64}"/>
+              </a:ext>
+            </a:extLst>
+          </p:cNvPr>
+          <p:cNvPicPr>
+            <a:picLocks noGrp="1" noChangeAspect="1"/>
+          </p:cNvPicPr>
           <p:nvPr>
             <p:ph idx="1"/>
           </p:nvPr>
-        </p:nvSpPr>
-        <p:spPr/>
-        <p:txBody>
-          <a:bodyPr/>
-          <a:lstStyle/>
-          <a:p>
-            <a:pPr marL="514350" indent="-514350">
-              <a:buAutoNum type="arabicParenR"/>
-            </a:pPr>
-            <a:r>
-              <a:rPr lang="fr-FR" dirty="0"/>
-              <a:t>Architecture optimisé</a:t>
-            </a:r>
-          </a:p>
-          <a:p>
-            <a:pPr marL="0" indent="0">
-              <a:buNone/>
-            </a:pPr>
-            <a:endParaRPr lang="fr-FR" dirty="0"/>
-          </a:p>
-          <a:p>
-            <a:r>
-              <a:rPr lang="fr-FR" dirty="0"/>
-              <a:t> </a:t>
-            </a:r>
-            <a:r>
-              <a:rPr lang="fr-FR" dirty="0" err="1"/>
-              <a:t>Others</a:t>
-            </a:r>
-            <a:r>
-              <a:rPr lang="fr-FR" dirty="0"/>
-              <a:t> </a:t>
-            </a:r>
-            <a:r>
-              <a:rPr lang="fr-FR" dirty="0" err="1"/>
-              <a:t>testing</a:t>
-            </a:r>
-            <a:r>
-              <a:rPr lang="fr-FR" dirty="0"/>
-              <a:t> </a:t>
-            </a:r>
-            <a:r>
-              <a:rPr lang="fr-FR" dirty="0" err="1"/>
-              <a:t>tool</a:t>
-            </a:r>
-            <a:r>
-              <a:rPr lang="fr-FR" dirty="0"/>
-              <a:t> (ex :</a:t>
-            </a:r>
-            <a:r>
-              <a:rPr lang="fr-FR" dirty="0" err="1"/>
-              <a:t>selenium</a:t>
-            </a:r>
-            <a:r>
-              <a:rPr lang="fr-FR" dirty="0"/>
-              <a:t>) use </a:t>
-            </a:r>
-            <a:r>
-              <a:rPr lang="en-US" dirty="0"/>
-              <a:t>a web driver that remotely executes commands</a:t>
-            </a:r>
-          </a:p>
-          <a:p>
-            <a:r>
-              <a:rPr lang="fr-FR" dirty="0"/>
-              <a:t> </a:t>
-            </a:r>
-            <a:r>
-              <a:rPr lang="en-US" dirty="0"/>
-              <a:t>Cypress runs in the same run-loop as your parent application (dans le </a:t>
-            </a:r>
-            <a:r>
-              <a:rPr lang="en-US" dirty="0" err="1"/>
-              <a:t>navigateur</a:t>
-            </a:r>
-            <a:r>
-              <a:rPr lang="en-US" dirty="0"/>
-              <a:t>) =&gt; faster</a:t>
-            </a:r>
-          </a:p>
-          <a:p>
-            <a:endParaRPr lang="en-US" dirty="0"/>
-          </a:p>
-          <a:p>
-            <a:r>
-              <a:rPr lang="en-US" dirty="0" err="1"/>
-              <a:t>Asynchrone</a:t>
-            </a:r>
-            <a:r>
-              <a:rPr lang="en-US" dirty="0"/>
-              <a:t>, + facile pour tester les app web async </a:t>
-            </a:r>
-            <a:r>
-              <a:rPr lang="en-US" dirty="0" err="1"/>
-              <a:t>tel</a:t>
-            </a:r>
-            <a:r>
-              <a:rPr lang="en-US" dirty="0"/>
-              <a:t> que </a:t>
-            </a:r>
-            <a:r>
-              <a:rPr lang="en-US" dirty="0" err="1"/>
-              <a:t>angularjs</a:t>
-            </a:r>
-            <a:endParaRPr lang="fr-FR" dirty="0"/>
-          </a:p>
-        </p:txBody>
-      </p:sp>
+        </p:nvPicPr>
+        <p:blipFill>
+          <a:blip r:embed="rId2"/>
+          <a:stretch>
+            <a:fillRect/>
+          </a:stretch>
+        </p:blipFill>
+        <p:spPr>
+          <a:xfrm>
+            <a:off x="395926" y="1836550"/>
+            <a:ext cx="10515600" cy="3770843"/>
+          </a:xfrm>
+          <a:prstGeom prst="rect">
+            <a:avLst/>
+          </a:prstGeom>
+        </p:spPr>
+      </p:pic>
     </p:spTree>
     <p:extLst>
       <p:ext uri="{BB962C8B-B14F-4D97-AF65-F5344CB8AC3E}">
-        <p14:creationId xmlns:p14="http://schemas.microsoft.com/office/powerpoint/2010/main" val="785267768"/>
+        <p14:creationId xmlns:p14="http://schemas.microsoft.com/office/powerpoint/2010/main" val="3680866114"/>
       </p:ext>
     </p:extLst>
   </p:cSld>
